--- a/Presentacion.pptx
+++ b/Presentacion.pptx
@@ -5,7 +5,7 @@
     <p:sldMasterId id="2147483660" r:id="rId1"/>
   </p:sldMasterIdLst>
   <p:notesMasterIdLst>
-    <p:notesMasterId r:id="rId14"/>
+    <p:notesMasterId r:id="rId17"/>
   </p:notesMasterIdLst>
   <p:sldIdLst>
     <p:sldId id="257" r:id="rId2"/>
@@ -15,11 +15,14 @@
     <p:sldId id="273" r:id="rId6"/>
     <p:sldId id="277" r:id="rId7"/>
     <p:sldId id="274" r:id="rId8"/>
-    <p:sldId id="275" r:id="rId9"/>
-    <p:sldId id="276" r:id="rId10"/>
-    <p:sldId id="278" r:id="rId11"/>
-    <p:sldId id="268" r:id="rId12"/>
-    <p:sldId id="272" r:id="rId13"/>
+    <p:sldId id="281" r:id="rId9"/>
+    <p:sldId id="275" r:id="rId10"/>
+    <p:sldId id="280" r:id="rId11"/>
+    <p:sldId id="276" r:id="rId12"/>
+    <p:sldId id="279" r:id="rId13"/>
+    <p:sldId id="278" r:id="rId14"/>
+    <p:sldId id="268" r:id="rId15"/>
+    <p:sldId id="272" r:id="rId16"/>
   </p:sldIdLst>
   <p:sldSz cx="12192000" cy="6858000"/>
   <p:notesSz cx="6858000" cy="9144000"/>
@@ -208,7 +211,7 @@
           <a:p>
             <a:fld id="{64420CC9-D850-4BF4-B227-59ACC1CB9379}" type="datetimeFigureOut">
               <a:rPr lang="es-AR" smtClean="0"/>
-              <a:t>5/12/2017</a:t>
+              <a:t>6/12/2017</a:t>
             </a:fld>
             <a:endParaRPr lang="es-AR"/>
           </a:p>
@@ -10467,7 +10470,7 @@
       </p:grpSpPr>
       <p:sp>
         <p:nvSpPr>
-          <p:cNvPr id="27" name="Title 26"/>
+          <p:cNvPr id="3" name="Title 2"/>
           <p:cNvSpPr>
             <a:spLocks noGrp="1"/>
           </p:cNvSpPr>
@@ -10480,13 +10483,16 @@
           <a:bodyPr/>
           <a:lstStyle/>
           <a:p>
-            <a:endParaRPr lang="es-AR"/>
+            <a:r>
+              <a:rPr lang="es-AR" dirty="0"/>
+              <a:t>Frontend</a:t>
+            </a:r>
           </a:p>
         </p:txBody>
       </p:sp>
       <p:sp>
         <p:nvSpPr>
-          <p:cNvPr id="28" name="Text Placeholder 27"/>
+          <p:cNvPr id="4" name="Text Placeholder 3"/>
           <p:cNvSpPr>
             <a:spLocks noGrp="1"/>
           </p:cNvSpPr>
@@ -10503,10 +10509,29 @@
           </a:p>
         </p:txBody>
       </p:sp>
+      <p:sp>
+        <p:nvSpPr>
+          <p:cNvPr id="5" name="Text Placeholder 4"/>
+          <p:cNvSpPr>
+            <a:spLocks noGrp="1"/>
+          </p:cNvSpPr>
+          <p:nvPr>
+            <p:ph type="body" sz="quarter" idx="15"/>
+          </p:nvPr>
+        </p:nvSpPr>
+        <p:spPr/>
+        <p:txBody>
+          <a:bodyPr/>
+          <a:lstStyle/>
+          <a:p>
+            <a:endParaRPr lang="es-AR"/>
+          </a:p>
+        </p:txBody>
+      </p:sp>
     </p:spTree>
     <p:extLst>
       <p:ext uri="{BB962C8B-B14F-4D97-AF65-F5344CB8AC3E}">
-        <p14:creationId xmlns:p14="http://schemas.microsoft.com/office/powerpoint/2010/main" val="1181583787"/>
+        <p14:creationId xmlns:p14="http://schemas.microsoft.com/office/powerpoint/2010/main" val="2115061933"/>
       </p:ext>
     </p:extLst>
   </p:cSld>
@@ -10542,6 +10567,271 @@
       </p:grpSpPr>
       <p:sp>
         <p:nvSpPr>
+          <p:cNvPr id="11" name="Title 10"/>
+          <p:cNvSpPr>
+            <a:spLocks noGrp="1"/>
+          </p:cNvSpPr>
+          <p:nvPr>
+            <p:ph type="title"/>
+          </p:nvPr>
+        </p:nvSpPr>
+        <p:spPr/>
+        <p:txBody>
+          <a:bodyPr>
+            <a:normAutofit/>
+          </a:bodyPr>
+          <a:lstStyle/>
+          <a:p>
+            <a:r>
+              <a:rPr lang="es-AR" dirty="0" smtClean="0"/>
+              <a:t>Ejercicio</a:t>
+            </a:r>
+            <a:endParaRPr lang="es-AR" dirty="0"/>
+          </a:p>
+        </p:txBody>
+      </p:sp>
+    </p:spTree>
+    <p:extLst>
+      <p:ext uri="{BB962C8B-B14F-4D97-AF65-F5344CB8AC3E}">
+        <p14:creationId xmlns:p14="http://schemas.microsoft.com/office/powerpoint/2010/main" val="3668245412"/>
+      </p:ext>
+    </p:extLst>
+  </p:cSld>
+  <p:clrMapOvr>
+    <a:masterClrMapping/>
+  </p:clrMapOvr>
+  <p:timing>
+    <p:tnLst>
+      <p:par>
+        <p:cTn id="1" dur="indefinite" restart="never" nodeType="tmRoot"/>
+      </p:par>
+    </p:tnLst>
+  </p:timing>
+</p:sld>
+</file>
+
+<file path=ppt/slides/slide12.xml><?xml version="1.0" encoding="utf-8"?>
+<p:sld xmlns:a="http://schemas.openxmlformats.org/drawingml/2006/main" xmlns:r="http://schemas.openxmlformats.org/officeDocument/2006/relationships" xmlns:p="http://schemas.openxmlformats.org/presentationml/2006/main">
+  <p:cSld>
+    <p:spTree>
+      <p:nvGrpSpPr>
+        <p:cNvPr id="1" name=""/>
+        <p:cNvGrpSpPr/>
+        <p:nvPr/>
+      </p:nvGrpSpPr>
+      <p:grpSpPr>
+        <a:xfrm>
+          <a:off x="0" y="0"/>
+          <a:ext cx="0" cy="0"/>
+          <a:chOff x="0" y="0"/>
+          <a:chExt cx="0" cy="0"/>
+        </a:xfrm>
+      </p:grpSpPr>
+      <p:sp>
+        <p:nvSpPr>
+          <p:cNvPr id="2" name="Title 1"/>
+          <p:cNvSpPr>
+            <a:spLocks noGrp="1"/>
+          </p:cNvSpPr>
+          <p:nvPr>
+            <p:ph type="title"/>
+          </p:nvPr>
+        </p:nvSpPr>
+        <p:spPr/>
+        <p:txBody>
+          <a:bodyPr/>
+          <a:lstStyle/>
+          <a:p>
+            <a:r>
+              <a:rPr lang="es-AR" dirty="0"/>
+              <a:t>Ejercicio</a:t>
+            </a:r>
+          </a:p>
+        </p:txBody>
+      </p:sp>
+      <p:sp>
+        <p:nvSpPr>
+          <p:cNvPr id="3" name="Text Placeholder 2"/>
+          <p:cNvSpPr>
+            <a:spLocks noGrp="1"/>
+          </p:cNvSpPr>
+          <p:nvPr>
+            <p:ph type="body" sz="quarter" idx="10"/>
+          </p:nvPr>
+        </p:nvSpPr>
+        <p:spPr/>
+        <p:txBody>
+          <a:bodyPr/>
+          <a:lstStyle/>
+          <a:p>
+            <a:r>
+              <a:rPr lang="es-AR" dirty="0" err="1" smtClean="0"/>
+              <a:t>Backend</a:t>
+            </a:r>
+            <a:endParaRPr lang="es-AR" dirty="0"/>
+          </a:p>
+        </p:txBody>
+      </p:sp>
+      <p:sp>
+        <p:nvSpPr>
+          <p:cNvPr id="4" name="Text Placeholder 3"/>
+          <p:cNvSpPr>
+            <a:spLocks noGrp="1"/>
+          </p:cNvSpPr>
+          <p:nvPr>
+            <p:ph type="body" sz="quarter" idx="15"/>
+          </p:nvPr>
+        </p:nvSpPr>
+        <p:spPr/>
+        <p:txBody>
+          <a:bodyPr/>
+          <a:lstStyle/>
+          <a:p>
+            <a:endParaRPr lang="es-AR"/>
+          </a:p>
+        </p:txBody>
+      </p:sp>
+    </p:spTree>
+    <p:extLst>
+      <p:ext uri="{BB962C8B-B14F-4D97-AF65-F5344CB8AC3E}">
+        <p14:creationId xmlns:p14="http://schemas.microsoft.com/office/powerpoint/2010/main" val="1114992543"/>
+      </p:ext>
+    </p:extLst>
+  </p:cSld>
+  <p:clrMapOvr>
+    <a:masterClrMapping/>
+  </p:clrMapOvr>
+  <p:timing>
+    <p:tnLst>
+      <p:par>
+        <p:cTn id="1" dur="indefinite" restart="never" nodeType="tmRoot"/>
+      </p:par>
+    </p:tnLst>
+  </p:timing>
+</p:sld>
+</file>
+
+<file path=ppt/slides/slide13.xml><?xml version="1.0" encoding="utf-8"?>
+<p:sld xmlns:a="http://schemas.openxmlformats.org/drawingml/2006/main" xmlns:r="http://schemas.openxmlformats.org/officeDocument/2006/relationships" xmlns:p="http://schemas.openxmlformats.org/presentationml/2006/main">
+  <p:cSld>
+    <p:spTree>
+      <p:nvGrpSpPr>
+        <p:cNvPr id="1" name=""/>
+        <p:cNvGrpSpPr/>
+        <p:nvPr/>
+      </p:nvGrpSpPr>
+      <p:grpSpPr>
+        <a:xfrm>
+          <a:off x="0" y="0"/>
+          <a:ext cx="0" cy="0"/>
+          <a:chOff x="0" y="0"/>
+          <a:chExt cx="0" cy="0"/>
+        </a:xfrm>
+      </p:grpSpPr>
+      <p:sp>
+        <p:nvSpPr>
+          <p:cNvPr id="27" name="Title 26"/>
+          <p:cNvSpPr>
+            <a:spLocks noGrp="1"/>
+          </p:cNvSpPr>
+          <p:nvPr>
+            <p:ph type="title"/>
+          </p:nvPr>
+        </p:nvSpPr>
+        <p:spPr/>
+        <p:txBody>
+          <a:bodyPr/>
+          <a:lstStyle/>
+          <a:p>
+            <a:r>
+              <a:rPr lang="es-AR" dirty="0"/>
+              <a:t>Ejercicio</a:t>
+            </a:r>
+            <a:endParaRPr lang="es-AR" dirty="0"/>
+          </a:p>
+        </p:txBody>
+      </p:sp>
+      <p:sp>
+        <p:nvSpPr>
+          <p:cNvPr id="28" name="Text Placeholder 27"/>
+          <p:cNvSpPr>
+            <a:spLocks noGrp="1"/>
+          </p:cNvSpPr>
+          <p:nvPr>
+            <p:ph type="body" sz="quarter" idx="10"/>
+          </p:nvPr>
+        </p:nvSpPr>
+        <p:spPr/>
+        <p:txBody>
+          <a:bodyPr/>
+          <a:lstStyle/>
+          <a:p>
+            <a:r>
+              <a:rPr lang="es-AR" dirty="0" smtClean="0"/>
+              <a:t>Frontend</a:t>
+            </a:r>
+            <a:endParaRPr lang="es-AR" dirty="0"/>
+          </a:p>
+        </p:txBody>
+      </p:sp>
+      <p:sp>
+        <p:nvSpPr>
+          <p:cNvPr id="2" name="Text Placeholder 1"/>
+          <p:cNvSpPr>
+            <a:spLocks noGrp="1"/>
+          </p:cNvSpPr>
+          <p:nvPr>
+            <p:ph type="body" sz="quarter" idx="15"/>
+          </p:nvPr>
+        </p:nvSpPr>
+        <p:spPr/>
+        <p:txBody>
+          <a:bodyPr/>
+          <a:lstStyle/>
+          <a:p>
+            <a:endParaRPr lang="es-AR"/>
+          </a:p>
+        </p:txBody>
+      </p:sp>
+    </p:spTree>
+    <p:extLst>
+      <p:ext uri="{BB962C8B-B14F-4D97-AF65-F5344CB8AC3E}">
+        <p14:creationId xmlns:p14="http://schemas.microsoft.com/office/powerpoint/2010/main" val="1181583787"/>
+      </p:ext>
+    </p:extLst>
+  </p:cSld>
+  <p:clrMapOvr>
+    <a:masterClrMapping/>
+  </p:clrMapOvr>
+  <p:timing>
+    <p:tnLst>
+      <p:par>
+        <p:cTn id="1" dur="indefinite" restart="never" nodeType="tmRoot"/>
+      </p:par>
+    </p:tnLst>
+  </p:timing>
+</p:sld>
+</file>
+
+<file path=ppt/slides/slide14.xml><?xml version="1.0" encoding="utf-8"?>
+<p:sld xmlns:a="http://schemas.openxmlformats.org/drawingml/2006/main" xmlns:r="http://schemas.openxmlformats.org/officeDocument/2006/relationships" xmlns:p="http://schemas.openxmlformats.org/presentationml/2006/main">
+  <p:cSld>
+    <p:spTree>
+      <p:nvGrpSpPr>
+        <p:cNvPr id="1" name=""/>
+        <p:cNvGrpSpPr/>
+        <p:nvPr/>
+      </p:nvGrpSpPr>
+      <p:grpSpPr>
+        <a:xfrm>
+          <a:off x="0" y="0"/>
+          <a:ext cx="0" cy="0"/>
+          <a:chOff x="0" y="0"/>
+          <a:chExt cx="0" cy="0"/>
+        </a:xfrm>
+      </p:grpSpPr>
+      <p:sp>
+        <p:nvSpPr>
           <p:cNvPr id="9" name="Title 8"/>
           <p:cNvSpPr>
             <a:spLocks noGrp="1"/>
@@ -10557,7 +10847,11 @@
           <a:p>
             <a:r>
               <a:rPr lang="es-AR" dirty="0" smtClean="0"/>
-              <a:t>Preguntas?</a:t>
+              <a:t>¿Preguntas</a:t>
+            </a:r>
+            <a:r>
+              <a:rPr lang="es-AR" dirty="0" smtClean="0"/>
+              <a:t>?</a:t>
             </a:r>
             <a:endParaRPr lang="es-AR" dirty="0"/>
           </a:p>
@@ -10583,7 +10877,7 @@
 </p:sld>
 </file>
 
-<file path=ppt/slides/slide12.xml><?xml version="1.0" encoding="utf-8"?>
+<file path=ppt/slides/slide15.xml><?xml version="1.0" encoding="utf-8"?>
 <p:sld xmlns:a="http://schemas.openxmlformats.org/drawingml/2006/main" xmlns:r="http://schemas.openxmlformats.org/officeDocument/2006/relationships" xmlns:p="http://schemas.openxmlformats.org/presentationml/2006/main">
   <p:cSld>
     <p:spTree>
@@ -10872,6 +11166,372 @@
           <a:chExt cx="0" cy="0"/>
         </a:xfrm>
       </p:grpSpPr>
+      <p:grpSp>
+        <p:nvGrpSpPr>
+          <p:cNvPr id="56" name="Group 55"/>
+          <p:cNvGrpSpPr/>
+          <p:nvPr/>
+        </p:nvGrpSpPr>
+        <p:grpSpPr>
+          <a:xfrm>
+            <a:off x="7306106" y="2305093"/>
+            <a:ext cx="3138295" cy="3633556"/>
+            <a:chOff x="7306106" y="2305093"/>
+            <a:chExt cx="3138295" cy="3633556"/>
+          </a:xfrm>
+        </p:grpSpPr>
+        <p:sp>
+          <p:nvSpPr>
+            <p:cNvPr id="9" name="Rectangle 8"/>
+            <p:cNvSpPr/>
+            <p:nvPr/>
+          </p:nvSpPr>
+          <p:spPr>
+            <a:xfrm rot="5400000">
+              <a:off x="6190509" y="3420690"/>
+              <a:ext cx="2884337" cy="653143"/>
+            </a:xfrm>
+            <a:prstGeom prst="rect">
+              <a:avLst/>
+            </a:prstGeom>
+            <a:solidFill>
+              <a:schemeClr val="tx2">
+                <a:lumMod val="40000"/>
+                <a:lumOff val="60000"/>
+              </a:schemeClr>
+            </a:solidFill>
+            <a:ln w="38100">
+              <a:solidFill>
+                <a:schemeClr val="accent1"/>
+              </a:solidFill>
+            </a:ln>
+          </p:spPr>
+          <p:style>
+            <a:lnRef idx="1">
+              <a:schemeClr val="accent2"/>
+            </a:lnRef>
+            <a:fillRef idx="2">
+              <a:schemeClr val="accent2"/>
+            </a:fillRef>
+            <a:effectRef idx="1">
+              <a:schemeClr val="accent2"/>
+            </a:effectRef>
+            <a:fontRef idx="minor">
+              <a:schemeClr val="dk1"/>
+            </a:fontRef>
+          </p:style>
+          <p:txBody>
+            <a:bodyPr rtlCol="0" anchor="ctr"/>
+            <a:lstStyle/>
+            <a:p>
+              <a:pPr algn="ctr"/>
+              <a:r>
+                <a:rPr lang="es-AR" dirty="0"/>
+                <a:t>ASP.NET Core </a:t>
+              </a:r>
+              <a:r>
+                <a:rPr lang="es-AR" dirty="0" smtClean="0"/>
+                <a:t>2 </a:t>
+              </a:r>
+              <a:r>
+                <a:rPr lang="es-AR" dirty="0" err="1" smtClean="0"/>
+                <a:t>WebAPI</a:t>
+              </a:r>
+              <a:endParaRPr lang="es-AR" dirty="0"/>
+            </a:p>
+          </p:txBody>
+        </p:sp>
+        <p:sp>
+          <p:nvSpPr>
+            <p:cNvPr id="14" name="Rectangle 13"/>
+            <p:cNvSpPr/>
+            <p:nvPr/>
+          </p:nvSpPr>
+          <p:spPr>
+            <a:xfrm rot="5400000">
+              <a:off x="7433085" y="3420691"/>
+              <a:ext cx="2884338" cy="653143"/>
+            </a:xfrm>
+            <a:prstGeom prst="rect">
+              <a:avLst/>
+            </a:prstGeom>
+            <a:solidFill>
+              <a:schemeClr val="accent2">
+                <a:lumMod val="40000"/>
+                <a:lumOff val="60000"/>
+              </a:schemeClr>
+            </a:solidFill>
+            <a:ln w="38100">
+              <a:solidFill>
+                <a:schemeClr val="accent1"/>
+              </a:solidFill>
+            </a:ln>
+          </p:spPr>
+          <p:style>
+            <a:lnRef idx="1">
+              <a:schemeClr val="accent2"/>
+            </a:lnRef>
+            <a:fillRef idx="2">
+              <a:schemeClr val="accent2"/>
+            </a:fillRef>
+            <a:effectRef idx="1">
+              <a:schemeClr val="accent2"/>
+            </a:effectRef>
+            <a:fontRef idx="minor">
+              <a:schemeClr val="dk1"/>
+            </a:fontRef>
+          </p:style>
+          <p:txBody>
+            <a:bodyPr rtlCol="0" anchor="ctr"/>
+            <a:lstStyle/>
+            <a:p>
+              <a:pPr algn="ctr"/>
+              <a:r>
+                <a:rPr lang="es-AR" dirty="0"/>
+                <a:t>Business</a:t>
+              </a:r>
+              <a:endParaRPr lang="es-AR" dirty="0"/>
+            </a:p>
+          </p:txBody>
+        </p:sp>
+        <p:sp>
+          <p:nvSpPr>
+            <p:cNvPr id="15" name="Rectangle 14"/>
+            <p:cNvSpPr/>
+            <p:nvPr/>
+          </p:nvSpPr>
+          <p:spPr>
+            <a:xfrm rot="5400000">
+              <a:off x="8675660" y="3420691"/>
+              <a:ext cx="2884338" cy="653143"/>
+            </a:xfrm>
+            <a:prstGeom prst="rect">
+              <a:avLst/>
+            </a:prstGeom>
+            <a:solidFill>
+              <a:schemeClr val="tx1">
+                <a:lumMod val="20000"/>
+                <a:lumOff val="80000"/>
+              </a:schemeClr>
+            </a:solidFill>
+            <a:ln w="38100">
+              <a:solidFill>
+                <a:schemeClr val="accent1"/>
+              </a:solidFill>
+            </a:ln>
+          </p:spPr>
+          <p:style>
+            <a:lnRef idx="1">
+              <a:schemeClr val="accent2"/>
+            </a:lnRef>
+            <a:fillRef idx="2">
+              <a:schemeClr val="accent2"/>
+            </a:fillRef>
+            <a:effectRef idx="1">
+              <a:schemeClr val="accent2"/>
+            </a:effectRef>
+            <a:fontRef idx="minor">
+              <a:schemeClr val="dk1"/>
+            </a:fontRef>
+          </p:style>
+          <p:txBody>
+            <a:bodyPr rtlCol="0" anchor="ctr"/>
+            <a:lstStyle/>
+            <a:p>
+              <a:pPr algn="ctr"/>
+              <a:r>
+                <a:rPr lang="es-AR" dirty="0" err="1"/>
+                <a:t>Repositories</a:t>
+              </a:r>
+              <a:endParaRPr lang="es-AR" dirty="0"/>
+            </a:p>
+          </p:txBody>
+        </p:sp>
+        <p:sp>
+          <p:nvSpPr>
+            <p:cNvPr id="32" name="Rectangle 31"/>
+            <p:cNvSpPr/>
+            <p:nvPr/>
+          </p:nvSpPr>
+          <p:spPr>
+            <a:xfrm>
+              <a:off x="8918917" y="5373184"/>
+              <a:ext cx="1525484" cy="565465"/>
+            </a:xfrm>
+            <a:prstGeom prst="rect">
+              <a:avLst/>
+            </a:prstGeom>
+            <a:solidFill>
+              <a:schemeClr val="accent5">
+                <a:lumMod val="20000"/>
+                <a:lumOff val="80000"/>
+              </a:schemeClr>
+            </a:solidFill>
+            <a:ln w="38100">
+              <a:solidFill>
+                <a:schemeClr val="accent1"/>
+              </a:solidFill>
+            </a:ln>
+          </p:spPr>
+          <p:style>
+            <a:lnRef idx="1">
+              <a:schemeClr val="accent2"/>
+            </a:lnRef>
+            <a:fillRef idx="2">
+              <a:schemeClr val="accent2"/>
+            </a:fillRef>
+            <a:effectRef idx="1">
+              <a:schemeClr val="accent2"/>
+            </a:effectRef>
+            <a:fontRef idx="minor">
+              <a:schemeClr val="dk1"/>
+            </a:fontRef>
+          </p:style>
+          <p:txBody>
+            <a:bodyPr rtlCol="0" anchor="ctr"/>
+            <a:lstStyle/>
+            <a:p>
+              <a:pPr algn="ctr"/>
+              <a:r>
+                <a:rPr lang="es-AR" dirty="0" smtClean="0"/>
+                <a:t>Entity</a:t>
+              </a:r>
+              <a:endParaRPr lang="es-AR" dirty="0"/>
+            </a:p>
+          </p:txBody>
+        </p:sp>
+        <p:cxnSp>
+          <p:nvCxnSpPr>
+            <p:cNvPr id="34" name="Straight Arrow Connector 33"/>
+            <p:cNvCxnSpPr>
+              <a:stCxn id="9" idx="0"/>
+              <a:endCxn id="14" idx="2"/>
+            </p:cNvCxnSpPr>
+            <p:nvPr/>
+          </p:nvCxnSpPr>
+          <p:spPr>
+            <a:xfrm>
+              <a:off x="7959249" y="3747262"/>
+              <a:ext cx="589434" cy="1"/>
+            </a:xfrm>
+            <a:prstGeom prst="straightConnector1">
+              <a:avLst/>
+            </a:prstGeom>
+            <a:ln w="76200">
+              <a:headEnd type="triangle"/>
+              <a:tailEnd type="triangle"/>
+            </a:ln>
+          </p:spPr>
+          <p:style>
+            <a:lnRef idx="1">
+              <a:schemeClr val="accent1"/>
+            </a:lnRef>
+            <a:fillRef idx="0">
+              <a:schemeClr val="accent1"/>
+            </a:fillRef>
+            <a:effectRef idx="0">
+              <a:schemeClr val="accent1"/>
+            </a:effectRef>
+            <a:fontRef idx="minor">
+              <a:schemeClr val="tx1"/>
+            </a:fontRef>
+          </p:style>
+        </p:cxnSp>
+        <p:cxnSp>
+          <p:nvCxnSpPr>
+            <p:cNvPr id="35" name="Straight Arrow Connector 34"/>
+            <p:cNvCxnSpPr>
+              <a:stCxn id="14" idx="0"/>
+              <a:endCxn id="15" idx="2"/>
+            </p:cNvCxnSpPr>
+            <p:nvPr/>
+          </p:nvCxnSpPr>
+          <p:spPr>
+            <a:xfrm>
+              <a:off x="9201826" y="3747263"/>
+              <a:ext cx="589432" cy="0"/>
+            </a:xfrm>
+            <a:prstGeom prst="straightConnector1">
+              <a:avLst/>
+            </a:prstGeom>
+            <a:ln w="76200">
+              <a:headEnd type="triangle"/>
+              <a:tailEnd type="triangle"/>
+            </a:ln>
+          </p:spPr>
+          <p:style>
+            <a:lnRef idx="1">
+              <a:schemeClr val="accent1"/>
+            </a:lnRef>
+            <a:fillRef idx="0">
+              <a:schemeClr val="accent1"/>
+            </a:fillRef>
+            <a:effectRef idx="0">
+              <a:schemeClr val="accent1"/>
+            </a:effectRef>
+            <a:fontRef idx="minor">
+              <a:schemeClr val="tx1"/>
+            </a:fontRef>
+          </p:style>
+        </p:cxnSp>
+        <p:sp>
+          <p:nvSpPr>
+            <p:cNvPr id="50" name="Rectangle 49"/>
+            <p:cNvSpPr/>
+            <p:nvPr/>
+          </p:nvSpPr>
+          <p:spPr>
+            <a:xfrm>
+              <a:off x="7306106" y="5373184"/>
+              <a:ext cx="1514337" cy="565465"/>
+            </a:xfrm>
+            <a:prstGeom prst="rect">
+              <a:avLst/>
+            </a:prstGeom>
+            <a:solidFill>
+              <a:schemeClr val="tx2">
+                <a:lumMod val="40000"/>
+                <a:lumOff val="60000"/>
+              </a:schemeClr>
+            </a:solidFill>
+            <a:ln w="38100">
+              <a:solidFill>
+                <a:schemeClr val="accent1"/>
+              </a:solidFill>
+            </a:ln>
+          </p:spPr>
+          <p:style>
+            <a:lnRef idx="1">
+              <a:schemeClr val="accent2"/>
+            </a:lnRef>
+            <a:fillRef idx="2">
+              <a:schemeClr val="accent2"/>
+            </a:fillRef>
+            <a:effectRef idx="1">
+              <a:schemeClr val="accent2"/>
+            </a:effectRef>
+            <a:fontRef idx="minor">
+              <a:schemeClr val="dk1"/>
+            </a:fontRef>
+          </p:style>
+          <p:txBody>
+            <a:bodyPr rtlCol="0" anchor="ctr"/>
+            <a:lstStyle/>
+            <a:p>
+              <a:pPr algn="ctr"/>
+              <a:r>
+                <a:rPr lang="es-AR" dirty="0" err="1"/>
+                <a:t>Model</a:t>
+              </a:r>
+              <a:r>
+                <a:rPr lang="es-AR" dirty="0"/>
+                <a:t> (DTO)</a:t>
+              </a:r>
+              <a:endParaRPr lang="es-AR" dirty="0"/>
+            </a:p>
+          </p:txBody>
+        </p:sp>
+      </p:grpSp>
       <p:sp>
         <p:nvSpPr>
           <p:cNvPr id="27" name="Title 26"/>
@@ -10904,7 +11564,7 @@
           <p:nvPr/>
         </p:nvPicPr>
         <p:blipFill rotWithShape="1">
-          <a:blip r:embed="rId2">
+          <a:blip r:embed="rId2" cstate="print">
             <a:extLst>
               <a:ext uri="{28A0092B-C50C-407E-A947-70E740481C1C}">
                 <a14:useLocalDpi xmlns:a14="http://schemas.microsoft.com/office/drawing/2010/main" val="0"/>
@@ -10916,8 +11576,8 @@
         </p:blipFill>
         <p:spPr>
           <a:xfrm>
-            <a:off x="11042469" y="3428893"/>
-            <a:ext cx="1149531" cy="1552031"/>
+            <a:off x="11155080" y="3344746"/>
+            <a:ext cx="797570" cy="1076833"/>
           </a:xfrm>
           <a:prstGeom prst="rect">
             <a:avLst/>
@@ -10946,7 +11606,7 @@
         </p:blipFill>
         <p:spPr>
           <a:xfrm>
-            <a:off x="78913" y="3782965"/>
+            <a:off x="102588" y="3637607"/>
             <a:ext cx="977169" cy="977169"/>
           </a:xfrm>
           <a:prstGeom prst="rect">
@@ -10954,78 +11614,6 @@
           </a:prstGeom>
         </p:spPr>
       </p:pic>
-      <p:pic>
-        <p:nvPicPr>
-          <p:cNvPr id="7" name="Picture 6"/>
-          <p:cNvPicPr>
-            <a:picLocks noChangeAspect="1"/>
-          </p:cNvPicPr>
-          <p:nvPr/>
-        </p:nvPicPr>
-        <p:blipFill>
-          <a:blip r:embed="rId4">
-            <a:extLst>
-              <a:ext uri="{28A0092B-C50C-407E-A947-70E740481C1C}">
-                <a14:useLocalDpi xmlns:a14="http://schemas.microsoft.com/office/drawing/2010/main" val="0"/>
-              </a:ext>
-            </a:extLst>
-          </a:blip>
-          <a:stretch>
-            <a:fillRect/>
-          </a:stretch>
-        </p:blipFill>
-        <p:spPr>
-          <a:xfrm>
-            <a:off x="7171773" y="1029771"/>
-            <a:ext cx="3124200" cy="771525"/>
-          </a:xfrm>
-          <a:prstGeom prst="rect">
-            <a:avLst/>
-          </a:prstGeom>
-        </p:spPr>
-      </p:pic>
-      <p:sp>
-        <p:nvSpPr>
-          <p:cNvPr id="9" name="Rectangle 8"/>
-          <p:cNvSpPr/>
-          <p:nvPr/>
-        </p:nvSpPr>
-        <p:spPr>
-          <a:xfrm rot="5400000">
-            <a:off x="6190509" y="4433563"/>
-            <a:ext cx="2884337" cy="653143"/>
-          </a:xfrm>
-          <a:prstGeom prst="rect">
-            <a:avLst/>
-          </a:prstGeom>
-        </p:spPr>
-        <p:style>
-          <a:lnRef idx="1">
-            <a:schemeClr val="accent1"/>
-          </a:lnRef>
-          <a:fillRef idx="2">
-            <a:schemeClr val="accent1"/>
-          </a:fillRef>
-          <a:effectRef idx="1">
-            <a:schemeClr val="accent1"/>
-          </a:effectRef>
-          <a:fontRef idx="minor">
-            <a:schemeClr val="dk1"/>
-          </a:fontRef>
-        </p:style>
-        <p:txBody>
-          <a:bodyPr rtlCol="0" anchor="ctr"/>
-          <a:lstStyle/>
-          <a:p>
-            <a:pPr algn="ctr"/>
-            <a:r>
-              <a:rPr lang="es-AR" dirty="0" err="1" smtClean="0"/>
-              <a:t>WebAPI</a:t>
-            </a:r>
-            <a:endParaRPr lang="es-AR" dirty="0"/>
-          </a:p>
-        </p:txBody>
-      </p:sp>
       <p:sp>
         <p:nvSpPr>
           <p:cNvPr id="11" name="Rectangle 10"/>
@@ -11034,54 +11622,23 @@
         </p:nvSpPr>
         <p:spPr>
           <a:xfrm rot="5400000">
-            <a:off x="179204" y="4057113"/>
+            <a:off x="263230" y="3788133"/>
             <a:ext cx="3634247" cy="666785"/>
           </a:xfrm>
           <a:prstGeom prst="rect">
             <a:avLst/>
           </a:prstGeom>
-        </p:spPr>
-        <p:style>
-          <a:lnRef idx="1">
-            <a:schemeClr val="accent4"/>
-          </a:lnRef>
-          <a:fillRef idx="2">
-            <a:schemeClr val="accent4"/>
-          </a:fillRef>
-          <a:effectRef idx="1">
-            <a:schemeClr val="accent4"/>
-          </a:effectRef>
-          <a:fontRef idx="minor">
-            <a:schemeClr val="dk1"/>
-          </a:fontRef>
-        </p:style>
-        <p:txBody>
-          <a:bodyPr rtlCol="0" anchor="ctr"/>
-          <a:lstStyle/>
-          <a:p>
-            <a:pPr algn="ctr"/>
-            <a:r>
-              <a:rPr lang="es-AR" dirty="0" err="1" smtClean="0"/>
-              <a:t>Components</a:t>
-            </a:r>
-            <a:endParaRPr lang="es-AR" dirty="0"/>
-          </a:p>
-        </p:txBody>
-      </p:sp>
-      <p:sp>
-        <p:nvSpPr>
-          <p:cNvPr id="12" name="Rectangle 11"/>
-          <p:cNvSpPr/>
-          <p:nvPr/>
-        </p:nvSpPr>
-        <p:spPr>
-          <a:xfrm rot="5400000">
-            <a:off x="1433162" y="4057113"/>
-            <a:ext cx="3634248" cy="666785"/>
-          </a:xfrm>
-          <a:prstGeom prst="rect">
-            <a:avLst/>
-          </a:prstGeom>
+          <a:solidFill>
+            <a:schemeClr val="tx1">
+              <a:lumMod val="20000"/>
+              <a:lumOff val="80000"/>
+            </a:schemeClr>
+          </a:solidFill>
+          <a:ln w="38100">
+            <a:solidFill>
+              <a:schemeClr val="accent1"/>
+            </a:solidFill>
+          </a:ln>
         </p:spPr>
         <p:style>
           <a:lnRef idx="1">
@@ -11103,8 +11660,8 @@
           <a:p>
             <a:pPr algn="ctr"/>
             <a:r>
-              <a:rPr lang="es-AR" dirty="0" err="1" smtClean="0"/>
-              <a:t>Services</a:t>
+              <a:rPr lang="es-AR" dirty="0" err="1"/>
+              <a:t>Components</a:t>
             </a:r>
             <a:endParaRPr lang="es-AR" dirty="0"/>
           </a:p>
@@ -11112,60 +11669,29 @@
       </p:sp>
       <p:sp>
         <p:nvSpPr>
-          <p:cNvPr id="14" name="Rectangle 13"/>
+          <p:cNvPr id="12" name="Rectangle 11"/>
           <p:cNvSpPr/>
           <p:nvPr/>
         </p:nvSpPr>
         <p:spPr>
           <a:xfrm rot="5400000">
-            <a:off x="7433085" y="4433564"/>
-            <a:ext cx="2884338" cy="653143"/>
+            <a:off x="1618788" y="3788133"/>
+            <a:ext cx="3634249" cy="666785"/>
           </a:xfrm>
           <a:prstGeom prst="rect">
             <a:avLst/>
           </a:prstGeom>
-        </p:spPr>
-        <p:style>
-          <a:lnRef idx="1">
-            <a:schemeClr val="accent4"/>
-          </a:lnRef>
-          <a:fillRef idx="2">
-            <a:schemeClr val="accent4"/>
-          </a:fillRef>
-          <a:effectRef idx="1">
-            <a:schemeClr val="accent4"/>
-          </a:effectRef>
-          <a:fontRef idx="minor">
-            <a:schemeClr val="dk1"/>
-          </a:fontRef>
-        </p:style>
-        <p:txBody>
-          <a:bodyPr rtlCol="0" anchor="ctr"/>
-          <a:lstStyle/>
-          <a:p>
-            <a:pPr algn="ctr"/>
-            <a:r>
-              <a:rPr lang="es-AR" dirty="0" smtClean="0"/>
-              <a:t>Business</a:t>
-            </a:r>
-            <a:endParaRPr lang="es-AR" dirty="0"/>
-          </a:p>
-        </p:txBody>
-      </p:sp>
-      <p:sp>
-        <p:nvSpPr>
-          <p:cNvPr id="15" name="Rectangle 14"/>
-          <p:cNvSpPr/>
-          <p:nvPr/>
-        </p:nvSpPr>
-        <p:spPr>
-          <a:xfrm rot="5400000">
-            <a:off x="8675660" y="4433564"/>
-            <a:ext cx="2884338" cy="653143"/>
-          </a:xfrm>
-          <a:prstGeom prst="rect">
-            <a:avLst/>
-          </a:prstGeom>
+          <a:solidFill>
+            <a:schemeClr val="accent2">
+              <a:lumMod val="40000"/>
+              <a:lumOff val="60000"/>
+            </a:schemeClr>
+          </a:solidFill>
+          <a:ln w="38100">
+            <a:solidFill>
+              <a:schemeClr val="accent1"/>
+            </a:solidFill>
+          </a:ln>
         </p:spPr>
         <p:style>
           <a:lnRef idx="1">
@@ -11188,323 +11714,7 @@
             <a:pPr algn="ctr"/>
             <a:r>
               <a:rPr lang="es-AR" dirty="0" err="1" smtClean="0"/>
-              <a:t>Repositories</a:t>
-            </a:r>
-            <a:endParaRPr lang="es-AR" dirty="0"/>
-          </a:p>
-        </p:txBody>
-      </p:sp>
-      <p:sp>
-        <p:nvSpPr>
-          <p:cNvPr id="17" name="Left-Right Arrow 16"/>
-          <p:cNvSpPr/>
-          <p:nvPr/>
-        </p:nvSpPr>
-        <p:spPr>
-          <a:xfrm>
-            <a:off x="6168660" y="4040397"/>
-            <a:ext cx="1129690" cy="489863"/>
-          </a:xfrm>
-          <a:prstGeom prst="leftRightArrow">
-            <a:avLst/>
-          </a:prstGeom>
-        </p:spPr>
-        <p:style>
-          <a:lnRef idx="1">
-            <a:schemeClr val="accent1"/>
-          </a:lnRef>
-          <a:fillRef idx="3">
-            <a:schemeClr val="accent1"/>
-          </a:fillRef>
-          <a:effectRef idx="2">
-            <a:schemeClr val="accent1"/>
-          </a:effectRef>
-          <a:fontRef idx="minor">
-            <a:schemeClr val="lt1"/>
-          </a:fontRef>
-        </p:style>
-        <p:txBody>
-          <a:bodyPr rtlCol="0" anchor="ctr"/>
-          <a:lstStyle/>
-          <a:p>
-            <a:pPr algn="ctr"/>
-            <a:r>
-              <a:rPr lang="es-AR" dirty="0" smtClean="0"/>
-              <a:t>REST</a:t>
-            </a:r>
-            <a:endParaRPr lang="es-AR" dirty="0"/>
-          </a:p>
-        </p:txBody>
-      </p:sp>
-      <p:sp>
-        <p:nvSpPr>
-          <p:cNvPr id="19" name="Left-Right Arrow 18"/>
-          <p:cNvSpPr/>
-          <p:nvPr/>
-        </p:nvSpPr>
-        <p:spPr>
-          <a:xfrm>
-            <a:off x="2329720" y="2765561"/>
-            <a:ext cx="587175" cy="300447"/>
-          </a:xfrm>
-          <a:prstGeom prst="leftRightArrow">
-            <a:avLst/>
-          </a:prstGeom>
-        </p:spPr>
-        <p:style>
-          <a:lnRef idx="1">
-            <a:schemeClr val="accent1"/>
-          </a:lnRef>
-          <a:fillRef idx="3">
-            <a:schemeClr val="accent1"/>
-          </a:fillRef>
-          <a:effectRef idx="2">
-            <a:schemeClr val="accent1"/>
-          </a:effectRef>
-          <a:fontRef idx="minor">
-            <a:schemeClr val="lt1"/>
-          </a:fontRef>
-        </p:style>
-        <p:txBody>
-          <a:bodyPr rtlCol="0" anchor="ctr"/>
-          <a:lstStyle/>
-          <a:p>
-            <a:pPr algn="ctr"/>
-            <a:endParaRPr lang="es-AR"/>
-          </a:p>
-        </p:txBody>
-      </p:sp>
-      <p:sp>
-        <p:nvSpPr>
-          <p:cNvPr id="20" name="Left-Right Arrow 19"/>
-          <p:cNvSpPr/>
-          <p:nvPr/>
-        </p:nvSpPr>
-        <p:spPr>
-          <a:xfrm>
-            <a:off x="1046577" y="4129129"/>
-            <a:ext cx="587175" cy="300447"/>
-          </a:xfrm>
-          <a:prstGeom prst="leftRightArrow">
-            <a:avLst/>
-          </a:prstGeom>
-        </p:spPr>
-        <p:style>
-          <a:lnRef idx="1">
-            <a:schemeClr val="accent1"/>
-          </a:lnRef>
-          <a:fillRef idx="3">
-            <a:schemeClr val="accent1"/>
-          </a:fillRef>
-          <a:effectRef idx="2">
-            <a:schemeClr val="accent1"/>
-          </a:effectRef>
-          <a:fontRef idx="minor">
-            <a:schemeClr val="lt1"/>
-          </a:fontRef>
-        </p:style>
-        <p:txBody>
-          <a:bodyPr rtlCol="0" anchor="ctr"/>
-          <a:lstStyle/>
-          <a:p>
-            <a:pPr algn="ctr"/>
-            <a:r>
-              <a:rPr lang="es-AR" sz="800" dirty="0" smtClean="0"/>
-              <a:t>HTTP</a:t>
-            </a:r>
-            <a:endParaRPr lang="es-AR" sz="800" dirty="0"/>
-          </a:p>
-        </p:txBody>
-      </p:sp>
-      <p:sp>
-        <p:nvSpPr>
-          <p:cNvPr id="21" name="Left-Right Arrow 20"/>
-          <p:cNvSpPr/>
-          <p:nvPr/>
-        </p:nvSpPr>
-        <p:spPr>
-          <a:xfrm>
-            <a:off x="7961509" y="4190619"/>
-            <a:ext cx="587175" cy="300447"/>
-          </a:xfrm>
-          <a:prstGeom prst="leftRightArrow">
-            <a:avLst/>
-          </a:prstGeom>
-        </p:spPr>
-        <p:style>
-          <a:lnRef idx="1">
-            <a:schemeClr val="accent1"/>
-          </a:lnRef>
-          <a:fillRef idx="3">
-            <a:schemeClr val="accent1"/>
-          </a:fillRef>
-          <a:effectRef idx="2">
-            <a:schemeClr val="accent1"/>
-          </a:effectRef>
-          <a:fontRef idx="minor">
-            <a:schemeClr val="lt1"/>
-          </a:fontRef>
-        </p:style>
-        <p:txBody>
-          <a:bodyPr rtlCol="0" anchor="ctr"/>
-          <a:lstStyle/>
-          <a:p>
-            <a:pPr algn="ctr"/>
-            <a:endParaRPr lang="es-AR"/>
-          </a:p>
-        </p:txBody>
-      </p:sp>
-      <p:sp>
-        <p:nvSpPr>
-          <p:cNvPr id="22" name="Left-Right Arrow 21"/>
-          <p:cNvSpPr/>
-          <p:nvPr/>
-        </p:nvSpPr>
-        <p:spPr>
-          <a:xfrm>
-            <a:off x="9227062" y="4171037"/>
-            <a:ext cx="587175" cy="300447"/>
-          </a:xfrm>
-          <a:prstGeom prst="leftRightArrow">
-            <a:avLst/>
-          </a:prstGeom>
-        </p:spPr>
-        <p:style>
-          <a:lnRef idx="1">
-            <a:schemeClr val="accent1"/>
-          </a:lnRef>
-          <a:fillRef idx="3">
-            <a:schemeClr val="accent1"/>
-          </a:fillRef>
-          <a:effectRef idx="2">
-            <a:schemeClr val="accent1"/>
-          </a:effectRef>
-          <a:fontRef idx="minor">
-            <a:schemeClr val="lt1"/>
-          </a:fontRef>
-        </p:style>
-        <p:txBody>
-          <a:bodyPr rtlCol="0" anchor="ctr"/>
-          <a:lstStyle/>
-          <a:p>
-            <a:pPr algn="ctr"/>
-            <a:endParaRPr lang="es-AR"/>
-          </a:p>
-        </p:txBody>
-      </p:sp>
-      <p:sp>
-        <p:nvSpPr>
-          <p:cNvPr id="23" name="Left-Right Arrow 22"/>
-          <p:cNvSpPr/>
-          <p:nvPr/>
-        </p:nvSpPr>
-        <p:spPr>
-          <a:xfrm>
-            <a:off x="10467380" y="4171037"/>
-            <a:ext cx="587175" cy="300447"/>
-          </a:xfrm>
-          <a:prstGeom prst="leftRightArrow">
-            <a:avLst/>
-          </a:prstGeom>
-        </p:spPr>
-        <p:style>
-          <a:lnRef idx="1">
-            <a:schemeClr val="accent1"/>
-          </a:lnRef>
-          <a:fillRef idx="3">
-            <a:schemeClr val="accent1"/>
-          </a:fillRef>
-          <a:effectRef idx="2">
-            <a:schemeClr val="accent1"/>
-          </a:effectRef>
-          <a:fontRef idx="minor">
-            <a:schemeClr val="lt1"/>
-          </a:fontRef>
-        </p:style>
-        <p:txBody>
-          <a:bodyPr rtlCol="0" anchor="ctr"/>
-          <a:lstStyle/>
-          <a:p>
-            <a:pPr algn="ctr"/>
-            <a:endParaRPr lang="es-AR"/>
-          </a:p>
-        </p:txBody>
-      </p:sp>
-      <p:sp>
-        <p:nvSpPr>
-          <p:cNvPr id="26" name="Left-Right Arrow 25"/>
-          <p:cNvSpPr/>
-          <p:nvPr/>
-        </p:nvSpPr>
-        <p:spPr>
-          <a:xfrm>
-            <a:off x="2325569" y="4986250"/>
-            <a:ext cx="587175" cy="300447"/>
-          </a:xfrm>
-          <a:prstGeom prst="leftRightArrow">
-            <a:avLst/>
-          </a:prstGeom>
-        </p:spPr>
-        <p:style>
-          <a:lnRef idx="1">
-            <a:schemeClr val="accent1"/>
-          </a:lnRef>
-          <a:fillRef idx="3">
-            <a:schemeClr val="accent1"/>
-          </a:fillRef>
-          <a:effectRef idx="2">
-            <a:schemeClr val="accent1"/>
-          </a:effectRef>
-          <a:fontRef idx="minor">
-            <a:schemeClr val="lt1"/>
-          </a:fontRef>
-        </p:style>
-        <p:txBody>
-          <a:bodyPr rtlCol="0" anchor="ctr"/>
-          <a:lstStyle/>
-          <a:p>
-            <a:pPr algn="ctr"/>
-            <a:endParaRPr lang="es-AR"/>
-          </a:p>
-        </p:txBody>
-      </p:sp>
-      <p:sp>
-        <p:nvSpPr>
-          <p:cNvPr id="32" name="Rectangle 31"/>
-          <p:cNvSpPr/>
-          <p:nvPr/>
-        </p:nvSpPr>
-        <p:spPr>
-          <a:xfrm>
-            <a:off x="7306107" y="2573381"/>
-            <a:ext cx="3161376" cy="565465"/>
-          </a:xfrm>
-          <a:prstGeom prst="rect">
-            <a:avLst/>
-          </a:prstGeom>
-        </p:spPr>
-        <p:style>
-          <a:lnRef idx="1">
-            <a:schemeClr val="accent3"/>
-          </a:lnRef>
-          <a:fillRef idx="2">
-            <a:schemeClr val="accent3"/>
-          </a:fillRef>
-          <a:effectRef idx="1">
-            <a:schemeClr val="accent3"/>
-          </a:effectRef>
-          <a:fontRef idx="minor">
-            <a:schemeClr val="dk1"/>
-          </a:fontRef>
-        </p:style>
-        <p:txBody>
-          <a:bodyPr rtlCol="0" anchor="ctr"/>
-          <a:lstStyle/>
-          <a:p>
-            <a:pPr algn="ctr"/>
-            <a:r>
-              <a:rPr lang="es-AR" dirty="0" err="1" smtClean="0"/>
-              <a:t>Model</a:t>
+              <a:t>Services</a:t>
             </a:r>
             <a:endParaRPr lang="es-AR" dirty="0"/>
           </a:p>
@@ -11518,12 +11728,18 @@
         </p:nvSpPr>
         <p:spPr>
           <a:xfrm>
-            <a:off x="4746591" y="3840479"/>
-            <a:ext cx="1422070" cy="820403"/>
+            <a:off x="4754412" y="3711255"/>
+            <a:ext cx="1422070" cy="806334"/>
           </a:xfrm>
           <a:prstGeom prst="cloud">
             <a:avLst/>
           </a:prstGeom>
+          <a:solidFill>
+            <a:schemeClr val="tx2">
+              <a:lumMod val="20000"/>
+              <a:lumOff val="80000"/>
+            </a:schemeClr>
+          </a:solidFill>
         </p:spPr>
         <p:style>
           <a:lnRef idx="1">
@@ -11552,48 +11768,6 @@
           </a:p>
         </p:txBody>
       </p:sp>
-      <p:sp>
-        <p:nvSpPr>
-          <p:cNvPr id="33" name="Left-Right Arrow 32"/>
-          <p:cNvSpPr/>
-          <p:nvPr/>
-        </p:nvSpPr>
-        <p:spPr>
-          <a:xfrm>
-            <a:off x="3593922" y="4040397"/>
-            <a:ext cx="1129690" cy="489863"/>
-          </a:xfrm>
-          <a:prstGeom prst="leftRightArrow">
-            <a:avLst/>
-          </a:prstGeom>
-        </p:spPr>
-        <p:style>
-          <a:lnRef idx="1">
-            <a:schemeClr val="accent1"/>
-          </a:lnRef>
-          <a:fillRef idx="3">
-            <a:schemeClr val="accent1"/>
-          </a:fillRef>
-          <a:effectRef idx="2">
-            <a:schemeClr val="accent1"/>
-          </a:effectRef>
-          <a:fontRef idx="minor">
-            <a:schemeClr val="lt1"/>
-          </a:fontRef>
-        </p:style>
-        <p:txBody>
-          <a:bodyPr rtlCol="0" anchor="ctr"/>
-          <a:lstStyle/>
-          <a:p>
-            <a:pPr algn="ctr"/>
-            <a:r>
-              <a:rPr lang="es-AR" dirty="0" smtClean="0"/>
-              <a:t>AJAX</a:t>
-            </a:r>
-            <a:endParaRPr lang="es-AR" dirty="0"/>
-          </a:p>
-        </p:txBody>
-      </p:sp>
       <p:pic>
         <p:nvPicPr>
           <p:cNvPr id="3" name="Picture 2"/>
@@ -11603,7 +11777,7 @@
           <p:nvPr/>
         </p:nvPicPr>
         <p:blipFill>
-          <a:blip r:embed="rId5" cstate="print">
+          <a:blip r:embed="rId4" cstate="print">
             <a:extLst>
               <a:ext uri="{28A0092B-C50C-407E-A947-70E740481C1C}">
                 <a14:useLocalDpi xmlns:a14="http://schemas.microsoft.com/office/drawing/2010/main" val="0"/>
@@ -11616,7 +11790,7 @@
         </p:blipFill>
         <p:spPr>
           <a:xfrm>
-            <a:off x="2048940" y="845319"/>
+            <a:off x="2187917" y="825623"/>
             <a:ext cx="1140431" cy="1140431"/>
           </a:xfrm>
           <a:prstGeom prst="rect">
@@ -11624,6 +11798,312 @@
           </a:prstGeom>
         </p:spPr>
       </p:pic>
+      <p:sp>
+        <p:nvSpPr>
+          <p:cNvPr id="6" name="AutoShape 2" descr="https://docs.microsoft.com/en-us/dotnet/images/hub/netcore.svg"/>
+          <p:cNvSpPr>
+            <a:spLocks noChangeAspect="1" noChangeArrowheads="1"/>
+          </p:cNvSpPr>
+          <p:nvPr/>
+        </p:nvSpPr>
+        <p:spPr bwMode="auto">
+          <a:xfrm>
+            <a:off x="155574" y="-144463"/>
+            <a:ext cx="900507" cy="989782"/>
+          </a:xfrm>
+          <a:prstGeom prst="rect">
+            <a:avLst/>
+          </a:prstGeom>
+          <a:noFill/>
+          <a:extLst>
+            <a:ext uri="{909E8E84-426E-40DD-AFC4-6F175D3DCCD1}">
+              <a14:hiddenFill xmlns:a14="http://schemas.microsoft.com/office/drawing/2010/main">
+                <a:solidFill>
+                  <a:srgbClr val="FFFFFF"/>
+                </a:solidFill>
+              </a14:hiddenFill>
+            </a:ext>
+          </a:extLst>
+        </p:spPr>
+        <p:txBody>
+          <a:bodyPr vert="horz" wrap="square" lIns="91440" tIns="45720" rIns="91440" bIns="45720" numCol="1" anchor="t" anchorCtr="0" compatLnSpc="1">
+            <a:prstTxWarp prst="textNoShape">
+              <a:avLst/>
+            </a:prstTxWarp>
+          </a:bodyPr>
+          <a:lstStyle/>
+          <a:p>
+            <a:endParaRPr lang="es-AR"/>
+          </a:p>
+        </p:txBody>
+      </p:sp>
+      <p:pic>
+        <p:nvPicPr>
+          <p:cNvPr id="8" name="Picture 7"/>
+          <p:cNvPicPr>
+            <a:picLocks noChangeAspect="1"/>
+          </p:cNvPicPr>
+          <p:nvPr/>
+        </p:nvPicPr>
+        <p:blipFill>
+          <a:blip r:embed="rId5"/>
+          <a:stretch>
+            <a:fillRect/>
+          </a:stretch>
+        </p:blipFill>
+        <p:spPr>
+          <a:xfrm>
+            <a:off x="7747302" y="905838"/>
+            <a:ext cx="2590800" cy="1095375"/>
+          </a:xfrm>
+          <a:prstGeom prst="rect">
+            <a:avLst/>
+          </a:prstGeom>
+        </p:spPr>
+      </p:pic>
+      <p:cxnSp>
+        <p:nvCxnSpPr>
+          <p:cNvPr id="10" name="Straight Arrow Connector 9"/>
+          <p:cNvCxnSpPr>
+            <a:endCxn id="4" idx="1"/>
+          </p:cNvCxnSpPr>
+          <p:nvPr/>
+        </p:nvCxnSpPr>
+        <p:spPr>
+          <a:xfrm>
+            <a:off x="10464597" y="3883162"/>
+            <a:ext cx="690483" cy="1"/>
+          </a:xfrm>
+          <a:prstGeom prst="straightConnector1">
+            <a:avLst/>
+          </a:prstGeom>
+          <a:ln w="76200">
+            <a:headEnd type="triangle"/>
+            <a:tailEnd type="triangle"/>
+          </a:ln>
+        </p:spPr>
+        <p:style>
+          <a:lnRef idx="1">
+            <a:schemeClr val="accent1"/>
+          </a:lnRef>
+          <a:fillRef idx="0">
+            <a:schemeClr val="accent1"/>
+          </a:fillRef>
+          <a:effectRef idx="0">
+            <a:schemeClr val="accent1"/>
+          </a:effectRef>
+          <a:fontRef idx="minor">
+            <a:schemeClr val="tx1"/>
+          </a:fontRef>
+        </p:style>
+      </p:cxnSp>
+      <p:cxnSp>
+        <p:nvCxnSpPr>
+          <p:cNvPr id="30" name="Straight Arrow Connector 29"/>
+          <p:cNvCxnSpPr>
+            <a:stCxn id="5" idx="3"/>
+            <a:endCxn id="11" idx="2"/>
+          </p:cNvCxnSpPr>
+          <p:nvPr/>
+        </p:nvCxnSpPr>
+        <p:spPr>
+          <a:xfrm flipV="1">
+            <a:off x="1079757" y="4121526"/>
+            <a:ext cx="667204" cy="4666"/>
+          </a:xfrm>
+          <a:prstGeom prst="straightConnector1">
+            <a:avLst/>
+          </a:prstGeom>
+          <a:ln w="76200">
+            <a:headEnd type="triangle"/>
+            <a:tailEnd type="triangle"/>
+          </a:ln>
+        </p:spPr>
+        <p:style>
+          <a:lnRef idx="1">
+            <a:schemeClr val="accent1"/>
+          </a:lnRef>
+          <a:fillRef idx="0">
+            <a:schemeClr val="accent1"/>
+          </a:fillRef>
+          <a:effectRef idx="0">
+            <a:schemeClr val="accent1"/>
+          </a:effectRef>
+          <a:fontRef idx="minor">
+            <a:schemeClr val="tx1"/>
+          </a:fontRef>
+        </p:style>
+      </p:cxnSp>
+      <p:cxnSp>
+        <p:nvCxnSpPr>
+          <p:cNvPr id="31" name="Straight Arrow Connector 30"/>
+          <p:cNvCxnSpPr>
+            <a:stCxn id="2" idx="0"/>
+          </p:cNvCxnSpPr>
+          <p:nvPr/>
+        </p:nvCxnSpPr>
+        <p:spPr>
+          <a:xfrm>
+            <a:off x="6175297" y="4114422"/>
+            <a:ext cx="986382" cy="0"/>
+          </a:xfrm>
+          <a:prstGeom prst="straightConnector1">
+            <a:avLst/>
+          </a:prstGeom>
+          <a:ln w="76200">
+            <a:headEnd type="triangle"/>
+            <a:tailEnd type="triangle"/>
+          </a:ln>
+        </p:spPr>
+        <p:style>
+          <a:lnRef idx="1">
+            <a:schemeClr val="accent1"/>
+          </a:lnRef>
+          <a:fillRef idx="0">
+            <a:schemeClr val="accent1"/>
+          </a:fillRef>
+          <a:effectRef idx="0">
+            <a:schemeClr val="accent1"/>
+          </a:effectRef>
+          <a:fontRef idx="minor">
+            <a:schemeClr val="tx1"/>
+          </a:fontRef>
+        </p:style>
+      </p:cxnSp>
+      <p:cxnSp>
+        <p:nvCxnSpPr>
+          <p:cNvPr id="39" name="Straight Arrow Connector 38"/>
+          <p:cNvCxnSpPr>
+            <a:stCxn id="11" idx="0"/>
+            <a:endCxn id="12" idx="2"/>
+          </p:cNvCxnSpPr>
+          <p:nvPr/>
+        </p:nvCxnSpPr>
+        <p:spPr>
+          <a:xfrm>
+            <a:off x="2413746" y="4121526"/>
+            <a:ext cx="688774" cy="0"/>
+          </a:xfrm>
+          <a:prstGeom prst="straightConnector1">
+            <a:avLst/>
+          </a:prstGeom>
+          <a:ln w="76200">
+            <a:headEnd type="triangle"/>
+            <a:tailEnd type="triangle"/>
+          </a:ln>
+        </p:spPr>
+        <p:style>
+          <a:lnRef idx="1">
+            <a:schemeClr val="accent1"/>
+          </a:lnRef>
+          <a:fillRef idx="0">
+            <a:schemeClr val="accent1"/>
+          </a:fillRef>
+          <a:effectRef idx="0">
+            <a:schemeClr val="accent1"/>
+          </a:effectRef>
+          <a:fontRef idx="minor">
+            <a:schemeClr val="tx1"/>
+          </a:fontRef>
+        </p:style>
+      </p:cxnSp>
+      <p:sp>
+        <p:nvSpPr>
+          <p:cNvPr id="41" name="TextBox 40"/>
+          <p:cNvSpPr txBox="1"/>
+          <p:nvPr/>
+        </p:nvSpPr>
+        <p:spPr>
+          <a:xfrm>
+            <a:off x="6342639" y="3711255"/>
+            <a:ext cx="604653" cy="307777"/>
+          </a:xfrm>
+          <a:prstGeom prst="rect">
+            <a:avLst/>
+          </a:prstGeom>
+          <a:noFill/>
+        </p:spPr>
+        <p:txBody>
+          <a:bodyPr wrap="none" rtlCol="0">
+            <a:spAutoFit/>
+          </a:bodyPr>
+          <a:lstStyle/>
+          <a:p>
+            <a:r>
+              <a:rPr lang="es-AR" sz="1400" b="1" dirty="0" smtClean="0"/>
+              <a:t>REST</a:t>
+            </a:r>
+            <a:endParaRPr lang="es-AR" sz="1400" b="1" dirty="0"/>
+          </a:p>
+        </p:txBody>
+      </p:sp>
+      <p:cxnSp>
+        <p:nvCxnSpPr>
+          <p:cNvPr id="43" name="Straight Arrow Connector 42"/>
+          <p:cNvCxnSpPr>
+            <a:stCxn id="12" idx="0"/>
+            <a:endCxn id="2" idx="2"/>
+          </p:cNvCxnSpPr>
+          <p:nvPr/>
+        </p:nvCxnSpPr>
+        <p:spPr>
+          <a:xfrm flipV="1">
+            <a:off x="3769305" y="4114422"/>
+            <a:ext cx="989518" cy="7104"/>
+          </a:xfrm>
+          <a:prstGeom prst="straightConnector1">
+            <a:avLst/>
+          </a:prstGeom>
+          <a:ln w="76200">
+            <a:headEnd type="triangle"/>
+            <a:tailEnd type="triangle"/>
+          </a:ln>
+        </p:spPr>
+        <p:style>
+          <a:lnRef idx="1">
+            <a:schemeClr val="accent1"/>
+          </a:lnRef>
+          <a:fillRef idx="0">
+            <a:schemeClr val="accent1"/>
+          </a:fillRef>
+          <a:effectRef idx="0">
+            <a:schemeClr val="accent1"/>
+          </a:effectRef>
+          <a:fontRef idx="minor">
+            <a:schemeClr val="tx1"/>
+          </a:fontRef>
+        </p:style>
+      </p:cxnSp>
+      <p:sp>
+        <p:nvSpPr>
+          <p:cNvPr id="49" name="TextBox 48"/>
+          <p:cNvSpPr txBox="1"/>
+          <p:nvPr/>
+        </p:nvSpPr>
+        <p:spPr>
+          <a:xfrm>
+            <a:off x="3974145" y="3711255"/>
+            <a:ext cx="636649" cy="307777"/>
+          </a:xfrm>
+          <a:prstGeom prst="rect">
+            <a:avLst/>
+          </a:prstGeom>
+          <a:noFill/>
+        </p:spPr>
+        <p:txBody>
+          <a:bodyPr wrap="none" rtlCol="0">
+            <a:spAutoFit/>
+          </a:bodyPr>
+          <a:lstStyle/>
+          <a:p>
+            <a:r>
+              <a:rPr lang="es-AR" sz="1400" b="1" dirty="0" smtClean="0"/>
+              <a:t>AJAX</a:t>
+            </a:r>
+            <a:endParaRPr lang="es-AR" sz="1400" b="1" dirty="0"/>
+          </a:p>
+        </p:txBody>
+      </p:sp>
     </p:spTree>
     <p:extLst>
       <p:ext uri="{BB962C8B-B14F-4D97-AF65-F5344CB8AC3E}">
@@ -11739,8 +12219,8 @@
           <a:lstStyle/>
           <a:p>
             <a:r>
-              <a:rPr lang="es-AR" dirty="0" err="1" smtClean="0"/>
-              <a:t>Tecnologias</a:t>
+              <a:rPr lang="es-AR" dirty="0" smtClean="0"/>
+              <a:t>Tecnologías</a:t>
             </a:r>
             <a:endParaRPr lang="es-AR" dirty="0"/>
           </a:p>
@@ -11778,7 +12258,7 @@
         <p:spPr>
           <a:xfrm>
             <a:off x="757646" y="2455817"/>
-            <a:ext cx="2420150" cy="1477328"/>
+            <a:ext cx="2957348" cy="1477328"/>
           </a:xfrm>
           <a:prstGeom prst="rect">
             <a:avLst/>
@@ -11797,8 +12277,9 @@
             </a:pPr>
             <a:r>
               <a:rPr lang="es-AR" dirty="0" smtClean="0"/>
-              <a:t>.NET Core 2</a:t>
-            </a:r>
+              <a:t>Vue.js</a:t>
+            </a:r>
+            <a:endParaRPr lang="es-AR" dirty="0" smtClean="0"/>
           </a:p>
           <a:p>
             <a:pPr marL="285750" indent="-285750">
@@ -11806,12 +12287,8 @@
               <a:buChar char="•"/>
             </a:pPr>
             <a:r>
-              <a:rPr lang="es-AR" dirty="0" err="1" smtClean="0"/>
-              <a:t>Entity</a:t>
-            </a:r>
-            <a:r>
-              <a:rPr lang="es-AR" dirty="0" smtClean="0"/>
-              <a:t> Framework 2</a:t>
+              <a:rPr lang="es-AR" dirty="0"/>
+              <a:t>AJAX</a:t>
             </a:r>
           </a:p>
           <a:p>
@@ -11821,8 +12298,13 @@
             </a:pPr>
             <a:r>
               <a:rPr lang="es-AR" dirty="0" smtClean="0"/>
-              <a:t>Vue.js</a:t>
-            </a:r>
+              <a:t>API </a:t>
+            </a:r>
+            <a:r>
+              <a:rPr lang="es-AR" dirty="0" err="1" smtClean="0"/>
+              <a:t>RESTFull</a:t>
+            </a:r>
+            <a:endParaRPr lang="es-AR" dirty="0" smtClean="0"/>
           </a:p>
           <a:p>
             <a:pPr marL="285750" indent="-285750">
@@ -11830,14 +12312,9 @@
               <a:buChar char="•"/>
             </a:pPr>
             <a:r>
-              <a:rPr lang="es-AR" dirty="0" smtClean="0"/>
-              <a:t>API </a:t>
-            </a:r>
-            <a:r>
-              <a:rPr lang="es-AR" dirty="0" err="1" smtClean="0"/>
-              <a:t>RESTFull</a:t>
-            </a:r>
-            <a:endParaRPr lang="es-AR" dirty="0" smtClean="0"/>
+              <a:rPr lang="es-AR" dirty="0"/>
+              <a:t>Dotnet Core 2</a:t>
+            </a:r>
           </a:p>
           <a:p>
             <a:pPr marL="285750" indent="-285750">
@@ -11845,8 +12322,12 @@
               <a:buChar char="•"/>
             </a:pPr>
             <a:r>
+              <a:rPr lang="es-AR" dirty="0"/>
+              <a:t>Entity Framework Core </a:t>
+            </a:r>
+            <a:r>
               <a:rPr lang="es-AR" dirty="0" smtClean="0"/>
-              <a:t>AJAX</a:t>
+              <a:t>2</a:t>
             </a:r>
             <a:endParaRPr lang="es-AR" dirty="0"/>
           </a:p>
@@ -11953,7 +12434,7 @@
       </p:grpSpPr>
       <p:sp>
         <p:nvSpPr>
-          <p:cNvPr id="11" name="Title 10"/>
+          <p:cNvPr id="3" name="Title 2"/>
           <p:cNvSpPr>
             <a:spLocks noGrp="1"/>
           </p:cNvSpPr>
@@ -11963,23 +12444,59 @@
         </p:nvSpPr>
         <p:spPr/>
         <p:txBody>
-          <a:bodyPr>
-            <a:normAutofit/>
-          </a:bodyPr>
+          <a:bodyPr/>
           <a:lstStyle/>
           <a:p>
             <a:r>
-              <a:rPr lang="es-AR" dirty="0" err="1" smtClean="0"/>
-              <a:t>Frontend</a:t>
+              <a:rPr lang="es-AR" dirty="0" err="1"/>
+              <a:t>Backend</a:t>
             </a:r>
             <a:endParaRPr lang="es-AR" dirty="0"/>
+          </a:p>
+        </p:txBody>
+      </p:sp>
+      <p:sp>
+        <p:nvSpPr>
+          <p:cNvPr id="4" name="Text Placeholder 3"/>
+          <p:cNvSpPr>
+            <a:spLocks noGrp="1"/>
+          </p:cNvSpPr>
+          <p:nvPr>
+            <p:ph type="body" sz="quarter" idx="10"/>
+          </p:nvPr>
+        </p:nvSpPr>
+        <p:spPr/>
+        <p:txBody>
+          <a:bodyPr/>
+          <a:lstStyle/>
+          <a:p>
+            <a:endParaRPr lang="es-AR"/>
+          </a:p>
+        </p:txBody>
+      </p:sp>
+      <p:sp>
+        <p:nvSpPr>
+          <p:cNvPr id="5" name="Text Placeholder 4"/>
+          <p:cNvSpPr>
+            <a:spLocks noGrp="1"/>
+          </p:cNvSpPr>
+          <p:nvPr>
+            <p:ph type="body" sz="quarter" idx="15"/>
+          </p:nvPr>
+        </p:nvSpPr>
+        <p:spPr/>
+        <p:txBody>
+          <a:bodyPr/>
+          <a:lstStyle/>
+          <a:p>
+            <a:endParaRPr lang="es-AR"/>
           </a:p>
         </p:txBody>
       </p:sp>
     </p:spTree>
     <p:extLst>
       <p:ext uri="{BB962C8B-B14F-4D97-AF65-F5344CB8AC3E}">
-        <p14:creationId xmlns:p14="http://schemas.microsoft.com/office/powerpoint/2010/main" val="1980038344"/>
+        <p14:creationId xmlns:p14="http://schemas.microsoft.com/office/powerpoint/2010/main" val="1007733044"/>
       </p:ext>
     </p:extLst>
   </p:cSld>
@@ -12032,7 +12549,7 @@
           <a:p>
             <a:r>
               <a:rPr lang="es-AR" dirty="0" smtClean="0"/>
-              <a:t>Ejercicio</a:t>
+              <a:t>Frontend</a:t>
             </a:r>
             <a:endParaRPr lang="es-AR" dirty="0"/>
           </a:p>
@@ -12041,7 +12558,7 @@
     </p:spTree>
     <p:extLst>
       <p:ext uri="{BB962C8B-B14F-4D97-AF65-F5344CB8AC3E}">
-        <p14:creationId xmlns:p14="http://schemas.microsoft.com/office/powerpoint/2010/main" val="3668245412"/>
+        <p14:creationId xmlns:p14="http://schemas.microsoft.com/office/powerpoint/2010/main" val="1980038344"/>
       </p:ext>
     </p:extLst>
   </p:cSld>

--- a/Presentacion.pptx
+++ b/Presentacion.pptx
@@ -5,7 +5,7 @@
     <p:sldMasterId id="2147483660" r:id="rId1"/>
   </p:sldMasterIdLst>
   <p:notesMasterIdLst>
-    <p:notesMasterId r:id="rId17"/>
+    <p:notesMasterId r:id="rId23"/>
   </p:notesMasterIdLst>
   <p:sldIdLst>
     <p:sldId id="257" r:id="rId2"/>
@@ -16,13 +16,19 @@
     <p:sldId id="277" r:id="rId7"/>
     <p:sldId id="274" r:id="rId8"/>
     <p:sldId id="281" r:id="rId9"/>
-    <p:sldId id="275" r:id="rId10"/>
-    <p:sldId id="280" r:id="rId11"/>
-    <p:sldId id="276" r:id="rId12"/>
-    <p:sldId id="279" r:id="rId13"/>
-    <p:sldId id="278" r:id="rId14"/>
-    <p:sldId id="268" r:id="rId15"/>
-    <p:sldId id="272" r:id="rId16"/>
+    <p:sldId id="282" r:id="rId10"/>
+    <p:sldId id="287" r:id="rId11"/>
+    <p:sldId id="275" r:id="rId12"/>
+    <p:sldId id="280" r:id="rId13"/>
+    <p:sldId id="283" r:id="rId14"/>
+    <p:sldId id="286" r:id="rId15"/>
+    <p:sldId id="276" r:id="rId16"/>
+    <p:sldId id="279" r:id="rId17"/>
+    <p:sldId id="284" r:id="rId18"/>
+    <p:sldId id="278" r:id="rId19"/>
+    <p:sldId id="285" r:id="rId20"/>
+    <p:sldId id="268" r:id="rId21"/>
+    <p:sldId id="272" r:id="rId22"/>
   </p:sldIdLst>
   <p:sldSz cx="12192000" cy="6858000"/>
   <p:notesSz cx="6858000" cy="9144000"/>
@@ -10470,7 +10476,7 @@
       </p:grpSpPr>
       <p:sp>
         <p:nvSpPr>
-          <p:cNvPr id="3" name="Title 2"/>
+          <p:cNvPr id="5" name="Title 4"/>
           <p:cNvSpPr>
             <a:spLocks noGrp="1"/>
           </p:cNvSpPr>
@@ -10478,60 +10484,39 @@
             <p:ph type="title"/>
           </p:nvPr>
         </p:nvSpPr>
-        <p:spPr/>
-        <p:txBody>
-          <a:bodyPr/>
+        <p:spPr>
+          <a:xfrm>
+            <a:off x="238753" y="2823108"/>
+            <a:ext cx="11713897" cy="847192"/>
+          </a:xfrm>
+        </p:spPr>
+        <p:txBody>
+          <a:bodyPr vert="horz" lIns="91440" tIns="45720" rIns="91440" bIns="45720" rtlCol="0">
+            <a:normAutofit/>
+          </a:bodyPr>
           <a:lstStyle/>
           <a:p>
-            <a:r>
-              <a:rPr lang="es-AR" dirty="0"/>
-              <a:t>Frontend</a:t>
-            </a:r>
-          </a:p>
-        </p:txBody>
-      </p:sp>
-      <p:sp>
-        <p:nvSpPr>
-          <p:cNvPr id="4" name="Text Placeholder 3"/>
-          <p:cNvSpPr>
-            <a:spLocks noGrp="1"/>
-          </p:cNvSpPr>
-          <p:nvPr>
-            <p:ph type="body" sz="quarter" idx="10"/>
-          </p:nvPr>
-        </p:nvSpPr>
-        <p:spPr/>
-        <p:txBody>
-          <a:bodyPr/>
-          <a:lstStyle/>
-          <a:p>
-            <a:endParaRPr lang="es-AR"/>
-          </a:p>
-        </p:txBody>
-      </p:sp>
-      <p:sp>
-        <p:nvSpPr>
-          <p:cNvPr id="5" name="Text Placeholder 4"/>
-          <p:cNvSpPr>
-            <a:spLocks noGrp="1"/>
-          </p:cNvSpPr>
-          <p:nvPr>
-            <p:ph type="body" sz="quarter" idx="15"/>
-          </p:nvPr>
-        </p:nvSpPr>
-        <p:spPr/>
-        <p:txBody>
-          <a:bodyPr/>
-          <a:lstStyle/>
-          <a:p>
-            <a:endParaRPr lang="es-AR"/>
+            <a:pPr algn="ctr"/>
+            <a:r>
+              <a:rPr lang="es-AR" sz="4267" dirty="0" smtClean="0">
+                <a:latin typeface="Segoe UI" panose="020B0502040204020203" pitchFamily="34" charset="0"/>
+                <a:ea typeface="Segoe UI" panose="020B0502040204020203" pitchFamily="34" charset="0"/>
+                <a:cs typeface="Segoe UI" panose="020B0502040204020203" pitchFamily="34" charset="0"/>
+              </a:rPr>
+              <a:t>Código</a:t>
+            </a:r>
+            <a:endParaRPr lang="es-AR" sz="4267" dirty="0">
+              <a:latin typeface="Segoe UI" panose="020B0502040204020203" pitchFamily="34" charset="0"/>
+              <a:ea typeface="Segoe UI" panose="020B0502040204020203" pitchFamily="34" charset="0"/>
+              <a:cs typeface="Segoe UI" panose="020B0502040204020203" pitchFamily="34" charset="0"/>
+            </a:endParaRPr>
           </a:p>
         </p:txBody>
       </p:sp>
     </p:spTree>
     <p:extLst>
       <p:ext uri="{BB962C8B-B14F-4D97-AF65-F5344CB8AC3E}">
-        <p14:creationId xmlns:p14="http://schemas.microsoft.com/office/powerpoint/2010/main" val="2115061933"/>
+        <p14:creationId xmlns:p14="http://schemas.microsoft.com/office/powerpoint/2010/main" val="2091312998"/>
       </p:ext>
     </p:extLst>
   </p:cSld>
@@ -10584,7 +10569,7 @@
           <a:p>
             <a:r>
               <a:rPr lang="es-AR" dirty="0" smtClean="0"/>
-              <a:t>Ejercicio</a:t>
+              <a:t>Frontend</a:t>
             </a:r>
             <a:endParaRPr lang="es-AR" dirty="0"/>
           </a:p>
@@ -10593,7 +10578,7 @@
     </p:spTree>
     <p:extLst>
       <p:ext uri="{BB962C8B-B14F-4D97-AF65-F5344CB8AC3E}">
-        <p14:creationId xmlns:p14="http://schemas.microsoft.com/office/powerpoint/2010/main" val="3668245412"/>
+        <p14:creationId xmlns:p14="http://schemas.microsoft.com/office/powerpoint/2010/main" val="1980038344"/>
       </p:ext>
     </p:extLst>
   </p:cSld>
@@ -10629,7 +10614,7 @@
       </p:grpSpPr>
       <p:sp>
         <p:nvSpPr>
-          <p:cNvPr id="2" name="Title 1"/>
+          <p:cNvPr id="3" name="Title 2"/>
           <p:cNvSpPr>
             <a:spLocks noGrp="1"/>
           </p:cNvSpPr>
@@ -10644,14 +10629,14 @@
           <a:p>
             <a:r>
               <a:rPr lang="es-AR" dirty="0"/>
-              <a:t>Ejercicio</a:t>
-            </a:r>
-          </a:p>
-        </p:txBody>
-      </p:sp>
-      <p:sp>
-        <p:nvSpPr>
-          <p:cNvPr id="3" name="Text Placeholder 2"/>
+              <a:t>Frontend</a:t>
+            </a:r>
+          </a:p>
+        </p:txBody>
+      </p:sp>
+      <p:sp>
+        <p:nvSpPr>
+          <p:cNvPr id="4" name="Text Placeholder 3"/>
           <p:cNvSpPr>
             <a:spLocks noGrp="1"/>
           </p:cNvSpPr>
@@ -10665,8 +10650,8 @@
           <a:lstStyle/>
           <a:p>
             <a:r>
-              <a:rPr lang="es-AR" dirty="0" err="1" smtClean="0"/>
-              <a:t>Backend</a:t>
+              <a:rPr lang="es-AR" dirty="0"/>
+              <a:t>Tecnologías</a:t>
             </a:r>
             <a:endParaRPr lang="es-AR" dirty="0"/>
           </a:p>
@@ -10674,7 +10659,7 @@
       </p:sp>
       <p:sp>
         <p:nvSpPr>
-          <p:cNvPr id="4" name="Text Placeholder 3"/>
+          <p:cNvPr id="5" name="Text Placeholder 4"/>
           <p:cNvSpPr>
             <a:spLocks noGrp="1"/>
           </p:cNvSpPr>
@@ -10694,7 +10679,7 @@
     </p:spTree>
     <p:extLst>
       <p:ext uri="{BB962C8B-B14F-4D97-AF65-F5344CB8AC3E}">
-        <p14:creationId xmlns:p14="http://schemas.microsoft.com/office/powerpoint/2010/main" val="1114992543"/>
+        <p14:creationId xmlns:p14="http://schemas.microsoft.com/office/powerpoint/2010/main" val="2115061933"/>
       </p:ext>
     </p:extLst>
   </p:cSld>
@@ -10730,7 +10715,7 @@
       </p:grpSpPr>
       <p:sp>
         <p:nvSpPr>
-          <p:cNvPr id="27" name="Title 26"/>
+          <p:cNvPr id="3" name="Title 2"/>
           <p:cNvSpPr>
             <a:spLocks noGrp="1"/>
           </p:cNvSpPr>
@@ -10745,15 +10730,14 @@
           <a:p>
             <a:r>
               <a:rPr lang="es-AR" dirty="0"/>
-              <a:t>Ejercicio</a:t>
-            </a:r>
-            <a:endParaRPr lang="es-AR" dirty="0"/>
-          </a:p>
-        </p:txBody>
-      </p:sp>
-      <p:sp>
-        <p:nvSpPr>
-          <p:cNvPr id="28" name="Text Placeholder 27"/>
+              <a:t>Frontend</a:t>
+            </a:r>
+          </a:p>
+        </p:txBody>
+      </p:sp>
+      <p:sp>
+        <p:nvSpPr>
+          <p:cNvPr id="4" name="Text Placeholder 3"/>
           <p:cNvSpPr>
             <a:spLocks noGrp="1"/>
           </p:cNvSpPr>
@@ -10767,8 +10751,12 @@
           <a:lstStyle/>
           <a:p>
             <a:r>
+              <a:rPr lang="es-AR" dirty="0"/>
+              <a:t>Estructura de la </a:t>
+            </a:r>
+            <a:r>
               <a:rPr lang="es-AR" dirty="0" smtClean="0"/>
-              <a:t>Frontend</a:t>
+              <a:t>aplicación</a:t>
             </a:r>
             <a:endParaRPr lang="es-AR" dirty="0"/>
           </a:p>
@@ -10776,7 +10764,7 @@
       </p:sp>
       <p:sp>
         <p:nvSpPr>
-          <p:cNvPr id="2" name="Text Placeholder 1"/>
+          <p:cNvPr id="5" name="Text Placeholder 4"/>
           <p:cNvSpPr>
             <a:spLocks noGrp="1"/>
           </p:cNvSpPr>
@@ -10796,7 +10784,7 @@
     </p:spTree>
     <p:extLst>
       <p:ext uri="{BB962C8B-B14F-4D97-AF65-F5344CB8AC3E}">
-        <p14:creationId xmlns:p14="http://schemas.microsoft.com/office/powerpoint/2010/main" val="1181583787"/>
+        <p14:creationId xmlns:p14="http://schemas.microsoft.com/office/powerpoint/2010/main" val="4256808143"/>
       </p:ext>
     </p:extLst>
   </p:cSld>
@@ -10832,7 +10820,7 @@
       </p:grpSpPr>
       <p:sp>
         <p:nvSpPr>
-          <p:cNvPr id="9" name="Title 8"/>
+          <p:cNvPr id="5" name="Title 4"/>
           <p:cNvSpPr>
             <a:spLocks noGrp="1"/>
           </p:cNvSpPr>
@@ -10840,27 +10828,39 @@
             <p:ph type="title"/>
           </p:nvPr>
         </p:nvSpPr>
-        <p:spPr/>
-        <p:txBody>
-          <a:bodyPr/>
+        <p:spPr>
+          <a:xfrm>
+            <a:off x="238753" y="2823108"/>
+            <a:ext cx="11713897" cy="847192"/>
+          </a:xfrm>
+        </p:spPr>
+        <p:txBody>
+          <a:bodyPr vert="horz" lIns="91440" tIns="45720" rIns="91440" bIns="45720" rtlCol="0">
+            <a:normAutofit/>
+          </a:bodyPr>
           <a:lstStyle/>
           <a:p>
-            <a:r>
-              <a:rPr lang="es-AR" dirty="0" smtClean="0"/>
-              <a:t>¿Preguntas</a:t>
-            </a:r>
-            <a:r>
-              <a:rPr lang="es-AR" dirty="0" smtClean="0"/>
-              <a:t>?</a:t>
-            </a:r>
-            <a:endParaRPr lang="es-AR" dirty="0"/>
+            <a:pPr algn="ctr"/>
+            <a:r>
+              <a:rPr lang="es-AR" sz="4267" dirty="0" smtClean="0">
+                <a:latin typeface="Segoe UI" panose="020B0502040204020203" pitchFamily="34" charset="0"/>
+                <a:ea typeface="Segoe UI" panose="020B0502040204020203" pitchFamily="34" charset="0"/>
+                <a:cs typeface="Segoe UI" panose="020B0502040204020203" pitchFamily="34" charset="0"/>
+              </a:rPr>
+              <a:t>Código</a:t>
+            </a:r>
+            <a:endParaRPr lang="es-AR" sz="4267" dirty="0">
+              <a:latin typeface="Segoe UI" panose="020B0502040204020203" pitchFamily="34" charset="0"/>
+              <a:ea typeface="Segoe UI" panose="020B0502040204020203" pitchFamily="34" charset="0"/>
+              <a:cs typeface="Segoe UI" panose="020B0502040204020203" pitchFamily="34" charset="0"/>
+            </a:endParaRPr>
           </a:p>
         </p:txBody>
       </p:sp>
     </p:spTree>
     <p:extLst>
       <p:ext uri="{BB962C8B-B14F-4D97-AF65-F5344CB8AC3E}">
-        <p14:creationId xmlns:p14="http://schemas.microsoft.com/office/powerpoint/2010/main" val="1481141681"/>
+        <p14:creationId xmlns:p14="http://schemas.microsoft.com/office/powerpoint/2010/main" val="1376986085"/>
       </p:ext>
     </p:extLst>
   </p:cSld>
@@ -10894,10 +10894,405 @@
           <a:chExt cx="0" cy="0"/>
         </a:xfrm>
       </p:grpSpPr>
+      <p:sp>
+        <p:nvSpPr>
+          <p:cNvPr id="11" name="Title 10"/>
+          <p:cNvSpPr>
+            <a:spLocks noGrp="1"/>
+          </p:cNvSpPr>
+          <p:nvPr>
+            <p:ph type="title"/>
+          </p:nvPr>
+        </p:nvSpPr>
+        <p:spPr/>
+        <p:txBody>
+          <a:bodyPr>
+            <a:normAutofit/>
+          </a:bodyPr>
+          <a:lstStyle/>
+          <a:p>
+            <a:r>
+              <a:rPr lang="es-AR" dirty="0" smtClean="0"/>
+              <a:t>Ejercicio</a:t>
+            </a:r>
+            <a:endParaRPr lang="es-AR" dirty="0"/>
+          </a:p>
+        </p:txBody>
+      </p:sp>
     </p:spTree>
     <p:extLst>
       <p:ext uri="{BB962C8B-B14F-4D97-AF65-F5344CB8AC3E}">
-        <p14:creationId xmlns:p14="http://schemas.microsoft.com/office/powerpoint/2010/main" val="476567029"/>
+        <p14:creationId xmlns:p14="http://schemas.microsoft.com/office/powerpoint/2010/main" val="3668245412"/>
+      </p:ext>
+    </p:extLst>
+  </p:cSld>
+  <p:clrMapOvr>
+    <a:masterClrMapping/>
+  </p:clrMapOvr>
+  <p:timing>
+    <p:tnLst>
+      <p:par>
+        <p:cTn id="1" dur="indefinite" restart="never" nodeType="tmRoot"/>
+      </p:par>
+    </p:tnLst>
+  </p:timing>
+</p:sld>
+</file>
+
+<file path=ppt/slides/slide16.xml><?xml version="1.0" encoding="utf-8"?>
+<p:sld xmlns:a="http://schemas.openxmlformats.org/drawingml/2006/main" xmlns:r="http://schemas.openxmlformats.org/officeDocument/2006/relationships" xmlns:p="http://schemas.openxmlformats.org/presentationml/2006/main">
+  <p:cSld>
+    <p:spTree>
+      <p:nvGrpSpPr>
+        <p:cNvPr id="1" name=""/>
+        <p:cNvGrpSpPr/>
+        <p:nvPr/>
+      </p:nvGrpSpPr>
+      <p:grpSpPr>
+        <a:xfrm>
+          <a:off x="0" y="0"/>
+          <a:ext cx="0" cy="0"/>
+          <a:chOff x="0" y="0"/>
+          <a:chExt cx="0" cy="0"/>
+        </a:xfrm>
+      </p:grpSpPr>
+      <p:sp>
+        <p:nvSpPr>
+          <p:cNvPr id="2" name="Title 1"/>
+          <p:cNvSpPr>
+            <a:spLocks noGrp="1"/>
+          </p:cNvSpPr>
+          <p:nvPr>
+            <p:ph type="title"/>
+          </p:nvPr>
+        </p:nvSpPr>
+        <p:spPr/>
+        <p:txBody>
+          <a:bodyPr/>
+          <a:lstStyle/>
+          <a:p>
+            <a:r>
+              <a:rPr lang="es-AR" dirty="0"/>
+              <a:t>Ejercicio</a:t>
+            </a:r>
+          </a:p>
+        </p:txBody>
+      </p:sp>
+      <p:sp>
+        <p:nvSpPr>
+          <p:cNvPr id="3" name="Text Placeholder 2"/>
+          <p:cNvSpPr>
+            <a:spLocks noGrp="1"/>
+          </p:cNvSpPr>
+          <p:nvPr>
+            <p:ph type="body" sz="quarter" idx="10"/>
+          </p:nvPr>
+        </p:nvSpPr>
+        <p:spPr/>
+        <p:txBody>
+          <a:bodyPr/>
+          <a:lstStyle/>
+          <a:p>
+            <a:r>
+              <a:rPr lang="es-AR" dirty="0" err="1" smtClean="0"/>
+              <a:t>Backend</a:t>
+            </a:r>
+            <a:endParaRPr lang="es-AR" dirty="0"/>
+          </a:p>
+        </p:txBody>
+      </p:sp>
+      <p:sp>
+        <p:nvSpPr>
+          <p:cNvPr id="4" name="Text Placeholder 3"/>
+          <p:cNvSpPr>
+            <a:spLocks noGrp="1"/>
+          </p:cNvSpPr>
+          <p:nvPr>
+            <p:ph type="body" sz="quarter" idx="15"/>
+          </p:nvPr>
+        </p:nvSpPr>
+        <p:spPr/>
+        <p:txBody>
+          <a:bodyPr/>
+          <a:lstStyle/>
+          <a:p>
+            <a:endParaRPr lang="es-AR" dirty="0"/>
+          </a:p>
+        </p:txBody>
+      </p:sp>
+    </p:spTree>
+    <p:extLst>
+      <p:ext uri="{BB962C8B-B14F-4D97-AF65-F5344CB8AC3E}">
+        <p14:creationId xmlns:p14="http://schemas.microsoft.com/office/powerpoint/2010/main" val="1114992543"/>
+      </p:ext>
+    </p:extLst>
+  </p:cSld>
+  <p:clrMapOvr>
+    <a:masterClrMapping/>
+  </p:clrMapOvr>
+  <p:timing>
+    <p:tnLst>
+      <p:par>
+        <p:cTn id="1" dur="indefinite" restart="never" nodeType="tmRoot"/>
+      </p:par>
+    </p:tnLst>
+  </p:timing>
+</p:sld>
+</file>
+
+<file path=ppt/slides/slide17.xml><?xml version="1.0" encoding="utf-8"?>
+<p:sld xmlns:a="http://schemas.openxmlformats.org/drawingml/2006/main" xmlns:r="http://schemas.openxmlformats.org/officeDocument/2006/relationships" xmlns:p="http://schemas.openxmlformats.org/presentationml/2006/main">
+  <p:cSld>
+    <p:spTree>
+      <p:nvGrpSpPr>
+        <p:cNvPr id="1" name=""/>
+        <p:cNvGrpSpPr/>
+        <p:nvPr/>
+      </p:nvGrpSpPr>
+      <p:grpSpPr>
+        <a:xfrm>
+          <a:off x="0" y="0"/>
+          <a:ext cx="0" cy="0"/>
+          <a:chOff x="0" y="0"/>
+          <a:chExt cx="0" cy="0"/>
+        </a:xfrm>
+      </p:grpSpPr>
+      <p:sp>
+        <p:nvSpPr>
+          <p:cNvPr id="5" name="Title 4"/>
+          <p:cNvSpPr>
+            <a:spLocks noGrp="1"/>
+          </p:cNvSpPr>
+          <p:nvPr>
+            <p:ph type="title"/>
+          </p:nvPr>
+        </p:nvSpPr>
+        <p:spPr/>
+        <p:txBody>
+          <a:bodyPr/>
+          <a:lstStyle/>
+          <a:p>
+            <a:r>
+              <a:rPr lang="es-AR" dirty="0"/>
+              <a:t>Ejercicio</a:t>
+            </a:r>
+          </a:p>
+        </p:txBody>
+      </p:sp>
+      <p:sp>
+        <p:nvSpPr>
+          <p:cNvPr id="6" name="Text Placeholder 5"/>
+          <p:cNvSpPr>
+            <a:spLocks noGrp="1"/>
+          </p:cNvSpPr>
+          <p:nvPr>
+            <p:ph type="body" sz="quarter" idx="10"/>
+          </p:nvPr>
+        </p:nvSpPr>
+        <p:spPr/>
+        <p:txBody>
+          <a:bodyPr/>
+          <a:lstStyle/>
+          <a:p>
+            <a:r>
+              <a:rPr lang="es-AR" dirty="0" err="1" smtClean="0"/>
+              <a:t>Backend</a:t>
+            </a:r>
+            <a:r>
+              <a:rPr lang="es-AR" dirty="0" smtClean="0"/>
+              <a:t> - Solución</a:t>
+            </a:r>
+            <a:endParaRPr lang="es-AR" dirty="0"/>
+          </a:p>
+        </p:txBody>
+      </p:sp>
+    </p:spTree>
+    <p:extLst>
+      <p:ext uri="{BB962C8B-B14F-4D97-AF65-F5344CB8AC3E}">
+        <p14:creationId xmlns:p14="http://schemas.microsoft.com/office/powerpoint/2010/main" val="3877507305"/>
+      </p:ext>
+    </p:extLst>
+  </p:cSld>
+  <p:clrMapOvr>
+    <a:masterClrMapping/>
+  </p:clrMapOvr>
+  <p:timing>
+    <p:tnLst>
+      <p:par>
+        <p:cTn id="1" dur="indefinite" restart="never" nodeType="tmRoot"/>
+      </p:par>
+    </p:tnLst>
+  </p:timing>
+</p:sld>
+</file>
+
+<file path=ppt/slides/slide18.xml><?xml version="1.0" encoding="utf-8"?>
+<p:sld xmlns:a="http://schemas.openxmlformats.org/drawingml/2006/main" xmlns:r="http://schemas.openxmlformats.org/officeDocument/2006/relationships" xmlns:p="http://schemas.openxmlformats.org/presentationml/2006/main">
+  <p:cSld>
+    <p:spTree>
+      <p:nvGrpSpPr>
+        <p:cNvPr id="1" name=""/>
+        <p:cNvGrpSpPr/>
+        <p:nvPr/>
+      </p:nvGrpSpPr>
+      <p:grpSpPr>
+        <a:xfrm>
+          <a:off x="0" y="0"/>
+          <a:ext cx="0" cy="0"/>
+          <a:chOff x="0" y="0"/>
+          <a:chExt cx="0" cy="0"/>
+        </a:xfrm>
+      </p:grpSpPr>
+      <p:sp>
+        <p:nvSpPr>
+          <p:cNvPr id="27" name="Title 26"/>
+          <p:cNvSpPr>
+            <a:spLocks noGrp="1"/>
+          </p:cNvSpPr>
+          <p:nvPr>
+            <p:ph type="title"/>
+          </p:nvPr>
+        </p:nvSpPr>
+        <p:spPr/>
+        <p:txBody>
+          <a:bodyPr/>
+          <a:lstStyle/>
+          <a:p>
+            <a:r>
+              <a:rPr lang="es-AR" dirty="0"/>
+              <a:t>Ejercicio</a:t>
+            </a:r>
+          </a:p>
+        </p:txBody>
+      </p:sp>
+      <p:sp>
+        <p:nvSpPr>
+          <p:cNvPr id="28" name="Text Placeholder 27"/>
+          <p:cNvSpPr>
+            <a:spLocks noGrp="1"/>
+          </p:cNvSpPr>
+          <p:nvPr>
+            <p:ph type="body" sz="quarter" idx="10"/>
+          </p:nvPr>
+        </p:nvSpPr>
+        <p:spPr/>
+        <p:txBody>
+          <a:bodyPr/>
+          <a:lstStyle/>
+          <a:p>
+            <a:r>
+              <a:rPr lang="es-AR" dirty="0" smtClean="0"/>
+              <a:t>Frontend</a:t>
+            </a:r>
+            <a:endParaRPr lang="es-AR" dirty="0"/>
+          </a:p>
+        </p:txBody>
+      </p:sp>
+      <p:sp>
+        <p:nvSpPr>
+          <p:cNvPr id="2" name="Text Placeholder 1"/>
+          <p:cNvSpPr>
+            <a:spLocks noGrp="1"/>
+          </p:cNvSpPr>
+          <p:nvPr>
+            <p:ph type="body" sz="quarter" idx="15"/>
+          </p:nvPr>
+        </p:nvSpPr>
+        <p:spPr/>
+        <p:txBody>
+          <a:bodyPr/>
+          <a:lstStyle/>
+          <a:p>
+            <a:endParaRPr lang="es-AR"/>
+          </a:p>
+        </p:txBody>
+      </p:sp>
+    </p:spTree>
+    <p:extLst>
+      <p:ext uri="{BB962C8B-B14F-4D97-AF65-F5344CB8AC3E}">
+        <p14:creationId xmlns:p14="http://schemas.microsoft.com/office/powerpoint/2010/main" val="1181583787"/>
+      </p:ext>
+    </p:extLst>
+  </p:cSld>
+  <p:clrMapOvr>
+    <a:masterClrMapping/>
+  </p:clrMapOvr>
+  <p:timing>
+    <p:tnLst>
+      <p:par>
+        <p:cTn id="1" dur="indefinite" restart="never" nodeType="tmRoot"/>
+      </p:par>
+    </p:tnLst>
+  </p:timing>
+</p:sld>
+</file>
+
+<file path=ppt/slides/slide19.xml><?xml version="1.0" encoding="utf-8"?>
+<p:sld xmlns:a="http://schemas.openxmlformats.org/drawingml/2006/main" xmlns:r="http://schemas.openxmlformats.org/officeDocument/2006/relationships" xmlns:p="http://schemas.openxmlformats.org/presentationml/2006/main">
+  <p:cSld>
+    <p:spTree>
+      <p:nvGrpSpPr>
+        <p:cNvPr id="1" name=""/>
+        <p:cNvGrpSpPr/>
+        <p:nvPr/>
+      </p:nvGrpSpPr>
+      <p:grpSpPr>
+        <a:xfrm>
+          <a:off x="0" y="0"/>
+          <a:ext cx="0" cy="0"/>
+          <a:chOff x="0" y="0"/>
+          <a:chExt cx="0" cy="0"/>
+        </a:xfrm>
+      </p:grpSpPr>
+      <p:sp>
+        <p:nvSpPr>
+          <p:cNvPr id="5" name="Title 4"/>
+          <p:cNvSpPr>
+            <a:spLocks noGrp="1"/>
+          </p:cNvSpPr>
+          <p:nvPr>
+            <p:ph type="title"/>
+          </p:nvPr>
+        </p:nvSpPr>
+        <p:spPr/>
+        <p:txBody>
+          <a:bodyPr/>
+          <a:lstStyle/>
+          <a:p>
+            <a:r>
+              <a:rPr lang="es-AR" dirty="0"/>
+              <a:t>Ejercicio</a:t>
+            </a:r>
+          </a:p>
+        </p:txBody>
+      </p:sp>
+      <p:sp>
+        <p:nvSpPr>
+          <p:cNvPr id="6" name="Text Placeholder 5"/>
+          <p:cNvSpPr>
+            <a:spLocks noGrp="1"/>
+          </p:cNvSpPr>
+          <p:nvPr>
+            <p:ph type="body" sz="quarter" idx="10"/>
+          </p:nvPr>
+        </p:nvSpPr>
+        <p:spPr/>
+        <p:txBody>
+          <a:bodyPr/>
+          <a:lstStyle/>
+          <a:p>
+            <a:r>
+              <a:rPr lang="es-AR" dirty="0" smtClean="0"/>
+              <a:t>Frontend - Solución</a:t>
+            </a:r>
+            <a:endParaRPr lang="es-AR" dirty="0"/>
+          </a:p>
+        </p:txBody>
+      </p:sp>
+    </p:spTree>
+    <p:extLst>
+      <p:ext uri="{BB962C8B-B14F-4D97-AF65-F5344CB8AC3E}">
+        <p14:creationId xmlns:p14="http://schemas.microsoft.com/office/powerpoint/2010/main" val="3536247983"/>
       </p:ext>
     </p:extLst>
   </p:cSld>
@@ -11073,6 +11468,103 @@
     <p:extLst>
       <p:ext uri="{BB962C8B-B14F-4D97-AF65-F5344CB8AC3E}">
         <p14:creationId xmlns:p14="http://schemas.microsoft.com/office/powerpoint/2010/main" val="4069206858"/>
+      </p:ext>
+    </p:extLst>
+  </p:cSld>
+  <p:clrMapOvr>
+    <a:masterClrMapping/>
+  </p:clrMapOvr>
+  <p:timing>
+    <p:tnLst>
+      <p:par>
+        <p:cTn id="1" dur="indefinite" restart="never" nodeType="tmRoot"/>
+      </p:par>
+    </p:tnLst>
+  </p:timing>
+</p:sld>
+</file>
+
+<file path=ppt/slides/slide20.xml><?xml version="1.0" encoding="utf-8"?>
+<p:sld xmlns:a="http://schemas.openxmlformats.org/drawingml/2006/main" xmlns:r="http://schemas.openxmlformats.org/officeDocument/2006/relationships" xmlns:p="http://schemas.openxmlformats.org/presentationml/2006/main">
+  <p:cSld>
+    <p:spTree>
+      <p:nvGrpSpPr>
+        <p:cNvPr id="1" name=""/>
+        <p:cNvGrpSpPr/>
+        <p:nvPr/>
+      </p:nvGrpSpPr>
+      <p:grpSpPr>
+        <a:xfrm>
+          <a:off x="0" y="0"/>
+          <a:ext cx="0" cy="0"/>
+          <a:chOff x="0" y="0"/>
+          <a:chExt cx="0" cy="0"/>
+        </a:xfrm>
+      </p:grpSpPr>
+      <p:sp>
+        <p:nvSpPr>
+          <p:cNvPr id="9" name="Title 8"/>
+          <p:cNvSpPr>
+            <a:spLocks noGrp="1"/>
+          </p:cNvSpPr>
+          <p:nvPr>
+            <p:ph type="title"/>
+          </p:nvPr>
+        </p:nvSpPr>
+        <p:spPr/>
+        <p:txBody>
+          <a:bodyPr/>
+          <a:lstStyle/>
+          <a:p>
+            <a:r>
+              <a:rPr lang="es-AR" dirty="0" smtClean="0"/>
+              <a:t>¿Preguntas?</a:t>
+            </a:r>
+            <a:endParaRPr lang="es-AR" dirty="0"/>
+          </a:p>
+        </p:txBody>
+      </p:sp>
+    </p:spTree>
+    <p:extLst>
+      <p:ext uri="{BB962C8B-B14F-4D97-AF65-F5344CB8AC3E}">
+        <p14:creationId xmlns:p14="http://schemas.microsoft.com/office/powerpoint/2010/main" val="1481141681"/>
+      </p:ext>
+    </p:extLst>
+  </p:cSld>
+  <p:clrMapOvr>
+    <a:masterClrMapping/>
+  </p:clrMapOvr>
+  <p:timing>
+    <p:tnLst>
+      <p:par>
+        <p:cTn id="1" dur="indefinite" restart="never" nodeType="tmRoot"/>
+      </p:par>
+    </p:tnLst>
+  </p:timing>
+</p:sld>
+</file>
+
+<file path=ppt/slides/slide21.xml><?xml version="1.0" encoding="utf-8"?>
+<p:sld xmlns:a="http://schemas.openxmlformats.org/drawingml/2006/main" xmlns:r="http://schemas.openxmlformats.org/officeDocument/2006/relationships" xmlns:p="http://schemas.openxmlformats.org/presentationml/2006/main">
+  <p:cSld>
+    <p:spTree>
+      <p:nvGrpSpPr>
+        <p:cNvPr id="1" name=""/>
+        <p:cNvGrpSpPr/>
+        <p:nvPr/>
+      </p:nvGrpSpPr>
+      <p:grpSpPr>
+        <a:xfrm>
+          <a:off x="0" y="0"/>
+          <a:ext cx="0" cy="0"/>
+          <a:chOff x="0" y="0"/>
+          <a:chExt cx="0" cy="0"/>
+        </a:xfrm>
+      </p:grpSpPr>
+    </p:spTree>
+    <p:extLst>
+      <p:ext uri="{BB962C8B-B14F-4D97-AF65-F5344CB8AC3E}">
+        <p14:creationId xmlns:p14="http://schemas.microsoft.com/office/powerpoint/2010/main" val="476567029"/>
       </p:ext>
     </p:extLst>
   </p:cSld>
@@ -11290,7 +11782,6 @@
                 <a:rPr lang="es-AR" dirty="0"/>
                 <a:t>Business</a:t>
               </a:r>
-              <a:endParaRPr lang="es-AR" dirty="0"/>
             </a:p>
           </p:txBody>
         </p:sp>
@@ -11527,7 +12018,6 @@
                 <a:rPr lang="es-AR" dirty="0"/>
                 <a:t> (DTO)</a:t>
               </a:r>
-              <a:endParaRPr lang="es-AR" dirty="0"/>
             </a:p>
           </p:txBody>
         </p:sp>
@@ -12205,6 +12695,140 @@
       </p:grpSpPr>
       <p:sp>
         <p:nvSpPr>
+          <p:cNvPr id="3" name="Text Placeholder 2"/>
+          <p:cNvSpPr>
+            <a:spLocks noGrp="1"/>
+          </p:cNvSpPr>
+          <p:nvPr>
+            <p:ph type="body" sz="quarter" idx="15"/>
+          </p:nvPr>
+        </p:nvSpPr>
+        <p:spPr/>
+        <p:txBody>
+          <a:bodyPr/>
+          <a:lstStyle/>
+          <a:p>
+            <a:r>
+              <a:rPr lang="es-AR" dirty="0" smtClean="0"/>
+              <a:t>¿Que </a:t>
+            </a:r>
+            <a:r>
+              <a:rPr lang="es-AR" dirty="0"/>
+              <a:t>vamos a ver?</a:t>
+            </a:r>
+          </a:p>
+          <a:p>
+            <a:endParaRPr lang="es-AR" dirty="0"/>
+          </a:p>
+        </p:txBody>
+      </p:sp>
+      <p:sp>
+        <p:nvSpPr>
+          <p:cNvPr id="4" name="Text Placeholder 3"/>
+          <p:cNvSpPr>
+            <a:spLocks noGrp="1"/>
+          </p:cNvSpPr>
+          <p:nvPr>
+            <p:ph type="body" sz="quarter" idx="19"/>
+          </p:nvPr>
+        </p:nvSpPr>
+        <p:spPr/>
+        <p:txBody>
+          <a:bodyPr/>
+          <a:lstStyle/>
+          <a:p>
+            <a:r>
+              <a:rPr lang="es-AR" dirty="0" smtClean="0"/>
+              <a:t>Otros temas</a:t>
+            </a:r>
+            <a:endParaRPr lang="es-AR" dirty="0"/>
+          </a:p>
+        </p:txBody>
+      </p:sp>
+      <p:sp>
+        <p:nvSpPr>
+          <p:cNvPr id="5" name="Content Placeholder 4"/>
+          <p:cNvSpPr>
+            <a:spLocks noGrp="1"/>
+          </p:cNvSpPr>
+          <p:nvPr>
+            <p:ph idx="21"/>
+          </p:nvPr>
+        </p:nvSpPr>
+        <p:spPr/>
+        <p:txBody>
+          <a:bodyPr/>
+          <a:lstStyle/>
+          <a:p>
+            <a:r>
+              <a:rPr lang="es-AR" dirty="0"/>
+              <a:t>Vue.js</a:t>
+            </a:r>
+          </a:p>
+          <a:p>
+            <a:r>
+              <a:rPr lang="es-AR" dirty="0"/>
+              <a:t>AJAX</a:t>
+            </a:r>
+          </a:p>
+          <a:p>
+            <a:r>
+              <a:rPr lang="es-AR" dirty="0"/>
+              <a:t>API </a:t>
+            </a:r>
+            <a:r>
+              <a:rPr lang="es-AR" dirty="0" err="1"/>
+              <a:t>RESTFull</a:t>
+            </a:r>
+            <a:endParaRPr lang="es-AR" dirty="0"/>
+          </a:p>
+          <a:p>
+            <a:r>
+              <a:rPr lang="es-AR" dirty="0"/>
+              <a:t>Dotnet Core </a:t>
+            </a:r>
+            <a:r>
+              <a:rPr lang="es-AR" dirty="0" smtClean="0"/>
+              <a:t>2 + ASP.NET Core 2</a:t>
+            </a:r>
+            <a:endParaRPr lang="es-AR" dirty="0"/>
+          </a:p>
+          <a:p>
+            <a:r>
+              <a:rPr lang="es-AR" dirty="0" err="1"/>
+              <a:t>Entity</a:t>
+            </a:r>
+            <a:r>
+              <a:rPr lang="es-AR" dirty="0"/>
+              <a:t> Framework Core 2</a:t>
+            </a:r>
+          </a:p>
+          <a:p>
+            <a:endParaRPr lang="es-AR" dirty="0"/>
+          </a:p>
+        </p:txBody>
+      </p:sp>
+      <p:sp>
+        <p:nvSpPr>
+          <p:cNvPr id="6" name="Content Placeholder 5"/>
+          <p:cNvSpPr>
+            <a:spLocks noGrp="1"/>
+          </p:cNvSpPr>
+          <p:nvPr>
+            <p:ph idx="22"/>
+          </p:nvPr>
+        </p:nvSpPr>
+        <p:spPr/>
+        <p:txBody>
+          <a:bodyPr/>
+          <a:lstStyle/>
+          <a:p>
+            <a:endParaRPr lang="es-AR"/>
+          </a:p>
+        </p:txBody>
+      </p:sp>
+      <p:sp>
+        <p:nvSpPr>
           <p:cNvPr id="27" name="Title 26"/>
           <p:cNvSpPr>
             <a:spLocks noGrp="1"/>
@@ -12221,113 +12845,6 @@
             <a:r>
               <a:rPr lang="es-AR" dirty="0" smtClean="0"/>
               <a:t>Tecnologías</a:t>
-            </a:r>
-            <a:endParaRPr lang="es-AR" dirty="0"/>
-          </a:p>
-        </p:txBody>
-      </p:sp>
-      <p:sp>
-        <p:nvSpPr>
-          <p:cNvPr id="28" name="Text Placeholder 27"/>
-          <p:cNvSpPr>
-            <a:spLocks noGrp="1"/>
-          </p:cNvSpPr>
-          <p:nvPr>
-            <p:ph type="body" sz="quarter" idx="10"/>
-          </p:nvPr>
-        </p:nvSpPr>
-        <p:spPr/>
-        <p:txBody>
-          <a:bodyPr/>
-          <a:lstStyle/>
-          <a:p>
-            <a:r>
-              <a:rPr lang="es-AR" dirty="0" smtClean="0"/>
-              <a:t>Que vamos a ver?</a:t>
-            </a:r>
-            <a:endParaRPr lang="es-AR" dirty="0"/>
-          </a:p>
-        </p:txBody>
-      </p:sp>
-      <p:sp>
-        <p:nvSpPr>
-          <p:cNvPr id="2" name="TextBox 1"/>
-          <p:cNvSpPr txBox="1"/>
-          <p:nvPr/>
-        </p:nvSpPr>
-        <p:spPr>
-          <a:xfrm>
-            <a:off x="757646" y="2455817"/>
-            <a:ext cx="2957348" cy="1477328"/>
-          </a:xfrm>
-          <a:prstGeom prst="rect">
-            <a:avLst/>
-          </a:prstGeom>
-          <a:noFill/>
-        </p:spPr>
-        <p:txBody>
-          <a:bodyPr wrap="none" rtlCol="0">
-            <a:spAutoFit/>
-          </a:bodyPr>
-          <a:lstStyle/>
-          <a:p>
-            <a:pPr marL="285750" indent="-285750">
-              <a:buFont typeface="Arial" panose="020B0604020202020204" pitchFamily="34" charset="0"/>
-              <a:buChar char="•"/>
-            </a:pPr>
-            <a:r>
-              <a:rPr lang="es-AR" dirty="0" smtClean="0"/>
-              <a:t>Vue.js</a:t>
-            </a:r>
-            <a:endParaRPr lang="es-AR" dirty="0" smtClean="0"/>
-          </a:p>
-          <a:p>
-            <a:pPr marL="285750" indent="-285750">
-              <a:buFont typeface="Arial" panose="020B0604020202020204" pitchFamily="34" charset="0"/>
-              <a:buChar char="•"/>
-            </a:pPr>
-            <a:r>
-              <a:rPr lang="es-AR" dirty="0"/>
-              <a:t>AJAX</a:t>
-            </a:r>
-          </a:p>
-          <a:p>
-            <a:pPr marL="285750" indent="-285750">
-              <a:buFont typeface="Arial" panose="020B0604020202020204" pitchFamily="34" charset="0"/>
-              <a:buChar char="•"/>
-            </a:pPr>
-            <a:r>
-              <a:rPr lang="es-AR" dirty="0" smtClean="0"/>
-              <a:t>API </a:t>
-            </a:r>
-            <a:r>
-              <a:rPr lang="es-AR" dirty="0" err="1" smtClean="0"/>
-              <a:t>RESTFull</a:t>
-            </a:r>
-            <a:endParaRPr lang="es-AR" dirty="0" smtClean="0"/>
-          </a:p>
-          <a:p>
-            <a:pPr marL="285750" indent="-285750">
-              <a:buFont typeface="Arial" panose="020B0604020202020204" pitchFamily="34" charset="0"/>
-              <a:buChar char="•"/>
-            </a:pPr>
-            <a:r>
-              <a:rPr lang="es-AR" dirty="0"/>
-              <a:t>Dotnet Core 2</a:t>
-            </a:r>
-          </a:p>
-          <a:p>
-            <a:pPr marL="285750" indent="-285750">
-              <a:buFont typeface="Arial" panose="020B0604020202020204" pitchFamily="34" charset="0"/>
-              <a:buChar char="•"/>
-            </a:pPr>
-            <a:r>
-              <a:rPr lang="es-AR" dirty="0"/>
-              <a:t>Entity Framework Core </a:t>
-            </a:r>
-            <a:r>
-              <a:rPr lang="es-AR" dirty="0" smtClean="0"/>
-              <a:t>2</a:t>
             </a:r>
             <a:endParaRPr lang="es-AR" dirty="0"/>
           </a:p>
@@ -12470,7 +12987,11 @@
           <a:bodyPr/>
           <a:lstStyle/>
           <a:p>
-            <a:endParaRPr lang="es-AR"/>
+            <a:r>
+              <a:rPr lang="es-AR" dirty="0"/>
+              <a:t>Tecnologías</a:t>
+            </a:r>
+            <a:endParaRPr lang="es-AR" dirty="0"/>
           </a:p>
         </p:txBody>
       </p:sp>
@@ -12489,7 +13010,30 @@
           <a:bodyPr/>
           <a:lstStyle/>
           <a:p>
-            <a:endParaRPr lang="es-AR"/>
+            <a:r>
+              <a:rPr lang="en-US" dirty="0"/>
+              <a:t>API </a:t>
+            </a:r>
+            <a:r>
+              <a:rPr lang="en-US" dirty="0" err="1"/>
+              <a:t>RESTFull</a:t>
+            </a:r>
+            <a:endParaRPr lang="en-US" dirty="0"/>
+          </a:p>
+          <a:p>
+            <a:r>
+              <a:rPr lang="en-US" dirty="0"/>
+              <a:t>Dotnet Core 2 + ASP.NET Core 2</a:t>
+            </a:r>
+          </a:p>
+          <a:p>
+            <a:r>
+              <a:rPr lang="en-US" dirty="0"/>
+              <a:t>Entity Framework Core 2</a:t>
+            </a:r>
+          </a:p>
+          <a:p>
+            <a:endParaRPr lang="es-AR" dirty="0"/>
           </a:p>
         </p:txBody>
       </p:sp>
@@ -12532,7 +13076,7 @@
       </p:grpSpPr>
       <p:sp>
         <p:nvSpPr>
-          <p:cNvPr id="11" name="Title 10"/>
+          <p:cNvPr id="2" name="Title 1"/>
           <p:cNvSpPr>
             <a:spLocks noGrp="1"/>
           </p:cNvSpPr>
@@ -12542,14 +13086,62 @@
         </p:nvSpPr>
         <p:spPr/>
         <p:txBody>
-          <a:bodyPr>
-            <a:normAutofit/>
-          </a:bodyPr>
+          <a:bodyPr/>
           <a:lstStyle/>
           <a:p>
             <a:r>
+              <a:rPr lang="es-AR" dirty="0" err="1" smtClean="0"/>
+              <a:t>Backend</a:t>
+            </a:r>
+            <a:endParaRPr lang="es-AR" dirty="0"/>
+          </a:p>
+        </p:txBody>
+      </p:sp>
+      <p:sp>
+        <p:nvSpPr>
+          <p:cNvPr id="3" name="Text Placeholder 2"/>
+          <p:cNvSpPr>
+            <a:spLocks noGrp="1"/>
+          </p:cNvSpPr>
+          <p:nvPr>
+            <p:ph type="body" sz="quarter" idx="10"/>
+          </p:nvPr>
+        </p:nvSpPr>
+        <p:spPr/>
+        <p:txBody>
+          <a:bodyPr/>
+          <a:lstStyle/>
+          <a:p>
+            <a:r>
               <a:rPr lang="es-AR" dirty="0" smtClean="0"/>
-              <a:t>Frontend</a:t>
+              <a:t>Estructura de la aplicación</a:t>
+            </a:r>
+            <a:endParaRPr lang="es-AR" dirty="0"/>
+          </a:p>
+        </p:txBody>
+      </p:sp>
+      <p:sp>
+        <p:nvSpPr>
+          <p:cNvPr id="4" name="Text Placeholder 3"/>
+          <p:cNvSpPr>
+            <a:spLocks noGrp="1"/>
+          </p:cNvSpPr>
+          <p:nvPr>
+            <p:ph type="body" sz="quarter" idx="15"/>
+          </p:nvPr>
+        </p:nvSpPr>
+        <p:spPr/>
+        <p:txBody>
+          <a:bodyPr/>
+          <a:lstStyle/>
+          <a:p>
+            <a:r>
+              <a:rPr lang="es-AR" dirty="0" smtClean="0"/>
+              <a:t>Archivo </a:t>
+            </a:r>
+            <a:r>
+              <a:rPr lang="es-AR" dirty="0" err="1" smtClean="0"/>
+              <a:t>Program</a:t>
             </a:r>
             <a:endParaRPr lang="es-AR" dirty="0"/>
           </a:p>
@@ -12558,7 +13150,7 @@
     </p:spTree>
     <p:extLst>
       <p:ext uri="{BB962C8B-B14F-4D97-AF65-F5344CB8AC3E}">
-        <p14:creationId xmlns:p14="http://schemas.microsoft.com/office/powerpoint/2010/main" val="1980038344"/>
+        <p14:creationId xmlns:p14="http://schemas.microsoft.com/office/powerpoint/2010/main" val="660374861"/>
       </p:ext>
     </p:extLst>
   </p:cSld>

--- a/Presentacion.pptx
+++ b/Presentacion.pptx
@@ -10653,7 +10653,6 @@
               <a:rPr lang="es-AR" dirty="0"/>
               <a:t>Tecnologías</a:t>
             </a:r>
-            <a:endParaRPr lang="es-AR" dirty="0"/>
           </a:p>
         </p:txBody>
       </p:sp>
@@ -12800,8 +12799,29 @@
             </a:r>
             <a:r>
               <a:rPr lang="es-AR" dirty="0"/>
-              <a:t> Framework Core 2</a:t>
-            </a:r>
+              <a:t> Framework Core </a:t>
+            </a:r>
+            <a:r>
+              <a:rPr lang="es-AR" dirty="0"/>
+              <a:t>2 </a:t>
+            </a:r>
+            <a:r>
+              <a:rPr lang="es-AR" dirty="0">
+                <a:hlinkClick r:id="rId2"/>
+              </a:rPr>
+              <a:t>https://</a:t>
+            </a:r>
+            <a:r>
+              <a:rPr lang="es-AR" dirty="0" smtClean="0">
+                <a:hlinkClick r:id="rId2"/>
+              </a:rPr>
+              <a:t>goo.gl/IWvH61</a:t>
+            </a:r>
+            <a:r>
+              <a:rPr lang="es-AR" dirty="0" smtClean="0"/>
+              <a:t> </a:t>
+            </a:r>
+            <a:endParaRPr lang="es-AR" dirty="0"/>
           </a:p>
           <a:p>
             <a:endParaRPr lang="es-AR" dirty="0"/>
@@ -12823,7 +12843,104 @@
           <a:bodyPr/>
           <a:lstStyle/>
           <a:p>
-            <a:endParaRPr lang="es-AR"/>
+            <a:r>
+              <a:rPr lang="es-AR" dirty="0"/>
+              <a:t>IOC DI </a:t>
+            </a:r>
+            <a:r>
+              <a:rPr lang="es-AR" dirty="0">
+                <a:hlinkClick r:id="rId3"/>
+              </a:rPr>
+              <a:t>https://</a:t>
+            </a:r>
+            <a:r>
+              <a:rPr lang="es-AR" dirty="0" smtClean="0">
+                <a:hlinkClick r:id="rId3"/>
+              </a:rPr>
+              <a:t>goo.gl/7ARiqj</a:t>
+            </a:r>
+            <a:r>
+              <a:rPr lang="es-AR" dirty="0" smtClean="0"/>
+              <a:t> </a:t>
+            </a:r>
+          </a:p>
+          <a:p>
+            <a:r>
+              <a:rPr lang="es-AR" dirty="0"/>
+              <a:t>ORM </a:t>
+            </a:r>
+            <a:r>
+              <a:rPr lang="es-AR" dirty="0">
+                <a:hlinkClick r:id="rId2"/>
+              </a:rPr>
+              <a:t>https://</a:t>
+            </a:r>
+            <a:r>
+              <a:rPr lang="es-AR" dirty="0" smtClean="0">
+                <a:hlinkClick r:id="rId2"/>
+              </a:rPr>
+              <a:t>goo.gl/IWvH61</a:t>
+            </a:r>
+            <a:r>
+              <a:rPr lang="es-AR" dirty="0" smtClean="0"/>
+              <a:t> </a:t>
+            </a:r>
+          </a:p>
+          <a:p>
+            <a:r>
+              <a:rPr lang="es-AR" dirty="0" smtClean="0"/>
+              <a:t>DB </a:t>
+            </a:r>
+            <a:r>
+              <a:rPr lang="es-AR" dirty="0"/>
+              <a:t>en </a:t>
+            </a:r>
+            <a:r>
+              <a:rPr lang="es-AR" dirty="0" smtClean="0"/>
+              <a:t>memoria</a:t>
+            </a:r>
+          </a:p>
+          <a:p>
+            <a:r>
+              <a:rPr lang="es-AR" dirty="0" err="1" smtClean="0"/>
+              <a:t>NodeJS</a:t>
+            </a:r>
+            <a:endParaRPr lang="es-AR" dirty="0" smtClean="0"/>
+          </a:p>
+          <a:p>
+            <a:r>
+              <a:rPr lang="es-AR" dirty="0" err="1" smtClean="0"/>
+              <a:t>Npm</a:t>
+            </a:r>
+            <a:endParaRPr lang="es-AR" dirty="0" smtClean="0"/>
+          </a:p>
+          <a:p>
+            <a:r>
+              <a:rPr lang="es-AR" dirty="0" err="1" smtClean="0"/>
+              <a:t>Postman</a:t>
+            </a:r>
+            <a:endParaRPr lang="es-AR" dirty="0" smtClean="0"/>
+          </a:p>
+          <a:p>
+            <a:r>
+              <a:rPr lang="es-AR" dirty="0" smtClean="0"/>
+              <a:t>Patrones </a:t>
+            </a:r>
+            <a:r>
+              <a:rPr lang="es-AR" dirty="0"/>
+              <a:t>de diseño, </a:t>
+            </a:r>
+            <a:r>
+              <a:rPr lang="es-AR" dirty="0" smtClean="0"/>
+              <a:t>MVC</a:t>
+            </a:r>
+          </a:p>
+          <a:p>
+            <a:r>
+              <a:rPr lang="es-AR" dirty="0" err="1" smtClean="0"/>
+              <a:t>Logging</a:t>
+            </a:r>
+            <a:endParaRPr lang="es-AR" dirty="0"/>
           </a:p>
         </p:txBody>
       </p:sp>
@@ -12991,7 +13108,6 @@
               <a:rPr lang="es-AR" dirty="0"/>
               <a:t>Tecnologías</a:t>
             </a:r>
-            <a:endParaRPr lang="es-AR" dirty="0"/>
           </a:p>
         </p:txBody>
       </p:sp>
@@ -13140,9 +13256,182 @@
               <a:t>Archivo </a:t>
             </a:r>
             <a:r>
+              <a:rPr lang="es-AR" dirty="0" err="1" smtClean="0">
+                <a:latin typeface="Consolas" panose="020B0609020204030204" pitchFamily="49" charset="0"/>
+              </a:rPr>
+              <a:t>Program.cs</a:t>
+            </a:r>
+            <a:r>
+              <a:rPr lang="es-AR" dirty="0" smtClean="0"/>
+              <a:t>: Inicio del programa. Configuración inicial de la aplicación</a:t>
+            </a:r>
+          </a:p>
+          <a:p>
+            <a:r>
+              <a:rPr lang="es-AR" dirty="0"/>
+              <a:t>Archivo </a:t>
+            </a:r>
+            <a:r>
+              <a:rPr lang="es-AR" dirty="0" err="1" smtClean="0">
+                <a:latin typeface="Consolas" panose="020B0609020204030204" pitchFamily="49" charset="0"/>
+              </a:rPr>
+              <a:t>Startup.cs</a:t>
+            </a:r>
+            <a:r>
+              <a:rPr lang="es-AR" dirty="0" smtClean="0"/>
+              <a:t>: Configuración de ASP.NET Core</a:t>
+            </a:r>
+          </a:p>
+          <a:p>
+            <a:r>
+              <a:rPr lang="es-AR" dirty="0" smtClean="0"/>
+              <a:t>Carpeta </a:t>
+            </a:r>
+            <a:r>
+              <a:rPr lang="es-AR" dirty="0" err="1" smtClean="0">
+                <a:latin typeface="Consolas" panose="020B0609020204030204" pitchFamily="49" charset="0"/>
+              </a:rPr>
+              <a:t>Controllers</a:t>
+            </a:r>
+            <a:r>
+              <a:rPr lang="es-AR" dirty="0" smtClean="0"/>
+              <a:t> y </a:t>
+            </a:r>
+            <a:r>
+              <a:rPr lang="es-AR" dirty="0"/>
+              <a:t>archivos </a:t>
+            </a:r>
+            <a:r>
+              <a:rPr lang="es-AR" dirty="0">
+                <a:latin typeface="Consolas" panose="020B0609020204030204" pitchFamily="49" charset="0"/>
+              </a:rPr>
+              <a:t>[</a:t>
+            </a:r>
+            <a:r>
+              <a:rPr lang="es-AR" dirty="0" err="1" smtClean="0">
+                <a:latin typeface="Consolas" panose="020B0609020204030204" pitchFamily="49" charset="0"/>
+              </a:rPr>
+              <a:t>Name</a:t>
+            </a:r>
+            <a:r>
+              <a:rPr lang="es-AR" dirty="0" smtClean="0">
+                <a:latin typeface="Consolas" panose="020B0609020204030204" pitchFamily="49" charset="0"/>
+              </a:rPr>
+              <a:t>]</a:t>
+            </a:r>
+            <a:r>
+              <a:rPr lang="es-AR" dirty="0" err="1" smtClean="0">
+                <a:latin typeface="Consolas" panose="020B0609020204030204" pitchFamily="49" charset="0"/>
+              </a:rPr>
+              <a:t>Controller.cs</a:t>
+            </a:r>
+            <a:r>
+              <a:rPr lang="es-AR" dirty="0" smtClean="0"/>
+              <a:t>: Contiene los controladores que son los puntos de entrada de nuestros </a:t>
+            </a:r>
+            <a:r>
               <a:rPr lang="es-AR" dirty="0" err="1" smtClean="0"/>
-              <a:t>Program</a:t>
-            </a:r>
+              <a:t>endpoints</a:t>
+            </a:r>
+            <a:endParaRPr lang="es-AR" dirty="0" smtClean="0"/>
+          </a:p>
+          <a:p>
+            <a:r>
+              <a:rPr lang="es-AR" dirty="0"/>
+              <a:t>Carpeta </a:t>
+            </a:r>
+            <a:r>
+              <a:rPr lang="es-AR" dirty="0" err="1">
+                <a:latin typeface="Consolas" panose="020B0609020204030204" pitchFamily="49" charset="0"/>
+              </a:rPr>
+              <a:t>Service</a:t>
+            </a:r>
+            <a:r>
+              <a:rPr lang="es-AR" dirty="0" smtClean="0"/>
+              <a:t>: Servicios de nuestra para nuestra aplicación. Se encuentran los contratos (interfaces) y la implementación de los mismos (clases). Estos están registrados por medio de DI</a:t>
+            </a:r>
+          </a:p>
+          <a:p>
+            <a:r>
+              <a:rPr lang="es-AR" dirty="0"/>
+              <a:t>Carpeta </a:t>
+            </a:r>
+            <a:r>
+              <a:rPr lang="es-AR" dirty="0" smtClean="0">
+                <a:latin typeface="Consolas" panose="020B0609020204030204" pitchFamily="49" charset="0"/>
+              </a:rPr>
+              <a:t>Data</a:t>
+            </a:r>
+            <a:r>
+              <a:rPr lang="es-AR" dirty="0" smtClean="0"/>
+              <a:t>: Contiene el archivo de configuración de EF Core (</a:t>
+            </a:r>
+            <a:r>
+              <a:rPr lang="es-AR" dirty="0" err="1" smtClean="0"/>
+              <a:t>dbcontext</a:t>
+            </a:r>
+            <a:r>
+              <a:rPr lang="es-AR" dirty="0" smtClean="0"/>
+              <a:t>) y el archivo de inicialización de los datos</a:t>
+            </a:r>
+          </a:p>
+          <a:p>
+            <a:r>
+              <a:rPr lang="es-AR" dirty="0"/>
+              <a:t>Carpeta </a:t>
+            </a:r>
+            <a:r>
+              <a:rPr lang="es-AR" dirty="0" smtClean="0">
+                <a:latin typeface="Consolas" panose="020B0609020204030204" pitchFamily="49" charset="0"/>
+              </a:rPr>
+              <a:t>Data/</a:t>
+            </a:r>
+            <a:r>
+              <a:rPr lang="es-AR" dirty="0" err="1" smtClean="0">
+                <a:latin typeface="Consolas" panose="020B0609020204030204" pitchFamily="49" charset="0"/>
+              </a:rPr>
+              <a:t>Entities</a:t>
+            </a:r>
+            <a:r>
+              <a:rPr lang="es-AR" dirty="0" smtClean="0"/>
+              <a:t>: Contiene la(s) entidad(es) de nuestro proyecto.</a:t>
+            </a:r>
+          </a:p>
+          <a:p>
+            <a:r>
+              <a:rPr lang="es-AR" dirty="0"/>
+              <a:t>Carpeta </a:t>
+            </a:r>
+            <a:r>
+              <a:rPr lang="es-AR" dirty="0" smtClean="0">
+                <a:latin typeface="Consolas" panose="020B0609020204030204" pitchFamily="49" charset="0"/>
+              </a:rPr>
+              <a:t>Data/</a:t>
+            </a:r>
+            <a:r>
+              <a:rPr lang="es-AR" dirty="0" err="1" smtClean="0">
+                <a:latin typeface="Consolas" panose="020B0609020204030204" pitchFamily="49" charset="0"/>
+              </a:rPr>
+              <a:t>Models</a:t>
+            </a:r>
+            <a:r>
+              <a:rPr lang="es-AR" dirty="0" smtClean="0"/>
+              <a:t>: </a:t>
+            </a:r>
+            <a:r>
+              <a:rPr lang="es-AR" dirty="0"/>
+              <a:t>Contiene </a:t>
+            </a:r>
+            <a:r>
+              <a:rPr lang="es-AR" dirty="0" smtClean="0"/>
+              <a:t>el/los modelo(s</a:t>
+            </a:r>
+            <a:r>
+              <a:rPr lang="es-AR" dirty="0"/>
+              <a:t>) de nuestro proyecto.</a:t>
+            </a:r>
+          </a:p>
+          <a:p>
             <a:endParaRPr lang="es-AR" dirty="0"/>
           </a:p>
         </p:txBody>

--- a/Presentacion.pptx
+++ b/Presentacion.pptx
@@ -12761,14 +12761,48 @@
           <a:p>
             <a:r>
               <a:rPr lang="es-AR" dirty="0"/>
-              <a:t>Vue.js</a:t>
-            </a:r>
+              <a:t>Vue.js </a:t>
+            </a:r>
+            <a:r>
+              <a:rPr lang="es-AR" sz="1600" dirty="0">
+                <a:hlinkClick r:id="rId2"/>
+              </a:rPr>
+              <a:t>https://vuejs.org</a:t>
+            </a:r>
+            <a:r>
+              <a:rPr lang="es-AR" sz="1600" dirty="0" smtClean="0">
+                <a:hlinkClick r:id="rId2"/>
+              </a:rPr>
+              <a:t>/</a:t>
+            </a:r>
+            <a:r>
+              <a:rPr lang="es-AR" sz="1600" dirty="0" smtClean="0"/>
+              <a:t> </a:t>
+            </a:r>
+            <a:endParaRPr lang="es-AR" sz="1600" dirty="0"/>
           </a:p>
           <a:p>
             <a:r>
               <a:rPr lang="es-AR" dirty="0"/>
-              <a:t>AJAX</a:t>
-            </a:r>
+              <a:t>AJAX </a:t>
+            </a:r>
+            <a:r>
+              <a:rPr lang="es-AR" sz="1600" dirty="0">
+                <a:hlinkClick r:id="rId3"/>
+              </a:rPr>
+              <a:t>https://</a:t>
+            </a:r>
+            <a:r>
+              <a:rPr lang="es-AR" sz="1600" dirty="0" smtClean="0">
+                <a:hlinkClick r:id="rId3"/>
+              </a:rPr>
+              <a:t>goo.gl/dKPhb9</a:t>
+            </a:r>
+            <a:r>
+              <a:rPr lang="es-AR" sz="1600" dirty="0" smtClean="0"/>
+              <a:t> </a:t>
+            </a:r>
+            <a:endParaRPr lang="es-AR" sz="1600" dirty="0"/>
           </a:p>
           <a:p>
             <a:r>
@@ -12776,10 +12810,30 @@
               <a:t>API </a:t>
             </a:r>
             <a:r>
-              <a:rPr lang="es-AR" dirty="0" err="1"/>
-              <a:t>RESTFull</a:t>
-            </a:r>
-            <a:endParaRPr lang="es-AR" dirty="0"/>
+              <a:rPr lang="es-AR" dirty="0" err="1" smtClean="0"/>
+              <a:t>RESTFul</a:t>
+            </a:r>
+            <a:r>
+              <a:rPr lang="es-AR" dirty="0" smtClean="0"/>
+              <a:t> </a:t>
+            </a:r>
+            <a:r>
+              <a:rPr lang="es-AR" sz="1600" dirty="0">
+                <a:hlinkClick r:id="rId4"/>
+              </a:rPr>
+              <a:t>http://restcookbook.com</a:t>
+            </a:r>
+            <a:r>
+              <a:rPr lang="es-AR" sz="1600" dirty="0" smtClean="0">
+                <a:hlinkClick r:id="rId4"/>
+              </a:rPr>
+              <a:t>/</a:t>
+            </a:r>
+            <a:r>
+              <a:rPr lang="es-AR" sz="1600" dirty="0" smtClean="0"/>
+              <a:t> </a:t>
+            </a:r>
+            <a:endParaRPr lang="es-AR" sz="1600" dirty="0"/>
           </a:p>
           <a:p>
             <a:r>
@@ -12788,9 +12842,29 @@
             </a:r>
             <a:r>
               <a:rPr lang="es-AR" dirty="0" smtClean="0"/>
-              <a:t>2 + ASP.NET Core 2</a:t>
-            </a:r>
-            <a:endParaRPr lang="es-AR" dirty="0"/>
+              <a:t>2 + ASP.NET Core </a:t>
+            </a:r>
+            <a:r>
+              <a:rPr lang="es-AR" dirty="0"/>
+              <a:t>2 </a:t>
+            </a:r>
+            <a:r>
+              <a:rPr lang="es-AR" sz="1600" dirty="0">
+                <a:hlinkClick r:id="rId5"/>
+              </a:rPr>
+              <a:t>https://</a:t>
+            </a:r>
+            <a:r>
+              <a:rPr lang="es-AR" sz="1600" dirty="0" smtClean="0">
+                <a:hlinkClick r:id="rId5"/>
+              </a:rPr>
+              <a:t>goo.gl/Mc1WWO</a:t>
+            </a:r>
+            <a:r>
+              <a:rPr lang="es-AR" sz="1600" dirty="0" smtClean="0"/>
+              <a:t> </a:t>
+            </a:r>
+            <a:endParaRPr lang="es-AR" sz="1600" dirty="0"/>
           </a:p>
           <a:p>
             <a:r>
@@ -12799,29 +12873,25 @@
             </a:r>
             <a:r>
               <a:rPr lang="es-AR" dirty="0"/>
-              <a:t> Framework Core </a:t>
-            </a:r>
-            <a:r>
-              <a:rPr lang="es-AR" dirty="0"/>
-              <a:t>2 </a:t>
-            </a:r>
-            <a:r>
-              <a:rPr lang="es-AR" dirty="0">
-                <a:hlinkClick r:id="rId2"/>
+              <a:t> Framework Core 2 </a:t>
+            </a:r>
+            <a:r>
+              <a:rPr lang="es-AR" sz="1600" dirty="0">
+                <a:hlinkClick r:id="rId6"/>
               </a:rPr>
               <a:t>https://</a:t>
             </a:r>
             <a:r>
-              <a:rPr lang="es-AR" dirty="0" smtClean="0">
-                <a:hlinkClick r:id="rId2"/>
+              <a:rPr lang="es-AR" sz="1600" dirty="0" smtClean="0">
+                <a:hlinkClick r:id="rId6"/>
               </a:rPr>
               <a:t>goo.gl/IWvH61</a:t>
             </a:r>
             <a:r>
-              <a:rPr lang="es-AR" dirty="0" smtClean="0"/>
+              <a:rPr lang="es-AR" sz="1600" dirty="0" smtClean="0"/>
               <a:t> </a:t>
             </a:r>
-            <a:endParaRPr lang="es-AR" dirty="0"/>
+            <a:endParaRPr lang="es-AR" sz="1600" dirty="0"/>
           </a:p>
           <a:p>
             <a:endParaRPr lang="es-AR" dirty="0"/>
@@ -12848,63 +12918,104 @@
               <a:t>IOC DI </a:t>
             </a:r>
             <a:r>
-              <a:rPr lang="es-AR" dirty="0">
-                <a:hlinkClick r:id="rId3"/>
+              <a:rPr lang="es-AR" sz="1600" dirty="0">
+                <a:hlinkClick r:id="rId7"/>
               </a:rPr>
               <a:t>https://</a:t>
             </a:r>
             <a:r>
-              <a:rPr lang="es-AR" dirty="0" smtClean="0">
-                <a:hlinkClick r:id="rId3"/>
+              <a:rPr lang="es-AR" sz="1600" dirty="0" smtClean="0">
+                <a:hlinkClick r:id="rId7"/>
               </a:rPr>
               <a:t>goo.gl/7ARiqj</a:t>
+            </a:r>
+            <a:r>
+              <a:rPr lang="es-AR" sz="1600" dirty="0" smtClean="0"/>
+              <a:t> </a:t>
+            </a:r>
+          </a:p>
+          <a:p>
+            <a:r>
+              <a:rPr lang="es-AR" dirty="0"/>
+              <a:t>ORM </a:t>
+            </a:r>
+            <a:r>
+              <a:rPr lang="es-AR" sz="1600" dirty="0">
+                <a:hlinkClick r:id="rId6"/>
+              </a:rPr>
+              <a:t>https://</a:t>
+            </a:r>
+            <a:r>
+              <a:rPr lang="es-AR" sz="1600" dirty="0" smtClean="0">
+                <a:hlinkClick r:id="rId6"/>
+              </a:rPr>
+              <a:t>goo.gl/IWvH61</a:t>
+            </a:r>
+            <a:r>
+              <a:rPr lang="es-AR" sz="1600" dirty="0" smtClean="0"/>
+              <a:t> </a:t>
+            </a:r>
+          </a:p>
+          <a:p>
+            <a:r>
+              <a:rPr lang="es-AR" dirty="0" smtClean="0"/>
+              <a:t>DB </a:t>
+            </a:r>
+            <a:r>
+              <a:rPr lang="es-AR" dirty="0" smtClean="0"/>
+              <a:t>In-</a:t>
+            </a:r>
+            <a:r>
+              <a:rPr lang="es-AR" dirty="0" err="1" smtClean="0"/>
+              <a:t>Memory</a:t>
+            </a:r>
+            <a:r>
+              <a:rPr lang="es-AR" dirty="0"/>
+              <a:t> </a:t>
+            </a:r>
+            <a:r>
+              <a:rPr lang="es-AR" sz="1600" dirty="0">
+                <a:hlinkClick r:id="rId8"/>
+              </a:rPr>
+              <a:t>https://</a:t>
+            </a:r>
+            <a:r>
+              <a:rPr lang="es-AR" sz="1600" dirty="0" smtClean="0">
+                <a:hlinkClick r:id="rId8"/>
+              </a:rPr>
+              <a:t>goo.gl/GAt3vM</a:t>
             </a:r>
             <a:r>
               <a:rPr lang="es-AR" dirty="0" smtClean="0"/>
               <a:t> </a:t>
             </a:r>
-          </a:p>
-          <a:p>
+            <a:endParaRPr lang="es-AR" dirty="0" smtClean="0"/>
+          </a:p>
+          <a:p>
+            <a:r>
+              <a:rPr lang="es-AR" dirty="0" err="1" smtClean="0"/>
+              <a:t>NodeJS</a:t>
+            </a:r>
             <a:r>
               <a:rPr lang="es-AR" dirty="0"/>
-              <a:t>ORM </a:t>
-            </a:r>
-            <a:r>
-              <a:rPr lang="es-AR" dirty="0">
-                <a:hlinkClick r:id="rId2"/>
+              <a:t> </a:t>
+            </a:r>
+            <a:r>
+              <a:rPr lang="es-AR" sz="1600" dirty="0">
+                <a:hlinkClick r:id="rId9"/>
               </a:rPr>
               <a:t>https://</a:t>
             </a:r>
             <a:r>
-              <a:rPr lang="es-AR" dirty="0" smtClean="0">
-                <a:hlinkClick r:id="rId2"/>
-              </a:rPr>
-              <a:t>goo.gl/IWvH61</a:t>
+              <a:rPr lang="es-AR" sz="1600" dirty="0" smtClean="0">
+                <a:hlinkClick r:id="rId9"/>
+              </a:rPr>
+              <a:t>goo.gl/jDga69</a:t>
             </a:r>
             <a:r>
               <a:rPr lang="es-AR" dirty="0" smtClean="0"/>
               <a:t> </a:t>
             </a:r>
-          </a:p>
-          <a:p>
-            <a:r>
-              <a:rPr lang="es-AR" dirty="0" smtClean="0"/>
-              <a:t>DB </a:t>
-            </a:r>
-            <a:r>
-              <a:rPr lang="es-AR" dirty="0"/>
-              <a:t>en </a:t>
-            </a:r>
-            <a:r>
-              <a:rPr lang="es-AR" dirty="0" smtClean="0"/>
-              <a:t>memoria</a:t>
-            </a:r>
-          </a:p>
-          <a:p>
-            <a:r>
-              <a:rPr lang="es-AR" dirty="0" err="1" smtClean="0"/>
-              <a:t>NodeJS</a:t>
-            </a:r>
             <a:endParaRPr lang="es-AR" dirty="0" smtClean="0"/>
           </a:p>
           <a:p>
@@ -12912,33 +13023,102 @@
               <a:rPr lang="es-AR" dirty="0" err="1" smtClean="0"/>
               <a:t>Npm</a:t>
             </a:r>
-            <a:endParaRPr lang="es-AR" dirty="0" smtClean="0"/>
+            <a:r>
+              <a:rPr lang="es-AR" dirty="0"/>
+              <a:t> </a:t>
+            </a:r>
+            <a:r>
+              <a:rPr lang="es-AR" sz="1600" dirty="0">
+                <a:hlinkClick r:id="rId10"/>
+              </a:rPr>
+              <a:t>https://</a:t>
+            </a:r>
+            <a:r>
+              <a:rPr lang="es-AR" sz="1600" dirty="0" smtClean="0">
+                <a:hlinkClick r:id="rId10"/>
+              </a:rPr>
+              <a:t>goo.gl/TYcjr3</a:t>
+            </a:r>
+            <a:r>
+              <a:rPr lang="es-AR" sz="1600" dirty="0" smtClean="0"/>
+              <a:t> </a:t>
+            </a:r>
+            <a:endParaRPr lang="es-AR" sz="1600" dirty="0" smtClean="0"/>
           </a:p>
           <a:p>
             <a:r>
               <a:rPr lang="es-AR" dirty="0" err="1" smtClean="0"/>
               <a:t>Postman</a:t>
             </a:r>
-            <a:endParaRPr lang="es-AR" dirty="0" smtClean="0"/>
-          </a:p>
-          <a:p>
+            <a:r>
+              <a:rPr lang="es-AR" dirty="0"/>
+              <a:t> </a:t>
+            </a:r>
+            <a:r>
+              <a:rPr lang="es-AR" sz="1600" dirty="0">
+                <a:hlinkClick r:id="rId11"/>
+              </a:rPr>
+              <a:t>https://</a:t>
+            </a:r>
+            <a:r>
+              <a:rPr lang="es-AR" sz="1600" dirty="0" smtClean="0">
+                <a:hlinkClick r:id="rId11"/>
+              </a:rPr>
+              <a:t>goo.gl/d3VdTd</a:t>
+            </a:r>
+            <a:r>
+              <a:rPr lang="es-AR" sz="1600" dirty="0" smtClean="0"/>
+              <a:t> </a:t>
+            </a:r>
+            <a:endParaRPr lang="es-AR" sz="1600" dirty="0" smtClean="0"/>
+          </a:p>
+          <a:p>
+            <a:r>
+              <a:rPr lang="es-AR" dirty="0"/>
+              <a:t>MVC </a:t>
+            </a:r>
+            <a:r>
+              <a:rPr lang="es-AR" sz="1600" dirty="0">
+                <a:hlinkClick r:id="rId12"/>
+              </a:rPr>
+              <a:t>https://</a:t>
+            </a:r>
+            <a:r>
+              <a:rPr lang="es-AR" sz="1600" dirty="0" smtClean="0">
+                <a:hlinkClick r:id="rId12"/>
+              </a:rPr>
+              <a:t>goo.gl/PYdXvj</a:t>
+            </a:r>
+            <a:r>
+              <a:rPr lang="es-AR" sz="1600" dirty="0" smtClean="0"/>
+              <a:t> </a:t>
+            </a:r>
+            <a:endParaRPr lang="es-AR" sz="1600" dirty="0" smtClean="0"/>
+          </a:p>
+          <a:p>
+            <a:r>
+              <a:rPr lang="es-AR" dirty="0" err="1"/>
+              <a:t>Logging</a:t>
+            </a:r>
+            <a:r>
+              <a:rPr lang="es-AR" dirty="0"/>
+              <a:t> </a:t>
+            </a:r>
+            <a:r>
+              <a:rPr lang="es-AR" sz="1600" dirty="0">
+                <a:hlinkClick r:id="rId13"/>
+              </a:rPr>
+              <a:t>https://</a:t>
+            </a:r>
+            <a:r>
+              <a:rPr lang="es-AR" sz="1600" dirty="0" smtClean="0">
+                <a:hlinkClick r:id="rId13"/>
+              </a:rPr>
+              <a:t>goo.gl/tnNdLB</a:t>
+            </a:r>
             <a:r>
               <a:rPr lang="es-AR" dirty="0" smtClean="0"/>
-              <a:t>Patrones </a:t>
-            </a:r>
-            <a:r>
-              <a:rPr lang="es-AR" dirty="0"/>
-              <a:t>de diseño, </a:t>
-            </a:r>
-            <a:r>
-              <a:rPr lang="es-AR" dirty="0" smtClean="0"/>
-              <a:t>MVC</a:t>
-            </a:r>
-          </a:p>
-          <a:p>
-            <a:r>
-              <a:rPr lang="es-AR" dirty="0" err="1" smtClean="0"/>
-              <a:t>Logging</a:t>
+              <a:t> </a:t>
             </a:r>
             <a:endParaRPr lang="es-AR" dirty="0"/>
           </a:p>
@@ -13127,26 +13307,69 @@
           <a:lstStyle/>
           <a:p>
             <a:r>
+              <a:rPr lang="en-US" dirty="0" smtClean="0"/>
+              <a:t>dotnet core 2 </a:t>
+            </a:r>
+          </a:p>
+          <a:p>
+            <a:r>
+              <a:rPr lang="en-US" dirty="0" smtClean="0"/>
+              <a:t>C#</a:t>
+            </a:r>
+          </a:p>
+          <a:p>
+            <a:r>
+              <a:rPr lang="en-US" dirty="0" smtClean="0"/>
+              <a:t>API </a:t>
+            </a:r>
+            <a:r>
+              <a:rPr lang="en-US" dirty="0" err="1" smtClean="0"/>
+              <a:t>RESTFul</a:t>
+            </a:r>
+            <a:r>
+              <a:rPr lang="en-US" dirty="0" smtClean="0"/>
+              <a:t> </a:t>
+            </a:r>
+            <a:endParaRPr lang="en-US" dirty="0"/>
+          </a:p>
+          <a:p>
+            <a:r>
+              <a:rPr lang="en-US" dirty="0" smtClean="0"/>
+              <a:t>ASP.NET Core 2 API</a:t>
+            </a:r>
+          </a:p>
+          <a:p>
+            <a:pPr lvl="1"/>
+            <a:r>
+              <a:rPr lang="en-US" dirty="0" smtClean="0"/>
+              <a:t>Model</a:t>
+            </a:r>
+          </a:p>
+          <a:p>
+            <a:pPr lvl="1"/>
+            <a:r>
+              <a:rPr lang="en-US" dirty="0" smtClean="0"/>
+              <a:t>Controller</a:t>
+            </a:r>
+            <a:endParaRPr lang="en-US" dirty="0"/>
+          </a:p>
+          <a:p>
+            <a:r>
               <a:rPr lang="en-US" dirty="0"/>
-              <a:t>API </a:t>
-            </a:r>
-            <a:r>
-              <a:rPr lang="en-US" dirty="0" err="1"/>
-              <a:t>RESTFull</a:t>
+              <a:t>Entity Framework Core </a:t>
+            </a:r>
+            <a:r>
+              <a:rPr lang="en-US" dirty="0" smtClean="0"/>
+              <a:t>2</a:t>
+            </a:r>
+          </a:p>
+          <a:p>
+            <a:pPr lvl="1"/>
+            <a:r>
+              <a:rPr lang="en-US" smtClean="0"/>
+              <a:t>Mapping</a:t>
             </a:r>
             <a:endParaRPr lang="en-US" dirty="0"/>
-          </a:p>
-          <a:p>
-            <a:r>
-              <a:rPr lang="en-US" dirty="0"/>
-              <a:t>Dotnet Core 2 + ASP.NET Core 2</a:t>
-            </a:r>
-          </a:p>
-          <a:p>
-            <a:r>
-              <a:rPr lang="en-US" dirty="0"/>
-              <a:t>Entity Framework Core 2</a:t>
-            </a:r>
           </a:p>
           <a:p>
             <a:endParaRPr lang="es-AR" dirty="0"/>

--- a/Presentacion.pptx
+++ b/Presentacion.pptx
@@ -11015,6 +11015,116 @@
           <a:bodyPr/>
           <a:lstStyle/>
           <a:p>
+            <a:pPr marL="0" indent="0">
+              <a:buNone/>
+            </a:pPr>
+            <a:r>
+              <a:rPr lang="es-AR" dirty="0" smtClean="0"/>
+              <a:t>Primer paso</a:t>
+            </a:r>
+          </a:p>
+          <a:p>
+            <a:r>
+              <a:rPr lang="es-AR" dirty="0" smtClean="0"/>
+              <a:t>Ubicar en el controlador de películas </a:t>
+            </a:r>
+            <a:r>
+              <a:rPr lang="es-AR" dirty="0"/>
+              <a:t>“</a:t>
+            </a:r>
+            <a:r>
+              <a:rPr lang="es-AR" dirty="0" err="1"/>
+              <a:t>MovieController</a:t>
+            </a:r>
+            <a:r>
+              <a:rPr lang="es-AR" dirty="0"/>
+              <a:t>” </a:t>
+            </a:r>
+            <a:r>
+              <a:rPr lang="es-AR" dirty="0" smtClean="0"/>
+              <a:t>la acción que atiende a las solicitudes al verbo “PUT”</a:t>
+            </a:r>
+          </a:p>
+          <a:p>
+            <a:r>
+              <a:rPr lang="es-AR" dirty="0" smtClean="0"/>
+              <a:t>Hacer la llamada al método </a:t>
+            </a:r>
+            <a:r>
+              <a:rPr lang="es-AR" dirty="0"/>
+              <a:t>que se encarga de realizar la actualización de la película </a:t>
+            </a:r>
+            <a:r>
+              <a:rPr lang="es-AR" dirty="0" smtClean="0"/>
+              <a:t>en el servicio de películas “</a:t>
+            </a:r>
+            <a:r>
+              <a:rPr lang="es-AR" dirty="0" err="1" smtClean="0"/>
+              <a:t>MovieService</a:t>
+            </a:r>
+            <a:r>
+              <a:rPr lang="es-AR" dirty="0" smtClean="0"/>
+              <a:t>”</a:t>
+            </a:r>
+          </a:p>
+          <a:p>
+            <a:pPr marL="0" indent="0">
+              <a:buNone/>
+            </a:pPr>
+            <a:r>
+              <a:rPr lang="es-AR" dirty="0" smtClean="0"/>
+              <a:t>Segundo paso</a:t>
+            </a:r>
+          </a:p>
+          <a:p>
+            <a:r>
+              <a:rPr lang="es-AR" dirty="0" smtClean="0"/>
+              <a:t>Ubicar el método en el servicio </a:t>
+            </a:r>
+            <a:r>
+              <a:rPr lang="es-AR" dirty="0"/>
+              <a:t>de películas “</a:t>
+            </a:r>
+            <a:r>
+              <a:rPr lang="es-AR" dirty="0" err="1" smtClean="0"/>
+              <a:t>MovieService</a:t>
+            </a:r>
+            <a:r>
+              <a:rPr lang="es-AR" dirty="0" smtClean="0"/>
+              <a:t>” que se encarga de actualizar una película</a:t>
+            </a:r>
+          </a:p>
+          <a:p>
+            <a:r>
+              <a:rPr lang="es-AR" dirty="0" smtClean="0"/>
+              <a:t>Completar la implementación del método para que se pueda actualizar una película</a:t>
+            </a:r>
+          </a:p>
+          <a:p>
+            <a:pPr marL="0" indent="0">
+              <a:buNone/>
+            </a:pPr>
+            <a:r>
+              <a:rPr lang="es-AR" dirty="0" smtClean="0"/>
+              <a:t>Tercer parte</a:t>
+            </a:r>
+          </a:p>
+          <a:p>
+            <a:r>
+              <a:rPr lang="es-AR" dirty="0" smtClean="0"/>
+              <a:t>Abrir el programa POSTMAN y cargar el archivo provisto para realizar las pruebas</a:t>
+            </a:r>
+          </a:p>
+          <a:p>
+            <a:r>
+              <a:rPr lang="es-AR" dirty="0" smtClean="0"/>
+              <a:t>Ejecutar el programa y realizar las pruebas necesarias para corroborar que la acción PUT funcione correctamente</a:t>
+            </a:r>
+          </a:p>
+          <a:p>
+            <a:endParaRPr lang="es-AR" dirty="0" smtClean="0"/>
+          </a:p>
+          <a:p>
             <a:endParaRPr lang="es-AR" dirty="0"/>
           </a:p>
         </p:txBody>
@@ -11088,7 +11198,12 @@
             <p:ph type="body" sz="quarter" idx="10"/>
           </p:nvPr>
         </p:nvSpPr>
-        <p:spPr/>
+        <p:spPr>
+          <a:xfrm>
+            <a:off x="238752" y="715264"/>
+            <a:ext cx="11713898" cy="449931"/>
+          </a:xfrm>
+        </p:spPr>
         <p:txBody>
           <a:bodyPr/>
           <a:lstStyle/>
@@ -11102,6 +11217,1206 @@
               <a:t> - Solución</a:t>
             </a:r>
             <a:endParaRPr lang="es-AR" dirty="0"/>
+          </a:p>
+        </p:txBody>
+      </p:sp>
+      <p:sp>
+        <p:nvSpPr>
+          <p:cNvPr id="4" name="Rectangle 3"/>
+          <p:cNvSpPr/>
+          <p:nvPr/>
+        </p:nvSpPr>
+        <p:spPr>
+          <a:xfrm>
+            <a:off x="338142" y="1059244"/>
+            <a:ext cx="11270762" cy="5262979"/>
+          </a:xfrm>
+          <a:prstGeom prst="rect">
+            <a:avLst/>
+          </a:prstGeom>
+          <a:solidFill>
+            <a:schemeClr val="bg1">
+              <a:lumMod val="85000"/>
+            </a:schemeClr>
+          </a:solidFill>
+        </p:spPr>
+        <p:txBody>
+          <a:bodyPr wrap="square">
+            <a:spAutoFit/>
+          </a:bodyPr>
+          <a:lstStyle/>
+          <a:p>
+            <a:r>
+              <a:rPr lang="en-US" sz="1400" dirty="0">
+                <a:solidFill>
+                  <a:srgbClr val="0000FF"/>
+                </a:solidFill>
+                <a:latin typeface="Consolas" panose="020B0609020204030204" pitchFamily="49" charset="0"/>
+              </a:rPr>
+              <a:t>public</a:t>
+            </a:r>
+            <a:r>
+              <a:rPr lang="en-US" sz="1400" dirty="0">
+                <a:solidFill>
+                  <a:srgbClr val="000000"/>
+                </a:solidFill>
+                <a:latin typeface="Consolas" panose="020B0609020204030204" pitchFamily="49" charset="0"/>
+              </a:rPr>
+              <a:t> </a:t>
+            </a:r>
+            <a:r>
+              <a:rPr lang="en-US" sz="1400" dirty="0" err="1">
+                <a:solidFill>
+                  <a:srgbClr val="0000FF"/>
+                </a:solidFill>
+                <a:latin typeface="Consolas" panose="020B0609020204030204" pitchFamily="49" charset="0"/>
+              </a:rPr>
+              <a:t>async</a:t>
+            </a:r>
+            <a:r>
+              <a:rPr lang="en-US" sz="1400" dirty="0">
+                <a:solidFill>
+                  <a:srgbClr val="000000"/>
+                </a:solidFill>
+                <a:latin typeface="Consolas" panose="020B0609020204030204" pitchFamily="49" charset="0"/>
+              </a:rPr>
+              <a:t> Task Update(</a:t>
+            </a:r>
+            <a:r>
+              <a:rPr lang="en-US" sz="1400" dirty="0" err="1">
+                <a:solidFill>
+                  <a:srgbClr val="0000FF"/>
+                </a:solidFill>
+                <a:latin typeface="Consolas" panose="020B0609020204030204" pitchFamily="49" charset="0"/>
+              </a:rPr>
+              <a:t>int</a:t>
+            </a:r>
+            <a:r>
+              <a:rPr lang="en-US" sz="1400" dirty="0">
+                <a:solidFill>
+                  <a:srgbClr val="000000"/>
+                </a:solidFill>
+                <a:latin typeface="Consolas" panose="020B0609020204030204" pitchFamily="49" charset="0"/>
+              </a:rPr>
+              <a:t> </a:t>
+            </a:r>
+            <a:r>
+              <a:rPr lang="en-US" sz="1400" dirty="0" err="1">
+                <a:solidFill>
+                  <a:srgbClr val="000000"/>
+                </a:solidFill>
+                <a:latin typeface="Consolas" panose="020B0609020204030204" pitchFamily="49" charset="0"/>
+              </a:rPr>
+              <a:t>movieId</a:t>
+            </a:r>
+            <a:r>
+              <a:rPr lang="en-US" sz="1400" dirty="0">
+                <a:solidFill>
+                  <a:srgbClr val="000000"/>
+                </a:solidFill>
+                <a:latin typeface="Consolas" panose="020B0609020204030204" pitchFamily="49" charset="0"/>
+              </a:rPr>
+              <a:t>, </a:t>
+            </a:r>
+            <a:r>
+              <a:rPr lang="en-US" sz="1400" dirty="0" err="1">
+                <a:solidFill>
+                  <a:srgbClr val="000000"/>
+                </a:solidFill>
+                <a:latin typeface="Consolas" panose="020B0609020204030204" pitchFamily="49" charset="0"/>
+              </a:rPr>
+              <a:t>MovieModel</a:t>
+            </a:r>
+            <a:r>
+              <a:rPr lang="en-US" sz="1400" dirty="0">
+                <a:solidFill>
+                  <a:srgbClr val="000000"/>
+                </a:solidFill>
+                <a:latin typeface="Consolas" panose="020B0609020204030204" pitchFamily="49" charset="0"/>
+              </a:rPr>
+              <a:t> </a:t>
+            </a:r>
+            <a:r>
+              <a:rPr lang="en-US" sz="1400" dirty="0" err="1">
+                <a:solidFill>
+                  <a:srgbClr val="000000"/>
+                </a:solidFill>
+                <a:latin typeface="Consolas" panose="020B0609020204030204" pitchFamily="49" charset="0"/>
+              </a:rPr>
+              <a:t>movieModel</a:t>
+            </a:r>
+            <a:r>
+              <a:rPr lang="en-US" sz="1400" dirty="0">
+                <a:solidFill>
+                  <a:srgbClr val="000000"/>
+                </a:solidFill>
+                <a:latin typeface="Consolas" panose="020B0609020204030204" pitchFamily="49" charset="0"/>
+              </a:rPr>
+              <a:t>)</a:t>
+            </a:r>
+          </a:p>
+          <a:p>
+            <a:r>
+              <a:rPr lang="es-AR" sz="1400" dirty="0">
+                <a:solidFill>
+                  <a:srgbClr val="000000"/>
+                </a:solidFill>
+                <a:latin typeface="Consolas" panose="020B0609020204030204" pitchFamily="49" charset="0"/>
+              </a:rPr>
+              <a:t>{</a:t>
+            </a:r>
+          </a:p>
+          <a:p>
+            <a:r>
+              <a:rPr lang="es-AR" sz="1400" dirty="0">
+                <a:solidFill>
+                  <a:srgbClr val="000000"/>
+                </a:solidFill>
+                <a:latin typeface="Consolas" panose="020B0609020204030204" pitchFamily="49" charset="0"/>
+              </a:rPr>
+              <a:t>    </a:t>
+            </a:r>
+            <a:r>
+              <a:rPr lang="es-AR" sz="1400" dirty="0" err="1">
+                <a:solidFill>
+                  <a:srgbClr val="000000"/>
+                </a:solidFill>
+                <a:latin typeface="Consolas" panose="020B0609020204030204" pitchFamily="49" charset="0"/>
+              </a:rPr>
+              <a:t>logger.LogInformation</a:t>
+            </a:r>
+            <a:r>
+              <a:rPr lang="es-AR" sz="1400" dirty="0">
+                <a:solidFill>
+                  <a:srgbClr val="000000"/>
+                </a:solidFill>
+                <a:latin typeface="Consolas" panose="020B0609020204030204" pitchFamily="49" charset="0"/>
+              </a:rPr>
+              <a:t>(</a:t>
+            </a:r>
+            <a:r>
+              <a:rPr lang="es-AR" sz="1400" dirty="0">
+                <a:solidFill>
+                  <a:srgbClr val="A31515"/>
+                </a:solidFill>
+                <a:latin typeface="Consolas" panose="020B0609020204030204" pitchFamily="49" charset="0"/>
+              </a:rPr>
+              <a:t>$"</a:t>
+            </a:r>
+            <a:r>
+              <a:rPr lang="es-AR" sz="1400" dirty="0" err="1">
+                <a:solidFill>
+                  <a:srgbClr val="A31515"/>
+                </a:solidFill>
+                <a:latin typeface="Consolas" panose="020B0609020204030204" pitchFamily="49" charset="0"/>
+              </a:rPr>
+              <a:t>Service</a:t>
+            </a:r>
+            <a:r>
+              <a:rPr lang="es-AR" sz="1400" dirty="0">
+                <a:solidFill>
+                  <a:srgbClr val="A31515"/>
+                </a:solidFill>
+                <a:latin typeface="Consolas" panose="020B0609020204030204" pitchFamily="49" charset="0"/>
+              </a:rPr>
+              <a:t> </a:t>
+            </a:r>
+            <a:r>
+              <a:rPr lang="es-AR" sz="1400" dirty="0" err="1">
+                <a:solidFill>
+                  <a:srgbClr val="A31515"/>
+                </a:solidFill>
+                <a:latin typeface="Consolas" panose="020B0609020204030204" pitchFamily="49" charset="0"/>
+              </a:rPr>
+              <a:t>update</a:t>
+            </a:r>
+            <a:r>
+              <a:rPr lang="es-AR" sz="1400" dirty="0">
+                <a:solidFill>
+                  <a:srgbClr val="A31515"/>
+                </a:solidFill>
+                <a:latin typeface="Consolas" panose="020B0609020204030204" pitchFamily="49" charset="0"/>
+              </a:rPr>
+              <a:t> </a:t>
+            </a:r>
+            <a:r>
+              <a:rPr lang="es-AR" sz="1400" dirty="0" err="1">
+                <a:solidFill>
+                  <a:srgbClr val="A31515"/>
+                </a:solidFill>
+                <a:latin typeface="Consolas" panose="020B0609020204030204" pitchFamily="49" charset="0"/>
+              </a:rPr>
+              <a:t>movie</a:t>
+            </a:r>
+            <a:r>
+              <a:rPr lang="es-AR" sz="1400" dirty="0">
+                <a:solidFill>
+                  <a:srgbClr val="A31515"/>
+                </a:solidFill>
+                <a:latin typeface="Consolas" panose="020B0609020204030204" pitchFamily="49" charset="0"/>
+              </a:rPr>
+              <a:t> ID '</a:t>
+            </a:r>
+            <a:r>
+              <a:rPr lang="es-AR" sz="1400" dirty="0">
+                <a:solidFill>
+                  <a:srgbClr val="000000"/>
+                </a:solidFill>
+                <a:latin typeface="Consolas" panose="020B0609020204030204" pitchFamily="49" charset="0"/>
+              </a:rPr>
+              <a:t>{</a:t>
+            </a:r>
+            <a:r>
+              <a:rPr lang="es-AR" sz="1400" dirty="0" err="1">
+                <a:solidFill>
+                  <a:srgbClr val="000000"/>
+                </a:solidFill>
+                <a:latin typeface="Consolas" panose="020B0609020204030204" pitchFamily="49" charset="0"/>
+              </a:rPr>
+              <a:t>movieId</a:t>
+            </a:r>
+            <a:r>
+              <a:rPr lang="es-AR" sz="1400" dirty="0">
+                <a:solidFill>
+                  <a:srgbClr val="000000"/>
+                </a:solidFill>
+                <a:latin typeface="Consolas" panose="020B0609020204030204" pitchFamily="49" charset="0"/>
+              </a:rPr>
+              <a:t>}</a:t>
+            </a:r>
+            <a:r>
+              <a:rPr lang="es-AR" sz="1400" dirty="0">
+                <a:solidFill>
+                  <a:srgbClr val="A31515"/>
+                </a:solidFill>
+                <a:latin typeface="Consolas" panose="020B0609020204030204" pitchFamily="49" charset="0"/>
+              </a:rPr>
+              <a:t>'"</a:t>
+            </a:r>
+            <a:r>
+              <a:rPr lang="es-AR" sz="1400" dirty="0">
+                <a:solidFill>
+                  <a:srgbClr val="000000"/>
+                </a:solidFill>
+                <a:latin typeface="Consolas" panose="020B0609020204030204" pitchFamily="49" charset="0"/>
+              </a:rPr>
+              <a:t>);</a:t>
+            </a:r>
+          </a:p>
+          <a:p>
+            <a:endParaRPr lang="es-AR" sz="1400" dirty="0">
+              <a:solidFill>
+                <a:srgbClr val="000000"/>
+              </a:solidFill>
+              <a:latin typeface="Consolas" panose="020B0609020204030204" pitchFamily="49" charset="0"/>
+            </a:endParaRPr>
+          </a:p>
+          <a:p>
+            <a:r>
+              <a:rPr lang="es-AR" sz="1400" dirty="0">
+                <a:solidFill>
+                  <a:srgbClr val="000000"/>
+                </a:solidFill>
+                <a:latin typeface="Consolas" panose="020B0609020204030204" pitchFamily="49" charset="0"/>
+              </a:rPr>
+              <a:t>    </a:t>
+            </a:r>
+            <a:r>
+              <a:rPr lang="es-AR" sz="1400" dirty="0">
+                <a:solidFill>
+                  <a:srgbClr val="008000"/>
+                </a:solidFill>
+                <a:latin typeface="Consolas" panose="020B0609020204030204" pitchFamily="49" charset="0"/>
+              </a:rPr>
+              <a:t>//</a:t>
+            </a:r>
+            <a:r>
+              <a:rPr lang="es-AR" sz="1400" dirty="0" err="1">
+                <a:solidFill>
+                  <a:srgbClr val="008000"/>
+                </a:solidFill>
+                <a:latin typeface="Consolas" panose="020B0609020204030204" pitchFamily="49" charset="0"/>
+              </a:rPr>
+              <a:t>search</a:t>
+            </a:r>
+            <a:r>
+              <a:rPr lang="es-AR" sz="1400" dirty="0">
+                <a:solidFill>
+                  <a:srgbClr val="008000"/>
+                </a:solidFill>
+                <a:latin typeface="Consolas" panose="020B0609020204030204" pitchFamily="49" charset="0"/>
+              </a:rPr>
+              <a:t> </a:t>
+            </a:r>
+            <a:r>
+              <a:rPr lang="es-AR" sz="1400" dirty="0" err="1">
+                <a:solidFill>
+                  <a:srgbClr val="008000"/>
+                </a:solidFill>
+                <a:latin typeface="Consolas" panose="020B0609020204030204" pitchFamily="49" charset="0"/>
+              </a:rPr>
+              <a:t>movie</a:t>
+            </a:r>
+            <a:endParaRPr lang="es-AR" sz="1400" dirty="0">
+              <a:solidFill>
+                <a:srgbClr val="000000"/>
+              </a:solidFill>
+              <a:latin typeface="Consolas" panose="020B0609020204030204" pitchFamily="49" charset="0"/>
+            </a:endParaRPr>
+          </a:p>
+          <a:p>
+            <a:r>
+              <a:rPr lang="es-AR" sz="1400" dirty="0">
+                <a:solidFill>
+                  <a:srgbClr val="000000"/>
+                </a:solidFill>
+                <a:latin typeface="Consolas" panose="020B0609020204030204" pitchFamily="49" charset="0"/>
+              </a:rPr>
+              <a:t>    </a:t>
+            </a:r>
+            <a:r>
+              <a:rPr lang="es-AR" sz="1400" dirty="0" err="1">
+                <a:solidFill>
+                  <a:srgbClr val="000000"/>
+                </a:solidFill>
+                <a:latin typeface="Consolas" panose="020B0609020204030204" pitchFamily="49" charset="0"/>
+              </a:rPr>
+              <a:t>Movie</a:t>
+            </a:r>
+            <a:r>
+              <a:rPr lang="es-AR" sz="1400" dirty="0">
+                <a:solidFill>
+                  <a:srgbClr val="000000"/>
+                </a:solidFill>
+                <a:latin typeface="Consolas" panose="020B0609020204030204" pitchFamily="49" charset="0"/>
+              </a:rPr>
+              <a:t> </a:t>
+            </a:r>
+            <a:r>
+              <a:rPr lang="es-AR" sz="1400" dirty="0" err="1">
+                <a:solidFill>
+                  <a:srgbClr val="000000"/>
+                </a:solidFill>
+                <a:latin typeface="Consolas" panose="020B0609020204030204" pitchFamily="49" charset="0"/>
+              </a:rPr>
+              <a:t>movieCurrent</a:t>
+            </a:r>
+            <a:r>
+              <a:rPr lang="es-AR" sz="1400" dirty="0">
+                <a:solidFill>
+                  <a:srgbClr val="000000"/>
+                </a:solidFill>
+                <a:latin typeface="Consolas" panose="020B0609020204030204" pitchFamily="49" charset="0"/>
+              </a:rPr>
+              <a:t> = </a:t>
+            </a:r>
+            <a:r>
+              <a:rPr lang="es-AR" sz="1400" dirty="0" err="1">
+                <a:solidFill>
+                  <a:srgbClr val="0000FF"/>
+                </a:solidFill>
+                <a:latin typeface="Consolas" panose="020B0609020204030204" pitchFamily="49" charset="0"/>
+              </a:rPr>
+              <a:t>await</a:t>
+            </a:r>
+            <a:r>
+              <a:rPr lang="es-AR" sz="1400" dirty="0">
+                <a:solidFill>
+                  <a:srgbClr val="000000"/>
+                </a:solidFill>
+                <a:latin typeface="Consolas" panose="020B0609020204030204" pitchFamily="49" charset="0"/>
+              </a:rPr>
+              <a:t> </a:t>
+            </a:r>
+            <a:r>
+              <a:rPr lang="es-AR" sz="1400" dirty="0" err="1">
+                <a:solidFill>
+                  <a:srgbClr val="0000FF"/>
+                </a:solidFill>
+                <a:latin typeface="Consolas" panose="020B0609020204030204" pitchFamily="49" charset="0"/>
+              </a:rPr>
+              <a:t>this</a:t>
+            </a:r>
+            <a:r>
+              <a:rPr lang="es-AR" sz="1400" dirty="0" err="1">
+                <a:solidFill>
+                  <a:srgbClr val="000000"/>
+                </a:solidFill>
+                <a:latin typeface="Consolas" panose="020B0609020204030204" pitchFamily="49" charset="0"/>
+              </a:rPr>
+              <a:t>.ortWorkshopContext.Movie.FindAsync</a:t>
+            </a:r>
+            <a:r>
+              <a:rPr lang="es-AR" sz="1400" dirty="0">
+                <a:solidFill>
+                  <a:srgbClr val="000000"/>
+                </a:solidFill>
+                <a:latin typeface="Consolas" panose="020B0609020204030204" pitchFamily="49" charset="0"/>
+              </a:rPr>
+              <a:t>(</a:t>
+            </a:r>
+            <a:r>
+              <a:rPr lang="es-AR" sz="1400" dirty="0" err="1">
+                <a:solidFill>
+                  <a:srgbClr val="000000"/>
+                </a:solidFill>
+                <a:latin typeface="Consolas" panose="020B0609020204030204" pitchFamily="49" charset="0"/>
+              </a:rPr>
+              <a:t>movieId</a:t>
+            </a:r>
+            <a:r>
+              <a:rPr lang="es-AR" sz="1400" dirty="0">
+                <a:solidFill>
+                  <a:srgbClr val="000000"/>
+                </a:solidFill>
+                <a:latin typeface="Consolas" panose="020B0609020204030204" pitchFamily="49" charset="0"/>
+              </a:rPr>
+              <a:t>);</a:t>
+            </a:r>
+          </a:p>
+          <a:p>
+            <a:endParaRPr lang="es-AR" sz="1400" dirty="0">
+              <a:solidFill>
+                <a:srgbClr val="000000"/>
+              </a:solidFill>
+              <a:latin typeface="Consolas" panose="020B0609020204030204" pitchFamily="49" charset="0"/>
+            </a:endParaRPr>
+          </a:p>
+          <a:p>
+            <a:r>
+              <a:rPr lang="es-AR" sz="1400" dirty="0">
+                <a:solidFill>
+                  <a:srgbClr val="000000"/>
+                </a:solidFill>
+                <a:latin typeface="Consolas" panose="020B0609020204030204" pitchFamily="49" charset="0"/>
+              </a:rPr>
+              <a:t>    </a:t>
+            </a:r>
+            <a:r>
+              <a:rPr lang="es-AR" sz="1400" dirty="0" err="1">
+                <a:solidFill>
+                  <a:srgbClr val="0000FF"/>
+                </a:solidFill>
+                <a:latin typeface="Consolas" panose="020B0609020204030204" pitchFamily="49" charset="0"/>
+              </a:rPr>
+              <a:t>if</a:t>
+            </a:r>
+            <a:r>
+              <a:rPr lang="es-AR" sz="1400" dirty="0">
+                <a:solidFill>
+                  <a:srgbClr val="000000"/>
+                </a:solidFill>
+                <a:latin typeface="Consolas" panose="020B0609020204030204" pitchFamily="49" charset="0"/>
+              </a:rPr>
+              <a:t> (</a:t>
+            </a:r>
+            <a:r>
+              <a:rPr lang="es-AR" sz="1400" dirty="0" err="1">
+                <a:solidFill>
+                  <a:srgbClr val="000000"/>
+                </a:solidFill>
+                <a:latin typeface="Consolas" panose="020B0609020204030204" pitchFamily="49" charset="0"/>
+              </a:rPr>
+              <a:t>movieCurrent</a:t>
+            </a:r>
+            <a:r>
+              <a:rPr lang="es-AR" sz="1400" dirty="0">
+                <a:solidFill>
+                  <a:srgbClr val="000000"/>
+                </a:solidFill>
+                <a:latin typeface="Consolas" panose="020B0609020204030204" pitchFamily="49" charset="0"/>
+              </a:rPr>
+              <a:t> == </a:t>
+            </a:r>
+            <a:r>
+              <a:rPr lang="es-AR" sz="1400" dirty="0" err="1">
+                <a:solidFill>
+                  <a:srgbClr val="0000FF"/>
+                </a:solidFill>
+                <a:latin typeface="Consolas" panose="020B0609020204030204" pitchFamily="49" charset="0"/>
+              </a:rPr>
+              <a:t>null</a:t>
+            </a:r>
+            <a:r>
+              <a:rPr lang="es-AR" sz="1400" dirty="0">
+                <a:solidFill>
+                  <a:srgbClr val="000000"/>
+                </a:solidFill>
+                <a:latin typeface="Consolas" panose="020B0609020204030204" pitchFamily="49" charset="0"/>
+              </a:rPr>
+              <a:t>)</a:t>
+            </a:r>
+          </a:p>
+          <a:p>
+            <a:r>
+              <a:rPr lang="es-AR" sz="1400" dirty="0">
+                <a:solidFill>
+                  <a:srgbClr val="000000"/>
+                </a:solidFill>
+                <a:latin typeface="Consolas" panose="020B0609020204030204" pitchFamily="49" charset="0"/>
+              </a:rPr>
+              <a:t>    {</a:t>
+            </a:r>
+          </a:p>
+          <a:p>
+            <a:r>
+              <a:rPr lang="en-US" sz="1400" dirty="0">
+                <a:solidFill>
+                  <a:srgbClr val="000000"/>
+                </a:solidFill>
+                <a:latin typeface="Consolas" panose="020B0609020204030204" pitchFamily="49" charset="0"/>
+              </a:rPr>
+              <a:t>        </a:t>
+            </a:r>
+            <a:r>
+              <a:rPr lang="en-US" sz="1400" dirty="0">
+                <a:solidFill>
+                  <a:srgbClr val="0000FF"/>
+                </a:solidFill>
+                <a:latin typeface="Consolas" panose="020B0609020204030204" pitchFamily="49" charset="0"/>
+              </a:rPr>
+              <a:t>throw</a:t>
+            </a:r>
+            <a:r>
+              <a:rPr lang="en-US" sz="1400" dirty="0">
+                <a:solidFill>
+                  <a:srgbClr val="000000"/>
+                </a:solidFill>
+                <a:latin typeface="Consolas" panose="020B0609020204030204" pitchFamily="49" charset="0"/>
+              </a:rPr>
+              <a:t> </a:t>
+            </a:r>
+            <a:r>
+              <a:rPr lang="en-US" sz="1400" dirty="0">
+                <a:solidFill>
+                  <a:srgbClr val="0000FF"/>
+                </a:solidFill>
+                <a:latin typeface="Consolas" panose="020B0609020204030204" pitchFamily="49" charset="0"/>
+              </a:rPr>
+              <a:t>new</a:t>
+            </a:r>
+            <a:r>
+              <a:rPr lang="en-US" sz="1400" dirty="0">
+                <a:solidFill>
+                  <a:srgbClr val="000000"/>
+                </a:solidFill>
+                <a:latin typeface="Consolas" panose="020B0609020204030204" pitchFamily="49" charset="0"/>
+              </a:rPr>
+              <a:t> </a:t>
+            </a:r>
+            <a:r>
+              <a:rPr lang="en-US" sz="1400" dirty="0" err="1">
+                <a:solidFill>
+                  <a:srgbClr val="000000"/>
+                </a:solidFill>
+                <a:latin typeface="Consolas" panose="020B0609020204030204" pitchFamily="49" charset="0"/>
+              </a:rPr>
+              <a:t>OrtWorkshopException</a:t>
+            </a:r>
+            <a:r>
+              <a:rPr lang="en-US" sz="1400" dirty="0">
+                <a:solidFill>
+                  <a:srgbClr val="000000"/>
+                </a:solidFill>
+                <a:latin typeface="Consolas" panose="020B0609020204030204" pitchFamily="49" charset="0"/>
+              </a:rPr>
+              <a:t>(</a:t>
+            </a:r>
+            <a:r>
+              <a:rPr lang="en-US" sz="1400" dirty="0" err="1">
+                <a:solidFill>
+                  <a:srgbClr val="000000"/>
+                </a:solidFill>
+                <a:latin typeface="Consolas" panose="020B0609020204030204" pitchFamily="49" charset="0"/>
+              </a:rPr>
+              <a:t>HttpStatusCode.NotFound</a:t>
+            </a:r>
+            <a:r>
+              <a:rPr lang="en-US" sz="1400" dirty="0">
+                <a:solidFill>
+                  <a:srgbClr val="000000"/>
+                </a:solidFill>
+                <a:latin typeface="Consolas" panose="020B0609020204030204" pitchFamily="49" charset="0"/>
+              </a:rPr>
+              <a:t>, </a:t>
+            </a:r>
+            <a:r>
+              <a:rPr lang="en-US" sz="1400" dirty="0">
+                <a:solidFill>
+                  <a:srgbClr val="A31515"/>
+                </a:solidFill>
+                <a:latin typeface="Consolas" panose="020B0609020204030204" pitchFamily="49" charset="0"/>
+              </a:rPr>
+              <a:t>$"The movie with ID </a:t>
+            </a:r>
+            <a:r>
+              <a:rPr lang="en-US" sz="1400" dirty="0">
+                <a:solidFill>
+                  <a:srgbClr val="000000"/>
+                </a:solidFill>
+                <a:latin typeface="Consolas" panose="020B0609020204030204" pitchFamily="49" charset="0"/>
+              </a:rPr>
+              <a:t>{</a:t>
+            </a:r>
+            <a:r>
+              <a:rPr lang="en-US" sz="1400" dirty="0" err="1">
+                <a:solidFill>
+                  <a:srgbClr val="000000"/>
+                </a:solidFill>
+                <a:latin typeface="Consolas" panose="020B0609020204030204" pitchFamily="49" charset="0"/>
+              </a:rPr>
+              <a:t>movieId</a:t>
+            </a:r>
+            <a:r>
+              <a:rPr lang="en-US" sz="1400" dirty="0">
+                <a:solidFill>
+                  <a:srgbClr val="000000"/>
+                </a:solidFill>
+                <a:latin typeface="Consolas" panose="020B0609020204030204" pitchFamily="49" charset="0"/>
+              </a:rPr>
+              <a:t>}</a:t>
+            </a:r>
+            <a:r>
+              <a:rPr lang="en-US" sz="1400" dirty="0">
+                <a:solidFill>
+                  <a:srgbClr val="A31515"/>
+                </a:solidFill>
+                <a:latin typeface="Consolas" panose="020B0609020204030204" pitchFamily="49" charset="0"/>
+              </a:rPr>
+              <a:t> wasn't found."</a:t>
+            </a:r>
+            <a:r>
+              <a:rPr lang="en-US" sz="1400" dirty="0">
+                <a:solidFill>
+                  <a:srgbClr val="000000"/>
+                </a:solidFill>
+                <a:latin typeface="Consolas" panose="020B0609020204030204" pitchFamily="49" charset="0"/>
+              </a:rPr>
+              <a:t>);</a:t>
+            </a:r>
+          </a:p>
+          <a:p>
+            <a:r>
+              <a:rPr lang="es-AR" sz="1400" dirty="0">
+                <a:solidFill>
+                  <a:srgbClr val="000000"/>
+                </a:solidFill>
+                <a:latin typeface="Consolas" panose="020B0609020204030204" pitchFamily="49" charset="0"/>
+              </a:rPr>
+              <a:t>    }</a:t>
+            </a:r>
+          </a:p>
+          <a:p>
+            <a:endParaRPr lang="es-AR" sz="1400" dirty="0">
+              <a:solidFill>
+                <a:srgbClr val="000000"/>
+              </a:solidFill>
+              <a:latin typeface="Consolas" panose="020B0609020204030204" pitchFamily="49" charset="0"/>
+            </a:endParaRPr>
+          </a:p>
+          <a:p>
+            <a:r>
+              <a:rPr lang="en-US" sz="1400" dirty="0">
+                <a:solidFill>
+                  <a:srgbClr val="000000"/>
+                </a:solidFill>
+                <a:latin typeface="Consolas" panose="020B0609020204030204" pitchFamily="49" charset="0"/>
+              </a:rPr>
+              <a:t>    </a:t>
+            </a:r>
+            <a:r>
+              <a:rPr lang="en-US" sz="1400" dirty="0">
+                <a:solidFill>
+                  <a:srgbClr val="008000"/>
+                </a:solidFill>
+                <a:latin typeface="Consolas" panose="020B0609020204030204" pitchFamily="49" charset="0"/>
+              </a:rPr>
+              <a:t>//update movie from movie parameter</a:t>
+            </a:r>
+            <a:endParaRPr lang="en-US" sz="1400" dirty="0">
+              <a:solidFill>
+                <a:srgbClr val="000000"/>
+              </a:solidFill>
+              <a:latin typeface="Consolas" panose="020B0609020204030204" pitchFamily="49" charset="0"/>
+            </a:endParaRPr>
+          </a:p>
+          <a:p>
+            <a:r>
+              <a:rPr lang="es-AR" sz="1400" dirty="0">
+                <a:solidFill>
+                  <a:srgbClr val="000000"/>
+                </a:solidFill>
+                <a:latin typeface="Consolas" panose="020B0609020204030204" pitchFamily="49" charset="0"/>
+              </a:rPr>
+              <a:t>    </a:t>
+            </a:r>
+            <a:r>
+              <a:rPr lang="es-AR" sz="1400" dirty="0" err="1">
+                <a:solidFill>
+                  <a:srgbClr val="000000"/>
+                </a:solidFill>
+                <a:latin typeface="Consolas" panose="020B0609020204030204" pitchFamily="49" charset="0"/>
+              </a:rPr>
+              <a:t>movieCurrent.Director</a:t>
+            </a:r>
+            <a:r>
+              <a:rPr lang="es-AR" sz="1400" dirty="0">
+                <a:solidFill>
+                  <a:srgbClr val="000000"/>
+                </a:solidFill>
+                <a:latin typeface="Consolas" panose="020B0609020204030204" pitchFamily="49" charset="0"/>
+              </a:rPr>
+              <a:t> = </a:t>
+            </a:r>
+            <a:r>
+              <a:rPr lang="es-AR" sz="1400" dirty="0" err="1">
+                <a:solidFill>
+                  <a:srgbClr val="000000"/>
+                </a:solidFill>
+                <a:latin typeface="Consolas" panose="020B0609020204030204" pitchFamily="49" charset="0"/>
+              </a:rPr>
+              <a:t>movieModel.Director</a:t>
+            </a:r>
+            <a:r>
+              <a:rPr lang="es-AR" sz="1400" dirty="0">
+                <a:solidFill>
+                  <a:srgbClr val="000000"/>
+                </a:solidFill>
+                <a:latin typeface="Consolas" panose="020B0609020204030204" pitchFamily="49" charset="0"/>
+              </a:rPr>
+              <a:t>;</a:t>
+            </a:r>
+          </a:p>
+          <a:p>
+            <a:r>
+              <a:rPr lang="es-AR" sz="1400" dirty="0">
+                <a:solidFill>
+                  <a:srgbClr val="000000"/>
+                </a:solidFill>
+                <a:latin typeface="Consolas" panose="020B0609020204030204" pitchFamily="49" charset="0"/>
+              </a:rPr>
+              <a:t>    </a:t>
+            </a:r>
+            <a:r>
+              <a:rPr lang="es-AR" sz="1400" dirty="0" err="1">
+                <a:solidFill>
+                  <a:srgbClr val="000000"/>
+                </a:solidFill>
+                <a:latin typeface="Consolas" panose="020B0609020204030204" pitchFamily="49" charset="0"/>
+              </a:rPr>
+              <a:t>movieCurrent.Genre</a:t>
+            </a:r>
+            <a:r>
+              <a:rPr lang="es-AR" sz="1400" dirty="0">
+                <a:solidFill>
+                  <a:srgbClr val="000000"/>
+                </a:solidFill>
+                <a:latin typeface="Consolas" panose="020B0609020204030204" pitchFamily="49" charset="0"/>
+              </a:rPr>
+              <a:t> = </a:t>
+            </a:r>
+            <a:r>
+              <a:rPr lang="es-AR" sz="1400" dirty="0" err="1">
+                <a:solidFill>
+                  <a:srgbClr val="000000"/>
+                </a:solidFill>
+                <a:latin typeface="Consolas" panose="020B0609020204030204" pitchFamily="49" charset="0"/>
+              </a:rPr>
+              <a:t>movieModel.Genre</a:t>
+            </a:r>
+            <a:r>
+              <a:rPr lang="es-AR" sz="1400" dirty="0">
+                <a:solidFill>
+                  <a:srgbClr val="000000"/>
+                </a:solidFill>
+                <a:latin typeface="Consolas" panose="020B0609020204030204" pitchFamily="49" charset="0"/>
+              </a:rPr>
+              <a:t>;</a:t>
+            </a:r>
+          </a:p>
+          <a:p>
+            <a:r>
+              <a:rPr lang="es-AR" sz="1400" dirty="0">
+                <a:solidFill>
+                  <a:srgbClr val="000000"/>
+                </a:solidFill>
+                <a:latin typeface="Consolas" panose="020B0609020204030204" pitchFamily="49" charset="0"/>
+              </a:rPr>
+              <a:t>    </a:t>
+            </a:r>
+            <a:r>
+              <a:rPr lang="es-AR" sz="1400" dirty="0" err="1">
+                <a:solidFill>
+                  <a:srgbClr val="000000"/>
+                </a:solidFill>
+                <a:latin typeface="Consolas" panose="020B0609020204030204" pitchFamily="49" charset="0"/>
+              </a:rPr>
+              <a:t>movieCurrent.Title</a:t>
+            </a:r>
+            <a:r>
+              <a:rPr lang="es-AR" sz="1400" dirty="0">
+                <a:solidFill>
+                  <a:srgbClr val="000000"/>
+                </a:solidFill>
+                <a:latin typeface="Consolas" panose="020B0609020204030204" pitchFamily="49" charset="0"/>
+              </a:rPr>
+              <a:t> = </a:t>
+            </a:r>
+            <a:r>
+              <a:rPr lang="es-AR" sz="1400" dirty="0" err="1">
+                <a:solidFill>
+                  <a:srgbClr val="000000"/>
+                </a:solidFill>
+                <a:latin typeface="Consolas" panose="020B0609020204030204" pitchFamily="49" charset="0"/>
+              </a:rPr>
+              <a:t>movieModel.Title</a:t>
+            </a:r>
+            <a:r>
+              <a:rPr lang="es-AR" sz="1400" dirty="0">
+                <a:solidFill>
+                  <a:srgbClr val="000000"/>
+                </a:solidFill>
+                <a:latin typeface="Consolas" panose="020B0609020204030204" pitchFamily="49" charset="0"/>
+              </a:rPr>
+              <a:t>;</a:t>
+            </a:r>
+          </a:p>
+          <a:p>
+            <a:r>
+              <a:rPr lang="es-AR" sz="1400" dirty="0">
+                <a:solidFill>
+                  <a:srgbClr val="000000"/>
+                </a:solidFill>
+                <a:latin typeface="Consolas" panose="020B0609020204030204" pitchFamily="49" charset="0"/>
+              </a:rPr>
+              <a:t>    </a:t>
+            </a:r>
+            <a:r>
+              <a:rPr lang="es-AR" sz="1400" dirty="0" err="1">
+                <a:solidFill>
+                  <a:srgbClr val="000000"/>
+                </a:solidFill>
+                <a:latin typeface="Consolas" panose="020B0609020204030204" pitchFamily="49" charset="0"/>
+              </a:rPr>
+              <a:t>movieCurrent.Year</a:t>
+            </a:r>
+            <a:r>
+              <a:rPr lang="es-AR" sz="1400" dirty="0">
+                <a:solidFill>
+                  <a:srgbClr val="000000"/>
+                </a:solidFill>
+                <a:latin typeface="Consolas" panose="020B0609020204030204" pitchFamily="49" charset="0"/>
+              </a:rPr>
+              <a:t> = </a:t>
+            </a:r>
+            <a:r>
+              <a:rPr lang="es-AR" sz="1400" dirty="0" err="1">
+                <a:solidFill>
+                  <a:srgbClr val="000000"/>
+                </a:solidFill>
+                <a:latin typeface="Consolas" panose="020B0609020204030204" pitchFamily="49" charset="0"/>
+              </a:rPr>
+              <a:t>movieModel.Year</a:t>
+            </a:r>
+            <a:r>
+              <a:rPr lang="es-AR" sz="1400" dirty="0">
+                <a:solidFill>
+                  <a:srgbClr val="000000"/>
+                </a:solidFill>
+                <a:latin typeface="Consolas" panose="020B0609020204030204" pitchFamily="49" charset="0"/>
+              </a:rPr>
+              <a:t>;</a:t>
+            </a:r>
+          </a:p>
+          <a:p>
+            <a:endParaRPr lang="es-AR" sz="1400" dirty="0">
+              <a:solidFill>
+                <a:srgbClr val="000000"/>
+              </a:solidFill>
+              <a:latin typeface="Consolas" panose="020B0609020204030204" pitchFamily="49" charset="0"/>
+            </a:endParaRPr>
+          </a:p>
+          <a:p>
+            <a:r>
+              <a:rPr lang="es-AR" sz="1400" dirty="0">
+                <a:solidFill>
+                  <a:srgbClr val="000000"/>
+                </a:solidFill>
+                <a:latin typeface="Consolas" panose="020B0609020204030204" pitchFamily="49" charset="0"/>
+              </a:rPr>
+              <a:t>    </a:t>
+            </a:r>
+            <a:r>
+              <a:rPr lang="es-AR" sz="1400" dirty="0">
+                <a:solidFill>
+                  <a:srgbClr val="008000"/>
+                </a:solidFill>
+                <a:latin typeface="Consolas" panose="020B0609020204030204" pitchFamily="49" charset="0"/>
+              </a:rPr>
+              <a:t>//</a:t>
+            </a:r>
+            <a:r>
+              <a:rPr lang="es-AR" sz="1400" dirty="0" err="1">
+                <a:solidFill>
+                  <a:srgbClr val="008000"/>
+                </a:solidFill>
+                <a:latin typeface="Consolas" panose="020B0609020204030204" pitchFamily="49" charset="0"/>
+              </a:rPr>
+              <a:t>update</a:t>
+            </a:r>
+            <a:r>
+              <a:rPr lang="es-AR" sz="1400" dirty="0">
+                <a:solidFill>
+                  <a:srgbClr val="008000"/>
+                </a:solidFill>
+                <a:latin typeface="Consolas" panose="020B0609020204030204" pitchFamily="49" charset="0"/>
+              </a:rPr>
+              <a:t> status</a:t>
+            </a:r>
+            <a:endParaRPr lang="es-AR" sz="1400" dirty="0">
+              <a:solidFill>
+                <a:srgbClr val="000000"/>
+              </a:solidFill>
+              <a:latin typeface="Consolas" panose="020B0609020204030204" pitchFamily="49" charset="0"/>
+            </a:endParaRPr>
+          </a:p>
+          <a:p>
+            <a:r>
+              <a:rPr lang="es-AR" sz="1400" dirty="0">
+                <a:solidFill>
+                  <a:srgbClr val="000000"/>
+                </a:solidFill>
+                <a:latin typeface="Consolas" panose="020B0609020204030204" pitchFamily="49" charset="0"/>
+              </a:rPr>
+              <a:t>    </a:t>
+            </a:r>
+            <a:r>
+              <a:rPr lang="es-AR" sz="1400" dirty="0" err="1">
+                <a:solidFill>
+                  <a:srgbClr val="0000FF"/>
+                </a:solidFill>
+                <a:latin typeface="Consolas" panose="020B0609020204030204" pitchFamily="49" charset="0"/>
+              </a:rPr>
+              <a:t>this</a:t>
+            </a:r>
+            <a:r>
+              <a:rPr lang="es-AR" sz="1400" dirty="0" err="1">
+                <a:solidFill>
+                  <a:srgbClr val="000000"/>
+                </a:solidFill>
+                <a:latin typeface="Consolas" panose="020B0609020204030204" pitchFamily="49" charset="0"/>
+              </a:rPr>
+              <a:t>.ortWorkshopContext.Entry</a:t>
+            </a:r>
+            <a:r>
+              <a:rPr lang="es-AR" sz="1400" dirty="0">
+                <a:solidFill>
+                  <a:srgbClr val="000000"/>
+                </a:solidFill>
+                <a:latin typeface="Consolas" panose="020B0609020204030204" pitchFamily="49" charset="0"/>
+              </a:rPr>
+              <a:t>&lt;</a:t>
+            </a:r>
+            <a:r>
+              <a:rPr lang="es-AR" sz="1400" dirty="0" err="1">
+                <a:solidFill>
+                  <a:srgbClr val="000000"/>
+                </a:solidFill>
+                <a:latin typeface="Consolas" panose="020B0609020204030204" pitchFamily="49" charset="0"/>
+              </a:rPr>
+              <a:t>Movie</a:t>
+            </a:r>
+            <a:r>
+              <a:rPr lang="es-AR" sz="1400" dirty="0">
+                <a:solidFill>
+                  <a:srgbClr val="000000"/>
+                </a:solidFill>
+                <a:latin typeface="Consolas" panose="020B0609020204030204" pitchFamily="49" charset="0"/>
+              </a:rPr>
+              <a:t>&gt;(</a:t>
+            </a:r>
+            <a:r>
+              <a:rPr lang="es-AR" sz="1400" dirty="0" err="1">
+                <a:solidFill>
+                  <a:srgbClr val="000000"/>
+                </a:solidFill>
+                <a:latin typeface="Consolas" panose="020B0609020204030204" pitchFamily="49" charset="0"/>
+              </a:rPr>
+              <a:t>movieCurrent</a:t>
+            </a:r>
+            <a:r>
+              <a:rPr lang="es-AR" sz="1400" dirty="0">
+                <a:solidFill>
+                  <a:srgbClr val="000000"/>
+                </a:solidFill>
+                <a:latin typeface="Consolas" panose="020B0609020204030204" pitchFamily="49" charset="0"/>
+              </a:rPr>
+              <a:t>).</a:t>
+            </a:r>
+            <a:r>
+              <a:rPr lang="es-AR" sz="1400" dirty="0" err="1">
+                <a:solidFill>
+                  <a:srgbClr val="000000"/>
+                </a:solidFill>
+                <a:latin typeface="Consolas" panose="020B0609020204030204" pitchFamily="49" charset="0"/>
+              </a:rPr>
+              <a:t>State</a:t>
+            </a:r>
+            <a:r>
+              <a:rPr lang="es-AR" sz="1400" dirty="0">
+                <a:solidFill>
+                  <a:srgbClr val="000000"/>
+                </a:solidFill>
+                <a:latin typeface="Consolas" panose="020B0609020204030204" pitchFamily="49" charset="0"/>
+              </a:rPr>
+              <a:t> = </a:t>
+            </a:r>
+            <a:r>
+              <a:rPr lang="es-AR" sz="1400" dirty="0" err="1">
+                <a:solidFill>
+                  <a:srgbClr val="000000"/>
+                </a:solidFill>
+                <a:latin typeface="Consolas" panose="020B0609020204030204" pitchFamily="49" charset="0"/>
+              </a:rPr>
+              <a:t>EntityState.Modified</a:t>
+            </a:r>
+            <a:r>
+              <a:rPr lang="es-AR" sz="1400" dirty="0">
+                <a:solidFill>
+                  <a:srgbClr val="000000"/>
+                </a:solidFill>
+                <a:latin typeface="Consolas" panose="020B0609020204030204" pitchFamily="49" charset="0"/>
+              </a:rPr>
+              <a:t>;</a:t>
+            </a:r>
+          </a:p>
+          <a:p>
+            <a:endParaRPr lang="es-AR" sz="1400" dirty="0">
+              <a:solidFill>
+                <a:srgbClr val="000000"/>
+              </a:solidFill>
+              <a:latin typeface="Consolas" panose="020B0609020204030204" pitchFamily="49" charset="0"/>
+            </a:endParaRPr>
+          </a:p>
+          <a:p>
+            <a:r>
+              <a:rPr lang="es-AR" sz="1400" dirty="0">
+                <a:solidFill>
+                  <a:srgbClr val="000000"/>
+                </a:solidFill>
+                <a:latin typeface="Consolas" panose="020B0609020204030204" pitchFamily="49" charset="0"/>
+              </a:rPr>
+              <a:t>    </a:t>
+            </a:r>
+            <a:r>
+              <a:rPr lang="es-AR" sz="1400" dirty="0">
+                <a:solidFill>
+                  <a:srgbClr val="008000"/>
+                </a:solidFill>
+                <a:latin typeface="Consolas" panose="020B0609020204030204" pitchFamily="49" charset="0"/>
+              </a:rPr>
+              <a:t>//</a:t>
+            </a:r>
+            <a:r>
+              <a:rPr lang="es-AR" sz="1400" dirty="0" err="1">
+                <a:solidFill>
+                  <a:srgbClr val="008000"/>
+                </a:solidFill>
+                <a:latin typeface="Consolas" panose="020B0609020204030204" pitchFamily="49" charset="0"/>
+              </a:rPr>
+              <a:t>save</a:t>
+            </a:r>
+            <a:r>
+              <a:rPr lang="es-AR" sz="1400" dirty="0">
+                <a:solidFill>
+                  <a:srgbClr val="008000"/>
+                </a:solidFill>
+                <a:latin typeface="Consolas" panose="020B0609020204030204" pitchFamily="49" charset="0"/>
+              </a:rPr>
+              <a:t> </a:t>
+            </a:r>
+            <a:r>
+              <a:rPr lang="es-AR" sz="1400" dirty="0" err="1">
+                <a:solidFill>
+                  <a:srgbClr val="008000"/>
+                </a:solidFill>
+                <a:latin typeface="Consolas" panose="020B0609020204030204" pitchFamily="49" charset="0"/>
+              </a:rPr>
+              <a:t>changes</a:t>
+            </a:r>
+            <a:endParaRPr lang="es-AR" sz="1400" dirty="0">
+              <a:solidFill>
+                <a:srgbClr val="000000"/>
+              </a:solidFill>
+              <a:latin typeface="Consolas" panose="020B0609020204030204" pitchFamily="49" charset="0"/>
+            </a:endParaRPr>
+          </a:p>
+          <a:p>
+            <a:r>
+              <a:rPr lang="es-AR" sz="1400" dirty="0">
+                <a:solidFill>
+                  <a:srgbClr val="000000"/>
+                </a:solidFill>
+                <a:latin typeface="Consolas" panose="020B0609020204030204" pitchFamily="49" charset="0"/>
+              </a:rPr>
+              <a:t>    </a:t>
+            </a:r>
+            <a:r>
+              <a:rPr lang="es-AR" sz="1400" dirty="0" err="1">
+                <a:solidFill>
+                  <a:srgbClr val="0000FF"/>
+                </a:solidFill>
+                <a:latin typeface="Consolas" panose="020B0609020204030204" pitchFamily="49" charset="0"/>
+              </a:rPr>
+              <a:t>await</a:t>
+            </a:r>
+            <a:r>
+              <a:rPr lang="es-AR" sz="1400" dirty="0">
+                <a:solidFill>
+                  <a:srgbClr val="000000"/>
+                </a:solidFill>
+                <a:latin typeface="Consolas" panose="020B0609020204030204" pitchFamily="49" charset="0"/>
+              </a:rPr>
+              <a:t> </a:t>
+            </a:r>
+            <a:r>
+              <a:rPr lang="es-AR" sz="1400" dirty="0" err="1">
+                <a:solidFill>
+                  <a:srgbClr val="0000FF"/>
+                </a:solidFill>
+                <a:latin typeface="Consolas" panose="020B0609020204030204" pitchFamily="49" charset="0"/>
+              </a:rPr>
+              <a:t>this</a:t>
+            </a:r>
+            <a:r>
+              <a:rPr lang="es-AR" sz="1400" dirty="0" err="1">
+                <a:solidFill>
+                  <a:srgbClr val="000000"/>
+                </a:solidFill>
+                <a:latin typeface="Consolas" panose="020B0609020204030204" pitchFamily="49" charset="0"/>
+              </a:rPr>
+              <a:t>.ortWorkshopContext.SaveChangesAsync</a:t>
+            </a:r>
+            <a:r>
+              <a:rPr lang="es-AR" sz="1400" dirty="0">
+                <a:solidFill>
+                  <a:srgbClr val="000000"/>
+                </a:solidFill>
+                <a:latin typeface="Consolas" panose="020B0609020204030204" pitchFamily="49" charset="0"/>
+              </a:rPr>
+              <a:t>();</a:t>
+            </a:r>
+          </a:p>
+          <a:p>
+            <a:r>
+              <a:rPr lang="es-AR" sz="1400" dirty="0">
+                <a:solidFill>
+                  <a:srgbClr val="000000"/>
+                </a:solidFill>
+                <a:latin typeface="Consolas" panose="020B0609020204030204" pitchFamily="49" charset="0"/>
+              </a:rPr>
+              <a:t>}</a:t>
+            </a:r>
           </a:p>
         </p:txBody>
       </p:sp>
@@ -11665,7 +12980,7 @@
         </p:nvGrpSpPr>
         <p:grpSpPr>
           <a:xfrm>
-            <a:off x="7306106" y="2305093"/>
+            <a:off x="7196777" y="2305093"/>
             <a:ext cx="3138295" cy="3633556"/>
             <a:chOff x="7306106" y="2305093"/>
             <a:chExt cx="3138295" cy="3633556"/>
@@ -12065,7 +13380,7 @@
         </p:blipFill>
         <p:spPr>
           <a:xfrm>
-            <a:off x="11155080" y="3344746"/>
+            <a:off x="11045751" y="3344746"/>
             <a:ext cx="797570" cy="1076833"/>
           </a:xfrm>
           <a:prstGeom prst="rect">
@@ -12342,7 +13657,7 @@
         </p:blipFill>
         <p:spPr>
           <a:xfrm>
-            <a:off x="7747302" y="905838"/>
+            <a:off x="7469010" y="905838"/>
             <a:ext cx="2590800" cy="1095375"/>
           </a:xfrm>
           <a:prstGeom prst="rect">
@@ -12360,7 +13675,7 @@
         </p:nvCxnSpPr>
         <p:spPr>
           <a:xfrm>
-            <a:off x="10464597" y="3883162"/>
+            <a:off x="10355268" y="3883162"/>
             <a:ext cx="690483" cy="1"/>
           </a:xfrm>
           <a:prstGeom prst="straightConnector1">
@@ -12959,11 +14274,7 @@
           <a:p>
             <a:r>
               <a:rPr lang="es-AR" dirty="0" smtClean="0"/>
-              <a:t>DB </a:t>
-            </a:r>
-            <a:r>
-              <a:rPr lang="es-AR" dirty="0" smtClean="0"/>
-              <a:t>In-</a:t>
+              <a:t>DB In-</a:t>
             </a:r>
             <a:r>
               <a:rPr lang="es-AR" dirty="0" err="1" smtClean="0"/>
@@ -12989,7 +14300,6 @@
               <a:rPr lang="es-AR" dirty="0" smtClean="0"/>
               <a:t> </a:t>
             </a:r>
-            <a:endParaRPr lang="es-AR" dirty="0" smtClean="0"/>
           </a:p>
           <a:p>
             <a:r>
@@ -13016,7 +14326,6 @@
               <a:rPr lang="es-AR" dirty="0" smtClean="0"/>
               <a:t> </a:t>
             </a:r>
-            <a:endParaRPr lang="es-AR" dirty="0" smtClean="0"/>
           </a:p>
           <a:p>
             <a:r>
@@ -13043,7 +14352,6 @@
               <a:rPr lang="es-AR" sz="1600" dirty="0" smtClean="0"/>
               <a:t> </a:t>
             </a:r>
-            <a:endParaRPr lang="es-AR" sz="1600" dirty="0" smtClean="0"/>
           </a:p>
           <a:p>
             <a:r>
@@ -13070,7 +14378,6 @@
               <a:rPr lang="es-AR" sz="1600" dirty="0" smtClean="0"/>
               <a:t> </a:t>
             </a:r>
-            <a:endParaRPr lang="es-AR" sz="1600" dirty="0" smtClean="0"/>
           </a:p>
           <a:p>
             <a:r>
@@ -13093,7 +14400,6 @@
               <a:rPr lang="es-AR" sz="1600" dirty="0" smtClean="0"/>
               <a:t> </a:t>
             </a:r>
-            <a:endParaRPr lang="es-AR" sz="1600" dirty="0" smtClean="0"/>
           </a:p>
           <a:p>
             <a:r>
@@ -13301,9 +14607,16 @@
             <p:ph type="body" sz="quarter" idx="15"/>
           </p:nvPr>
         </p:nvSpPr>
-        <p:spPr/>
+        <p:spPr>
+          <a:xfrm>
+            <a:off x="238126" y="1411288"/>
+            <a:ext cx="5854562" cy="4889163"/>
+          </a:xfrm>
+        </p:spPr>
         <p:txBody>
-          <a:bodyPr/>
+          <a:bodyPr>
+            <a:normAutofit lnSpcReduction="10000"/>
+          </a:bodyPr>
           <a:lstStyle/>
           <a:p>
             <a:r>
@@ -13330,6 +14643,28 @@
               <a:rPr lang="en-US" dirty="0" smtClean="0"/>
               <a:t> </a:t>
             </a:r>
+            <a:endParaRPr lang="en-US" dirty="0" smtClean="0"/>
+          </a:p>
+          <a:p>
+            <a:pPr lvl="1"/>
+            <a:r>
+              <a:rPr lang="en-US" dirty="0" smtClean="0"/>
+              <a:t>URL</a:t>
+            </a:r>
+          </a:p>
+          <a:p>
+            <a:pPr lvl="1"/>
+            <a:r>
+              <a:rPr lang="en-US" dirty="0" smtClean="0"/>
+              <a:t>Resources</a:t>
+            </a:r>
+          </a:p>
+          <a:p>
+            <a:pPr lvl="1"/>
+            <a:r>
+              <a:rPr lang="en-US" dirty="0" smtClean="0"/>
+              <a:t>Verbs</a:t>
+            </a:r>
             <a:endParaRPr lang="en-US" dirty="0"/>
           </a:p>
           <a:p>
@@ -13351,25 +14686,273 @@
               <a:rPr lang="en-US" dirty="0" smtClean="0"/>
               <a:t>Controller</a:t>
             </a:r>
+          </a:p>
+          <a:p>
+            <a:pPr lvl="1"/>
+            <a:r>
+              <a:rPr lang="en-US" dirty="0" smtClean="0"/>
+              <a:t>Setup</a:t>
+            </a:r>
+          </a:p>
+          <a:p>
+            <a:pPr lvl="1"/>
+            <a:r>
+              <a:rPr lang="en-US" dirty="0" smtClean="0"/>
+              <a:t>DI</a:t>
+            </a:r>
+          </a:p>
+          <a:p>
+            <a:pPr lvl="1"/>
+            <a:r>
+              <a:rPr lang="en-US" dirty="0" smtClean="0"/>
+              <a:t>Error </a:t>
+            </a:r>
+            <a:r>
+              <a:rPr lang="es-AR" dirty="0" err="1" smtClean="0"/>
+              <a:t>Handling</a:t>
+            </a:r>
+            <a:endParaRPr lang="es-AR" dirty="0" smtClean="0"/>
+          </a:p>
+          <a:p>
+            <a:pPr lvl="1"/>
+            <a:r>
+              <a:rPr lang="es-AR" dirty="0" err="1" smtClean="0"/>
+              <a:t>Logging</a:t>
+            </a:r>
             <a:endParaRPr lang="en-US" dirty="0"/>
           </a:p>
-          <a:p>
-            <a:r>
-              <a:rPr lang="en-US" dirty="0"/>
-              <a:t>Entity Framework Core </a:t>
-            </a:r>
+        </p:txBody>
+      </p:sp>
+      <p:sp>
+        <p:nvSpPr>
+          <p:cNvPr id="6" name="Text Placeholder 4"/>
+          <p:cNvSpPr txBox="1">
+            <a:spLocks/>
+          </p:cNvSpPr>
+          <p:nvPr/>
+        </p:nvSpPr>
+        <p:spPr>
+          <a:xfrm>
+            <a:off x="6092689" y="1411287"/>
+            <a:ext cx="5859962" cy="4732337"/>
+          </a:xfrm>
+          <a:prstGeom prst="rect">
+            <a:avLst/>
+          </a:prstGeom>
+        </p:spPr>
+        <p:txBody>
+          <a:bodyPr vert="horz" lIns="91440" tIns="45720" rIns="91440" bIns="45720" rtlCol="0">
+            <a:normAutofit/>
+          </a:bodyPr>
+          <a:lstStyle>
+            <a:lvl1pPr marL="239713" indent="-239713" algn="l" defTabSz="1219170" rtl="0" eaLnBrk="1" latinLnBrk="0" hangingPunct="1">
+              <a:spcBef>
+                <a:spcPts val="133"/>
+              </a:spcBef>
+              <a:spcAft>
+                <a:spcPts val="800"/>
+              </a:spcAft>
+              <a:buClr>
+                <a:schemeClr val="accent1"/>
+              </a:buClr>
+              <a:buSzPct val="85000"/>
+              <a:buFont typeface="Segoe UI" panose="020B0502040204020203" pitchFamily="34" charset="0"/>
+              <a:buChar char="&gt;"/>
+              <a:defRPr sz="1867" kern="1200">
+                <a:solidFill>
+                  <a:schemeClr val="tx1">
+                    <a:lumMod val="75000"/>
+                  </a:schemeClr>
+                </a:solidFill>
+                <a:latin typeface="Segoe UI Light" panose="020B0502040204020203" pitchFamily="34" charset="0"/>
+                <a:ea typeface="+mn-ea"/>
+                <a:cs typeface="+mn-cs"/>
+              </a:defRPr>
+            </a:lvl1pPr>
+            <a:lvl2pPr marL="519113" indent="-239713" algn="l" defTabSz="1219170" rtl="0" eaLnBrk="1" latinLnBrk="0" hangingPunct="1">
+              <a:spcBef>
+                <a:spcPts val="133"/>
+              </a:spcBef>
+              <a:spcAft>
+                <a:spcPts val="800"/>
+              </a:spcAft>
+              <a:buClr>
+                <a:schemeClr val="accent1"/>
+              </a:buClr>
+              <a:buSzPct val="85000"/>
+              <a:buFont typeface="Arial" panose="020B0604020202020204" pitchFamily="34" charset="0"/>
+              <a:buChar char="•"/>
+              <a:tabLst/>
+              <a:defRPr sz="1867" kern="1200">
+                <a:solidFill>
+                  <a:schemeClr val="tx1">
+                    <a:lumMod val="75000"/>
+                  </a:schemeClr>
+                </a:solidFill>
+                <a:latin typeface="Segoe UI Light" panose="020B0502040204020203" pitchFamily="34" charset="0"/>
+                <a:ea typeface="+mn-ea"/>
+                <a:cs typeface="+mn-cs"/>
+              </a:defRPr>
+            </a:lvl2pPr>
+            <a:lvl3pPr marL="741363" indent="-239713" algn="l" defTabSz="1219170" rtl="0" eaLnBrk="1" latinLnBrk="0" hangingPunct="1">
+              <a:spcBef>
+                <a:spcPts val="133"/>
+              </a:spcBef>
+              <a:spcAft>
+                <a:spcPts val="800"/>
+              </a:spcAft>
+              <a:buClr>
+                <a:schemeClr val="accent1"/>
+              </a:buClr>
+              <a:buSzPct val="85000"/>
+              <a:buFont typeface="Courier New" panose="02070309020205020404" pitchFamily="49" charset="0"/>
+              <a:buChar char="o"/>
+              <a:defRPr sz="1867" kern="1200">
+                <a:solidFill>
+                  <a:schemeClr val="tx1">
+                    <a:lumMod val="75000"/>
+                  </a:schemeClr>
+                </a:solidFill>
+                <a:latin typeface="Segoe UI Light" panose="020B0502040204020203" pitchFamily="34" charset="0"/>
+                <a:ea typeface="+mn-ea"/>
+                <a:cs typeface="+mn-cs"/>
+              </a:defRPr>
+            </a:lvl3pPr>
+            <a:lvl4pPr marL="1025525" indent="-239713" algn="l" defTabSz="1219170" rtl="0" eaLnBrk="1" latinLnBrk="0" hangingPunct="1">
+              <a:spcBef>
+                <a:spcPts val="133"/>
+              </a:spcBef>
+              <a:spcAft>
+                <a:spcPts val="800"/>
+              </a:spcAft>
+              <a:buClr>
+                <a:schemeClr val="accent1"/>
+              </a:buClr>
+              <a:buSzPct val="85000"/>
+              <a:buFont typeface="Wingdings" panose="05000000000000000000" pitchFamily="2" charset="2"/>
+              <a:buChar char="§"/>
+              <a:defRPr sz="1867" kern="1200">
+                <a:solidFill>
+                  <a:schemeClr val="tx1">
+                    <a:lumMod val="75000"/>
+                  </a:schemeClr>
+                </a:solidFill>
+                <a:latin typeface="Segoe UI Light" panose="020B0502040204020203" pitchFamily="34" charset="0"/>
+                <a:ea typeface="+mn-ea"/>
+                <a:cs typeface="+mn-cs"/>
+              </a:defRPr>
+            </a:lvl4pPr>
+            <a:lvl5pPr marL="1260475" indent="-239713" algn="l" defTabSz="1219170" rtl="0" eaLnBrk="1" latinLnBrk="0" hangingPunct="1">
+              <a:spcBef>
+                <a:spcPts val="133"/>
+              </a:spcBef>
+              <a:spcAft>
+                <a:spcPts val="800"/>
+              </a:spcAft>
+              <a:buClr>
+                <a:schemeClr val="accent1"/>
+              </a:buClr>
+              <a:buSzPct val="85000"/>
+              <a:buFont typeface="Segoe UI" panose="020B0502040204020203" pitchFamily="34" charset="0"/>
+              <a:buChar char="-"/>
+              <a:defRPr sz="1867" kern="1200">
+                <a:solidFill>
+                  <a:schemeClr val="tx1">
+                    <a:lumMod val="75000"/>
+                  </a:schemeClr>
+                </a:solidFill>
+                <a:latin typeface="Segoe UI Light" panose="020B0502040204020203" pitchFamily="34" charset="0"/>
+                <a:ea typeface="+mn-ea"/>
+                <a:cs typeface="+mn-cs"/>
+              </a:defRPr>
+            </a:lvl5pPr>
+            <a:lvl6pPr marL="3352716" indent="-304792" algn="l" defTabSz="1219170" rtl="0" eaLnBrk="1" latinLnBrk="0" hangingPunct="1">
+              <a:spcBef>
+                <a:spcPct val="20000"/>
+              </a:spcBef>
+              <a:buFont typeface="Arial" panose="020B0604020202020204" pitchFamily="34" charset="0"/>
+              <a:buChar char="•"/>
+              <a:defRPr sz="2667" kern="1200">
+                <a:solidFill>
+                  <a:schemeClr val="tx1"/>
+                </a:solidFill>
+                <a:latin typeface="+mn-lt"/>
+                <a:ea typeface="+mn-ea"/>
+                <a:cs typeface="+mn-cs"/>
+              </a:defRPr>
+            </a:lvl6pPr>
+            <a:lvl7pPr marL="3962301" indent="-304792" algn="l" defTabSz="1219170" rtl="0" eaLnBrk="1" latinLnBrk="0" hangingPunct="1">
+              <a:spcBef>
+                <a:spcPct val="20000"/>
+              </a:spcBef>
+              <a:buFont typeface="Arial" panose="020B0604020202020204" pitchFamily="34" charset="0"/>
+              <a:buChar char="•"/>
+              <a:defRPr sz="2667" kern="1200">
+                <a:solidFill>
+                  <a:schemeClr val="tx1"/>
+                </a:solidFill>
+                <a:latin typeface="+mn-lt"/>
+                <a:ea typeface="+mn-ea"/>
+                <a:cs typeface="+mn-cs"/>
+              </a:defRPr>
+            </a:lvl7pPr>
+            <a:lvl8pPr marL="4571886" indent="-304792" algn="l" defTabSz="1219170" rtl="0" eaLnBrk="1" latinLnBrk="0" hangingPunct="1">
+              <a:spcBef>
+                <a:spcPct val="20000"/>
+              </a:spcBef>
+              <a:buFont typeface="Arial" panose="020B0604020202020204" pitchFamily="34" charset="0"/>
+              <a:buChar char="•"/>
+              <a:defRPr sz="2667" kern="1200">
+                <a:solidFill>
+                  <a:schemeClr val="tx1"/>
+                </a:solidFill>
+                <a:latin typeface="+mn-lt"/>
+                <a:ea typeface="+mn-ea"/>
+                <a:cs typeface="+mn-cs"/>
+              </a:defRPr>
+            </a:lvl8pPr>
+            <a:lvl9pPr marL="5181470" indent="-304792" algn="l" defTabSz="1219170" rtl="0" eaLnBrk="1" latinLnBrk="0" hangingPunct="1">
+              <a:spcBef>
+                <a:spcPct val="20000"/>
+              </a:spcBef>
+              <a:buFont typeface="Arial" panose="020B0604020202020204" pitchFamily="34" charset="0"/>
+              <a:buChar char="•"/>
+              <a:defRPr sz="2667" kern="1200">
+                <a:solidFill>
+                  <a:schemeClr val="tx1"/>
+                </a:solidFill>
+                <a:latin typeface="+mn-lt"/>
+                <a:ea typeface="+mn-ea"/>
+                <a:cs typeface="+mn-cs"/>
+              </a:defRPr>
+            </a:lvl9pPr>
+          </a:lstStyle>
+          <a:p>
             <a:r>
               <a:rPr lang="en-US" dirty="0" smtClean="0"/>
-              <a:t>2</a:t>
+              <a:t>Entity Framework Core 2</a:t>
             </a:r>
           </a:p>
           <a:p>
             <a:pPr lvl="1"/>
             <a:r>
-              <a:rPr lang="en-US" smtClean="0"/>
+              <a:rPr lang="en-US" dirty="0" smtClean="0"/>
+              <a:t>Provider</a:t>
+            </a:r>
+          </a:p>
+          <a:p>
+            <a:pPr lvl="1"/>
+            <a:r>
+              <a:rPr lang="en-US" dirty="0" smtClean="0"/>
               <a:t>Mapping</a:t>
             </a:r>
-            <a:endParaRPr lang="en-US" dirty="0"/>
+          </a:p>
+          <a:p>
+            <a:pPr lvl="1"/>
+            <a:r>
+              <a:rPr lang="en-US" dirty="0" smtClean="0"/>
+              <a:t>Operations </a:t>
+            </a:r>
           </a:p>
           <a:p>
             <a:endParaRPr lang="es-AR" dirty="0"/>
@@ -13617,8 +15200,13 @@
             </a:r>
             <a:r>
               <a:rPr lang="es-AR" dirty="0" smtClean="0"/>
-              <a:t>: Contiene la(s) entidad(es) de nuestro proyecto.</a:t>
-            </a:r>
+              <a:t>: Contiene la(s) entidad(es) de nuestro </a:t>
+            </a:r>
+            <a:r>
+              <a:rPr lang="es-AR" dirty="0" smtClean="0"/>
+              <a:t>proyecto</a:t>
+            </a:r>
+            <a:endParaRPr lang="es-AR" dirty="0" smtClean="0"/>
           </a:p>
           <a:p>
             <a:r>
@@ -13651,8 +15239,29 @@
             </a:r>
             <a:r>
               <a:rPr lang="es-AR" dirty="0"/>
-              <a:t>) de nuestro proyecto.</a:t>
-            </a:r>
+              <a:t>) de nuestro </a:t>
+            </a:r>
+            <a:r>
+              <a:rPr lang="es-AR" dirty="0" smtClean="0"/>
+              <a:t>proyecto</a:t>
+            </a:r>
+          </a:p>
+          <a:p>
+            <a:r>
+              <a:rPr lang="es-AR" dirty="0"/>
+              <a:t>Archivo </a:t>
+            </a:r>
+            <a:r>
+              <a:rPr lang="es-AR" dirty="0" err="1">
+                <a:latin typeface="Consolas" panose="020B0609020204030204" pitchFamily="49" charset="0"/>
+              </a:rPr>
+              <a:t>ErrorHandling.cs</a:t>
+            </a:r>
+            <a:r>
+              <a:rPr lang="es-AR" dirty="0" smtClean="0"/>
+              <a:t>: Simple implementación para controlar errores</a:t>
+            </a:r>
+            <a:endParaRPr lang="es-AR" dirty="0"/>
           </a:p>
           <a:p>
             <a:endParaRPr lang="es-AR" dirty="0"/>

--- a/Presentacion.pptx
+++ b/Presentacion.pptx
@@ -14643,7 +14643,6 @@
               <a:rPr lang="en-US" dirty="0" smtClean="0"/>
               <a:t> </a:t>
             </a:r>
-            <a:endParaRPr lang="en-US" dirty="0" smtClean="0"/>
           </a:p>
           <a:p>
             <a:pPr lvl="1"/>
@@ -14951,8 +14950,23 @@
             <a:pPr lvl="1"/>
             <a:r>
               <a:rPr lang="en-US" dirty="0" smtClean="0"/>
-              <a:t>Operations </a:t>
-            </a:r>
+              <a:t>Operations</a:t>
+            </a:r>
+          </a:p>
+          <a:p>
+            <a:pPr lvl="1"/>
+            <a:r>
+              <a:rPr lang="en-US" dirty="0" smtClean="0"/>
+              <a:t>Entities</a:t>
+            </a:r>
+          </a:p>
+          <a:p>
+            <a:pPr lvl="1"/>
+            <a:r>
+              <a:rPr lang="en-US" dirty="0" smtClean="0"/>
+              <a:t>Query data </a:t>
+            </a:r>
+            <a:endParaRPr lang="en-US" dirty="0" smtClean="0"/>
           </a:p>
           <a:p>
             <a:endParaRPr lang="es-AR" dirty="0"/>
@@ -15200,13 +15214,8 @@
             </a:r>
             <a:r>
               <a:rPr lang="es-AR" dirty="0" smtClean="0"/>
-              <a:t>: Contiene la(s) entidad(es) de nuestro </a:t>
-            </a:r>
-            <a:r>
-              <a:rPr lang="es-AR" dirty="0" smtClean="0"/>
-              <a:t>proyecto</a:t>
-            </a:r>
-            <a:endParaRPr lang="es-AR" dirty="0" smtClean="0"/>
+              <a:t>: Contiene la(s) entidad(es) de nuestro proyecto</a:t>
+            </a:r>
           </a:p>
           <a:p>
             <a:r>

--- a/Presentacion.pptx
+++ b/Presentacion.pptx
@@ -5,7 +5,7 @@
     <p:sldMasterId id="2147483660" r:id="rId1"/>
   </p:sldMasterIdLst>
   <p:notesMasterIdLst>
-    <p:notesMasterId r:id="rId23"/>
+    <p:notesMasterId r:id="rId28"/>
   </p:notesMasterIdLst>
   <p:sldIdLst>
     <p:sldId id="257" r:id="rId2"/>
@@ -25,10 +25,15 @@
     <p:sldId id="276" r:id="rId16"/>
     <p:sldId id="279" r:id="rId17"/>
     <p:sldId id="284" r:id="rId18"/>
-    <p:sldId id="278" r:id="rId19"/>
-    <p:sldId id="285" r:id="rId20"/>
-    <p:sldId id="268" r:id="rId21"/>
-    <p:sldId id="272" r:id="rId22"/>
+    <p:sldId id="293" r:id="rId19"/>
+    <p:sldId id="292" r:id="rId20"/>
+    <p:sldId id="278" r:id="rId21"/>
+    <p:sldId id="288" r:id="rId22"/>
+    <p:sldId id="289" r:id="rId23"/>
+    <p:sldId id="290" r:id="rId24"/>
+    <p:sldId id="291" r:id="rId25"/>
+    <p:sldId id="268" r:id="rId26"/>
+    <p:sldId id="272" r:id="rId27"/>
   </p:sldIdLst>
   <p:sldSz cx="12192000" cy="6858000"/>
   <p:notesSz cx="6858000" cy="9144000"/>
@@ -217,7 +222,7 @@
           <a:p>
             <a:fld id="{64420CC9-D850-4BF4-B227-59ACC1CB9379}" type="datetimeFigureOut">
               <a:rPr lang="es-AR" smtClean="0"/>
-              <a:t>6/12/2017</a:t>
+              <a:t>7/12/2017</a:t>
             </a:fld>
             <a:endParaRPr lang="es-AR"/>
           </a:p>
@@ -10671,7 +10676,69 @@
           <a:bodyPr/>
           <a:lstStyle/>
           <a:p>
-            <a:endParaRPr lang="es-AR"/>
+            <a:r>
+              <a:rPr lang="es-AR" dirty="0"/>
+              <a:t>JavaScript</a:t>
+            </a:r>
+          </a:p>
+          <a:p>
+            <a:pPr lvl="1"/>
+            <a:r>
+              <a:rPr lang="es-AR" dirty="0"/>
+              <a:t>ES6</a:t>
+            </a:r>
+          </a:p>
+          <a:p>
+            <a:r>
+              <a:rPr lang="es-AR" dirty="0"/>
+              <a:t>Vue.js</a:t>
+            </a:r>
+          </a:p>
+          <a:p>
+            <a:pPr lvl="1"/>
+            <a:r>
+              <a:rPr lang="es-AR" dirty="0" err="1"/>
+              <a:t>Routing</a:t>
+            </a:r>
+            <a:endParaRPr lang="es-AR" dirty="0"/>
+          </a:p>
+          <a:p>
+            <a:pPr lvl="1"/>
+            <a:r>
+              <a:rPr lang="es-AR" dirty="0" err="1"/>
+              <a:t>Templates</a:t>
+            </a:r>
+            <a:endParaRPr lang="es-AR" dirty="0"/>
+          </a:p>
+          <a:p>
+            <a:pPr lvl="1"/>
+            <a:r>
+              <a:rPr lang="es-AR" dirty="0" err="1"/>
+              <a:t>Model</a:t>
+            </a:r>
+            <a:endParaRPr lang="es-AR" dirty="0"/>
+          </a:p>
+          <a:p>
+            <a:pPr lvl="1"/>
+            <a:r>
+              <a:rPr lang="es-AR" dirty="0" err="1"/>
+              <a:t>Styles</a:t>
+            </a:r>
+            <a:endParaRPr lang="es-AR" dirty="0"/>
+          </a:p>
+          <a:p>
+            <a:r>
+              <a:rPr lang="es-AR" dirty="0"/>
+              <a:t>Node.js</a:t>
+            </a:r>
+          </a:p>
+          <a:p>
+            <a:pPr lvl="1"/>
+            <a:r>
+              <a:rPr lang="es-AR" dirty="0" err="1"/>
+              <a:t>npm</a:t>
+            </a:r>
+            <a:endParaRPr lang="es-AR" dirty="0"/>
           </a:p>
         </p:txBody>
       </p:sp>
@@ -10776,7 +10843,117 @@
           <a:bodyPr/>
           <a:lstStyle/>
           <a:p>
-            <a:endParaRPr lang="es-AR"/>
+            <a:r>
+              <a:rPr lang="es-AR" dirty="0"/>
+              <a:t>Archivo </a:t>
+            </a:r>
+            <a:r>
+              <a:rPr lang="es-AR" dirty="0">
+                <a:latin typeface="Consolas" panose="020B0609020204030204" pitchFamily="49" charset="0"/>
+              </a:rPr>
+              <a:t>index.html</a:t>
+            </a:r>
+            <a:r>
+              <a:rPr lang="es-AR" dirty="0"/>
+              <a:t>: Es la pagina inicial de la aplicación.</a:t>
+            </a:r>
+          </a:p>
+          <a:p>
+            <a:r>
+              <a:rPr lang="es-AR" dirty="0"/>
+              <a:t>Archivo </a:t>
+            </a:r>
+            <a:r>
+              <a:rPr lang="es-AR" dirty="0">
+                <a:latin typeface="Consolas" panose="020B0609020204030204" pitchFamily="49" charset="0"/>
+              </a:rPr>
+              <a:t>main.js</a:t>
+            </a:r>
+            <a:r>
+              <a:rPr lang="es-AR" dirty="0"/>
+              <a:t>: Es el script donde se inicia la aplicación </a:t>
+            </a:r>
+            <a:r>
+              <a:rPr lang="es-AR" dirty="0" err="1"/>
+              <a:t>Vue</a:t>
+            </a:r>
+            <a:r>
+              <a:rPr lang="es-AR" dirty="0"/>
+              <a:t>.</a:t>
+            </a:r>
+          </a:p>
+          <a:p>
+            <a:r>
+              <a:rPr lang="es-AR" dirty="0"/>
+              <a:t>Archivo </a:t>
+            </a:r>
+            <a:r>
+              <a:rPr lang="es-AR" dirty="0" err="1">
+                <a:latin typeface="Consolas" panose="020B0609020204030204" pitchFamily="49" charset="0"/>
+              </a:rPr>
+              <a:t>App.vue</a:t>
+            </a:r>
+            <a:r>
+              <a:rPr lang="es-AR" dirty="0"/>
+              <a:t>: Es el componente principal, que va a actuar como padre de los demás.</a:t>
+            </a:r>
+          </a:p>
+          <a:p>
+            <a:r>
+              <a:rPr lang="es-AR" dirty="0"/>
+              <a:t>Archivo </a:t>
+            </a:r>
+            <a:r>
+              <a:rPr lang="es-AR" dirty="0" err="1">
+                <a:latin typeface="Consolas" panose="020B0609020204030204" pitchFamily="49" charset="0"/>
+              </a:rPr>
+              <a:t>router</a:t>
+            </a:r>
+            <a:r>
+              <a:rPr lang="es-AR" dirty="0">
+                <a:latin typeface="Consolas" panose="020B0609020204030204" pitchFamily="49" charset="0"/>
+              </a:rPr>
+              <a:t>/index.js</a:t>
+            </a:r>
+            <a:r>
+              <a:rPr lang="es-AR" dirty="0"/>
+              <a:t>: La configuración del ruteo, que especifica como se va a navegar la aplicación.</a:t>
+            </a:r>
+          </a:p>
+          <a:p>
+            <a:r>
+              <a:rPr lang="es-AR" dirty="0"/>
+              <a:t>Carpeta </a:t>
+            </a:r>
+            <a:r>
+              <a:rPr lang="es-AR" dirty="0" err="1">
+                <a:latin typeface="Consolas" panose="020B0609020204030204" pitchFamily="49" charset="0"/>
+              </a:rPr>
+              <a:t>components</a:t>
+            </a:r>
+            <a:r>
+              <a:rPr lang="es-AR" dirty="0"/>
+              <a:t>: Cada uno de los componentes que conforman la aplicación.</a:t>
+            </a:r>
+          </a:p>
+          <a:p>
+            <a:r>
+              <a:rPr lang="es-AR" dirty="0"/>
+              <a:t>Carpeta </a:t>
+            </a:r>
+            <a:r>
+              <a:rPr lang="es-AR" dirty="0" err="1">
+                <a:latin typeface="Consolas" panose="020B0609020204030204" pitchFamily="49" charset="0"/>
+              </a:rPr>
+              <a:t>services</a:t>
+            </a:r>
+            <a:r>
+              <a:rPr lang="es-AR" dirty="0"/>
+              <a:t>: Cada uno de los servicios que van a usar los componentes.</a:t>
+            </a:r>
+          </a:p>
+          <a:p>
+            <a:endParaRPr lang="es-AR" dirty="0"/>
           </a:p>
         </p:txBody>
       </p:sp>
@@ -11222,14 +11399,14 @@
       </p:sp>
       <p:sp>
         <p:nvSpPr>
-          <p:cNvPr id="4" name="Rectangle 3"/>
+          <p:cNvPr id="3" name="Rectangle 2"/>
           <p:cNvSpPr/>
           <p:nvPr/>
         </p:nvSpPr>
         <p:spPr>
           <a:xfrm>
-            <a:off x="338142" y="1059244"/>
-            <a:ext cx="11270762" cy="5262979"/>
+            <a:off x="238752" y="1263640"/>
+            <a:ext cx="11713898" cy="2585323"/>
           </a:xfrm>
           <a:prstGeom prst="rect">
             <a:avLst/>
@@ -11247,7 +11424,54 @@
           <a:lstStyle/>
           <a:p>
             <a:r>
-              <a:rPr lang="en-US" sz="1400" dirty="0">
+              <a:rPr lang="es-AR" b="1" dirty="0">
+                <a:solidFill>
+                  <a:srgbClr val="000000"/>
+                </a:solidFill>
+                <a:latin typeface="Consolas" panose="020B0609020204030204" pitchFamily="49" charset="0"/>
+              </a:rPr>
+              <a:t>[</a:t>
+            </a:r>
+            <a:r>
+              <a:rPr lang="es-AR" b="1" dirty="0" err="1">
+                <a:solidFill>
+                  <a:srgbClr val="000000"/>
+                </a:solidFill>
+                <a:latin typeface="Consolas" panose="020B0609020204030204" pitchFamily="49" charset="0"/>
+              </a:rPr>
+              <a:t>HttpPut</a:t>
+            </a:r>
+            <a:r>
+              <a:rPr lang="es-AR" b="1" dirty="0">
+                <a:solidFill>
+                  <a:srgbClr val="000000"/>
+                </a:solidFill>
+                <a:latin typeface="Consolas" panose="020B0609020204030204" pitchFamily="49" charset="0"/>
+              </a:rPr>
+              <a:t>(</a:t>
+            </a:r>
+            <a:r>
+              <a:rPr lang="es-AR" b="1" dirty="0">
+                <a:solidFill>
+                  <a:srgbClr val="A31515"/>
+                </a:solidFill>
+                <a:latin typeface="Consolas" panose="020B0609020204030204" pitchFamily="49" charset="0"/>
+              </a:rPr>
+              <a:t>"{id}"</a:t>
+            </a:r>
+            <a:r>
+              <a:rPr lang="es-AR" b="1" dirty="0">
+                <a:solidFill>
+                  <a:srgbClr val="000000"/>
+                </a:solidFill>
+                <a:latin typeface="Consolas" panose="020B0609020204030204" pitchFamily="49" charset="0"/>
+              </a:rPr>
+              <a:t>)]</a:t>
+            </a:r>
+          </a:p>
+          <a:p>
+            <a:r>
+              <a:rPr lang="en-US" b="1" dirty="0">
                 <a:solidFill>
                   <a:srgbClr val="0000FF"/>
                 </a:solidFill>
@@ -11256,7 +11480,7 @@
               <a:t>public</a:t>
             </a:r>
             <a:r>
-              <a:rPr lang="en-US" sz="1400" dirty="0">
+              <a:rPr lang="en-US" b="1" dirty="0">
                 <a:solidFill>
                   <a:srgbClr val="000000"/>
                 </a:solidFill>
@@ -11265,7 +11489,7 @@
               <a:t> </a:t>
             </a:r>
             <a:r>
-              <a:rPr lang="en-US" sz="1400" dirty="0" err="1">
+              <a:rPr lang="en-US" b="1" dirty="0" err="1">
                 <a:solidFill>
                   <a:srgbClr val="0000FF"/>
                 </a:solidFill>
@@ -11274,16 +11498,34 @@
               <a:t>async</a:t>
             </a:r>
             <a:r>
-              <a:rPr lang="en-US" sz="1400" dirty="0">
+              <a:rPr lang="en-US" b="1" dirty="0">
                 <a:solidFill>
                   <a:srgbClr val="000000"/>
                 </a:solidFill>
                 <a:latin typeface="Consolas" panose="020B0609020204030204" pitchFamily="49" charset="0"/>
               </a:rPr>
-              <a:t> Task Update(</a:t>
-            </a:r>
-            <a:r>
-              <a:rPr lang="en-US" sz="1400" dirty="0" err="1">
+              <a:t> Task&lt;</a:t>
+            </a:r>
+            <a:r>
+              <a:rPr lang="en-US" b="1" dirty="0" err="1">
+                <a:solidFill>
+                  <a:srgbClr val="000000"/>
+                </a:solidFill>
+                <a:latin typeface="Consolas" panose="020B0609020204030204" pitchFamily="49" charset="0"/>
+              </a:rPr>
+              <a:t>IActionResult</a:t>
+            </a:r>
+            <a:r>
+              <a:rPr lang="en-US" b="1" dirty="0">
+                <a:solidFill>
+                  <a:srgbClr val="000000"/>
+                </a:solidFill>
+                <a:latin typeface="Consolas" panose="020B0609020204030204" pitchFamily="49" charset="0"/>
+              </a:rPr>
+              <a:t>&gt; Put(</a:t>
+            </a:r>
+            <a:r>
+              <a:rPr lang="en-US" b="1" dirty="0" err="1">
                 <a:solidFill>
                   <a:srgbClr val="0000FF"/>
                 </a:solidFill>
@@ -11292,219 +11534,219 @@
               <a:t>int</a:t>
             </a:r>
             <a:r>
-              <a:rPr lang="en-US" sz="1400" dirty="0">
+              <a:rPr lang="en-US" b="1" dirty="0">
                 <a:solidFill>
                   <a:srgbClr val="000000"/>
                 </a:solidFill>
                 <a:latin typeface="Consolas" panose="020B0609020204030204" pitchFamily="49" charset="0"/>
               </a:rPr>
+              <a:t> id, [</a:t>
+            </a:r>
+            <a:r>
+              <a:rPr lang="en-US" b="1" dirty="0" err="1">
+                <a:solidFill>
+                  <a:srgbClr val="000000"/>
+                </a:solidFill>
+                <a:latin typeface="Consolas" panose="020B0609020204030204" pitchFamily="49" charset="0"/>
+              </a:rPr>
+              <a:t>FromBody</a:t>
+            </a:r>
+            <a:r>
+              <a:rPr lang="en-US" b="1" dirty="0">
+                <a:solidFill>
+                  <a:srgbClr val="000000"/>
+                </a:solidFill>
+                <a:latin typeface="Consolas" panose="020B0609020204030204" pitchFamily="49" charset="0"/>
+              </a:rPr>
+              <a:t>]</a:t>
+            </a:r>
+            <a:r>
+              <a:rPr lang="en-US" b="1" dirty="0" err="1">
+                <a:solidFill>
+                  <a:srgbClr val="000000"/>
+                </a:solidFill>
+                <a:latin typeface="Consolas" panose="020B0609020204030204" pitchFamily="49" charset="0"/>
+              </a:rPr>
+              <a:t>MovieModel</a:t>
+            </a:r>
+            <a:r>
+              <a:rPr lang="en-US" b="1" dirty="0">
+                <a:solidFill>
+                  <a:srgbClr val="000000"/>
+                </a:solidFill>
+                <a:latin typeface="Consolas" panose="020B0609020204030204" pitchFamily="49" charset="0"/>
+              </a:rPr>
               <a:t> </a:t>
             </a:r>
             <a:r>
-              <a:rPr lang="en-US" sz="1400" dirty="0" err="1">
+              <a:rPr lang="en-US" b="1" dirty="0" err="1">
                 <a:solidFill>
                   <a:srgbClr val="000000"/>
                 </a:solidFill>
                 <a:latin typeface="Consolas" panose="020B0609020204030204" pitchFamily="49" charset="0"/>
               </a:rPr>
-              <a:t>movieId</a:t>
-            </a:r>
-            <a:r>
-              <a:rPr lang="en-US" sz="1400" dirty="0">
+              <a:t>movieModel</a:t>
+            </a:r>
+            <a:r>
+              <a:rPr lang="en-US" b="1" dirty="0">
                 <a:solidFill>
                   <a:srgbClr val="000000"/>
                 </a:solidFill>
                 <a:latin typeface="Consolas" panose="020B0609020204030204" pitchFamily="49" charset="0"/>
               </a:rPr>
-              <a:t>, </a:t>
-            </a:r>
-            <a:r>
-              <a:rPr lang="en-US" sz="1400" dirty="0" err="1">
+              <a:t>)</a:t>
+            </a:r>
+          </a:p>
+          <a:p>
+            <a:r>
+              <a:rPr lang="es-AR" b="1" dirty="0">
                 <a:solidFill>
                   <a:srgbClr val="000000"/>
                 </a:solidFill>
                 <a:latin typeface="Consolas" panose="020B0609020204030204" pitchFamily="49" charset="0"/>
               </a:rPr>
-              <a:t>MovieModel</a:t>
-            </a:r>
-            <a:r>
-              <a:rPr lang="en-US" sz="1400" dirty="0">
+              <a:t>{</a:t>
+            </a:r>
+          </a:p>
+          <a:p>
+            <a:r>
+              <a:rPr lang="es-AR" b="1" dirty="0">
                 <a:solidFill>
                   <a:srgbClr val="000000"/>
                 </a:solidFill>
                 <a:latin typeface="Consolas" panose="020B0609020204030204" pitchFamily="49" charset="0"/>
               </a:rPr>
+              <a:t>    </a:t>
+            </a:r>
+            <a:r>
+              <a:rPr lang="es-AR" b="1" dirty="0" err="1">
+                <a:solidFill>
+                  <a:srgbClr val="000000"/>
+                </a:solidFill>
+                <a:latin typeface="Consolas" panose="020B0609020204030204" pitchFamily="49" charset="0"/>
+              </a:rPr>
+              <a:t>logger.LogInformation</a:t>
+            </a:r>
+            <a:r>
+              <a:rPr lang="es-AR" b="1" dirty="0">
+                <a:solidFill>
+                  <a:srgbClr val="000000"/>
+                </a:solidFill>
+                <a:latin typeface="Consolas" panose="020B0609020204030204" pitchFamily="49" charset="0"/>
+              </a:rPr>
+              <a:t>(</a:t>
+            </a:r>
+            <a:r>
+              <a:rPr lang="es-AR" b="1" dirty="0">
+                <a:solidFill>
+                  <a:srgbClr val="A31515"/>
+                </a:solidFill>
+                <a:latin typeface="Consolas" panose="020B0609020204030204" pitchFamily="49" charset="0"/>
+              </a:rPr>
+              <a:t>$"</a:t>
+            </a:r>
+            <a:r>
+              <a:rPr lang="es-AR" b="1" dirty="0" err="1">
+                <a:solidFill>
+                  <a:srgbClr val="A31515"/>
+                </a:solidFill>
+                <a:latin typeface="Consolas" panose="020B0609020204030204" pitchFamily="49" charset="0"/>
+              </a:rPr>
+              <a:t>Update</a:t>
+            </a:r>
+            <a:r>
+              <a:rPr lang="es-AR" b="1" dirty="0">
+                <a:solidFill>
+                  <a:srgbClr val="A31515"/>
+                </a:solidFill>
+                <a:latin typeface="Consolas" panose="020B0609020204030204" pitchFamily="49" charset="0"/>
+              </a:rPr>
               <a:t> </a:t>
             </a:r>
             <a:r>
-              <a:rPr lang="en-US" sz="1400" dirty="0" err="1">
+              <a:rPr lang="es-AR" b="1" dirty="0" err="1">
+                <a:solidFill>
+                  <a:srgbClr val="A31515"/>
+                </a:solidFill>
+                <a:latin typeface="Consolas" panose="020B0609020204030204" pitchFamily="49" charset="0"/>
+              </a:rPr>
+              <a:t>movie</a:t>
+            </a:r>
+            <a:r>
+              <a:rPr lang="es-AR" b="1" dirty="0">
+                <a:solidFill>
+                  <a:srgbClr val="A31515"/>
+                </a:solidFill>
+                <a:latin typeface="Consolas" panose="020B0609020204030204" pitchFamily="49" charset="0"/>
+              </a:rPr>
+              <a:t> </a:t>
+            </a:r>
+            <a:r>
+              <a:rPr lang="es-AR" b="1" dirty="0" err="1">
+                <a:solidFill>
+                  <a:srgbClr val="A31515"/>
+                </a:solidFill>
+                <a:latin typeface="Consolas" panose="020B0609020204030204" pitchFamily="49" charset="0"/>
+              </a:rPr>
+              <a:t>title</a:t>
+            </a:r>
+            <a:r>
+              <a:rPr lang="es-AR" b="1" dirty="0">
+                <a:solidFill>
+                  <a:srgbClr val="A31515"/>
+                </a:solidFill>
+                <a:latin typeface="Consolas" panose="020B0609020204030204" pitchFamily="49" charset="0"/>
+              </a:rPr>
+              <a:t> '</a:t>
+            </a:r>
+            <a:r>
+              <a:rPr lang="es-AR" b="1" dirty="0">
                 <a:solidFill>
                   <a:srgbClr val="000000"/>
                 </a:solidFill>
                 <a:latin typeface="Consolas" panose="020B0609020204030204" pitchFamily="49" charset="0"/>
               </a:rPr>
-              <a:t>movieModel</a:t>
-            </a:r>
-            <a:r>
-              <a:rPr lang="en-US" sz="1400" dirty="0">
+              <a:t>{</a:t>
+            </a:r>
+            <a:r>
+              <a:rPr lang="es-AR" b="1" dirty="0" err="1">
                 <a:solidFill>
                   <a:srgbClr val="000000"/>
                 </a:solidFill>
                 <a:latin typeface="Consolas" panose="020B0609020204030204" pitchFamily="49" charset="0"/>
               </a:rPr>
-              <a:t>)</a:t>
-            </a:r>
-          </a:p>
-          <a:p>
-            <a:r>
-              <a:rPr lang="es-AR" sz="1400" dirty="0">
+              <a:t>movieModel.Title</a:t>
+            </a:r>
+            <a:r>
+              <a:rPr lang="es-AR" b="1" dirty="0">
                 <a:solidFill>
                   <a:srgbClr val="000000"/>
                 </a:solidFill>
                 <a:latin typeface="Consolas" panose="020B0609020204030204" pitchFamily="49" charset="0"/>
               </a:rPr>
-              <a:t>{</a:t>
-            </a:r>
-          </a:p>
-          <a:p>
-            <a:r>
-              <a:rPr lang="es-AR" sz="1400" dirty="0">
+              <a:t>}</a:t>
+            </a:r>
+            <a:r>
+              <a:rPr lang="es-AR" b="1" dirty="0">
+                <a:solidFill>
+                  <a:srgbClr val="A31515"/>
+                </a:solidFill>
+                <a:latin typeface="Consolas" panose="020B0609020204030204" pitchFamily="49" charset="0"/>
+              </a:rPr>
+              <a:t>'"</a:t>
+            </a:r>
+            <a:r>
+              <a:rPr lang="es-AR" b="1" dirty="0">
                 <a:solidFill>
                   <a:srgbClr val="000000"/>
                 </a:solidFill>
                 <a:latin typeface="Consolas" panose="020B0609020204030204" pitchFamily="49" charset="0"/>
               </a:rPr>
-              <a:t>    </a:t>
-            </a:r>
-            <a:r>
-              <a:rPr lang="es-AR" sz="1400" dirty="0" err="1">
-                <a:solidFill>
-                  <a:srgbClr val="000000"/>
-                </a:solidFill>
-                <a:latin typeface="Consolas" panose="020B0609020204030204" pitchFamily="49" charset="0"/>
-              </a:rPr>
-              <a:t>logger.LogInformation</a:t>
-            </a:r>
-            <a:r>
-              <a:rPr lang="es-AR" sz="1400" dirty="0">
-                <a:solidFill>
-                  <a:srgbClr val="000000"/>
-                </a:solidFill>
-                <a:latin typeface="Consolas" panose="020B0609020204030204" pitchFamily="49" charset="0"/>
-              </a:rPr>
-              <a:t>(</a:t>
-            </a:r>
-            <a:r>
-              <a:rPr lang="es-AR" sz="1400" dirty="0">
-                <a:solidFill>
-                  <a:srgbClr val="A31515"/>
-                </a:solidFill>
-                <a:latin typeface="Consolas" panose="020B0609020204030204" pitchFamily="49" charset="0"/>
-              </a:rPr>
-              <a:t>$"</a:t>
-            </a:r>
-            <a:r>
-              <a:rPr lang="es-AR" sz="1400" dirty="0" err="1">
-                <a:solidFill>
-                  <a:srgbClr val="A31515"/>
-                </a:solidFill>
-                <a:latin typeface="Consolas" panose="020B0609020204030204" pitchFamily="49" charset="0"/>
-              </a:rPr>
-              <a:t>Service</a:t>
-            </a:r>
-            <a:r>
-              <a:rPr lang="es-AR" sz="1400" dirty="0">
-                <a:solidFill>
-                  <a:srgbClr val="A31515"/>
-                </a:solidFill>
-                <a:latin typeface="Consolas" panose="020B0609020204030204" pitchFamily="49" charset="0"/>
-              </a:rPr>
-              <a:t> </a:t>
-            </a:r>
-            <a:r>
-              <a:rPr lang="es-AR" sz="1400" dirty="0" err="1">
-                <a:solidFill>
-                  <a:srgbClr val="A31515"/>
-                </a:solidFill>
-                <a:latin typeface="Consolas" panose="020B0609020204030204" pitchFamily="49" charset="0"/>
-              </a:rPr>
-              <a:t>update</a:t>
-            </a:r>
-            <a:r>
-              <a:rPr lang="es-AR" sz="1400" dirty="0">
-                <a:solidFill>
-                  <a:srgbClr val="A31515"/>
-                </a:solidFill>
-                <a:latin typeface="Consolas" panose="020B0609020204030204" pitchFamily="49" charset="0"/>
-              </a:rPr>
-              <a:t> </a:t>
-            </a:r>
-            <a:r>
-              <a:rPr lang="es-AR" sz="1400" dirty="0" err="1">
-                <a:solidFill>
-                  <a:srgbClr val="A31515"/>
-                </a:solidFill>
-                <a:latin typeface="Consolas" panose="020B0609020204030204" pitchFamily="49" charset="0"/>
-              </a:rPr>
-              <a:t>movie</a:t>
-            </a:r>
-            <a:r>
-              <a:rPr lang="es-AR" sz="1400" dirty="0">
-                <a:solidFill>
-                  <a:srgbClr val="A31515"/>
-                </a:solidFill>
-                <a:latin typeface="Consolas" panose="020B0609020204030204" pitchFamily="49" charset="0"/>
-              </a:rPr>
-              <a:t> ID '</a:t>
-            </a:r>
-            <a:r>
-              <a:rPr lang="es-AR" sz="1400" dirty="0">
-                <a:solidFill>
-                  <a:srgbClr val="000000"/>
-                </a:solidFill>
-                <a:latin typeface="Consolas" panose="020B0609020204030204" pitchFamily="49" charset="0"/>
-              </a:rPr>
-              <a:t>{</a:t>
-            </a:r>
-            <a:r>
-              <a:rPr lang="es-AR" sz="1400" dirty="0" err="1">
-                <a:solidFill>
-                  <a:srgbClr val="000000"/>
-                </a:solidFill>
-                <a:latin typeface="Consolas" panose="020B0609020204030204" pitchFamily="49" charset="0"/>
-              </a:rPr>
-              <a:t>movieId</a:t>
-            </a:r>
-            <a:r>
-              <a:rPr lang="es-AR" sz="1400" dirty="0">
-                <a:solidFill>
-                  <a:srgbClr val="000000"/>
-                </a:solidFill>
-                <a:latin typeface="Consolas" panose="020B0609020204030204" pitchFamily="49" charset="0"/>
-              </a:rPr>
-              <a:t>}</a:t>
-            </a:r>
-            <a:r>
-              <a:rPr lang="es-AR" sz="1400" dirty="0">
-                <a:solidFill>
-                  <a:srgbClr val="A31515"/>
-                </a:solidFill>
-                <a:latin typeface="Consolas" panose="020B0609020204030204" pitchFamily="49" charset="0"/>
-              </a:rPr>
-              <a:t>'"</a:t>
-            </a:r>
-            <a:r>
-              <a:rPr lang="es-AR" sz="1400" dirty="0">
-                <a:solidFill>
-                  <a:srgbClr val="000000"/>
-                </a:solidFill>
-                <a:latin typeface="Consolas" panose="020B0609020204030204" pitchFamily="49" charset="0"/>
-              </a:rPr>
               <a:t>);</a:t>
             </a:r>
           </a:p>
           <a:p>
-            <a:endParaRPr lang="es-AR" sz="1400" dirty="0">
+            <a:endParaRPr lang="es-AR" b="1" dirty="0">
               <a:solidFill>
                 <a:srgbClr val="000000"/>
               </a:solidFill>
@@ -11513,7 +11755,7 @@
           </a:p>
           <a:p>
             <a:r>
-              <a:rPr lang="es-AR" sz="1400" dirty="0">
+              <a:rPr lang="es-AR" b="1" dirty="0">
                 <a:solidFill>
                   <a:srgbClr val="000000"/>
                 </a:solidFill>
@@ -11522,42 +11764,71 @@
               <a:t>    </a:t>
             </a:r>
             <a:r>
-              <a:rPr lang="es-AR" sz="1400" dirty="0">
-                <a:solidFill>
-                  <a:srgbClr val="008000"/>
-                </a:solidFill>
-                <a:latin typeface="Consolas" panose="020B0609020204030204" pitchFamily="49" charset="0"/>
-              </a:rPr>
-              <a:t>//</a:t>
-            </a:r>
-            <a:r>
-              <a:rPr lang="es-AR" sz="1400" dirty="0" err="1">
-                <a:solidFill>
-                  <a:srgbClr val="008000"/>
-                </a:solidFill>
-                <a:latin typeface="Consolas" panose="020B0609020204030204" pitchFamily="49" charset="0"/>
-              </a:rPr>
-              <a:t>search</a:t>
-            </a:r>
-            <a:r>
-              <a:rPr lang="es-AR" sz="1400" dirty="0">
-                <a:solidFill>
-                  <a:srgbClr val="008000"/>
+              <a:rPr lang="es-AR" b="1" dirty="0" err="1">
+                <a:solidFill>
+                  <a:srgbClr val="0000FF"/>
+                </a:solidFill>
+                <a:latin typeface="Consolas" panose="020B0609020204030204" pitchFamily="49" charset="0"/>
+              </a:rPr>
+              <a:t>await</a:t>
+            </a:r>
+            <a:r>
+              <a:rPr lang="es-AR" b="1" dirty="0">
+                <a:solidFill>
+                  <a:srgbClr val="000000"/>
                 </a:solidFill>
                 <a:latin typeface="Consolas" panose="020B0609020204030204" pitchFamily="49" charset="0"/>
               </a:rPr>
               <a:t> </a:t>
             </a:r>
             <a:r>
-              <a:rPr lang="es-AR" sz="1400" dirty="0" err="1">
-                <a:solidFill>
-                  <a:srgbClr val="008000"/>
-                </a:solidFill>
-                <a:latin typeface="Consolas" panose="020B0609020204030204" pitchFamily="49" charset="0"/>
-              </a:rPr>
-              <a:t>movie</a:t>
-            </a:r>
-            <a:endParaRPr lang="es-AR" sz="1400" dirty="0">
+              <a:rPr lang="es-AR" b="1" dirty="0" err="1">
+                <a:solidFill>
+                  <a:srgbClr val="0000FF"/>
+                </a:solidFill>
+                <a:latin typeface="Consolas" panose="020B0609020204030204" pitchFamily="49" charset="0"/>
+              </a:rPr>
+              <a:t>this</a:t>
+            </a:r>
+            <a:r>
+              <a:rPr lang="es-AR" b="1" dirty="0" err="1">
+                <a:solidFill>
+                  <a:srgbClr val="000000"/>
+                </a:solidFill>
+                <a:latin typeface="Consolas" panose="020B0609020204030204" pitchFamily="49" charset="0"/>
+              </a:rPr>
+              <a:t>.movieService.Update</a:t>
+            </a:r>
+            <a:r>
+              <a:rPr lang="es-AR" b="1" dirty="0">
+                <a:solidFill>
+                  <a:srgbClr val="000000"/>
+                </a:solidFill>
+                <a:latin typeface="Consolas" panose="020B0609020204030204" pitchFamily="49" charset="0"/>
+              </a:rPr>
+              <a:t>(id, </a:t>
+            </a:r>
+            <a:r>
+              <a:rPr lang="es-AR" b="1" dirty="0" err="1">
+                <a:solidFill>
+                  <a:srgbClr val="000000"/>
+                </a:solidFill>
+                <a:latin typeface="Consolas" panose="020B0609020204030204" pitchFamily="49" charset="0"/>
+              </a:rPr>
+              <a:t>movieModel</a:t>
+            </a:r>
+            <a:r>
+              <a:rPr lang="es-AR" b="1" dirty="0">
+                <a:solidFill>
+                  <a:srgbClr val="000000"/>
+                </a:solidFill>
+                <a:latin typeface="Consolas" panose="020B0609020204030204" pitchFamily="49" charset="0"/>
+              </a:rPr>
+              <a:t>);</a:t>
+            </a:r>
+          </a:p>
+          <a:p>
+            <a:endParaRPr lang="es-AR" b="1" dirty="0">
               <a:solidFill>
                 <a:srgbClr val="000000"/>
               </a:solidFill>
@@ -11566,7 +11837,7 @@
           </a:p>
           <a:p>
             <a:r>
-              <a:rPr lang="es-AR" sz="1400" dirty="0">
+              <a:rPr lang="es-AR" b="1" dirty="0">
                 <a:solidFill>
                   <a:srgbClr val="000000"/>
                 </a:solidFill>
@@ -11575,841 +11846,27 @@
               <a:t>    </a:t>
             </a:r>
             <a:r>
-              <a:rPr lang="es-AR" sz="1400" dirty="0" err="1">
+              <a:rPr lang="es-AR" b="1" dirty="0" err="1">
+                <a:solidFill>
+                  <a:srgbClr val="0000FF"/>
+                </a:solidFill>
+                <a:latin typeface="Consolas" panose="020B0609020204030204" pitchFamily="49" charset="0"/>
+              </a:rPr>
+              <a:t>return</a:t>
+            </a:r>
+            <a:r>
+              <a:rPr lang="es-AR" b="1" dirty="0">
                 <a:solidFill>
                   <a:srgbClr val="000000"/>
                 </a:solidFill>
                 <a:latin typeface="Consolas" panose="020B0609020204030204" pitchFamily="49" charset="0"/>
               </a:rPr>
-              <a:t>Movie</a:t>
-            </a:r>
-            <a:r>
-              <a:rPr lang="es-AR" sz="1400" dirty="0">
-                <a:solidFill>
-                  <a:srgbClr val="000000"/>
-                </a:solidFill>
-                <a:latin typeface="Consolas" panose="020B0609020204030204" pitchFamily="49" charset="0"/>
-              </a:rPr>
-              <a:t> </a:t>
-            </a:r>
-            <a:r>
-              <a:rPr lang="es-AR" sz="1400" dirty="0" err="1">
-                <a:solidFill>
-                  <a:srgbClr val="000000"/>
-                </a:solidFill>
-                <a:latin typeface="Consolas" panose="020B0609020204030204" pitchFamily="49" charset="0"/>
-              </a:rPr>
-              <a:t>movieCurrent</a:t>
-            </a:r>
-            <a:r>
-              <a:rPr lang="es-AR" sz="1400" dirty="0">
-                <a:solidFill>
-                  <a:srgbClr val="000000"/>
-                </a:solidFill>
-                <a:latin typeface="Consolas" panose="020B0609020204030204" pitchFamily="49" charset="0"/>
-              </a:rPr>
-              <a:t> = </a:t>
-            </a:r>
-            <a:r>
-              <a:rPr lang="es-AR" sz="1400" dirty="0" err="1">
-                <a:solidFill>
-                  <a:srgbClr val="0000FF"/>
-                </a:solidFill>
-                <a:latin typeface="Consolas" panose="020B0609020204030204" pitchFamily="49" charset="0"/>
-              </a:rPr>
-              <a:t>await</a:t>
-            </a:r>
-            <a:r>
-              <a:rPr lang="es-AR" sz="1400" dirty="0">
-                <a:solidFill>
-                  <a:srgbClr val="000000"/>
-                </a:solidFill>
-                <a:latin typeface="Consolas" panose="020B0609020204030204" pitchFamily="49" charset="0"/>
-              </a:rPr>
-              <a:t> </a:t>
-            </a:r>
-            <a:r>
-              <a:rPr lang="es-AR" sz="1400" dirty="0" err="1">
-                <a:solidFill>
-                  <a:srgbClr val="0000FF"/>
-                </a:solidFill>
-                <a:latin typeface="Consolas" panose="020B0609020204030204" pitchFamily="49" charset="0"/>
-              </a:rPr>
-              <a:t>this</a:t>
-            </a:r>
-            <a:r>
-              <a:rPr lang="es-AR" sz="1400" dirty="0" err="1">
-                <a:solidFill>
-                  <a:srgbClr val="000000"/>
-                </a:solidFill>
-                <a:latin typeface="Consolas" panose="020B0609020204030204" pitchFamily="49" charset="0"/>
-              </a:rPr>
-              <a:t>.ortWorkshopContext.Movie.FindAsync</a:t>
-            </a:r>
-            <a:r>
-              <a:rPr lang="es-AR" sz="1400" dirty="0">
-                <a:solidFill>
-                  <a:srgbClr val="000000"/>
-                </a:solidFill>
-                <a:latin typeface="Consolas" panose="020B0609020204030204" pitchFamily="49" charset="0"/>
-              </a:rPr>
-              <a:t>(</a:t>
-            </a:r>
-            <a:r>
-              <a:rPr lang="es-AR" sz="1400" dirty="0" err="1">
-                <a:solidFill>
-                  <a:srgbClr val="000000"/>
-                </a:solidFill>
-                <a:latin typeface="Consolas" panose="020B0609020204030204" pitchFamily="49" charset="0"/>
-              </a:rPr>
-              <a:t>movieId</a:t>
-            </a:r>
-            <a:r>
-              <a:rPr lang="es-AR" sz="1400" dirty="0">
-                <a:solidFill>
-                  <a:srgbClr val="000000"/>
-                </a:solidFill>
-                <a:latin typeface="Consolas" panose="020B0609020204030204" pitchFamily="49" charset="0"/>
-              </a:rPr>
-              <a:t>);</a:t>
-            </a:r>
-          </a:p>
-          <a:p>
-            <a:endParaRPr lang="es-AR" sz="1400" dirty="0">
-              <a:solidFill>
-                <a:srgbClr val="000000"/>
-              </a:solidFill>
-              <a:latin typeface="Consolas" panose="020B0609020204030204" pitchFamily="49" charset="0"/>
-            </a:endParaRPr>
-          </a:p>
-          <a:p>
-            <a:r>
-              <a:rPr lang="es-AR" sz="1400" dirty="0">
-                <a:solidFill>
-                  <a:srgbClr val="000000"/>
-                </a:solidFill>
-                <a:latin typeface="Consolas" panose="020B0609020204030204" pitchFamily="49" charset="0"/>
-              </a:rPr>
-              <a:t>    </a:t>
-            </a:r>
-            <a:r>
-              <a:rPr lang="es-AR" sz="1400" dirty="0" err="1">
-                <a:solidFill>
-                  <a:srgbClr val="0000FF"/>
-                </a:solidFill>
-                <a:latin typeface="Consolas" panose="020B0609020204030204" pitchFamily="49" charset="0"/>
-              </a:rPr>
-              <a:t>if</a:t>
-            </a:r>
-            <a:r>
-              <a:rPr lang="es-AR" sz="1400" dirty="0">
-                <a:solidFill>
-                  <a:srgbClr val="000000"/>
-                </a:solidFill>
-                <a:latin typeface="Consolas" panose="020B0609020204030204" pitchFamily="49" charset="0"/>
-              </a:rPr>
-              <a:t> (</a:t>
-            </a:r>
-            <a:r>
-              <a:rPr lang="es-AR" sz="1400" dirty="0" err="1">
-                <a:solidFill>
-                  <a:srgbClr val="000000"/>
-                </a:solidFill>
-                <a:latin typeface="Consolas" panose="020B0609020204030204" pitchFamily="49" charset="0"/>
-              </a:rPr>
-              <a:t>movieCurrent</a:t>
-            </a:r>
-            <a:r>
-              <a:rPr lang="es-AR" sz="1400" dirty="0">
-                <a:solidFill>
-                  <a:srgbClr val="000000"/>
-                </a:solidFill>
-                <a:latin typeface="Consolas" panose="020B0609020204030204" pitchFamily="49" charset="0"/>
-              </a:rPr>
-              <a:t> == </a:t>
-            </a:r>
-            <a:r>
-              <a:rPr lang="es-AR" sz="1400" dirty="0" err="1">
-                <a:solidFill>
-                  <a:srgbClr val="0000FF"/>
-                </a:solidFill>
-                <a:latin typeface="Consolas" panose="020B0609020204030204" pitchFamily="49" charset="0"/>
-              </a:rPr>
-              <a:t>null</a:t>
-            </a:r>
-            <a:r>
-              <a:rPr lang="es-AR" sz="1400" dirty="0">
-                <a:solidFill>
-                  <a:srgbClr val="000000"/>
-                </a:solidFill>
-                <a:latin typeface="Consolas" panose="020B0609020204030204" pitchFamily="49" charset="0"/>
-              </a:rPr>
-              <a:t>)</a:t>
-            </a:r>
-          </a:p>
-          <a:p>
-            <a:r>
-              <a:rPr lang="es-AR" sz="1400" dirty="0">
-                <a:solidFill>
-                  <a:srgbClr val="000000"/>
-                </a:solidFill>
-                <a:latin typeface="Consolas" panose="020B0609020204030204" pitchFamily="49" charset="0"/>
-              </a:rPr>
-              <a:t>    {</a:t>
-            </a:r>
-          </a:p>
-          <a:p>
-            <a:r>
-              <a:rPr lang="en-US" sz="1400" dirty="0">
-                <a:solidFill>
-                  <a:srgbClr val="000000"/>
-                </a:solidFill>
-                <a:latin typeface="Consolas" panose="020B0609020204030204" pitchFamily="49" charset="0"/>
-              </a:rPr>
-              <a:t>        </a:t>
-            </a:r>
-            <a:r>
-              <a:rPr lang="en-US" sz="1400" dirty="0">
-                <a:solidFill>
-                  <a:srgbClr val="0000FF"/>
-                </a:solidFill>
-                <a:latin typeface="Consolas" panose="020B0609020204030204" pitchFamily="49" charset="0"/>
-              </a:rPr>
-              <a:t>throw</a:t>
-            </a:r>
-            <a:r>
-              <a:rPr lang="en-US" sz="1400" dirty="0">
-                <a:solidFill>
-                  <a:srgbClr val="000000"/>
-                </a:solidFill>
-                <a:latin typeface="Consolas" panose="020B0609020204030204" pitchFamily="49" charset="0"/>
-              </a:rPr>
-              <a:t> </a:t>
-            </a:r>
-            <a:r>
-              <a:rPr lang="en-US" sz="1400" dirty="0">
-                <a:solidFill>
-                  <a:srgbClr val="0000FF"/>
-                </a:solidFill>
-                <a:latin typeface="Consolas" panose="020B0609020204030204" pitchFamily="49" charset="0"/>
-              </a:rPr>
-              <a:t>new</a:t>
-            </a:r>
-            <a:r>
-              <a:rPr lang="en-US" sz="1400" dirty="0">
-                <a:solidFill>
-                  <a:srgbClr val="000000"/>
-                </a:solidFill>
-                <a:latin typeface="Consolas" panose="020B0609020204030204" pitchFamily="49" charset="0"/>
-              </a:rPr>
-              <a:t> </a:t>
-            </a:r>
-            <a:r>
-              <a:rPr lang="en-US" sz="1400" dirty="0" err="1">
-                <a:solidFill>
-                  <a:srgbClr val="000000"/>
-                </a:solidFill>
-                <a:latin typeface="Consolas" panose="020B0609020204030204" pitchFamily="49" charset="0"/>
-              </a:rPr>
-              <a:t>OrtWorkshopException</a:t>
-            </a:r>
-            <a:r>
-              <a:rPr lang="en-US" sz="1400" dirty="0">
-                <a:solidFill>
-                  <a:srgbClr val="000000"/>
-                </a:solidFill>
-                <a:latin typeface="Consolas" panose="020B0609020204030204" pitchFamily="49" charset="0"/>
-              </a:rPr>
-              <a:t>(</a:t>
-            </a:r>
-            <a:r>
-              <a:rPr lang="en-US" sz="1400" dirty="0" err="1">
-                <a:solidFill>
-                  <a:srgbClr val="000000"/>
-                </a:solidFill>
-                <a:latin typeface="Consolas" panose="020B0609020204030204" pitchFamily="49" charset="0"/>
-              </a:rPr>
-              <a:t>HttpStatusCode.NotFound</a:t>
-            </a:r>
-            <a:r>
-              <a:rPr lang="en-US" sz="1400" dirty="0">
-                <a:solidFill>
-                  <a:srgbClr val="000000"/>
-                </a:solidFill>
-                <a:latin typeface="Consolas" panose="020B0609020204030204" pitchFamily="49" charset="0"/>
-              </a:rPr>
-              <a:t>, </a:t>
-            </a:r>
-            <a:r>
-              <a:rPr lang="en-US" sz="1400" dirty="0">
-                <a:solidFill>
-                  <a:srgbClr val="A31515"/>
-                </a:solidFill>
-                <a:latin typeface="Consolas" panose="020B0609020204030204" pitchFamily="49" charset="0"/>
-              </a:rPr>
-              <a:t>$"The movie with ID </a:t>
-            </a:r>
-            <a:r>
-              <a:rPr lang="en-US" sz="1400" dirty="0">
-                <a:solidFill>
-                  <a:srgbClr val="000000"/>
-                </a:solidFill>
-                <a:latin typeface="Consolas" panose="020B0609020204030204" pitchFamily="49" charset="0"/>
-              </a:rPr>
-              <a:t>{</a:t>
-            </a:r>
-            <a:r>
-              <a:rPr lang="en-US" sz="1400" dirty="0" err="1">
-                <a:solidFill>
-                  <a:srgbClr val="000000"/>
-                </a:solidFill>
-                <a:latin typeface="Consolas" panose="020B0609020204030204" pitchFamily="49" charset="0"/>
-              </a:rPr>
-              <a:t>movieId</a:t>
-            </a:r>
-            <a:r>
-              <a:rPr lang="en-US" sz="1400" dirty="0">
-                <a:solidFill>
-                  <a:srgbClr val="000000"/>
-                </a:solidFill>
-                <a:latin typeface="Consolas" panose="020B0609020204030204" pitchFamily="49" charset="0"/>
-              </a:rPr>
-              <a:t>}</a:t>
-            </a:r>
-            <a:r>
-              <a:rPr lang="en-US" sz="1400" dirty="0">
-                <a:solidFill>
-                  <a:srgbClr val="A31515"/>
-                </a:solidFill>
-                <a:latin typeface="Consolas" panose="020B0609020204030204" pitchFamily="49" charset="0"/>
-              </a:rPr>
-              <a:t> wasn't found."</a:t>
-            </a:r>
-            <a:r>
-              <a:rPr lang="en-US" sz="1400" dirty="0">
-                <a:solidFill>
-                  <a:srgbClr val="000000"/>
-                </a:solidFill>
-                <a:latin typeface="Consolas" panose="020B0609020204030204" pitchFamily="49" charset="0"/>
-              </a:rPr>
-              <a:t>);</a:t>
-            </a:r>
-          </a:p>
-          <a:p>
-            <a:r>
-              <a:rPr lang="es-AR" sz="1400" dirty="0">
-                <a:solidFill>
-                  <a:srgbClr val="000000"/>
-                </a:solidFill>
-                <a:latin typeface="Consolas" panose="020B0609020204030204" pitchFamily="49" charset="0"/>
-              </a:rPr>
-              <a:t>    }</a:t>
-            </a:r>
-          </a:p>
-          <a:p>
-            <a:endParaRPr lang="es-AR" sz="1400" dirty="0">
-              <a:solidFill>
-                <a:srgbClr val="000000"/>
-              </a:solidFill>
-              <a:latin typeface="Consolas" panose="020B0609020204030204" pitchFamily="49" charset="0"/>
-            </a:endParaRPr>
-          </a:p>
-          <a:p>
-            <a:r>
-              <a:rPr lang="en-US" sz="1400" dirty="0">
-                <a:solidFill>
-                  <a:srgbClr val="000000"/>
-                </a:solidFill>
-                <a:latin typeface="Consolas" panose="020B0609020204030204" pitchFamily="49" charset="0"/>
-              </a:rPr>
-              <a:t>    </a:t>
-            </a:r>
-            <a:r>
-              <a:rPr lang="en-US" sz="1400" dirty="0">
-                <a:solidFill>
-                  <a:srgbClr val="008000"/>
-                </a:solidFill>
-                <a:latin typeface="Consolas" panose="020B0609020204030204" pitchFamily="49" charset="0"/>
-              </a:rPr>
-              <a:t>//update movie from movie parameter</a:t>
-            </a:r>
-            <a:endParaRPr lang="en-US" sz="1400" dirty="0">
-              <a:solidFill>
-                <a:srgbClr val="000000"/>
-              </a:solidFill>
-              <a:latin typeface="Consolas" panose="020B0609020204030204" pitchFamily="49" charset="0"/>
-            </a:endParaRPr>
-          </a:p>
-          <a:p>
-            <a:r>
-              <a:rPr lang="es-AR" sz="1400" dirty="0">
-                <a:solidFill>
-                  <a:srgbClr val="000000"/>
-                </a:solidFill>
-                <a:latin typeface="Consolas" panose="020B0609020204030204" pitchFamily="49" charset="0"/>
-              </a:rPr>
-              <a:t>    </a:t>
-            </a:r>
-            <a:r>
-              <a:rPr lang="es-AR" sz="1400" dirty="0" err="1">
-                <a:solidFill>
-                  <a:srgbClr val="000000"/>
-                </a:solidFill>
-                <a:latin typeface="Consolas" panose="020B0609020204030204" pitchFamily="49" charset="0"/>
-              </a:rPr>
-              <a:t>movieCurrent.Director</a:t>
-            </a:r>
-            <a:r>
-              <a:rPr lang="es-AR" sz="1400" dirty="0">
-                <a:solidFill>
-                  <a:srgbClr val="000000"/>
-                </a:solidFill>
-                <a:latin typeface="Consolas" panose="020B0609020204030204" pitchFamily="49" charset="0"/>
-              </a:rPr>
-              <a:t> = </a:t>
-            </a:r>
-            <a:r>
-              <a:rPr lang="es-AR" sz="1400" dirty="0" err="1">
-                <a:solidFill>
-                  <a:srgbClr val="000000"/>
-                </a:solidFill>
-                <a:latin typeface="Consolas" panose="020B0609020204030204" pitchFamily="49" charset="0"/>
-              </a:rPr>
-              <a:t>movieModel.Director</a:t>
-            </a:r>
-            <a:r>
-              <a:rPr lang="es-AR" sz="1400" dirty="0">
-                <a:solidFill>
-                  <a:srgbClr val="000000"/>
-                </a:solidFill>
-                <a:latin typeface="Consolas" panose="020B0609020204030204" pitchFamily="49" charset="0"/>
-              </a:rPr>
-              <a:t>;</a:t>
-            </a:r>
-          </a:p>
-          <a:p>
-            <a:r>
-              <a:rPr lang="es-AR" sz="1400" dirty="0">
-                <a:solidFill>
-                  <a:srgbClr val="000000"/>
-                </a:solidFill>
-                <a:latin typeface="Consolas" panose="020B0609020204030204" pitchFamily="49" charset="0"/>
-              </a:rPr>
-              <a:t>    </a:t>
-            </a:r>
-            <a:r>
-              <a:rPr lang="es-AR" sz="1400" dirty="0" err="1">
-                <a:solidFill>
-                  <a:srgbClr val="000000"/>
-                </a:solidFill>
-                <a:latin typeface="Consolas" panose="020B0609020204030204" pitchFamily="49" charset="0"/>
-              </a:rPr>
-              <a:t>movieCurrent.Genre</a:t>
-            </a:r>
-            <a:r>
-              <a:rPr lang="es-AR" sz="1400" dirty="0">
-                <a:solidFill>
-                  <a:srgbClr val="000000"/>
-                </a:solidFill>
-                <a:latin typeface="Consolas" panose="020B0609020204030204" pitchFamily="49" charset="0"/>
-              </a:rPr>
-              <a:t> = </a:t>
-            </a:r>
-            <a:r>
-              <a:rPr lang="es-AR" sz="1400" dirty="0" err="1">
-                <a:solidFill>
-                  <a:srgbClr val="000000"/>
-                </a:solidFill>
-                <a:latin typeface="Consolas" panose="020B0609020204030204" pitchFamily="49" charset="0"/>
-              </a:rPr>
-              <a:t>movieModel.Genre</a:t>
-            </a:r>
-            <a:r>
-              <a:rPr lang="es-AR" sz="1400" dirty="0">
-                <a:solidFill>
-                  <a:srgbClr val="000000"/>
-                </a:solidFill>
-                <a:latin typeface="Consolas" panose="020B0609020204030204" pitchFamily="49" charset="0"/>
-              </a:rPr>
-              <a:t>;</a:t>
-            </a:r>
-          </a:p>
-          <a:p>
-            <a:r>
-              <a:rPr lang="es-AR" sz="1400" dirty="0">
-                <a:solidFill>
-                  <a:srgbClr val="000000"/>
-                </a:solidFill>
-                <a:latin typeface="Consolas" panose="020B0609020204030204" pitchFamily="49" charset="0"/>
-              </a:rPr>
-              <a:t>    </a:t>
-            </a:r>
-            <a:r>
-              <a:rPr lang="es-AR" sz="1400" dirty="0" err="1">
-                <a:solidFill>
-                  <a:srgbClr val="000000"/>
-                </a:solidFill>
-                <a:latin typeface="Consolas" panose="020B0609020204030204" pitchFamily="49" charset="0"/>
-              </a:rPr>
-              <a:t>movieCurrent.Title</a:t>
-            </a:r>
-            <a:r>
-              <a:rPr lang="es-AR" sz="1400" dirty="0">
-                <a:solidFill>
-                  <a:srgbClr val="000000"/>
-                </a:solidFill>
-                <a:latin typeface="Consolas" panose="020B0609020204030204" pitchFamily="49" charset="0"/>
-              </a:rPr>
-              <a:t> = </a:t>
-            </a:r>
-            <a:r>
-              <a:rPr lang="es-AR" sz="1400" dirty="0" err="1">
-                <a:solidFill>
-                  <a:srgbClr val="000000"/>
-                </a:solidFill>
-                <a:latin typeface="Consolas" panose="020B0609020204030204" pitchFamily="49" charset="0"/>
-              </a:rPr>
-              <a:t>movieModel.Title</a:t>
-            </a:r>
-            <a:r>
-              <a:rPr lang="es-AR" sz="1400" dirty="0">
-                <a:solidFill>
-                  <a:srgbClr val="000000"/>
-                </a:solidFill>
-                <a:latin typeface="Consolas" panose="020B0609020204030204" pitchFamily="49" charset="0"/>
-              </a:rPr>
-              <a:t>;</a:t>
-            </a:r>
-          </a:p>
-          <a:p>
-            <a:r>
-              <a:rPr lang="es-AR" sz="1400" dirty="0">
-                <a:solidFill>
-                  <a:srgbClr val="000000"/>
-                </a:solidFill>
-                <a:latin typeface="Consolas" panose="020B0609020204030204" pitchFamily="49" charset="0"/>
-              </a:rPr>
-              <a:t>    </a:t>
-            </a:r>
-            <a:r>
-              <a:rPr lang="es-AR" sz="1400" dirty="0" err="1">
-                <a:solidFill>
-                  <a:srgbClr val="000000"/>
-                </a:solidFill>
-                <a:latin typeface="Consolas" panose="020B0609020204030204" pitchFamily="49" charset="0"/>
-              </a:rPr>
-              <a:t>movieCurrent.Year</a:t>
-            </a:r>
-            <a:r>
-              <a:rPr lang="es-AR" sz="1400" dirty="0">
-                <a:solidFill>
-                  <a:srgbClr val="000000"/>
-                </a:solidFill>
-                <a:latin typeface="Consolas" panose="020B0609020204030204" pitchFamily="49" charset="0"/>
-              </a:rPr>
-              <a:t> = </a:t>
-            </a:r>
-            <a:r>
-              <a:rPr lang="es-AR" sz="1400" dirty="0" err="1">
-                <a:solidFill>
-                  <a:srgbClr val="000000"/>
-                </a:solidFill>
-                <a:latin typeface="Consolas" panose="020B0609020204030204" pitchFamily="49" charset="0"/>
-              </a:rPr>
-              <a:t>movieModel.Year</a:t>
-            </a:r>
-            <a:r>
-              <a:rPr lang="es-AR" sz="1400" dirty="0">
-                <a:solidFill>
-                  <a:srgbClr val="000000"/>
-                </a:solidFill>
-                <a:latin typeface="Consolas" panose="020B0609020204030204" pitchFamily="49" charset="0"/>
-              </a:rPr>
-              <a:t>;</a:t>
-            </a:r>
-          </a:p>
-          <a:p>
-            <a:endParaRPr lang="es-AR" sz="1400" dirty="0">
-              <a:solidFill>
-                <a:srgbClr val="000000"/>
-              </a:solidFill>
-              <a:latin typeface="Consolas" panose="020B0609020204030204" pitchFamily="49" charset="0"/>
-            </a:endParaRPr>
-          </a:p>
-          <a:p>
-            <a:r>
-              <a:rPr lang="es-AR" sz="1400" dirty="0">
-                <a:solidFill>
-                  <a:srgbClr val="000000"/>
-                </a:solidFill>
-                <a:latin typeface="Consolas" panose="020B0609020204030204" pitchFamily="49" charset="0"/>
-              </a:rPr>
-              <a:t>    </a:t>
-            </a:r>
-            <a:r>
-              <a:rPr lang="es-AR" sz="1400" dirty="0">
-                <a:solidFill>
-                  <a:srgbClr val="008000"/>
-                </a:solidFill>
-                <a:latin typeface="Consolas" panose="020B0609020204030204" pitchFamily="49" charset="0"/>
-              </a:rPr>
-              <a:t>//</a:t>
-            </a:r>
-            <a:r>
-              <a:rPr lang="es-AR" sz="1400" dirty="0" err="1">
-                <a:solidFill>
-                  <a:srgbClr val="008000"/>
-                </a:solidFill>
-                <a:latin typeface="Consolas" panose="020B0609020204030204" pitchFamily="49" charset="0"/>
-              </a:rPr>
-              <a:t>update</a:t>
-            </a:r>
-            <a:r>
-              <a:rPr lang="es-AR" sz="1400" dirty="0">
-                <a:solidFill>
-                  <a:srgbClr val="008000"/>
-                </a:solidFill>
-                <a:latin typeface="Consolas" panose="020B0609020204030204" pitchFamily="49" charset="0"/>
-              </a:rPr>
-              <a:t> status</a:t>
-            </a:r>
-            <a:endParaRPr lang="es-AR" sz="1400" dirty="0">
-              <a:solidFill>
-                <a:srgbClr val="000000"/>
-              </a:solidFill>
-              <a:latin typeface="Consolas" panose="020B0609020204030204" pitchFamily="49" charset="0"/>
-            </a:endParaRPr>
-          </a:p>
-          <a:p>
-            <a:r>
-              <a:rPr lang="es-AR" sz="1400" dirty="0">
-                <a:solidFill>
-                  <a:srgbClr val="000000"/>
-                </a:solidFill>
-                <a:latin typeface="Consolas" panose="020B0609020204030204" pitchFamily="49" charset="0"/>
-              </a:rPr>
-              <a:t>    </a:t>
-            </a:r>
-            <a:r>
-              <a:rPr lang="es-AR" sz="1400" dirty="0" err="1">
-                <a:solidFill>
-                  <a:srgbClr val="0000FF"/>
-                </a:solidFill>
-                <a:latin typeface="Consolas" panose="020B0609020204030204" pitchFamily="49" charset="0"/>
-              </a:rPr>
-              <a:t>this</a:t>
-            </a:r>
-            <a:r>
-              <a:rPr lang="es-AR" sz="1400" dirty="0" err="1">
-                <a:solidFill>
-                  <a:srgbClr val="000000"/>
-                </a:solidFill>
-                <a:latin typeface="Consolas" panose="020B0609020204030204" pitchFamily="49" charset="0"/>
-              </a:rPr>
-              <a:t>.ortWorkshopContext.Entry</a:t>
-            </a:r>
-            <a:r>
-              <a:rPr lang="es-AR" sz="1400" dirty="0">
-                <a:solidFill>
-                  <a:srgbClr val="000000"/>
-                </a:solidFill>
-                <a:latin typeface="Consolas" panose="020B0609020204030204" pitchFamily="49" charset="0"/>
-              </a:rPr>
-              <a:t>&lt;</a:t>
-            </a:r>
-            <a:r>
-              <a:rPr lang="es-AR" sz="1400" dirty="0" err="1">
-                <a:solidFill>
-                  <a:srgbClr val="000000"/>
-                </a:solidFill>
-                <a:latin typeface="Consolas" panose="020B0609020204030204" pitchFamily="49" charset="0"/>
-              </a:rPr>
-              <a:t>Movie</a:t>
-            </a:r>
-            <a:r>
-              <a:rPr lang="es-AR" sz="1400" dirty="0">
-                <a:solidFill>
-                  <a:srgbClr val="000000"/>
-                </a:solidFill>
-                <a:latin typeface="Consolas" panose="020B0609020204030204" pitchFamily="49" charset="0"/>
-              </a:rPr>
-              <a:t>&gt;(</a:t>
-            </a:r>
-            <a:r>
-              <a:rPr lang="es-AR" sz="1400" dirty="0" err="1">
-                <a:solidFill>
-                  <a:srgbClr val="000000"/>
-                </a:solidFill>
-                <a:latin typeface="Consolas" panose="020B0609020204030204" pitchFamily="49" charset="0"/>
-              </a:rPr>
-              <a:t>movieCurrent</a:t>
-            </a:r>
-            <a:r>
-              <a:rPr lang="es-AR" sz="1400" dirty="0">
-                <a:solidFill>
-                  <a:srgbClr val="000000"/>
-                </a:solidFill>
-                <a:latin typeface="Consolas" panose="020B0609020204030204" pitchFamily="49" charset="0"/>
-              </a:rPr>
-              <a:t>).</a:t>
-            </a:r>
-            <a:r>
-              <a:rPr lang="es-AR" sz="1400" dirty="0" err="1">
-                <a:solidFill>
-                  <a:srgbClr val="000000"/>
-                </a:solidFill>
-                <a:latin typeface="Consolas" panose="020B0609020204030204" pitchFamily="49" charset="0"/>
-              </a:rPr>
-              <a:t>State</a:t>
-            </a:r>
-            <a:r>
-              <a:rPr lang="es-AR" sz="1400" dirty="0">
-                <a:solidFill>
-                  <a:srgbClr val="000000"/>
-                </a:solidFill>
-                <a:latin typeface="Consolas" panose="020B0609020204030204" pitchFamily="49" charset="0"/>
-              </a:rPr>
-              <a:t> = </a:t>
-            </a:r>
-            <a:r>
-              <a:rPr lang="es-AR" sz="1400" dirty="0" err="1">
-                <a:solidFill>
-                  <a:srgbClr val="000000"/>
-                </a:solidFill>
-                <a:latin typeface="Consolas" panose="020B0609020204030204" pitchFamily="49" charset="0"/>
-              </a:rPr>
-              <a:t>EntityState.Modified</a:t>
-            </a:r>
-            <a:r>
-              <a:rPr lang="es-AR" sz="1400" dirty="0">
-                <a:solidFill>
-                  <a:srgbClr val="000000"/>
-                </a:solidFill>
-                <a:latin typeface="Consolas" panose="020B0609020204030204" pitchFamily="49" charset="0"/>
-              </a:rPr>
-              <a:t>;</a:t>
-            </a:r>
-          </a:p>
-          <a:p>
-            <a:endParaRPr lang="es-AR" sz="1400" dirty="0">
-              <a:solidFill>
-                <a:srgbClr val="000000"/>
-              </a:solidFill>
-              <a:latin typeface="Consolas" panose="020B0609020204030204" pitchFamily="49" charset="0"/>
-            </a:endParaRPr>
-          </a:p>
-          <a:p>
-            <a:r>
-              <a:rPr lang="es-AR" sz="1400" dirty="0">
-                <a:solidFill>
-                  <a:srgbClr val="000000"/>
-                </a:solidFill>
-                <a:latin typeface="Consolas" panose="020B0609020204030204" pitchFamily="49" charset="0"/>
-              </a:rPr>
-              <a:t>    </a:t>
-            </a:r>
-            <a:r>
-              <a:rPr lang="es-AR" sz="1400" dirty="0">
-                <a:solidFill>
-                  <a:srgbClr val="008000"/>
-                </a:solidFill>
-                <a:latin typeface="Consolas" panose="020B0609020204030204" pitchFamily="49" charset="0"/>
-              </a:rPr>
-              <a:t>//</a:t>
-            </a:r>
-            <a:r>
-              <a:rPr lang="es-AR" sz="1400" dirty="0" err="1">
-                <a:solidFill>
-                  <a:srgbClr val="008000"/>
-                </a:solidFill>
-                <a:latin typeface="Consolas" panose="020B0609020204030204" pitchFamily="49" charset="0"/>
-              </a:rPr>
-              <a:t>save</a:t>
-            </a:r>
-            <a:r>
-              <a:rPr lang="es-AR" sz="1400" dirty="0">
-                <a:solidFill>
-                  <a:srgbClr val="008000"/>
-                </a:solidFill>
-                <a:latin typeface="Consolas" panose="020B0609020204030204" pitchFamily="49" charset="0"/>
-              </a:rPr>
-              <a:t> </a:t>
-            </a:r>
-            <a:r>
-              <a:rPr lang="es-AR" sz="1400" dirty="0" err="1">
-                <a:solidFill>
-                  <a:srgbClr val="008000"/>
-                </a:solidFill>
-                <a:latin typeface="Consolas" panose="020B0609020204030204" pitchFamily="49" charset="0"/>
-              </a:rPr>
-              <a:t>changes</a:t>
-            </a:r>
-            <a:endParaRPr lang="es-AR" sz="1400" dirty="0">
-              <a:solidFill>
-                <a:srgbClr val="000000"/>
-              </a:solidFill>
-              <a:latin typeface="Consolas" panose="020B0609020204030204" pitchFamily="49" charset="0"/>
-            </a:endParaRPr>
-          </a:p>
-          <a:p>
-            <a:r>
-              <a:rPr lang="es-AR" sz="1400" dirty="0">
-                <a:solidFill>
-                  <a:srgbClr val="000000"/>
-                </a:solidFill>
-                <a:latin typeface="Consolas" panose="020B0609020204030204" pitchFamily="49" charset="0"/>
-              </a:rPr>
-              <a:t>    </a:t>
-            </a:r>
-            <a:r>
-              <a:rPr lang="es-AR" sz="1400" dirty="0" err="1">
-                <a:solidFill>
-                  <a:srgbClr val="0000FF"/>
-                </a:solidFill>
-                <a:latin typeface="Consolas" panose="020B0609020204030204" pitchFamily="49" charset="0"/>
-              </a:rPr>
-              <a:t>await</a:t>
-            </a:r>
-            <a:r>
-              <a:rPr lang="es-AR" sz="1400" dirty="0">
-                <a:solidFill>
-                  <a:srgbClr val="000000"/>
-                </a:solidFill>
-                <a:latin typeface="Consolas" panose="020B0609020204030204" pitchFamily="49" charset="0"/>
-              </a:rPr>
-              <a:t> </a:t>
-            </a:r>
-            <a:r>
-              <a:rPr lang="es-AR" sz="1400" dirty="0" err="1">
-                <a:solidFill>
-                  <a:srgbClr val="0000FF"/>
-                </a:solidFill>
-                <a:latin typeface="Consolas" panose="020B0609020204030204" pitchFamily="49" charset="0"/>
-              </a:rPr>
-              <a:t>this</a:t>
-            </a:r>
-            <a:r>
-              <a:rPr lang="es-AR" sz="1400" dirty="0" err="1">
-                <a:solidFill>
-                  <a:srgbClr val="000000"/>
-                </a:solidFill>
-                <a:latin typeface="Consolas" panose="020B0609020204030204" pitchFamily="49" charset="0"/>
-              </a:rPr>
-              <a:t>.ortWorkshopContext.SaveChangesAsync</a:t>
-            </a:r>
-            <a:r>
-              <a:rPr lang="es-AR" sz="1400" dirty="0">
-                <a:solidFill>
-                  <a:srgbClr val="000000"/>
-                </a:solidFill>
-                <a:latin typeface="Consolas" panose="020B0609020204030204" pitchFamily="49" charset="0"/>
-              </a:rPr>
-              <a:t>();</a:t>
-            </a:r>
-          </a:p>
-          <a:p>
-            <a:r>
-              <a:rPr lang="es-AR" sz="1400" dirty="0">
+              <a:t> Ok();</a:t>
+            </a:r>
+          </a:p>
+          <a:p>
+            <a:r>
+              <a:rPr lang="es-AR" b="1" dirty="0">
                 <a:solidFill>
                   <a:srgbClr val="000000"/>
                 </a:solidFill>
@@ -12459,7 +11916,7 @@
       </p:grpSpPr>
       <p:sp>
         <p:nvSpPr>
-          <p:cNvPr id="27" name="Title 26"/>
+          <p:cNvPr id="5" name="Title 4"/>
           <p:cNvSpPr>
             <a:spLocks noGrp="1"/>
           </p:cNvSpPr>
@@ -12481,7 +11938,7 @@
       </p:sp>
       <p:sp>
         <p:nvSpPr>
-          <p:cNvPr id="28" name="Text Placeholder 27"/>
+          <p:cNvPr id="6" name="Text Placeholder 5"/>
           <p:cNvSpPr>
             <a:spLocks noGrp="1"/>
           </p:cNvSpPr>
@@ -12489,14 +11946,23 @@
             <p:ph type="body" sz="quarter" idx="10"/>
           </p:nvPr>
         </p:nvSpPr>
-        <p:spPr/>
+        <p:spPr>
+          <a:xfrm>
+            <a:off x="238752" y="715264"/>
+            <a:ext cx="11713898" cy="449931"/>
+          </a:xfrm>
+        </p:spPr>
         <p:txBody>
           <a:bodyPr/>
           <a:lstStyle/>
           <a:p>
             <a:r>
+              <a:rPr lang="es-AR" dirty="0" err="1" smtClean="0"/>
+              <a:t>Backend</a:t>
+            </a:r>
+            <a:r>
               <a:rPr lang="es-AR" dirty="0" smtClean="0"/>
-              <a:t>Frontend</a:t>
+              <a:t> - Solución</a:t>
             </a:r>
             <a:endParaRPr lang="es-AR" dirty="0"/>
           </a:p>
@@ -12504,27 +11970,751 @@
       </p:sp>
       <p:sp>
         <p:nvSpPr>
-          <p:cNvPr id="2" name="Text Placeholder 1"/>
-          <p:cNvSpPr>
-            <a:spLocks noGrp="1"/>
-          </p:cNvSpPr>
-          <p:nvPr>
-            <p:ph type="body" sz="quarter" idx="15"/>
-          </p:nvPr>
+          <p:cNvPr id="4" name="Rectangle 3"/>
+          <p:cNvSpPr/>
+          <p:nvPr/>
         </p:nvSpPr>
-        <p:spPr/>
+        <p:spPr>
+          <a:xfrm>
+            <a:off x="338142" y="1059244"/>
+            <a:ext cx="11270762" cy="3693319"/>
+          </a:xfrm>
+          <a:prstGeom prst="rect">
+            <a:avLst/>
+          </a:prstGeom>
+          <a:solidFill>
+            <a:schemeClr val="bg1">
+              <a:lumMod val="85000"/>
+            </a:schemeClr>
+          </a:solidFill>
+        </p:spPr>
         <p:txBody>
-          <a:bodyPr/>
+          <a:bodyPr wrap="square">
+            <a:spAutoFit/>
+          </a:bodyPr>
           <a:lstStyle/>
           <a:p>
-            <a:endParaRPr lang="es-AR"/>
+            <a:r>
+              <a:rPr lang="en-US" b="1" dirty="0">
+                <a:solidFill>
+                  <a:srgbClr val="0000FF"/>
+                </a:solidFill>
+                <a:latin typeface="Consolas" panose="020B0609020204030204" pitchFamily="49" charset="0"/>
+              </a:rPr>
+              <a:t>public</a:t>
+            </a:r>
+            <a:r>
+              <a:rPr lang="en-US" b="1" dirty="0">
+                <a:solidFill>
+                  <a:srgbClr val="000000"/>
+                </a:solidFill>
+                <a:latin typeface="Consolas" panose="020B0609020204030204" pitchFamily="49" charset="0"/>
+              </a:rPr>
+              <a:t> </a:t>
+            </a:r>
+            <a:r>
+              <a:rPr lang="en-US" b="1" dirty="0" err="1">
+                <a:solidFill>
+                  <a:srgbClr val="0000FF"/>
+                </a:solidFill>
+                <a:latin typeface="Consolas" panose="020B0609020204030204" pitchFamily="49" charset="0"/>
+              </a:rPr>
+              <a:t>async</a:t>
+            </a:r>
+            <a:r>
+              <a:rPr lang="en-US" b="1" dirty="0">
+                <a:solidFill>
+                  <a:srgbClr val="000000"/>
+                </a:solidFill>
+                <a:latin typeface="Consolas" panose="020B0609020204030204" pitchFamily="49" charset="0"/>
+              </a:rPr>
+              <a:t> Task Update(</a:t>
+            </a:r>
+            <a:r>
+              <a:rPr lang="en-US" b="1" dirty="0" err="1">
+                <a:solidFill>
+                  <a:srgbClr val="0000FF"/>
+                </a:solidFill>
+                <a:latin typeface="Consolas" panose="020B0609020204030204" pitchFamily="49" charset="0"/>
+              </a:rPr>
+              <a:t>int</a:t>
+            </a:r>
+            <a:r>
+              <a:rPr lang="en-US" b="1" dirty="0">
+                <a:solidFill>
+                  <a:srgbClr val="000000"/>
+                </a:solidFill>
+                <a:latin typeface="Consolas" panose="020B0609020204030204" pitchFamily="49" charset="0"/>
+              </a:rPr>
+              <a:t> </a:t>
+            </a:r>
+            <a:r>
+              <a:rPr lang="en-US" b="1" dirty="0" err="1">
+                <a:solidFill>
+                  <a:srgbClr val="000000"/>
+                </a:solidFill>
+                <a:latin typeface="Consolas" panose="020B0609020204030204" pitchFamily="49" charset="0"/>
+              </a:rPr>
+              <a:t>movieId</a:t>
+            </a:r>
+            <a:r>
+              <a:rPr lang="en-US" b="1" dirty="0">
+                <a:solidFill>
+                  <a:srgbClr val="000000"/>
+                </a:solidFill>
+                <a:latin typeface="Consolas" panose="020B0609020204030204" pitchFamily="49" charset="0"/>
+              </a:rPr>
+              <a:t>, </a:t>
+            </a:r>
+            <a:r>
+              <a:rPr lang="en-US" b="1" dirty="0" err="1">
+                <a:solidFill>
+                  <a:srgbClr val="000000"/>
+                </a:solidFill>
+                <a:latin typeface="Consolas" panose="020B0609020204030204" pitchFamily="49" charset="0"/>
+              </a:rPr>
+              <a:t>MovieModel</a:t>
+            </a:r>
+            <a:r>
+              <a:rPr lang="en-US" b="1" dirty="0">
+                <a:solidFill>
+                  <a:srgbClr val="000000"/>
+                </a:solidFill>
+                <a:latin typeface="Consolas" panose="020B0609020204030204" pitchFamily="49" charset="0"/>
+              </a:rPr>
+              <a:t> </a:t>
+            </a:r>
+            <a:r>
+              <a:rPr lang="en-US" b="1" dirty="0" err="1">
+                <a:solidFill>
+                  <a:srgbClr val="000000"/>
+                </a:solidFill>
+                <a:latin typeface="Consolas" panose="020B0609020204030204" pitchFamily="49" charset="0"/>
+              </a:rPr>
+              <a:t>movieModel</a:t>
+            </a:r>
+            <a:r>
+              <a:rPr lang="en-US" b="1" dirty="0">
+                <a:solidFill>
+                  <a:srgbClr val="000000"/>
+                </a:solidFill>
+                <a:latin typeface="Consolas" panose="020B0609020204030204" pitchFamily="49" charset="0"/>
+              </a:rPr>
+              <a:t>)</a:t>
+            </a:r>
+          </a:p>
+          <a:p>
+            <a:r>
+              <a:rPr lang="es-AR" b="1" dirty="0">
+                <a:solidFill>
+                  <a:srgbClr val="000000"/>
+                </a:solidFill>
+                <a:latin typeface="Consolas" panose="020B0609020204030204" pitchFamily="49" charset="0"/>
+              </a:rPr>
+              <a:t>{</a:t>
+            </a:r>
+          </a:p>
+          <a:p>
+            <a:r>
+              <a:rPr lang="es-AR" b="1" dirty="0">
+                <a:solidFill>
+                  <a:srgbClr val="000000"/>
+                </a:solidFill>
+                <a:latin typeface="Consolas" panose="020B0609020204030204" pitchFamily="49" charset="0"/>
+              </a:rPr>
+              <a:t>    </a:t>
+            </a:r>
+            <a:r>
+              <a:rPr lang="es-AR" b="1" dirty="0" err="1">
+                <a:solidFill>
+                  <a:srgbClr val="000000"/>
+                </a:solidFill>
+                <a:latin typeface="Consolas" panose="020B0609020204030204" pitchFamily="49" charset="0"/>
+              </a:rPr>
+              <a:t>logger.LogInformation</a:t>
+            </a:r>
+            <a:r>
+              <a:rPr lang="es-AR" b="1" dirty="0">
+                <a:solidFill>
+                  <a:srgbClr val="000000"/>
+                </a:solidFill>
+                <a:latin typeface="Consolas" panose="020B0609020204030204" pitchFamily="49" charset="0"/>
+              </a:rPr>
+              <a:t>(</a:t>
+            </a:r>
+            <a:r>
+              <a:rPr lang="es-AR" b="1" dirty="0">
+                <a:solidFill>
+                  <a:srgbClr val="A31515"/>
+                </a:solidFill>
+                <a:latin typeface="Consolas" panose="020B0609020204030204" pitchFamily="49" charset="0"/>
+              </a:rPr>
+              <a:t>$"</a:t>
+            </a:r>
+            <a:r>
+              <a:rPr lang="es-AR" b="1" dirty="0" err="1">
+                <a:solidFill>
+                  <a:srgbClr val="A31515"/>
+                </a:solidFill>
+                <a:latin typeface="Consolas" panose="020B0609020204030204" pitchFamily="49" charset="0"/>
+              </a:rPr>
+              <a:t>Service</a:t>
+            </a:r>
+            <a:r>
+              <a:rPr lang="es-AR" b="1" dirty="0">
+                <a:solidFill>
+                  <a:srgbClr val="A31515"/>
+                </a:solidFill>
+                <a:latin typeface="Consolas" panose="020B0609020204030204" pitchFamily="49" charset="0"/>
+              </a:rPr>
+              <a:t> </a:t>
+            </a:r>
+            <a:r>
+              <a:rPr lang="es-AR" b="1" dirty="0" err="1">
+                <a:solidFill>
+                  <a:srgbClr val="A31515"/>
+                </a:solidFill>
+                <a:latin typeface="Consolas" panose="020B0609020204030204" pitchFamily="49" charset="0"/>
+              </a:rPr>
+              <a:t>update</a:t>
+            </a:r>
+            <a:r>
+              <a:rPr lang="es-AR" b="1" dirty="0">
+                <a:solidFill>
+                  <a:srgbClr val="A31515"/>
+                </a:solidFill>
+                <a:latin typeface="Consolas" panose="020B0609020204030204" pitchFamily="49" charset="0"/>
+              </a:rPr>
+              <a:t> </a:t>
+            </a:r>
+            <a:r>
+              <a:rPr lang="es-AR" b="1" dirty="0" err="1">
+                <a:solidFill>
+                  <a:srgbClr val="A31515"/>
+                </a:solidFill>
+                <a:latin typeface="Consolas" panose="020B0609020204030204" pitchFamily="49" charset="0"/>
+              </a:rPr>
+              <a:t>movie</a:t>
+            </a:r>
+            <a:r>
+              <a:rPr lang="es-AR" b="1" dirty="0">
+                <a:solidFill>
+                  <a:srgbClr val="A31515"/>
+                </a:solidFill>
+                <a:latin typeface="Consolas" panose="020B0609020204030204" pitchFamily="49" charset="0"/>
+              </a:rPr>
+              <a:t> ID '</a:t>
+            </a:r>
+            <a:r>
+              <a:rPr lang="es-AR" b="1" dirty="0">
+                <a:solidFill>
+                  <a:srgbClr val="000000"/>
+                </a:solidFill>
+                <a:latin typeface="Consolas" panose="020B0609020204030204" pitchFamily="49" charset="0"/>
+              </a:rPr>
+              <a:t>{</a:t>
+            </a:r>
+            <a:r>
+              <a:rPr lang="es-AR" b="1" dirty="0" err="1">
+                <a:solidFill>
+                  <a:srgbClr val="000000"/>
+                </a:solidFill>
+                <a:latin typeface="Consolas" panose="020B0609020204030204" pitchFamily="49" charset="0"/>
+              </a:rPr>
+              <a:t>movieId</a:t>
+            </a:r>
+            <a:r>
+              <a:rPr lang="es-AR" b="1" dirty="0">
+                <a:solidFill>
+                  <a:srgbClr val="000000"/>
+                </a:solidFill>
+                <a:latin typeface="Consolas" panose="020B0609020204030204" pitchFamily="49" charset="0"/>
+              </a:rPr>
+              <a:t>}</a:t>
+            </a:r>
+            <a:r>
+              <a:rPr lang="es-AR" b="1" dirty="0">
+                <a:solidFill>
+                  <a:srgbClr val="A31515"/>
+                </a:solidFill>
+                <a:latin typeface="Consolas" panose="020B0609020204030204" pitchFamily="49" charset="0"/>
+              </a:rPr>
+              <a:t>'"</a:t>
+            </a:r>
+            <a:r>
+              <a:rPr lang="es-AR" b="1" dirty="0">
+                <a:solidFill>
+                  <a:srgbClr val="000000"/>
+                </a:solidFill>
+                <a:latin typeface="Consolas" panose="020B0609020204030204" pitchFamily="49" charset="0"/>
+              </a:rPr>
+              <a:t>);</a:t>
+            </a:r>
+          </a:p>
+          <a:p>
+            <a:endParaRPr lang="es-AR" b="1" dirty="0">
+              <a:solidFill>
+                <a:srgbClr val="000000"/>
+              </a:solidFill>
+              <a:latin typeface="Consolas" panose="020B0609020204030204" pitchFamily="49" charset="0"/>
+            </a:endParaRPr>
+          </a:p>
+          <a:p>
+            <a:r>
+              <a:rPr lang="es-AR" b="1" dirty="0">
+                <a:solidFill>
+                  <a:srgbClr val="000000"/>
+                </a:solidFill>
+                <a:latin typeface="Consolas" panose="020B0609020204030204" pitchFamily="49" charset="0"/>
+              </a:rPr>
+              <a:t>    </a:t>
+            </a:r>
+            <a:r>
+              <a:rPr lang="es-AR" b="1" dirty="0">
+                <a:solidFill>
+                  <a:srgbClr val="008000"/>
+                </a:solidFill>
+                <a:latin typeface="Consolas" panose="020B0609020204030204" pitchFamily="49" charset="0"/>
+              </a:rPr>
+              <a:t>//</a:t>
+            </a:r>
+            <a:r>
+              <a:rPr lang="es-AR" b="1" dirty="0" err="1">
+                <a:solidFill>
+                  <a:srgbClr val="008000"/>
+                </a:solidFill>
+                <a:latin typeface="Consolas" panose="020B0609020204030204" pitchFamily="49" charset="0"/>
+              </a:rPr>
+              <a:t>search</a:t>
+            </a:r>
+            <a:r>
+              <a:rPr lang="es-AR" b="1" dirty="0">
+                <a:solidFill>
+                  <a:srgbClr val="008000"/>
+                </a:solidFill>
+                <a:latin typeface="Consolas" panose="020B0609020204030204" pitchFamily="49" charset="0"/>
+              </a:rPr>
+              <a:t> </a:t>
+            </a:r>
+            <a:r>
+              <a:rPr lang="es-AR" b="1" dirty="0" err="1">
+                <a:solidFill>
+                  <a:srgbClr val="008000"/>
+                </a:solidFill>
+                <a:latin typeface="Consolas" panose="020B0609020204030204" pitchFamily="49" charset="0"/>
+              </a:rPr>
+              <a:t>movie</a:t>
+            </a:r>
+            <a:endParaRPr lang="es-AR" b="1" dirty="0">
+              <a:solidFill>
+                <a:srgbClr val="000000"/>
+              </a:solidFill>
+              <a:latin typeface="Consolas" panose="020B0609020204030204" pitchFamily="49" charset="0"/>
+            </a:endParaRPr>
+          </a:p>
+          <a:p>
+            <a:r>
+              <a:rPr lang="es-AR" b="1" dirty="0">
+                <a:solidFill>
+                  <a:srgbClr val="000000"/>
+                </a:solidFill>
+                <a:latin typeface="Consolas" panose="020B0609020204030204" pitchFamily="49" charset="0"/>
+              </a:rPr>
+              <a:t>    </a:t>
+            </a:r>
+            <a:r>
+              <a:rPr lang="es-AR" b="1" dirty="0" err="1">
+                <a:solidFill>
+                  <a:srgbClr val="000000"/>
+                </a:solidFill>
+                <a:latin typeface="Consolas" panose="020B0609020204030204" pitchFamily="49" charset="0"/>
+              </a:rPr>
+              <a:t>Movie</a:t>
+            </a:r>
+            <a:r>
+              <a:rPr lang="es-AR" b="1" dirty="0">
+                <a:solidFill>
+                  <a:srgbClr val="000000"/>
+                </a:solidFill>
+                <a:latin typeface="Consolas" panose="020B0609020204030204" pitchFamily="49" charset="0"/>
+              </a:rPr>
+              <a:t> </a:t>
+            </a:r>
+            <a:r>
+              <a:rPr lang="es-AR" b="1" dirty="0" err="1">
+                <a:solidFill>
+                  <a:srgbClr val="000000"/>
+                </a:solidFill>
+                <a:latin typeface="Consolas" panose="020B0609020204030204" pitchFamily="49" charset="0"/>
+              </a:rPr>
+              <a:t>movieCurrent</a:t>
+            </a:r>
+            <a:r>
+              <a:rPr lang="es-AR" b="1" dirty="0">
+                <a:solidFill>
+                  <a:srgbClr val="000000"/>
+                </a:solidFill>
+                <a:latin typeface="Consolas" panose="020B0609020204030204" pitchFamily="49" charset="0"/>
+              </a:rPr>
+              <a:t> = </a:t>
+            </a:r>
+            <a:r>
+              <a:rPr lang="es-AR" b="1" dirty="0" err="1">
+                <a:solidFill>
+                  <a:srgbClr val="0000FF"/>
+                </a:solidFill>
+                <a:latin typeface="Consolas" panose="020B0609020204030204" pitchFamily="49" charset="0"/>
+              </a:rPr>
+              <a:t>await</a:t>
+            </a:r>
+            <a:r>
+              <a:rPr lang="es-AR" b="1" dirty="0">
+                <a:solidFill>
+                  <a:srgbClr val="000000"/>
+                </a:solidFill>
+                <a:latin typeface="Consolas" panose="020B0609020204030204" pitchFamily="49" charset="0"/>
+              </a:rPr>
+              <a:t> </a:t>
+            </a:r>
+            <a:r>
+              <a:rPr lang="es-AR" b="1" dirty="0" err="1">
+                <a:solidFill>
+                  <a:srgbClr val="0000FF"/>
+                </a:solidFill>
+                <a:latin typeface="Consolas" panose="020B0609020204030204" pitchFamily="49" charset="0"/>
+              </a:rPr>
+              <a:t>this</a:t>
+            </a:r>
+            <a:r>
+              <a:rPr lang="es-AR" b="1" dirty="0" err="1">
+                <a:solidFill>
+                  <a:srgbClr val="000000"/>
+                </a:solidFill>
+                <a:latin typeface="Consolas" panose="020B0609020204030204" pitchFamily="49" charset="0"/>
+              </a:rPr>
+              <a:t>.ortWorkshopContext.Movie.FindAsync</a:t>
+            </a:r>
+            <a:r>
+              <a:rPr lang="es-AR" b="1" dirty="0">
+                <a:solidFill>
+                  <a:srgbClr val="000000"/>
+                </a:solidFill>
+                <a:latin typeface="Consolas" panose="020B0609020204030204" pitchFamily="49" charset="0"/>
+              </a:rPr>
+              <a:t>(</a:t>
+            </a:r>
+            <a:r>
+              <a:rPr lang="es-AR" b="1" dirty="0" err="1">
+                <a:solidFill>
+                  <a:srgbClr val="000000"/>
+                </a:solidFill>
+                <a:latin typeface="Consolas" panose="020B0609020204030204" pitchFamily="49" charset="0"/>
+              </a:rPr>
+              <a:t>movieId</a:t>
+            </a:r>
+            <a:r>
+              <a:rPr lang="es-AR" b="1" dirty="0">
+                <a:solidFill>
+                  <a:srgbClr val="000000"/>
+                </a:solidFill>
+                <a:latin typeface="Consolas" panose="020B0609020204030204" pitchFamily="49" charset="0"/>
+              </a:rPr>
+              <a:t>);</a:t>
+            </a:r>
+          </a:p>
+          <a:p>
+            <a:endParaRPr lang="es-AR" b="1" dirty="0">
+              <a:solidFill>
+                <a:srgbClr val="000000"/>
+              </a:solidFill>
+              <a:latin typeface="Consolas" panose="020B0609020204030204" pitchFamily="49" charset="0"/>
+            </a:endParaRPr>
+          </a:p>
+          <a:p>
+            <a:r>
+              <a:rPr lang="es-AR" b="1" dirty="0">
+                <a:solidFill>
+                  <a:srgbClr val="000000"/>
+                </a:solidFill>
+                <a:latin typeface="Consolas" panose="020B0609020204030204" pitchFamily="49" charset="0"/>
+              </a:rPr>
+              <a:t>    </a:t>
+            </a:r>
+            <a:r>
+              <a:rPr lang="es-AR" b="1" dirty="0" err="1">
+                <a:solidFill>
+                  <a:srgbClr val="0000FF"/>
+                </a:solidFill>
+                <a:latin typeface="Consolas" panose="020B0609020204030204" pitchFamily="49" charset="0"/>
+              </a:rPr>
+              <a:t>if</a:t>
+            </a:r>
+            <a:r>
+              <a:rPr lang="es-AR" b="1" dirty="0">
+                <a:solidFill>
+                  <a:srgbClr val="000000"/>
+                </a:solidFill>
+                <a:latin typeface="Consolas" panose="020B0609020204030204" pitchFamily="49" charset="0"/>
+              </a:rPr>
+              <a:t> (</a:t>
+            </a:r>
+            <a:r>
+              <a:rPr lang="es-AR" b="1" dirty="0" err="1">
+                <a:solidFill>
+                  <a:srgbClr val="000000"/>
+                </a:solidFill>
+                <a:latin typeface="Consolas" panose="020B0609020204030204" pitchFamily="49" charset="0"/>
+              </a:rPr>
+              <a:t>movieCurrent</a:t>
+            </a:r>
+            <a:r>
+              <a:rPr lang="es-AR" b="1" dirty="0">
+                <a:solidFill>
+                  <a:srgbClr val="000000"/>
+                </a:solidFill>
+                <a:latin typeface="Consolas" panose="020B0609020204030204" pitchFamily="49" charset="0"/>
+              </a:rPr>
+              <a:t> == </a:t>
+            </a:r>
+            <a:r>
+              <a:rPr lang="es-AR" b="1" dirty="0" err="1">
+                <a:solidFill>
+                  <a:srgbClr val="0000FF"/>
+                </a:solidFill>
+                <a:latin typeface="Consolas" panose="020B0609020204030204" pitchFamily="49" charset="0"/>
+              </a:rPr>
+              <a:t>null</a:t>
+            </a:r>
+            <a:r>
+              <a:rPr lang="es-AR" b="1" dirty="0">
+                <a:solidFill>
+                  <a:srgbClr val="000000"/>
+                </a:solidFill>
+                <a:latin typeface="Consolas" panose="020B0609020204030204" pitchFamily="49" charset="0"/>
+              </a:rPr>
+              <a:t>)</a:t>
+            </a:r>
+          </a:p>
+          <a:p>
+            <a:r>
+              <a:rPr lang="es-AR" b="1" dirty="0">
+                <a:solidFill>
+                  <a:srgbClr val="000000"/>
+                </a:solidFill>
+                <a:latin typeface="Consolas" panose="020B0609020204030204" pitchFamily="49" charset="0"/>
+              </a:rPr>
+              <a:t>    {</a:t>
+            </a:r>
+          </a:p>
+          <a:p>
+            <a:r>
+              <a:rPr lang="en-US" b="1" dirty="0">
+                <a:solidFill>
+                  <a:srgbClr val="000000"/>
+                </a:solidFill>
+                <a:latin typeface="Consolas" panose="020B0609020204030204" pitchFamily="49" charset="0"/>
+              </a:rPr>
+              <a:t>        </a:t>
+            </a:r>
+            <a:r>
+              <a:rPr lang="en-US" b="1" dirty="0">
+                <a:solidFill>
+                  <a:srgbClr val="0000FF"/>
+                </a:solidFill>
+                <a:latin typeface="Consolas" panose="020B0609020204030204" pitchFamily="49" charset="0"/>
+              </a:rPr>
+              <a:t>throw</a:t>
+            </a:r>
+            <a:r>
+              <a:rPr lang="en-US" b="1" dirty="0">
+                <a:solidFill>
+                  <a:srgbClr val="000000"/>
+                </a:solidFill>
+                <a:latin typeface="Consolas" panose="020B0609020204030204" pitchFamily="49" charset="0"/>
+              </a:rPr>
+              <a:t> </a:t>
+            </a:r>
+            <a:r>
+              <a:rPr lang="en-US" b="1" dirty="0">
+                <a:solidFill>
+                  <a:srgbClr val="0000FF"/>
+                </a:solidFill>
+                <a:latin typeface="Consolas" panose="020B0609020204030204" pitchFamily="49" charset="0"/>
+              </a:rPr>
+              <a:t>new</a:t>
+            </a:r>
+            <a:r>
+              <a:rPr lang="en-US" b="1" dirty="0">
+                <a:solidFill>
+                  <a:srgbClr val="000000"/>
+                </a:solidFill>
+                <a:latin typeface="Consolas" panose="020B0609020204030204" pitchFamily="49" charset="0"/>
+              </a:rPr>
+              <a:t> </a:t>
+            </a:r>
+            <a:r>
+              <a:rPr lang="en-US" b="1" dirty="0" err="1">
+                <a:solidFill>
+                  <a:srgbClr val="000000"/>
+                </a:solidFill>
+                <a:latin typeface="Consolas" panose="020B0609020204030204" pitchFamily="49" charset="0"/>
+              </a:rPr>
+              <a:t>OrtWorkshopException</a:t>
+            </a:r>
+            <a:r>
+              <a:rPr lang="en-US" b="1" dirty="0">
+                <a:solidFill>
+                  <a:srgbClr val="000000"/>
+                </a:solidFill>
+                <a:latin typeface="Consolas" panose="020B0609020204030204" pitchFamily="49" charset="0"/>
+              </a:rPr>
+              <a:t>(</a:t>
+            </a:r>
+            <a:r>
+              <a:rPr lang="en-US" b="1" dirty="0" err="1">
+                <a:solidFill>
+                  <a:srgbClr val="000000"/>
+                </a:solidFill>
+                <a:latin typeface="Consolas" panose="020B0609020204030204" pitchFamily="49" charset="0"/>
+              </a:rPr>
+              <a:t>HttpStatusCode.NotFound</a:t>
+            </a:r>
+            <a:r>
+              <a:rPr lang="en-US" b="1" dirty="0">
+                <a:solidFill>
+                  <a:srgbClr val="000000"/>
+                </a:solidFill>
+                <a:latin typeface="Consolas" panose="020B0609020204030204" pitchFamily="49" charset="0"/>
+              </a:rPr>
+              <a:t>, </a:t>
+            </a:r>
+            <a:r>
+              <a:rPr lang="en-US" b="1" dirty="0">
+                <a:solidFill>
+                  <a:srgbClr val="A31515"/>
+                </a:solidFill>
+                <a:latin typeface="Consolas" panose="020B0609020204030204" pitchFamily="49" charset="0"/>
+              </a:rPr>
+              <a:t>$"The movie with </a:t>
+            </a:r>
+            <a:r>
+              <a:rPr lang="en-US" b="1" dirty="0" smtClean="0">
+                <a:solidFill>
+                  <a:srgbClr val="A31515"/>
+                </a:solidFill>
+                <a:latin typeface="Consolas" panose="020B0609020204030204" pitchFamily="49" charset="0"/>
+              </a:rPr>
+              <a:t>ID</a:t>
+            </a:r>
+            <a:r>
+              <a:rPr lang="en-US" b="1" dirty="0" smtClean="0">
+                <a:solidFill>
+                  <a:srgbClr val="000000"/>
+                </a:solidFill>
+                <a:latin typeface="Consolas" panose="020B0609020204030204" pitchFamily="49" charset="0"/>
+              </a:rPr>
+              <a:t> </a:t>
+            </a:r>
+          </a:p>
+          <a:p>
+            <a:r>
+              <a:rPr lang="en-US" b="1" dirty="0">
+                <a:solidFill>
+                  <a:srgbClr val="000000"/>
+                </a:solidFill>
+                <a:latin typeface="Consolas" panose="020B0609020204030204" pitchFamily="49" charset="0"/>
+              </a:rPr>
+              <a:t> </a:t>
+            </a:r>
+            <a:r>
+              <a:rPr lang="en-US" b="1" dirty="0" smtClean="0">
+                <a:solidFill>
+                  <a:srgbClr val="000000"/>
+                </a:solidFill>
+                <a:latin typeface="Consolas" panose="020B0609020204030204" pitchFamily="49" charset="0"/>
+              </a:rPr>
+              <a:t>                                                          {</a:t>
+            </a:r>
+            <a:r>
+              <a:rPr lang="en-US" b="1" dirty="0" err="1" smtClean="0">
+                <a:solidFill>
+                  <a:srgbClr val="000000"/>
+                </a:solidFill>
+                <a:latin typeface="Consolas" panose="020B0609020204030204" pitchFamily="49" charset="0"/>
+              </a:rPr>
+              <a:t>movieId</a:t>
+            </a:r>
+            <a:r>
+              <a:rPr lang="en-US" b="1" dirty="0">
+                <a:solidFill>
+                  <a:srgbClr val="000000"/>
+                </a:solidFill>
+                <a:latin typeface="Consolas" panose="020B0609020204030204" pitchFamily="49" charset="0"/>
+              </a:rPr>
+              <a:t>} </a:t>
+            </a:r>
+            <a:r>
+              <a:rPr lang="en-US" b="1" dirty="0" smtClean="0">
+                <a:solidFill>
+                  <a:srgbClr val="A31515"/>
+                </a:solidFill>
+                <a:latin typeface="Consolas" panose="020B0609020204030204" pitchFamily="49" charset="0"/>
+              </a:rPr>
+              <a:t>wasn't </a:t>
+            </a:r>
+            <a:r>
+              <a:rPr lang="en-US" b="1" dirty="0">
+                <a:solidFill>
+                  <a:srgbClr val="A31515"/>
+                </a:solidFill>
+                <a:latin typeface="Consolas" panose="020B0609020204030204" pitchFamily="49" charset="0"/>
+              </a:rPr>
+              <a:t>found."</a:t>
+            </a:r>
+            <a:r>
+              <a:rPr lang="en-US" b="1" dirty="0">
+                <a:solidFill>
+                  <a:srgbClr val="000000"/>
+                </a:solidFill>
+                <a:latin typeface="Consolas" panose="020B0609020204030204" pitchFamily="49" charset="0"/>
+              </a:rPr>
+              <a:t>);</a:t>
+            </a:r>
+          </a:p>
+          <a:p>
+            <a:r>
+              <a:rPr lang="es-AR" b="1" dirty="0">
+                <a:solidFill>
+                  <a:srgbClr val="000000"/>
+                </a:solidFill>
+                <a:latin typeface="Consolas" panose="020B0609020204030204" pitchFamily="49" charset="0"/>
+              </a:rPr>
+              <a:t>    }</a:t>
+            </a:r>
+          </a:p>
+          <a:p>
+            <a:r>
+              <a:rPr lang="es-AR" b="1" dirty="0" smtClean="0">
+                <a:solidFill>
+                  <a:srgbClr val="000000"/>
+                </a:solidFill>
+                <a:latin typeface="Consolas" panose="020B0609020204030204" pitchFamily="49" charset="0"/>
+              </a:rPr>
+              <a:t>…</a:t>
+            </a:r>
+            <a:endParaRPr lang="es-AR" b="1" dirty="0">
+              <a:solidFill>
+                <a:srgbClr val="000000"/>
+              </a:solidFill>
+              <a:latin typeface="Consolas" panose="020B0609020204030204" pitchFamily="49" charset="0"/>
+            </a:endParaRPr>
           </a:p>
         </p:txBody>
       </p:sp>
     </p:spTree>
     <p:extLst>
       <p:ext uri="{BB962C8B-B14F-4D97-AF65-F5344CB8AC3E}">
-        <p14:creationId xmlns:p14="http://schemas.microsoft.com/office/powerpoint/2010/main" val="1181583787"/>
+        <p14:creationId xmlns:p14="http://schemas.microsoft.com/office/powerpoint/2010/main" val="2449206217"/>
       </p:ext>
     </p:extLst>
   </p:cSld>
@@ -12590,23 +12780,588 @@
             <p:ph type="body" sz="quarter" idx="10"/>
           </p:nvPr>
         </p:nvSpPr>
-        <p:spPr/>
+        <p:spPr>
+          <a:xfrm>
+            <a:off x="238752" y="715264"/>
+            <a:ext cx="11713898" cy="449931"/>
+          </a:xfrm>
+        </p:spPr>
         <p:txBody>
           <a:bodyPr/>
           <a:lstStyle/>
           <a:p>
             <a:r>
+              <a:rPr lang="es-AR" dirty="0" err="1" smtClean="0"/>
+              <a:t>Backend</a:t>
+            </a:r>
+            <a:r>
               <a:rPr lang="es-AR" dirty="0" smtClean="0"/>
-              <a:t>Frontend - Solución</a:t>
+              <a:t> - Solución</a:t>
             </a:r>
             <a:endParaRPr lang="es-AR" dirty="0"/>
+          </a:p>
+        </p:txBody>
+      </p:sp>
+      <p:sp>
+        <p:nvSpPr>
+          <p:cNvPr id="4" name="Rectangle 3"/>
+          <p:cNvSpPr/>
+          <p:nvPr/>
+        </p:nvSpPr>
+        <p:spPr>
+          <a:xfrm>
+            <a:off x="338142" y="1059244"/>
+            <a:ext cx="11270762" cy="3970318"/>
+          </a:xfrm>
+          <a:prstGeom prst="rect">
+            <a:avLst/>
+          </a:prstGeom>
+          <a:solidFill>
+            <a:schemeClr val="bg1">
+              <a:lumMod val="85000"/>
+            </a:schemeClr>
+          </a:solidFill>
+        </p:spPr>
+        <p:txBody>
+          <a:bodyPr wrap="square">
+            <a:spAutoFit/>
+          </a:bodyPr>
+          <a:lstStyle/>
+          <a:p>
+            <a:r>
+              <a:rPr lang="es-AR" b="1" dirty="0" smtClean="0">
+                <a:solidFill>
+                  <a:srgbClr val="0000FF"/>
+                </a:solidFill>
+                <a:latin typeface="Consolas" panose="020B0609020204030204" pitchFamily="49" charset="0"/>
+              </a:rPr>
+              <a:t>...</a:t>
+            </a:r>
+            <a:endParaRPr lang="es-AR" b="1" dirty="0">
+              <a:solidFill>
+                <a:srgbClr val="000000"/>
+              </a:solidFill>
+              <a:latin typeface="Consolas" panose="020B0609020204030204" pitchFamily="49" charset="0"/>
+            </a:endParaRPr>
+          </a:p>
+          <a:p>
+            <a:endParaRPr lang="es-AR" b="1" dirty="0">
+              <a:solidFill>
+                <a:srgbClr val="000000"/>
+              </a:solidFill>
+              <a:latin typeface="Consolas" panose="020B0609020204030204" pitchFamily="49" charset="0"/>
+            </a:endParaRPr>
+          </a:p>
+          <a:p>
+            <a:r>
+              <a:rPr lang="en-US" b="1" dirty="0">
+                <a:solidFill>
+                  <a:srgbClr val="000000"/>
+                </a:solidFill>
+                <a:latin typeface="Consolas" panose="020B0609020204030204" pitchFamily="49" charset="0"/>
+              </a:rPr>
+              <a:t>    </a:t>
+            </a:r>
+            <a:r>
+              <a:rPr lang="en-US" b="1" dirty="0">
+                <a:solidFill>
+                  <a:srgbClr val="008000"/>
+                </a:solidFill>
+                <a:latin typeface="Consolas" panose="020B0609020204030204" pitchFamily="49" charset="0"/>
+              </a:rPr>
+              <a:t>//update movie from movie parameter</a:t>
+            </a:r>
+            <a:endParaRPr lang="en-US" b="1" dirty="0">
+              <a:solidFill>
+                <a:srgbClr val="000000"/>
+              </a:solidFill>
+              <a:latin typeface="Consolas" panose="020B0609020204030204" pitchFamily="49" charset="0"/>
+            </a:endParaRPr>
+          </a:p>
+          <a:p>
+            <a:r>
+              <a:rPr lang="es-AR" b="1" dirty="0">
+                <a:solidFill>
+                  <a:srgbClr val="000000"/>
+                </a:solidFill>
+                <a:latin typeface="Consolas" panose="020B0609020204030204" pitchFamily="49" charset="0"/>
+              </a:rPr>
+              <a:t>    </a:t>
+            </a:r>
+            <a:r>
+              <a:rPr lang="es-AR" b="1" dirty="0" err="1">
+                <a:solidFill>
+                  <a:srgbClr val="000000"/>
+                </a:solidFill>
+                <a:latin typeface="Consolas" panose="020B0609020204030204" pitchFamily="49" charset="0"/>
+              </a:rPr>
+              <a:t>movieCurrent.Director</a:t>
+            </a:r>
+            <a:r>
+              <a:rPr lang="es-AR" b="1" dirty="0">
+                <a:solidFill>
+                  <a:srgbClr val="000000"/>
+                </a:solidFill>
+                <a:latin typeface="Consolas" panose="020B0609020204030204" pitchFamily="49" charset="0"/>
+              </a:rPr>
+              <a:t> = </a:t>
+            </a:r>
+            <a:r>
+              <a:rPr lang="es-AR" b="1" dirty="0" err="1">
+                <a:solidFill>
+                  <a:srgbClr val="000000"/>
+                </a:solidFill>
+                <a:latin typeface="Consolas" panose="020B0609020204030204" pitchFamily="49" charset="0"/>
+              </a:rPr>
+              <a:t>movieModel.Director</a:t>
+            </a:r>
+            <a:r>
+              <a:rPr lang="es-AR" b="1" dirty="0">
+                <a:solidFill>
+                  <a:srgbClr val="000000"/>
+                </a:solidFill>
+                <a:latin typeface="Consolas" panose="020B0609020204030204" pitchFamily="49" charset="0"/>
+              </a:rPr>
+              <a:t>;</a:t>
+            </a:r>
+          </a:p>
+          <a:p>
+            <a:r>
+              <a:rPr lang="es-AR" b="1" dirty="0">
+                <a:solidFill>
+                  <a:srgbClr val="000000"/>
+                </a:solidFill>
+                <a:latin typeface="Consolas" panose="020B0609020204030204" pitchFamily="49" charset="0"/>
+              </a:rPr>
+              <a:t>    </a:t>
+            </a:r>
+            <a:r>
+              <a:rPr lang="es-AR" b="1" dirty="0" err="1">
+                <a:solidFill>
+                  <a:srgbClr val="000000"/>
+                </a:solidFill>
+                <a:latin typeface="Consolas" panose="020B0609020204030204" pitchFamily="49" charset="0"/>
+              </a:rPr>
+              <a:t>movieCurrent.Genre</a:t>
+            </a:r>
+            <a:r>
+              <a:rPr lang="es-AR" b="1" dirty="0">
+                <a:solidFill>
+                  <a:srgbClr val="000000"/>
+                </a:solidFill>
+                <a:latin typeface="Consolas" panose="020B0609020204030204" pitchFamily="49" charset="0"/>
+              </a:rPr>
+              <a:t> = </a:t>
+            </a:r>
+            <a:r>
+              <a:rPr lang="es-AR" b="1" dirty="0" err="1">
+                <a:solidFill>
+                  <a:srgbClr val="000000"/>
+                </a:solidFill>
+                <a:latin typeface="Consolas" panose="020B0609020204030204" pitchFamily="49" charset="0"/>
+              </a:rPr>
+              <a:t>movieModel.Genre</a:t>
+            </a:r>
+            <a:r>
+              <a:rPr lang="es-AR" b="1" dirty="0">
+                <a:solidFill>
+                  <a:srgbClr val="000000"/>
+                </a:solidFill>
+                <a:latin typeface="Consolas" panose="020B0609020204030204" pitchFamily="49" charset="0"/>
+              </a:rPr>
+              <a:t>;</a:t>
+            </a:r>
+          </a:p>
+          <a:p>
+            <a:r>
+              <a:rPr lang="es-AR" b="1" dirty="0">
+                <a:solidFill>
+                  <a:srgbClr val="000000"/>
+                </a:solidFill>
+                <a:latin typeface="Consolas" panose="020B0609020204030204" pitchFamily="49" charset="0"/>
+              </a:rPr>
+              <a:t>    </a:t>
+            </a:r>
+            <a:r>
+              <a:rPr lang="es-AR" b="1" dirty="0" err="1">
+                <a:solidFill>
+                  <a:srgbClr val="000000"/>
+                </a:solidFill>
+                <a:latin typeface="Consolas" panose="020B0609020204030204" pitchFamily="49" charset="0"/>
+              </a:rPr>
+              <a:t>movieCurrent.Title</a:t>
+            </a:r>
+            <a:r>
+              <a:rPr lang="es-AR" b="1" dirty="0">
+                <a:solidFill>
+                  <a:srgbClr val="000000"/>
+                </a:solidFill>
+                <a:latin typeface="Consolas" panose="020B0609020204030204" pitchFamily="49" charset="0"/>
+              </a:rPr>
+              <a:t> = </a:t>
+            </a:r>
+            <a:r>
+              <a:rPr lang="es-AR" b="1" dirty="0" err="1">
+                <a:solidFill>
+                  <a:srgbClr val="000000"/>
+                </a:solidFill>
+                <a:latin typeface="Consolas" panose="020B0609020204030204" pitchFamily="49" charset="0"/>
+              </a:rPr>
+              <a:t>movieModel.Title</a:t>
+            </a:r>
+            <a:r>
+              <a:rPr lang="es-AR" b="1" dirty="0">
+                <a:solidFill>
+                  <a:srgbClr val="000000"/>
+                </a:solidFill>
+                <a:latin typeface="Consolas" panose="020B0609020204030204" pitchFamily="49" charset="0"/>
+              </a:rPr>
+              <a:t>;</a:t>
+            </a:r>
+          </a:p>
+          <a:p>
+            <a:r>
+              <a:rPr lang="es-AR" b="1" dirty="0">
+                <a:solidFill>
+                  <a:srgbClr val="000000"/>
+                </a:solidFill>
+                <a:latin typeface="Consolas" panose="020B0609020204030204" pitchFamily="49" charset="0"/>
+              </a:rPr>
+              <a:t>    </a:t>
+            </a:r>
+            <a:r>
+              <a:rPr lang="es-AR" b="1" dirty="0" err="1">
+                <a:solidFill>
+                  <a:srgbClr val="000000"/>
+                </a:solidFill>
+                <a:latin typeface="Consolas" panose="020B0609020204030204" pitchFamily="49" charset="0"/>
+              </a:rPr>
+              <a:t>movieCurrent.Year</a:t>
+            </a:r>
+            <a:r>
+              <a:rPr lang="es-AR" b="1" dirty="0">
+                <a:solidFill>
+                  <a:srgbClr val="000000"/>
+                </a:solidFill>
+                <a:latin typeface="Consolas" panose="020B0609020204030204" pitchFamily="49" charset="0"/>
+              </a:rPr>
+              <a:t> = </a:t>
+            </a:r>
+            <a:r>
+              <a:rPr lang="es-AR" b="1" dirty="0" err="1">
+                <a:solidFill>
+                  <a:srgbClr val="000000"/>
+                </a:solidFill>
+                <a:latin typeface="Consolas" panose="020B0609020204030204" pitchFamily="49" charset="0"/>
+              </a:rPr>
+              <a:t>movieModel.Year</a:t>
+            </a:r>
+            <a:r>
+              <a:rPr lang="es-AR" b="1" dirty="0">
+                <a:solidFill>
+                  <a:srgbClr val="000000"/>
+                </a:solidFill>
+                <a:latin typeface="Consolas" panose="020B0609020204030204" pitchFamily="49" charset="0"/>
+              </a:rPr>
+              <a:t>;</a:t>
+            </a:r>
+          </a:p>
+          <a:p>
+            <a:endParaRPr lang="es-AR" b="1" dirty="0">
+              <a:solidFill>
+                <a:srgbClr val="000000"/>
+              </a:solidFill>
+              <a:latin typeface="Consolas" panose="020B0609020204030204" pitchFamily="49" charset="0"/>
+            </a:endParaRPr>
+          </a:p>
+          <a:p>
+            <a:r>
+              <a:rPr lang="es-AR" b="1" dirty="0">
+                <a:solidFill>
+                  <a:srgbClr val="000000"/>
+                </a:solidFill>
+                <a:latin typeface="Consolas" panose="020B0609020204030204" pitchFamily="49" charset="0"/>
+              </a:rPr>
+              <a:t>    </a:t>
+            </a:r>
+            <a:r>
+              <a:rPr lang="es-AR" b="1" dirty="0">
+                <a:solidFill>
+                  <a:srgbClr val="008000"/>
+                </a:solidFill>
+                <a:latin typeface="Consolas" panose="020B0609020204030204" pitchFamily="49" charset="0"/>
+              </a:rPr>
+              <a:t>//</a:t>
+            </a:r>
+            <a:r>
+              <a:rPr lang="es-AR" b="1" dirty="0" err="1">
+                <a:solidFill>
+                  <a:srgbClr val="008000"/>
+                </a:solidFill>
+                <a:latin typeface="Consolas" panose="020B0609020204030204" pitchFamily="49" charset="0"/>
+              </a:rPr>
+              <a:t>update</a:t>
+            </a:r>
+            <a:r>
+              <a:rPr lang="es-AR" b="1" dirty="0">
+                <a:solidFill>
+                  <a:srgbClr val="008000"/>
+                </a:solidFill>
+                <a:latin typeface="Consolas" panose="020B0609020204030204" pitchFamily="49" charset="0"/>
+              </a:rPr>
+              <a:t> status</a:t>
+            </a:r>
+            <a:endParaRPr lang="es-AR" b="1" dirty="0">
+              <a:solidFill>
+                <a:srgbClr val="000000"/>
+              </a:solidFill>
+              <a:latin typeface="Consolas" panose="020B0609020204030204" pitchFamily="49" charset="0"/>
+            </a:endParaRPr>
+          </a:p>
+          <a:p>
+            <a:r>
+              <a:rPr lang="es-AR" b="1" dirty="0">
+                <a:solidFill>
+                  <a:srgbClr val="000000"/>
+                </a:solidFill>
+                <a:latin typeface="Consolas" panose="020B0609020204030204" pitchFamily="49" charset="0"/>
+              </a:rPr>
+              <a:t>    </a:t>
+            </a:r>
+            <a:r>
+              <a:rPr lang="es-AR" b="1" dirty="0" err="1">
+                <a:solidFill>
+                  <a:srgbClr val="0000FF"/>
+                </a:solidFill>
+                <a:latin typeface="Consolas" panose="020B0609020204030204" pitchFamily="49" charset="0"/>
+              </a:rPr>
+              <a:t>this</a:t>
+            </a:r>
+            <a:r>
+              <a:rPr lang="es-AR" b="1" dirty="0" err="1">
+                <a:solidFill>
+                  <a:srgbClr val="000000"/>
+                </a:solidFill>
+                <a:latin typeface="Consolas" panose="020B0609020204030204" pitchFamily="49" charset="0"/>
+              </a:rPr>
+              <a:t>.ortWorkshopContext.Entry</a:t>
+            </a:r>
+            <a:r>
+              <a:rPr lang="es-AR" b="1" dirty="0">
+                <a:solidFill>
+                  <a:srgbClr val="000000"/>
+                </a:solidFill>
+                <a:latin typeface="Consolas" panose="020B0609020204030204" pitchFamily="49" charset="0"/>
+              </a:rPr>
+              <a:t>&lt;</a:t>
+            </a:r>
+            <a:r>
+              <a:rPr lang="es-AR" b="1" dirty="0" err="1">
+                <a:solidFill>
+                  <a:srgbClr val="000000"/>
+                </a:solidFill>
+                <a:latin typeface="Consolas" panose="020B0609020204030204" pitchFamily="49" charset="0"/>
+              </a:rPr>
+              <a:t>Movie</a:t>
+            </a:r>
+            <a:r>
+              <a:rPr lang="es-AR" b="1" dirty="0">
+                <a:solidFill>
+                  <a:srgbClr val="000000"/>
+                </a:solidFill>
+                <a:latin typeface="Consolas" panose="020B0609020204030204" pitchFamily="49" charset="0"/>
+              </a:rPr>
+              <a:t>&gt;(</a:t>
+            </a:r>
+            <a:r>
+              <a:rPr lang="es-AR" b="1" dirty="0" err="1">
+                <a:solidFill>
+                  <a:srgbClr val="000000"/>
+                </a:solidFill>
+                <a:latin typeface="Consolas" panose="020B0609020204030204" pitchFamily="49" charset="0"/>
+              </a:rPr>
+              <a:t>movieCurrent</a:t>
+            </a:r>
+            <a:r>
+              <a:rPr lang="es-AR" b="1" dirty="0">
+                <a:solidFill>
+                  <a:srgbClr val="000000"/>
+                </a:solidFill>
+                <a:latin typeface="Consolas" panose="020B0609020204030204" pitchFamily="49" charset="0"/>
+              </a:rPr>
+              <a:t>).</a:t>
+            </a:r>
+            <a:r>
+              <a:rPr lang="es-AR" b="1" dirty="0" err="1">
+                <a:solidFill>
+                  <a:srgbClr val="000000"/>
+                </a:solidFill>
+                <a:latin typeface="Consolas" panose="020B0609020204030204" pitchFamily="49" charset="0"/>
+              </a:rPr>
+              <a:t>State</a:t>
+            </a:r>
+            <a:r>
+              <a:rPr lang="es-AR" b="1" dirty="0">
+                <a:solidFill>
+                  <a:srgbClr val="000000"/>
+                </a:solidFill>
+                <a:latin typeface="Consolas" panose="020B0609020204030204" pitchFamily="49" charset="0"/>
+              </a:rPr>
+              <a:t> = </a:t>
+            </a:r>
+            <a:r>
+              <a:rPr lang="es-AR" b="1" dirty="0" err="1">
+                <a:solidFill>
+                  <a:srgbClr val="000000"/>
+                </a:solidFill>
+                <a:latin typeface="Consolas" panose="020B0609020204030204" pitchFamily="49" charset="0"/>
+              </a:rPr>
+              <a:t>EntityState.Modified</a:t>
+            </a:r>
+            <a:r>
+              <a:rPr lang="es-AR" b="1" dirty="0">
+                <a:solidFill>
+                  <a:srgbClr val="000000"/>
+                </a:solidFill>
+                <a:latin typeface="Consolas" panose="020B0609020204030204" pitchFamily="49" charset="0"/>
+              </a:rPr>
+              <a:t>;</a:t>
+            </a:r>
+          </a:p>
+          <a:p>
+            <a:endParaRPr lang="es-AR" b="1" dirty="0">
+              <a:solidFill>
+                <a:srgbClr val="000000"/>
+              </a:solidFill>
+              <a:latin typeface="Consolas" panose="020B0609020204030204" pitchFamily="49" charset="0"/>
+            </a:endParaRPr>
+          </a:p>
+          <a:p>
+            <a:r>
+              <a:rPr lang="es-AR" b="1" dirty="0">
+                <a:solidFill>
+                  <a:srgbClr val="000000"/>
+                </a:solidFill>
+                <a:latin typeface="Consolas" panose="020B0609020204030204" pitchFamily="49" charset="0"/>
+              </a:rPr>
+              <a:t>    </a:t>
+            </a:r>
+            <a:r>
+              <a:rPr lang="es-AR" b="1" dirty="0">
+                <a:solidFill>
+                  <a:srgbClr val="008000"/>
+                </a:solidFill>
+                <a:latin typeface="Consolas" panose="020B0609020204030204" pitchFamily="49" charset="0"/>
+              </a:rPr>
+              <a:t>//</a:t>
+            </a:r>
+            <a:r>
+              <a:rPr lang="es-AR" b="1" dirty="0" err="1">
+                <a:solidFill>
+                  <a:srgbClr val="008000"/>
+                </a:solidFill>
+                <a:latin typeface="Consolas" panose="020B0609020204030204" pitchFamily="49" charset="0"/>
+              </a:rPr>
+              <a:t>save</a:t>
+            </a:r>
+            <a:r>
+              <a:rPr lang="es-AR" b="1" dirty="0">
+                <a:solidFill>
+                  <a:srgbClr val="008000"/>
+                </a:solidFill>
+                <a:latin typeface="Consolas" panose="020B0609020204030204" pitchFamily="49" charset="0"/>
+              </a:rPr>
+              <a:t> </a:t>
+            </a:r>
+            <a:r>
+              <a:rPr lang="es-AR" b="1" dirty="0" err="1">
+                <a:solidFill>
+                  <a:srgbClr val="008000"/>
+                </a:solidFill>
+                <a:latin typeface="Consolas" panose="020B0609020204030204" pitchFamily="49" charset="0"/>
+              </a:rPr>
+              <a:t>changes</a:t>
+            </a:r>
+            <a:endParaRPr lang="es-AR" b="1" dirty="0">
+              <a:solidFill>
+                <a:srgbClr val="000000"/>
+              </a:solidFill>
+              <a:latin typeface="Consolas" panose="020B0609020204030204" pitchFamily="49" charset="0"/>
+            </a:endParaRPr>
+          </a:p>
+          <a:p>
+            <a:r>
+              <a:rPr lang="es-AR" b="1" dirty="0">
+                <a:solidFill>
+                  <a:srgbClr val="000000"/>
+                </a:solidFill>
+                <a:latin typeface="Consolas" panose="020B0609020204030204" pitchFamily="49" charset="0"/>
+              </a:rPr>
+              <a:t>    </a:t>
+            </a:r>
+            <a:r>
+              <a:rPr lang="es-AR" b="1" dirty="0" err="1">
+                <a:solidFill>
+                  <a:srgbClr val="0000FF"/>
+                </a:solidFill>
+                <a:latin typeface="Consolas" panose="020B0609020204030204" pitchFamily="49" charset="0"/>
+              </a:rPr>
+              <a:t>await</a:t>
+            </a:r>
+            <a:r>
+              <a:rPr lang="es-AR" b="1" dirty="0">
+                <a:solidFill>
+                  <a:srgbClr val="000000"/>
+                </a:solidFill>
+                <a:latin typeface="Consolas" panose="020B0609020204030204" pitchFamily="49" charset="0"/>
+              </a:rPr>
+              <a:t> </a:t>
+            </a:r>
+            <a:r>
+              <a:rPr lang="es-AR" b="1" dirty="0" err="1">
+                <a:solidFill>
+                  <a:srgbClr val="0000FF"/>
+                </a:solidFill>
+                <a:latin typeface="Consolas" panose="020B0609020204030204" pitchFamily="49" charset="0"/>
+              </a:rPr>
+              <a:t>this</a:t>
+            </a:r>
+            <a:r>
+              <a:rPr lang="es-AR" b="1" dirty="0" err="1">
+                <a:solidFill>
+                  <a:srgbClr val="000000"/>
+                </a:solidFill>
+                <a:latin typeface="Consolas" panose="020B0609020204030204" pitchFamily="49" charset="0"/>
+              </a:rPr>
+              <a:t>.ortWorkshopContext.SaveChangesAsync</a:t>
+            </a:r>
+            <a:r>
+              <a:rPr lang="es-AR" b="1" dirty="0">
+                <a:solidFill>
+                  <a:srgbClr val="000000"/>
+                </a:solidFill>
+                <a:latin typeface="Consolas" panose="020B0609020204030204" pitchFamily="49" charset="0"/>
+              </a:rPr>
+              <a:t>();</a:t>
+            </a:r>
+          </a:p>
+          <a:p>
+            <a:r>
+              <a:rPr lang="es-AR" b="1" dirty="0">
+                <a:solidFill>
+                  <a:srgbClr val="000000"/>
+                </a:solidFill>
+                <a:latin typeface="Consolas" panose="020B0609020204030204" pitchFamily="49" charset="0"/>
+              </a:rPr>
+              <a:t>}</a:t>
+            </a:r>
           </a:p>
         </p:txBody>
       </p:sp>
     </p:spTree>
     <p:extLst>
       <p:ext uri="{BB962C8B-B14F-4D97-AF65-F5344CB8AC3E}">
-        <p14:creationId xmlns:p14="http://schemas.microsoft.com/office/powerpoint/2010/main" val="3536247983"/>
+        <p14:creationId xmlns:p14="http://schemas.microsoft.com/office/powerpoint/2010/main" val="1349537053"/>
       </p:ext>
     </p:extLst>
   </p:cSld>
@@ -12817,6 +13572,2797 @@
       </p:grpSpPr>
       <p:sp>
         <p:nvSpPr>
+          <p:cNvPr id="27" name="Title 26"/>
+          <p:cNvSpPr>
+            <a:spLocks noGrp="1"/>
+          </p:cNvSpPr>
+          <p:nvPr>
+            <p:ph type="title"/>
+          </p:nvPr>
+        </p:nvSpPr>
+        <p:spPr/>
+        <p:txBody>
+          <a:bodyPr/>
+          <a:lstStyle/>
+          <a:p>
+            <a:r>
+              <a:rPr lang="es-AR" dirty="0"/>
+              <a:t>Ejercicio</a:t>
+            </a:r>
+          </a:p>
+        </p:txBody>
+      </p:sp>
+      <p:sp>
+        <p:nvSpPr>
+          <p:cNvPr id="28" name="Text Placeholder 27"/>
+          <p:cNvSpPr>
+            <a:spLocks noGrp="1"/>
+          </p:cNvSpPr>
+          <p:nvPr>
+            <p:ph type="body" sz="quarter" idx="10"/>
+          </p:nvPr>
+        </p:nvSpPr>
+        <p:spPr/>
+        <p:txBody>
+          <a:bodyPr/>
+          <a:lstStyle/>
+          <a:p>
+            <a:r>
+              <a:rPr lang="es-AR" dirty="0" smtClean="0"/>
+              <a:t>Frontend</a:t>
+            </a:r>
+            <a:endParaRPr lang="es-AR" dirty="0"/>
+          </a:p>
+        </p:txBody>
+      </p:sp>
+      <p:sp>
+        <p:nvSpPr>
+          <p:cNvPr id="2" name="Text Placeholder 1"/>
+          <p:cNvSpPr>
+            <a:spLocks noGrp="1"/>
+          </p:cNvSpPr>
+          <p:nvPr>
+            <p:ph type="body" sz="quarter" idx="15"/>
+          </p:nvPr>
+        </p:nvSpPr>
+        <p:spPr/>
+        <p:txBody>
+          <a:bodyPr>
+            <a:normAutofit fontScale="92500" lnSpcReduction="10000"/>
+          </a:bodyPr>
+          <a:lstStyle/>
+          <a:p>
+            <a:r>
+              <a:rPr lang="es-AR" dirty="0"/>
+              <a:t>Primer paso:</a:t>
+            </a:r>
+          </a:p>
+          <a:p>
+            <a:pPr lvl="1"/>
+            <a:r>
+              <a:rPr lang="es-AR" dirty="0"/>
+              <a:t>Crear el HTML en el </a:t>
+            </a:r>
+            <a:r>
+              <a:rPr lang="es-AR" dirty="0" err="1"/>
+              <a:t>template</a:t>
+            </a:r>
+            <a:r>
+              <a:rPr lang="es-AR" dirty="0"/>
+              <a:t> del archivo </a:t>
+            </a:r>
+            <a:r>
+              <a:rPr lang="es-AR" dirty="0" err="1">
+                <a:latin typeface="Consolas" panose="020B0609020204030204" pitchFamily="49" charset="0"/>
+              </a:rPr>
+              <a:t>components</a:t>
+            </a:r>
+            <a:r>
+              <a:rPr lang="es-AR" dirty="0">
+                <a:latin typeface="Consolas" panose="020B0609020204030204" pitchFamily="49" charset="0"/>
+              </a:rPr>
+              <a:t>/</a:t>
+            </a:r>
+            <a:r>
+              <a:rPr lang="es-AR" dirty="0" err="1">
+                <a:latin typeface="Consolas" panose="020B0609020204030204" pitchFamily="49" charset="0"/>
+              </a:rPr>
+              <a:t>Edit.vue</a:t>
+            </a:r>
+            <a:r>
+              <a:rPr lang="es-AR" dirty="0"/>
+              <a:t>.</a:t>
+            </a:r>
+          </a:p>
+          <a:p>
+            <a:pPr lvl="1"/>
+            <a:r>
+              <a:rPr lang="es-AR" dirty="0"/>
+              <a:t>Crear el modelo y comportamiento del componente.</a:t>
+            </a:r>
+          </a:p>
+          <a:p>
+            <a:pPr lvl="1"/>
+            <a:r>
+              <a:rPr lang="es-AR" dirty="0"/>
+              <a:t>TIP: Basarse en </a:t>
+            </a:r>
+            <a:r>
+              <a:rPr lang="es-AR" dirty="0" err="1">
+                <a:latin typeface="Consolas" panose="020B0609020204030204" pitchFamily="49" charset="0"/>
+              </a:rPr>
+              <a:t>components</a:t>
+            </a:r>
+            <a:r>
+              <a:rPr lang="es-AR" dirty="0">
+                <a:latin typeface="Consolas" panose="020B0609020204030204" pitchFamily="49" charset="0"/>
+              </a:rPr>
+              <a:t>/</a:t>
+            </a:r>
+            <a:r>
+              <a:rPr lang="es-AR" dirty="0" err="1">
+                <a:latin typeface="Consolas" panose="020B0609020204030204" pitchFamily="49" charset="0"/>
+              </a:rPr>
+              <a:t>New.vue</a:t>
+            </a:r>
+            <a:r>
+              <a:rPr lang="es-AR" dirty="0"/>
+              <a:t>, teniendo en cuenta que además tiene que poder obtener el id de la </a:t>
+            </a:r>
+            <a:r>
+              <a:rPr lang="es-AR" dirty="0" err="1"/>
+              <a:t>url</a:t>
+            </a:r>
+            <a:r>
+              <a:rPr lang="es-AR" dirty="0"/>
+              <a:t>, y usarlo para buscar la película con ese id, en vez de crear una película nueva. Usar el método </a:t>
+            </a:r>
+            <a:r>
+              <a:rPr lang="es-AR" dirty="0" err="1">
+                <a:latin typeface="Consolas" panose="020B0609020204030204" pitchFamily="49" charset="0"/>
+              </a:rPr>
+              <a:t>getMovie</a:t>
+            </a:r>
+            <a:r>
+              <a:rPr lang="es-AR" dirty="0">
+                <a:latin typeface="Consolas" panose="020B0609020204030204" pitchFamily="49" charset="0"/>
+              </a:rPr>
+              <a:t>(id)</a:t>
+            </a:r>
+            <a:r>
+              <a:rPr lang="es-AR" dirty="0"/>
+              <a:t> de </a:t>
+            </a:r>
+            <a:r>
+              <a:rPr lang="es-AR" dirty="0" err="1">
+                <a:latin typeface="Consolas" panose="020B0609020204030204" pitchFamily="49" charset="0"/>
+              </a:rPr>
+              <a:t>services</a:t>
+            </a:r>
+            <a:r>
+              <a:rPr lang="es-AR" dirty="0">
+                <a:latin typeface="Consolas" panose="020B0609020204030204" pitchFamily="49" charset="0"/>
+              </a:rPr>
+              <a:t>/index.js</a:t>
+            </a:r>
+            <a:r>
+              <a:rPr lang="es-AR" dirty="0"/>
+              <a:t>. Mirar también </a:t>
+            </a:r>
+            <a:r>
+              <a:rPr lang="es-AR" dirty="0" err="1">
+                <a:latin typeface="Consolas" panose="020B0609020204030204" pitchFamily="49" charset="0"/>
+              </a:rPr>
+              <a:t>components</a:t>
+            </a:r>
+            <a:r>
+              <a:rPr lang="es-AR" dirty="0">
+                <a:latin typeface="Consolas" panose="020B0609020204030204" pitchFamily="49" charset="0"/>
+              </a:rPr>
+              <a:t>/</a:t>
+            </a:r>
+            <a:r>
+              <a:rPr lang="es-AR" dirty="0" err="1">
+                <a:latin typeface="Consolas" panose="020B0609020204030204" pitchFamily="49" charset="0"/>
+              </a:rPr>
+              <a:t>List.vue</a:t>
+            </a:r>
+            <a:r>
+              <a:rPr lang="es-AR" dirty="0"/>
+              <a:t> para ver como obtener datos.</a:t>
+            </a:r>
+          </a:p>
+          <a:p>
+            <a:r>
+              <a:rPr lang="es-AR" dirty="0"/>
+              <a:t>Segundo paso:</a:t>
+            </a:r>
+          </a:p>
+          <a:p>
+            <a:pPr lvl="1"/>
+            <a:r>
+              <a:rPr lang="es-AR" dirty="0"/>
+              <a:t>En </a:t>
+            </a:r>
+            <a:r>
+              <a:rPr lang="es-AR" dirty="0" err="1">
+                <a:latin typeface="Consolas" panose="020B0609020204030204" pitchFamily="49" charset="0"/>
+              </a:rPr>
+              <a:t>services</a:t>
+            </a:r>
+            <a:r>
+              <a:rPr lang="es-AR" dirty="0">
+                <a:latin typeface="Consolas" panose="020B0609020204030204" pitchFamily="49" charset="0"/>
+              </a:rPr>
+              <a:t>/index.js</a:t>
+            </a:r>
+            <a:r>
+              <a:rPr lang="es-AR" dirty="0"/>
+              <a:t> implementar el método </a:t>
+            </a:r>
+            <a:r>
+              <a:rPr lang="es-AR" dirty="0" err="1">
+                <a:latin typeface="Consolas" panose="020B0609020204030204" pitchFamily="49" charset="0"/>
+              </a:rPr>
+              <a:t>updateMovie</a:t>
+            </a:r>
+            <a:r>
+              <a:rPr lang="es-AR" dirty="0"/>
+              <a:t>.</a:t>
+            </a:r>
+          </a:p>
+          <a:p>
+            <a:pPr lvl="1"/>
+            <a:r>
+              <a:rPr lang="es-AR" dirty="0"/>
+              <a:t>TIP: Seria casi igual al de </a:t>
+            </a:r>
+            <a:r>
+              <a:rPr lang="es-AR" dirty="0" err="1">
+                <a:latin typeface="Consolas" panose="020B0609020204030204" pitchFamily="49" charset="0"/>
+              </a:rPr>
+              <a:t>saveMovie</a:t>
+            </a:r>
+            <a:r>
+              <a:rPr lang="es-AR" dirty="0"/>
+              <a:t>, pero la </a:t>
+            </a:r>
+            <a:r>
+              <a:rPr lang="es-AR" dirty="0" err="1"/>
+              <a:t>url</a:t>
+            </a:r>
+            <a:r>
+              <a:rPr lang="es-AR" dirty="0"/>
+              <a:t> tendría el formato de </a:t>
+            </a:r>
+            <a:r>
+              <a:rPr lang="es-AR" dirty="0" err="1">
+                <a:latin typeface="Consolas" panose="020B0609020204030204" pitchFamily="49" charset="0"/>
+              </a:rPr>
+              <a:t>removeMovie</a:t>
+            </a:r>
+            <a:r>
+              <a:rPr lang="es-AR" dirty="0"/>
+              <a:t>: </a:t>
+            </a:r>
+            <a:r>
+              <a:rPr lang="es-AR" dirty="0" err="1"/>
+              <a:t>url</a:t>
+            </a:r>
+            <a:r>
+              <a:rPr lang="es-AR" dirty="0"/>
+              <a:t>/id, y el verbo de HTTP a usar es PUT.</a:t>
+            </a:r>
+          </a:p>
+          <a:p>
+            <a:r>
+              <a:rPr lang="es-AR" dirty="0"/>
+              <a:t>Tercer paso:</a:t>
+            </a:r>
+          </a:p>
+          <a:p>
+            <a:pPr lvl="1"/>
+            <a:r>
+              <a:rPr lang="es-AR" dirty="0"/>
+              <a:t>En la lista de películas seleccionar una.</a:t>
+            </a:r>
+          </a:p>
+          <a:p>
+            <a:pPr lvl="1"/>
+            <a:r>
+              <a:rPr lang="es-AR" dirty="0"/>
+              <a:t>Cambiar los valores del formulario.</a:t>
+            </a:r>
+          </a:p>
+          <a:p>
+            <a:pPr lvl="1"/>
+            <a:r>
+              <a:rPr lang="es-AR" dirty="0"/>
+              <a:t>Guardarla y ver que esos cambios se reflejen en la lista</a:t>
+            </a:r>
+            <a:r>
+              <a:rPr lang="es-AR" dirty="0" smtClean="0"/>
+              <a:t>.</a:t>
+            </a:r>
+            <a:endParaRPr lang="es-AR" dirty="0"/>
+          </a:p>
+        </p:txBody>
+      </p:sp>
+    </p:spTree>
+    <p:extLst>
+      <p:ext uri="{BB962C8B-B14F-4D97-AF65-F5344CB8AC3E}">
+        <p14:creationId xmlns:p14="http://schemas.microsoft.com/office/powerpoint/2010/main" val="1181583787"/>
+      </p:ext>
+    </p:extLst>
+  </p:cSld>
+  <p:clrMapOvr>
+    <a:masterClrMapping/>
+  </p:clrMapOvr>
+  <p:timing>
+    <p:tnLst>
+      <p:par>
+        <p:cTn id="1" dur="indefinite" restart="never" nodeType="tmRoot"/>
+      </p:par>
+    </p:tnLst>
+  </p:timing>
+</p:sld>
+</file>
+
+<file path=ppt/slides/slide21.xml><?xml version="1.0" encoding="utf-8"?>
+<p:sld xmlns:a="http://schemas.openxmlformats.org/drawingml/2006/main" xmlns:r="http://schemas.openxmlformats.org/officeDocument/2006/relationships" xmlns:p="http://schemas.openxmlformats.org/presentationml/2006/main">
+  <p:cSld>
+    <p:spTree>
+      <p:nvGrpSpPr>
+        <p:cNvPr id="1" name=""/>
+        <p:cNvGrpSpPr/>
+        <p:nvPr/>
+      </p:nvGrpSpPr>
+      <p:grpSpPr>
+        <a:xfrm>
+          <a:off x="0" y="0"/>
+          <a:ext cx="0" cy="0"/>
+          <a:chOff x="0" y="0"/>
+          <a:chExt cx="0" cy="0"/>
+        </a:xfrm>
+      </p:grpSpPr>
+      <p:sp>
+        <p:nvSpPr>
+          <p:cNvPr id="5" name="Title 4"/>
+          <p:cNvSpPr>
+            <a:spLocks noGrp="1"/>
+          </p:cNvSpPr>
+          <p:nvPr>
+            <p:ph type="title"/>
+          </p:nvPr>
+        </p:nvSpPr>
+        <p:spPr/>
+        <p:txBody>
+          <a:bodyPr/>
+          <a:lstStyle/>
+          <a:p>
+            <a:r>
+              <a:rPr lang="es-AR" dirty="0"/>
+              <a:t>Ejercicio</a:t>
+            </a:r>
+          </a:p>
+        </p:txBody>
+      </p:sp>
+      <p:sp>
+        <p:nvSpPr>
+          <p:cNvPr id="6" name="Text Placeholder 5"/>
+          <p:cNvSpPr>
+            <a:spLocks noGrp="1"/>
+          </p:cNvSpPr>
+          <p:nvPr>
+            <p:ph type="body" sz="quarter" idx="10"/>
+          </p:nvPr>
+        </p:nvSpPr>
+        <p:spPr/>
+        <p:txBody>
+          <a:bodyPr/>
+          <a:lstStyle/>
+          <a:p>
+            <a:r>
+              <a:rPr lang="es-AR" dirty="0" smtClean="0"/>
+              <a:t>Frontend - Solución</a:t>
+            </a:r>
+            <a:endParaRPr lang="es-AR" dirty="0"/>
+          </a:p>
+        </p:txBody>
+      </p:sp>
+      <p:sp>
+        <p:nvSpPr>
+          <p:cNvPr id="2" name="TextBox 1"/>
+          <p:cNvSpPr txBox="1"/>
+          <p:nvPr/>
+        </p:nvSpPr>
+        <p:spPr>
+          <a:xfrm>
+            <a:off x="238752" y="1278770"/>
+            <a:ext cx="11713898" cy="4801314"/>
+          </a:xfrm>
+          <a:prstGeom prst="rect">
+            <a:avLst/>
+          </a:prstGeom>
+          <a:solidFill>
+            <a:schemeClr val="bg1">
+              <a:lumMod val="85000"/>
+            </a:schemeClr>
+          </a:solidFill>
+        </p:spPr>
+        <p:txBody>
+          <a:bodyPr wrap="square">
+            <a:spAutoFit/>
+          </a:bodyPr>
+          <a:lstStyle>
+            <a:defPPr>
+              <a:defRPr lang="es-AR"/>
+            </a:defPPr>
+            <a:lvl1pPr>
+              <a:defRPr sz="1400">
+                <a:solidFill>
+                  <a:srgbClr val="0000FF"/>
+                </a:solidFill>
+                <a:latin typeface="Consolas" panose="020B0609020204030204" pitchFamily="49" charset="0"/>
+              </a:defRPr>
+            </a:lvl1pPr>
+          </a:lstStyle>
+          <a:p>
+            <a:r>
+              <a:rPr lang="es-AR" sz="1800" b="1" dirty="0">
+                <a:solidFill>
+                  <a:schemeClr val="tx1"/>
+                </a:solidFill>
+              </a:rPr>
+              <a:t>&lt;</a:t>
+            </a:r>
+            <a:r>
+              <a:rPr lang="es-AR" sz="1800" b="1" dirty="0" err="1">
+                <a:solidFill>
+                  <a:schemeClr val="tx1"/>
+                </a:solidFill>
+              </a:rPr>
+              <a:t>template</a:t>
+            </a:r>
+            <a:r>
+              <a:rPr lang="es-AR" sz="1800" b="1" dirty="0">
+                <a:solidFill>
+                  <a:schemeClr val="tx1"/>
+                </a:solidFill>
+              </a:rPr>
+              <a:t>&gt;</a:t>
+            </a:r>
+          </a:p>
+          <a:p>
+            <a:r>
+              <a:rPr lang="es-AR" sz="1800" b="1" dirty="0">
+                <a:solidFill>
+                  <a:schemeClr val="tx1"/>
+                </a:solidFill>
+              </a:rPr>
+              <a:t>  &lt;div&gt;</a:t>
+            </a:r>
+          </a:p>
+          <a:p>
+            <a:r>
+              <a:rPr lang="es-AR" sz="1800" b="1" dirty="0">
+                <a:solidFill>
+                  <a:schemeClr val="tx1"/>
+                </a:solidFill>
+              </a:rPr>
+              <a:t>    &lt;h2&gt;</a:t>
+            </a:r>
+            <a:r>
+              <a:rPr lang="es-AR" sz="1800" b="1" dirty="0" err="1">
+                <a:solidFill>
+                  <a:schemeClr val="tx1"/>
+                </a:solidFill>
+              </a:rPr>
+              <a:t>Edit</a:t>
+            </a:r>
+            <a:r>
+              <a:rPr lang="es-AR" sz="1800" b="1" dirty="0">
+                <a:solidFill>
+                  <a:schemeClr val="tx1"/>
+                </a:solidFill>
+              </a:rPr>
+              <a:t> </a:t>
+            </a:r>
+            <a:r>
+              <a:rPr lang="es-AR" sz="1800" b="1" dirty="0" err="1">
+                <a:solidFill>
+                  <a:schemeClr val="tx1"/>
+                </a:solidFill>
+              </a:rPr>
+              <a:t>Movie</a:t>
+            </a:r>
+            <a:r>
+              <a:rPr lang="es-AR" sz="1800" b="1" dirty="0">
+                <a:solidFill>
+                  <a:schemeClr val="tx1"/>
+                </a:solidFill>
+              </a:rPr>
+              <a:t>&lt;/h2&gt;</a:t>
+            </a:r>
+          </a:p>
+          <a:p>
+            <a:r>
+              <a:rPr lang="es-AR" sz="1800" b="1" dirty="0">
+                <a:solidFill>
+                  <a:schemeClr val="tx1"/>
+                </a:solidFill>
+              </a:rPr>
+              <a:t>    &lt;div </a:t>
+            </a:r>
+            <a:r>
+              <a:rPr lang="es-AR" sz="1800" b="1" dirty="0" err="1">
+                <a:solidFill>
+                  <a:schemeClr val="tx1"/>
+                </a:solidFill>
+              </a:rPr>
+              <a:t>class</a:t>
+            </a:r>
+            <a:r>
+              <a:rPr lang="es-AR" sz="1800" b="1" dirty="0">
+                <a:solidFill>
+                  <a:schemeClr val="tx1"/>
+                </a:solidFill>
+              </a:rPr>
+              <a:t>="</a:t>
+            </a:r>
+            <a:r>
+              <a:rPr lang="es-AR" sz="1800" b="1" dirty="0" err="1">
+                <a:solidFill>
+                  <a:schemeClr val="tx1"/>
+                </a:solidFill>
+              </a:rPr>
+              <a:t>form</a:t>
+            </a:r>
+            <a:r>
+              <a:rPr lang="es-AR" sz="1800" b="1" dirty="0">
+                <a:solidFill>
+                  <a:schemeClr val="tx1"/>
+                </a:solidFill>
+              </a:rPr>
+              <a:t>"&gt;</a:t>
+            </a:r>
+          </a:p>
+          <a:p>
+            <a:r>
+              <a:rPr lang="es-AR" sz="1800" b="1" dirty="0">
+                <a:solidFill>
+                  <a:schemeClr val="tx1"/>
+                </a:solidFill>
+              </a:rPr>
+              <a:t>      &lt;</a:t>
+            </a:r>
+            <a:r>
+              <a:rPr lang="es-AR" sz="1800" b="1" dirty="0" err="1">
+                <a:solidFill>
+                  <a:schemeClr val="tx1"/>
+                </a:solidFill>
+              </a:rPr>
+              <a:t>label</a:t>
+            </a:r>
+            <a:r>
+              <a:rPr lang="es-AR" sz="1800" b="1" dirty="0">
+                <a:solidFill>
+                  <a:schemeClr val="tx1"/>
+                </a:solidFill>
+              </a:rPr>
+              <a:t> </a:t>
+            </a:r>
+            <a:r>
+              <a:rPr lang="es-AR" sz="1800" b="1" dirty="0" err="1">
+                <a:solidFill>
+                  <a:schemeClr val="tx1"/>
+                </a:solidFill>
+              </a:rPr>
+              <a:t>for</a:t>
+            </a:r>
+            <a:r>
+              <a:rPr lang="es-AR" sz="1800" b="1" dirty="0">
+                <a:solidFill>
+                  <a:schemeClr val="tx1"/>
+                </a:solidFill>
+              </a:rPr>
+              <a:t>="</a:t>
+            </a:r>
+            <a:r>
+              <a:rPr lang="es-AR" sz="1800" b="1" dirty="0" err="1">
+                <a:solidFill>
+                  <a:schemeClr val="tx1"/>
+                </a:solidFill>
+              </a:rPr>
+              <a:t>title</a:t>
+            </a:r>
+            <a:r>
+              <a:rPr lang="es-AR" sz="1800" b="1" dirty="0">
+                <a:solidFill>
+                  <a:schemeClr val="tx1"/>
+                </a:solidFill>
+              </a:rPr>
+              <a:t>"&gt;</a:t>
+            </a:r>
+            <a:r>
+              <a:rPr lang="es-AR" sz="1800" b="1" dirty="0" err="1">
+                <a:solidFill>
+                  <a:schemeClr val="tx1"/>
+                </a:solidFill>
+              </a:rPr>
+              <a:t>Title</a:t>
+            </a:r>
+            <a:r>
+              <a:rPr lang="es-AR" sz="1800" b="1" dirty="0">
+                <a:solidFill>
+                  <a:schemeClr val="tx1"/>
+                </a:solidFill>
+              </a:rPr>
+              <a:t>&lt;/</a:t>
+            </a:r>
+            <a:r>
+              <a:rPr lang="es-AR" sz="1800" b="1" dirty="0" err="1">
+                <a:solidFill>
+                  <a:schemeClr val="tx1"/>
+                </a:solidFill>
+              </a:rPr>
+              <a:t>label</a:t>
+            </a:r>
+            <a:r>
+              <a:rPr lang="es-AR" sz="1800" b="1" dirty="0">
+                <a:solidFill>
+                  <a:schemeClr val="tx1"/>
+                </a:solidFill>
+              </a:rPr>
+              <a:t>&gt;</a:t>
+            </a:r>
+          </a:p>
+          <a:p>
+            <a:r>
+              <a:rPr lang="es-AR" sz="1800" b="1" dirty="0">
+                <a:solidFill>
+                  <a:schemeClr val="tx1"/>
+                </a:solidFill>
+              </a:rPr>
+              <a:t>      &lt;input </a:t>
+            </a:r>
+            <a:r>
+              <a:rPr lang="es-AR" sz="1800" b="1" dirty="0" err="1">
+                <a:solidFill>
+                  <a:schemeClr val="tx1"/>
+                </a:solidFill>
+              </a:rPr>
+              <a:t>type</a:t>
+            </a:r>
+            <a:r>
+              <a:rPr lang="es-AR" sz="1800" b="1" dirty="0">
+                <a:solidFill>
+                  <a:schemeClr val="tx1"/>
+                </a:solidFill>
+              </a:rPr>
+              <a:t>="</a:t>
+            </a:r>
+            <a:r>
+              <a:rPr lang="es-AR" sz="1800" b="1" dirty="0" err="1">
+                <a:solidFill>
+                  <a:schemeClr val="tx1"/>
+                </a:solidFill>
+              </a:rPr>
+              <a:t>text</a:t>
+            </a:r>
+            <a:r>
+              <a:rPr lang="es-AR" sz="1800" b="1" dirty="0">
+                <a:solidFill>
+                  <a:schemeClr val="tx1"/>
+                </a:solidFill>
+              </a:rPr>
+              <a:t>" id="</a:t>
+            </a:r>
+            <a:r>
+              <a:rPr lang="es-AR" sz="1800" b="1" dirty="0" err="1">
+                <a:solidFill>
+                  <a:schemeClr val="tx1"/>
+                </a:solidFill>
+              </a:rPr>
+              <a:t>title</a:t>
+            </a:r>
+            <a:r>
+              <a:rPr lang="es-AR" sz="1800" b="1" dirty="0">
+                <a:solidFill>
+                  <a:schemeClr val="tx1"/>
+                </a:solidFill>
+              </a:rPr>
+              <a:t>" v-</a:t>
+            </a:r>
+            <a:r>
+              <a:rPr lang="es-AR" sz="1800" b="1" dirty="0" err="1">
+                <a:solidFill>
+                  <a:schemeClr val="tx1"/>
+                </a:solidFill>
+              </a:rPr>
+              <a:t>model</a:t>
+            </a:r>
+            <a:r>
+              <a:rPr lang="es-AR" sz="1800" b="1" dirty="0">
+                <a:solidFill>
+                  <a:schemeClr val="tx1"/>
+                </a:solidFill>
+              </a:rPr>
+              <a:t>="</a:t>
+            </a:r>
+            <a:r>
+              <a:rPr lang="es-AR" sz="1800" b="1" dirty="0" err="1">
+                <a:solidFill>
+                  <a:schemeClr val="tx1"/>
+                </a:solidFill>
+              </a:rPr>
+              <a:t>movie.title</a:t>
+            </a:r>
+            <a:r>
+              <a:rPr lang="es-AR" sz="1800" b="1" dirty="0">
+                <a:solidFill>
+                  <a:schemeClr val="tx1"/>
+                </a:solidFill>
+              </a:rPr>
+              <a:t>"/&gt;</a:t>
+            </a:r>
+          </a:p>
+          <a:p>
+            <a:r>
+              <a:rPr lang="es-AR" sz="1800" b="1" dirty="0">
+                <a:solidFill>
+                  <a:schemeClr val="tx1"/>
+                </a:solidFill>
+              </a:rPr>
+              <a:t>    &lt;/div&gt;</a:t>
+            </a:r>
+          </a:p>
+          <a:p>
+            <a:r>
+              <a:rPr lang="es-AR" sz="1800" b="1" dirty="0">
+                <a:solidFill>
+                  <a:schemeClr val="tx1"/>
+                </a:solidFill>
+              </a:rPr>
+              <a:t>…</a:t>
+            </a:r>
+          </a:p>
+          <a:p>
+            <a:r>
+              <a:rPr lang="es-AR" sz="1800" b="1" dirty="0">
+                <a:solidFill>
+                  <a:schemeClr val="tx1"/>
+                </a:solidFill>
+              </a:rPr>
+              <a:t>    &lt;div </a:t>
+            </a:r>
+            <a:r>
+              <a:rPr lang="es-AR" sz="1800" b="1" dirty="0" err="1">
+                <a:solidFill>
+                  <a:schemeClr val="tx1"/>
+                </a:solidFill>
+              </a:rPr>
+              <a:t>class</a:t>
+            </a:r>
+            <a:r>
+              <a:rPr lang="es-AR" sz="1800" b="1" dirty="0">
+                <a:solidFill>
+                  <a:schemeClr val="tx1"/>
+                </a:solidFill>
+              </a:rPr>
+              <a:t>="</a:t>
+            </a:r>
+            <a:r>
+              <a:rPr lang="es-AR" sz="1800" b="1" dirty="0" err="1">
+                <a:solidFill>
+                  <a:schemeClr val="tx1"/>
+                </a:solidFill>
+              </a:rPr>
+              <a:t>form</a:t>
+            </a:r>
+            <a:r>
+              <a:rPr lang="es-AR" sz="1800" b="1" dirty="0">
+                <a:solidFill>
+                  <a:schemeClr val="tx1"/>
+                </a:solidFill>
+              </a:rPr>
+              <a:t>"&gt;</a:t>
+            </a:r>
+          </a:p>
+          <a:p>
+            <a:r>
+              <a:rPr lang="es-AR" sz="1800" b="1" dirty="0">
+                <a:solidFill>
+                  <a:schemeClr val="tx1"/>
+                </a:solidFill>
+              </a:rPr>
+              <a:t>      &lt;</a:t>
+            </a:r>
+            <a:r>
+              <a:rPr lang="es-AR" sz="1800" b="1" dirty="0" err="1">
+                <a:solidFill>
+                  <a:schemeClr val="tx1"/>
+                </a:solidFill>
+              </a:rPr>
+              <a:t>label</a:t>
+            </a:r>
+            <a:r>
+              <a:rPr lang="es-AR" sz="1800" b="1" dirty="0">
+                <a:solidFill>
+                  <a:schemeClr val="tx1"/>
+                </a:solidFill>
+              </a:rPr>
+              <a:t> </a:t>
+            </a:r>
+            <a:r>
+              <a:rPr lang="es-AR" sz="1800" b="1" dirty="0" err="1">
+                <a:solidFill>
+                  <a:schemeClr val="tx1"/>
+                </a:solidFill>
+              </a:rPr>
+              <a:t>for</a:t>
+            </a:r>
+            <a:r>
+              <a:rPr lang="es-AR" sz="1800" b="1" dirty="0">
+                <a:solidFill>
+                  <a:schemeClr val="tx1"/>
+                </a:solidFill>
+              </a:rPr>
+              <a:t>="director"&gt;Director&lt;/</a:t>
+            </a:r>
+            <a:r>
+              <a:rPr lang="es-AR" sz="1800" b="1" dirty="0" err="1">
+                <a:solidFill>
+                  <a:schemeClr val="tx1"/>
+                </a:solidFill>
+              </a:rPr>
+              <a:t>label</a:t>
+            </a:r>
+            <a:r>
+              <a:rPr lang="es-AR" sz="1800" b="1" dirty="0">
+                <a:solidFill>
+                  <a:schemeClr val="tx1"/>
+                </a:solidFill>
+              </a:rPr>
+              <a:t>&gt;</a:t>
+            </a:r>
+          </a:p>
+          <a:p>
+            <a:r>
+              <a:rPr lang="es-AR" sz="1800" b="1" dirty="0">
+                <a:solidFill>
+                  <a:schemeClr val="tx1"/>
+                </a:solidFill>
+              </a:rPr>
+              <a:t>      &lt;input </a:t>
+            </a:r>
+            <a:r>
+              <a:rPr lang="es-AR" sz="1800" b="1" dirty="0" err="1">
+                <a:solidFill>
+                  <a:schemeClr val="tx1"/>
+                </a:solidFill>
+              </a:rPr>
+              <a:t>type</a:t>
+            </a:r>
+            <a:r>
+              <a:rPr lang="es-AR" sz="1800" b="1" dirty="0">
+                <a:solidFill>
+                  <a:schemeClr val="tx1"/>
+                </a:solidFill>
+              </a:rPr>
+              <a:t>="</a:t>
+            </a:r>
+            <a:r>
+              <a:rPr lang="es-AR" sz="1800" b="1" dirty="0" err="1">
+                <a:solidFill>
+                  <a:schemeClr val="tx1"/>
+                </a:solidFill>
+              </a:rPr>
+              <a:t>text</a:t>
+            </a:r>
+            <a:r>
+              <a:rPr lang="es-AR" sz="1800" b="1" dirty="0">
+                <a:solidFill>
+                  <a:schemeClr val="tx1"/>
+                </a:solidFill>
+              </a:rPr>
+              <a:t>" id="director" v-</a:t>
+            </a:r>
+            <a:r>
+              <a:rPr lang="es-AR" sz="1800" b="1" dirty="0" err="1">
+                <a:solidFill>
+                  <a:schemeClr val="tx1"/>
+                </a:solidFill>
+              </a:rPr>
+              <a:t>model</a:t>
+            </a:r>
+            <a:r>
+              <a:rPr lang="es-AR" sz="1800" b="1" dirty="0">
+                <a:solidFill>
+                  <a:schemeClr val="tx1"/>
+                </a:solidFill>
+              </a:rPr>
+              <a:t>="</a:t>
+            </a:r>
+            <a:r>
+              <a:rPr lang="es-AR" sz="1800" b="1" dirty="0" err="1">
+                <a:solidFill>
+                  <a:schemeClr val="tx1"/>
+                </a:solidFill>
+              </a:rPr>
+              <a:t>movie.director</a:t>
+            </a:r>
+            <a:r>
+              <a:rPr lang="es-AR" sz="1800" b="1" dirty="0">
+                <a:solidFill>
+                  <a:schemeClr val="tx1"/>
+                </a:solidFill>
+              </a:rPr>
+              <a:t>"/&gt;</a:t>
+            </a:r>
+          </a:p>
+          <a:p>
+            <a:r>
+              <a:rPr lang="es-AR" sz="1800" b="1" dirty="0">
+                <a:solidFill>
+                  <a:schemeClr val="tx1"/>
+                </a:solidFill>
+              </a:rPr>
+              <a:t>    &lt;/div&gt;</a:t>
+            </a:r>
+          </a:p>
+          <a:p>
+            <a:r>
+              <a:rPr lang="es-AR" sz="1800" b="1" dirty="0">
+                <a:solidFill>
+                  <a:schemeClr val="tx1"/>
+                </a:solidFill>
+              </a:rPr>
+              <a:t>    &lt;</a:t>
+            </a:r>
+            <a:r>
+              <a:rPr lang="es-AR" sz="1800" b="1" dirty="0" err="1">
+                <a:solidFill>
+                  <a:schemeClr val="tx1"/>
+                </a:solidFill>
+              </a:rPr>
+              <a:t>button</a:t>
+            </a:r>
+            <a:r>
+              <a:rPr lang="es-AR" sz="1800" b="1" dirty="0">
+                <a:solidFill>
+                  <a:schemeClr val="tx1"/>
+                </a:solidFill>
+              </a:rPr>
+              <a:t> </a:t>
+            </a:r>
+            <a:r>
+              <a:rPr lang="es-AR" sz="1800" b="1" dirty="0" err="1">
+                <a:solidFill>
+                  <a:schemeClr val="tx1"/>
+                </a:solidFill>
+              </a:rPr>
+              <a:t>type</a:t>
+            </a:r>
+            <a:r>
+              <a:rPr lang="es-AR" sz="1800" b="1" dirty="0">
+                <a:solidFill>
+                  <a:schemeClr val="tx1"/>
+                </a:solidFill>
+              </a:rPr>
+              <a:t>="</a:t>
+            </a:r>
+            <a:r>
+              <a:rPr lang="es-AR" sz="1800" b="1" dirty="0" err="1">
+                <a:solidFill>
+                  <a:schemeClr val="tx1"/>
+                </a:solidFill>
+              </a:rPr>
+              <a:t>button</a:t>
+            </a:r>
+            <a:r>
+              <a:rPr lang="es-AR" sz="1800" b="1" dirty="0">
+                <a:solidFill>
+                  <a:schemeClr val="tx1"/>
+                </a:solidFill>
+              </a:rPr>
+              <a:t>" </a:t>
+            </a:r>
+            <a:r>
+              <a:rPr lang="es-AR" sz="1800" b="1" dirty="0" err="1">
+                <a:solidFill>
+                  <a:schemeClr val="tx1"/>
+                </a:solidFill>
+              </a:rPr>
+              <a:t>v-on:click</a:t>
+            </a:r>
+            <a:r>
+              <a:rPr lang="es-AR" sz="1800" b="1" dirty="0">
+                <a:solidFill>
+                  <a:schemeClr val="tx1"/>
+                </a:solidFill>
+              </a:rPr>
+              <a:t>="cancel()"&gt;Cancel&lt;/</a:t>
+            </a:r>
+            <a:r>
+              <a:rPr lang="es-AR" sz="1800" b="1" dirty="0" err="1">
+                <a:solidFill>
+                  <a:schemeClr val="tx1"/>
+                </a:solidFill>
+              </a:rPr>
+              <a:t>button</a:t>
+            </a:r>
+            <a:r>
+              <a:rPr lang="es-AR" sz="1800" b="1" dirty="0">
+                <a:solidFill>
+                  <a:schemeClr val="tx1"/>
+                </a:solidFill>
+              </a:rPr>
+              <a:t>&gt;</a:t>
+            </a:r>
+          </a:p>
+          <a:p>
+            <a:r>
+              <a:rPr lang="es-AR" sz="1800" b="1" dirty="0">
+                <a:solidFill>
+                  <a:schemeClr val="tx1"/>
+                </a:solidFill>
+              </a:rPr>
+              <a:t>    &lt;</a:t>
+            </a:r>
+            <a:r>
+              <a:rPr lang="es-AR" sz="1800" b="1" dirty="0" err="1">
+                <a:solidFill>
+                  <a:schemeClr val="tx1"/>
+                </a:solidFill>
+              </a:rPr>
+              <a:t>button</a:t>
+            </a:r>
+            <a:r>
+              <a:rPr lang="es-AR" sz="1800" b="1" dirty="0">
+                <a:solidFill>
+                  <a:schemeClr val="tx1"/>
+                </a:solidFill>
+              </a:rPr>
+              <a:t> </a:t>
+            </a:r>
+            <a:r>
+              <a:rPr lang="es-AR" sz="1800" b="1" dirty="0" err="1">
+                <a:solidFill>
+                  <a:schemeClr val="tx1"/>
+                </a:solidFill>
+              </a:rPr>
+              <a:t>type</a:t>
+            </a:r>
+            <a:r>
+              <a:rPr lang="es-AR" sz="1800" b="1" dirty="0">
+                <a:solidFill>
+                  <a:schemeClr val="tx1"/>
+                </a:solidFill>
+              </a:rPr>
+              <a:t>="</a:t>
+            </a:r>
+            <a:r>
+              <a:rPr lang="es-AR" sz="1800" b="1" dirty="0" err="1">
+                <a:solidFill>
+                  <a:schemeClr val="tx1"/>
+                </a:solidFill>
+              </a:rPr>
+              <a:t>button</a:t>
+            </a:r>
+            <a:r>
+              <a:rPr lang="es-AR" sz="1800" b="1" dirty="0">
+                <a:solidFill>
+                  <a:schemeClr val="tx1"/>
+                </a:solidFill>
+              </a:rPr>
+              <a:t>" </a:t>
+            </a:r>
+            <a:r>
+              <a:rPr lang="es-AR" sz="1800" b="1" dirty="0" err="1">
+                <a:solidFill>
+                  <a:schemeClr val="tx1"/>
+                </a:solidFill>
+              </a:rPr>
+              <a:t>v-on:click</a:t>
+            </a:r>
+            <a:r>
+              <a:rPr lang="es-AR" sz="1800" b="1" dirty="0">
+                <a:solidFill>
+                  <a:schemeClr val="tx1"/>
+                </a:solidFill>
+              </a:rPr>
+              <a:t>="</a:t>
+            </a:r>
+            <a:r>
+              <a:rPr lang="es-AR" sz="1800" b="1" dirty="0" err="1">
+                <a:solidFill>
+                  <a:schemeClr val="tx1"/>
+                </a:solidFill>
+              </a:rPr>
+              <a:t>save</a:t>
+            </a:r>
+            <a:r>
+              <a:rPr lang="es-AR" sz="1800" b="1" dirty="0">
+                <a:solidFill>
+                  <a:schemeClr val="tx1"/>
+                </a:solidFill>
+              </a:rPr>
+              <a:t>()"&gt;</a:t>
+            </a:r>
+            <a:r>
+              <a:rPr lang="es-AR" sz="1800" b="1" dirty="0" err="1">
+                <a:solidFill>
+                  <a:schemeClr val="tx1"/>
+                </a:solidFill>
+              </a:rPr>
+              <a:t>Save</a:t>
+            </a:r>
+            <a:r>
+              <a:rPr lang="es-AR" sz="1800" b="1" dirty="0">
+                <a:solidFill>
+                  <a:schemeClr val="tx1"/>
+                </a:solidFill>
+              </a:rPr>
+              <a:t>&lt;/</a:t>
+            </a:r>
+            <a:r>
+              <a:rPr lang="es-AR" sz="1800" b="1" dirty="0" err="1">
+                <a:solidFill>
+                  <a:schemeClr val="tx1"/>
+                </a:solidFill>
+              </a:rPr>
+              <a:t>button</a:t>
+            </a:r>
+            <a:r>
+              <a:rPr lang="es-AR" sz="1800" b="1" dirty="0">
+                <a:solidFill>
+                  <a:schemeClr val="tx1"/>
+                </a:solidFill>
+              </a:rPr>
+              <a:t>&gt;</a:t>
+            </a:r>
+          </a:p>
+          <a:p>
+            <a:r>
+              <a:rPr lang="es-AR" sz="1800" b="1" dirty="0">
+                <a:solidFill>
+                  <a:schemeClr val="tx1"/>
+                </a:solidFill>
+              </a:rPr>
+              <a:t>  &lt;/div&gt;</a:t>
+            </a:r>
+          </a:p>
+          <a:p>
+            <a:r>
+              <a:rPr lang="es-AR" sz="1800" b="1" dirty="0">
+                <a:solidFill>
+                  <a:schemeClr val="tx1"/>
+                </a:solidFill>
+              </a:rPr>
+              <a:t>&lt;/</a:t>
+            </a:r>
+            <a:r>
+              <a:rPr lang="es-AR" sz="1800" b="1" dirty="0" err="1">
+                <a:solidFill>
+                  <a:schemeClr val="tx1"/>
+                </a:solidFill>
+              </a:rPr>
+              <a:t>template</a:t>
+            </a:r>
+            <a:r>
+              <a:rPr lang="es-AR" sz="1800" b="1" dirty="0">
+                <a:solidFill>
+                  <a:schemeClr val="tx1"/>
+                </a:solidFill>
+              </a:rPr>
+              <a:t>&gt;</a:t>
+            </a:r>
+          </a:p>
+          <a:p>
+            <a:endParaRPr lang="es-AR" sz="1800" b="1" dirty="0">
+              <a:solidFill>
+                <a:schemeClr val="tx1"/>
+              </a:solidFill>
+            </a:endParaRPr>
+          </a:p>
+        </p:txBody>
+      </p:sp>
+    </p:spTree>
+    <p:extLst>
+      <p:ext uri="{BB962C8B-B14F-4D97-AF65-F5344CB8AC3E}">
+        <p14:creationId xmlns:p14="http://schemas.microsoft.com/office/powerpoint/2010/main" val="1610732109"/>
+      </p:ext>
+    </p:extLst>
+  </p:cSld>
+  <p:clrMapOvr>
+    <a:masterClrMapping/>
+  </p:clrMapOvr>
+  <p:timing>
+    <p:tnLst>
+      <p:par>
+        <p:cTn id="1" dur="indefinite" restart="never" nodeType="tmRoot"/>
+      </p:par>
+    </p:tnLst>
+  </p:timing>
+</p:sld>
+</file>
+
+<file path=ppt/slides/slide22.xml><?xml version="1.0" encoding="utf-8"?>
+<p:sld xmlns:a="http://schemas.openxmlformats.org/drawingml/2006/main" xmlns:r="http://schemas.openxmlformats.org/officeDocument/2006/relationships" xmlns:p="http://schemas.openxmlformats.org/presentationml/2006/main">
+  <p:cSld>
+    <p:spTree>
+      <p:nvGrpSpPr>
+        <p:cNvPr id="1" name=""/>
+        <p:cNvGrpSpPr/>
+        <p:nvPr/>
+      </p:nvGrpSpPr>
+      <p:grpSpPr>
+        <a:xfrm>
+          <a:off x="0" y="0"/>
+          <a:ext cx="0" cy="0"/>
+          <a:chOff x="0" y="0"/>
+          <a:chExt cx="0" cy="0"/>
+        </a:xfrm>
+      </p:grpSpPr>
+      <p:sp>
+        <p:nvSpPr>
+          <p:cNvPr id="5" name="Title 4"/>
+          <p:cNvSpPr>
+            <a:spLocks noGrp="1"/>
+          </p:cNvSpPr>
+          <p:nvPr>
+            <p:ph type="title"/>
+          </p:nvPr>
+        </p:nvSpPr>
+        <p:spPr/>
+        <p:txBody>
+          <a:bodyPr/>
+          <a:lstStyle/>
+          <a:p>
+            <a:r>
+              <a:rPr lang="es-AR" dirty="0"/>
+              <a:t>Ejercicio</a:t>
+            </a:r>
+          </a:p>
+        </p:txBody>
+      </p:sp>
+      <p:sp>
+        <p:nvSpPr>
+          <p:cNvPr id="6" name="Text Placeholder 5"/>
+          <p:cNvSpPr>
+            <a:spLocks noGrp="1"/>
+          </p:cNvSpPr>
+          <p:nvPr>
+            <p:ph type="body" sz="quarter" idx="10"/>
+          </p:nvPr>
+        </p:nvSpPr>
+        <p:spPr/>
+        <p:txBody>
+          <a:bodyPr/>
+          <a:lstStyle/>
+          <a:p>
+            <a:r>
+              <a:rPr lang="es-AR" dirty="0" smtClean="0"/>
+              <a:t>Frontend - Solución</a:t>
+            </a:r>
+            <a:endParaRPr lang="es-AR" dirty="0"/>
+          </a:p>
+        </p:txBody>
+      </p:sp>
+      <p:sp>
+        <p:nvSpPr>
+          <p:cNvPr id="2" name="TextBox 1"/>
+          <p:cNvSpPr txBox="1"/>
+          <p:nvPr/>
+        </p:nvSpPr>
+        <p:spPr>
+          <a:xfrm>
+            <a:off x="238752" y="1278770"/>
+            <a:ext cx="11610348" cy="3693319"/>
+          </a:xfrm>
+          <a:prstGeom prst="rect">
+            <a:avLst/>
+          </a:prstGeom>
+          <a:solidFill>
+            <a:schemeClr val="bg1">
+              <a:lumMod val="85000"/>
+            </a:schemeClr>
+          </a:solidFill>
+        </p:spPr>
+        <p:txBody>
+          <a:bodyPr wrap="square">
+            <a:spAutoFit/>
+          </a:bodyPr>
+          <a:lstStyle>
+            <a:defPPr>
+              <a:defRPr lang="es-AR"/>
+            </a:defPPr>
+            <a:lvl1pPr>
+              <a:defRPr sz="1600">
+                <a:solidFill>
+                  <a:srgbClr val="002060"/>
+                </a:solidFill>
+                <a:latin typeface="Consolas" panose="020B0609020204030204" pitchFamily="49" charset="0"/>
+              </a:defRPr>
+            </a:lvl1pPr>
+          </a:lstStyle>
+          <a:p>
+            <a:r>
+              <a:rPr lang="es-AR" sz="1800" b="1" dirty="0" err="1">
+                <a:solidFill>
+                  <a:schemeClr val="tx1"/>
+                </a:solidFill>
+              </a:rPr>
+              <a:t>import</a:t>
+            </a:r>
+            <a:r>
+              <a:rPr lang="es-AR" sz="1800" b="1" dirty="0">
+                <a:solidFill>
+                  <a:schemeClr val="tx1"/>
+                </a:solidFill>
+              </a:rPr>
+              <a:t> </a:t>
+            </a:r>
+            <a:r>
+              <a:rPr lang="es-AR" sz="1800" b="1" dirty="0" err="1">
+                <a:solidFill>
+                  <a:schemeClr val="tx1"/>
+                </a:solidFill>
+              </a:rPr>
+              <a:t>Services</a:t>
+            </a:r>
+            <a:r>
+              <a:rPr lang="es-AR" sz="1800" b="1" dirty="0">
+                <a:solidFill>
+                  <a:schemeClr val="tx1"/>
+                </a:solidFill>
+              </a:rPr>
+              <a:t> </a:t>
+            </a:r>
+            <a:r>
+              <a:rPr lang="es-AR" sz="1800" b="1" dirty="0" err="1">
+                <a:solidFill>
+                  <a:schemeClr val="tx1"/>
+                </a:solidFill>
+              </a:rPr>
+              <a:t>from</a:t>
+            </a:r>
+            <a:r>
+              <a:rPr lang="es-AR" sz="1800" b="1" dirty="0">
+                <a:solidFill>
+                  <a:schemeClr val="tx1"/>
+                </a:solidFill>
+              </a:rPr>
+              <a:t> '@/</a:t>
+            </a:r>
+            <a:r>
+              <a:rPr lang="es-AR" sz="1800" b="1" dirty="0" err="1">
+                <a:solidFill>
+                  <a:schemeClr val="tx1"/>
+                </a:solidFill>
+              </a:rPr>
+              <a:t>services</a:t>
+            </a:r>
+            <a:r>
+              <a:rPr lang="es-AR" sz="1800" b="1" dirty="0">
+                <a:solidFill>
+                  <a:schemeClr val="tx1"/>
+                </a:solidFill>
+              </a:rPr>
+              <a:t>'</a:t>
+            </a:r>
+          </a:p>
+          <a:p>
+            <a:r>
+              <a:rPr lang="es-AR" sz="1800" b="1" dirty="0">
+                <a:solidFill>
+                  <a:schemeClr val="tx1"/>
+                </a:solidFill>
+              </a:rPr>
+              <a:t/>
+            </a:r>
+            <a:br>
+              <a:rPr lang="es-AR" sz="1800" b="1" dirty="0">
+                <a:solidFill>
+                  <a:schemeClr val="tx1"/>
+                </a:solidFill>
+              </a:rPr>
+            </a:br>
+            <a:r>
+              <a:rPr lang="es-AR" sz="1800" b="1" dirty="0" err="1">
+                <a:solidFill>
+                  <a:schemeClr val="tx1"/>
+                </a:solidFill>
+              </a:rPr>
+              <a:t>export</a:t>
+            </a:r>
+            <a:r>
+              <a:rPr lang="es-AR" sz="1800" b="1" dirty="0">
+                <a:solidFill>
+                  <a:schemeClr val="tx1"/>
+                </a:solidFill>
+              </a:rPr>
+              <a:t> default {</a:t>
+            </a:r>
+          </a:p>
+          <a:p>
+            <a:r>
+              <a:rPr lang="es-AR" sz="1800" b="1" dirty="0">
+                <a:solidFill>
+                  <a:schemeClr val="tx1"/>
+                </a:solidFill>
+              </a:rPr>
+              <a:t>  </a:t>
+            </a:r>
+            <a:r>
+              <a:rPr lang="es-AR" sz="1800" b="1" dirty="0" err="1">
+                <a:solidFill>
+                  <a:schemeClr val="tx1"/>
+                </a:solidFill>
+              </a:rPr>
+              <a:t>name</a:t>
+            </a:r>
+            <a:r>
+              <a:rPr lang="es-AR" sz="1800" b="1" dirty="0">
+                <a:solidFill>
+                  <a:schemeClr val="tx1"/>
+                </a:solidFill>
+              </a:rPr>
+              <a:t>: '</a:t>
+            </a:r>
+            <a:r>
+              <a:rPr lang="es-AR" sz="1800" b="1" dirty="0" err="1">
+                <a:solidFill>
+                  <a:schemeClr val="tx1"/>
+                </a:solidFill>
+              </a:rPr>
+              <a:t>Edit</a:t>
+            </a:r>
+            <a:r>
+              <a:rPr lang="es-AR" sz="1800" b="1" dirty="0">
+                <a:solidFill>
+                  <a:schemeClr val="tx1"/>
+                </a:solidFill>
+              </a:rPr>
+              <a:t>',</a:t>
+            </a:r>
+          </a:p>
+          <a:p>
+            <a:r>
+              <a:rPr lang="es-AR" sz="1800" b="1" dirty="0">
+                <a:solidFill>
+                  <a:schemeClr val="tx1"/>
+                </a:solidFill>
+              </a:rPr>
+              <a:t>  data: () =&gt; {</a:t>
+            </a:r>
+          </a:p>
+          <a:p>
+            <a:r>
+              <a:rPr lang="es-AR" sz="1800" b="1" dirty="0">
+                <a:solidFill>
+                  <a:schemeClr val="tx1"/>
+                </a:solidFill>
+              </a:rPr>
+              <a:t>    </a:t>
+            </a:r>
+            <a:r>
+              <a:rPr lang="es-AR" sz="1800" b="1" dirty="0" err="1">
+                <a:solidFill>
+                  <a:schemeClr val="tx1"/>
+                </a:solidFill>
+              </a:rPr>
+              <a:t>return</a:t>
+            </a:r>
+            <a:r>
+              <a:rPr lang="es-AR" sz="1800" b="1" dirty="0">
+                <a:solidFill>
+                  <a:schemeClr val="tx1"/>
+                </a:solidFill>
+              </a:rPr>
+              <a:t> {</a:t>
+            </a:r>
+          </a:p>
+          <a:p>
+            <a:r>
+              <a:rPr lang="es-AR" sz="1800" b="1" dirty="0">
+                <a:solidFill>
+                  <a:schemeClr val="tx1"/>
+                </a:solidFill>
+              </a:rPr>
+              <a:t>      </a:t>
+            </a:r>
+            <a:r>
+              <a:rPr lang="es-AR" sz="1800" b="1" dirty="0" err="1">
+                <a:solidFill>
+                  <a:schemeClr val="tx1"/>
+                </a:solidFill>
+              </a:rPr>
+              <a:t>movie</a:t>
+            </a:r>
+            <a:r>
+              <a:rPr lang="es-AR" sz="1800" b="1" dirty="0">
+                <a:solidFill>
+                  <a:schemeClr val="tx1"/>
+                </a:solidFill>
+              </a:rPr>
+              <a:t>: {}</a:t>
+            </a:r>
+          </a:p>
+          <a:p>
+            <a:r>
+              <a:rPr lang="es-AR" sz="1800" b="1" dirty="0">
+                <a:solidFill>
+                  <a:schemeClr val="tx1"/>
+                </a:solidFill>
+              </a:rPr>
+              <a:t>    }</a:t>
+            </a:r>
+          </a:p>
+          <a:p>
+            <a:r>
+              <a:rPr lang="es-AR" sz="1800" b="1" dirty="0">
+                <a:solidFill>
+                  <a:schemeClr val="tx1"/>
+                </a:solidFill>
+              </a:rPr>
+              <a:t>  },</a:t>
+            </a:r>
+          </a:p>
+          <a:p>
+            <a:r>
+              <a:rPr lang="es-AR" sz="1800" b="1" dirty="0">
+                <a:solidFill>
+                  <a:schemeClr val="tx1"/>
+                </a:solidFill>
+              </a:rPr>
+              <a:t>  </a:t>
+            </a:r>
+            <a:r>
+              <a:rPr lang="es-AR" sz="1800" b="1" dirty="0" err="1">
+                <a:solidFill>
+                  <a:schemeClr val="tx1"/>
+                </a:solidFill>
+              </a:rPr>
+              <a:t>created</a:t>
+            </a:r>
+            <a:r>
+              <a:rPr lang="es-AR" sz="1800" b="1" dirty="0">
+                <a:solidFill>
+                  <a:schemeClr val="tx1"/>
+                </a:solidFill>
+              </a:rPr>
+              <a:t>: </a:t>
+            </a:r>
+            <a:r>
+              <a:rPr lang="es-AR" sz="1800" b="1" dirty="0" err="1">
+                <a:solidFill>
+                  <a:schemeClr val="tx1"/>
+                </a:solidFill>
+              </a:rPr>
+              <a:t>function</a:t>
+            </a:r>
+            <a:r>
+              <a:rPr lang="es-AR" sz="1800" b="1" dirty="0">
+                <a:solidFill>
+                  <a:schemeClr val="tx1"/>
+                </a:solidFill>
+              </a:rPr>
+              <a:t> () {</a:t>
+            </a:r>
+          </a:p>
+          <a:p>
+            <a:r>
+              <a:rPr lang="es-AR" sz="1800" b="1" dirty="0">
+                <a:solidFill>
+                  <a:schemeClr val="tx1"/>
+                </a:solidFill>
+              </a:rPr>
+              <a:t>    </a:t>
+            </a:r>
+            <a:r>
+              <a:rPr lang="es-AR" sz="1800" b="1" dirty="0" err="1">
+                <a:solidFill>
+                  <a:schemeClr val="tx1"/>
+                </a:solidFill>
+              </a:rPr>
+              <a:t>this.load</a:t>
+            </a:r>
+            <a:r>
+              <a:rPr lang="es-AR" sz="1800" b="1" dirty="0">
+                <a:solidFill>
+                  <a:schemeClr val="tx1"/>
+                </a:solidFill>
+              </a:rPr>
+              <a:t>()</a:t>
+            </a:r>
+          </a:p>
+          <a:p>
+            <a:r>
+              <a:rPr lang="es-AR" sz="1800" b="1" dirty="0">
+                <a:solidFill>
+                  <a:schemeClr val="tx1"/>
+                </a:solidFill>
+              </a:rPr>
+              <a:t>  },</a:t>
+            </a:r>
+          </a:p>
+          <a:p>
+            <a:r>
+              <a:rPr lang="es-AR" sz="1800" b="1" dirty="0">
+                <a:solidFill>
+                  <a:schemeClr val="tx1"/>
+                </a:solidFill>
+              </a:rPr>
+              <a:t>…</a:t>
+            </a:r>
+          </a:p>
+        </p:txBody>
+      </p:sp>
+    </p:spTree>
+    <p:extLst>
+      <p:ext uri="{BB962C8B-B14F-4D97-AF65-F5344CB8AC3E}">
+        <p14:creationId xmlns:p14="http://schemas.microsoft.com/office/powerpoint/2010/main" val="223143588"/>
+      </p:ext>
+    </p:extLst>
+  </p:cSld>
+  <p:clrMapOvr>
+    <a:masterClrMapping/>
+  </p:clrMapOvr>
+  <p:timing>
+    <p:tnLst>
+      <p:par>
+        <p:cTn id="1" dur="indefinite" restart="never" nodeType="tmRoot"/>
+      </p:par>
+    </p:tnLst>
+  </p:timing>
+</p:sld>
+</file>
+
+<file path=ppt/slides/slide23.xml><?xml version="1.0" encoding="utf-8"?>
+<p:sld xmlns:a="http://schemas.openxmlformats.org/drawingml/2006/main" xmlns:r="http://schemas.openxmlformats.org/officeDocument/2006/relationships" xmlns:p="http://schemas.openxmlformats.org/presentationml/2006/main">
+  <p:cSld>
+    <p:spTree>
+      <p:nvGrpSpPr>
+        <p:cNvPr id="1" name=""/>
+        <p:cNvGrpSpPr/>
+        <p:nvPr/>
+      </p:nvGrpSpPr>
+      <p:grpSpPr>
+        <a:xfrm>
+          <a:off x="0" y="0"/>
+          <a:ext cx="0" cy="0"/>
+          <a:chOff x="0" y="0"/>
+          <a:chExt cx="0" cy="0"/>
+        </a:xfrm>
+      </p:grpSpPr>
+      <p:sp>
+        <p:nvSpPr>
+          <p:cNvPr id="5" name="Title 4"/>
+          <p:cNvSpPr>
+            <a:spLocks noGrp="1"/>
+          </p:cNvSpPr>
+          <p:nvPr>
+            <p:ph type="title"/>
+          </p:nvPr>
+        </p:nvSpPr>
+        <p:spPr/>
+        <p:txBody>
+          <a:bodyPr/>
+          <a:lstStyle/>
+          <a:p>
+            <a:r>
+              <a:rPr lang="es-AR" dirty="0"/>
+              <a:t>Ejercicio</a:t>
+            </a:r>
+          </a:p>
+        </p:txBody>
+      </p:sp>
+      <p:sp>
+        <p:nvSpPr>
+          <p:cNvPr id="6" name="Text Placeholder 5"/>
+          <p:cNvSpPr>
+            <a:spLocks noGrp="1"/>
+          </p:cNvSpPr>
+          <p:nvPr>
+            <p:ph type="body" sz="quarter" idx="10"/>
+          </p:nvPr>
+        </p:nvSpPr>
+        <p:spPr/>
+        <p:txBody>
+          <a:bodyPr/>
+          <a:lstStyle/>
+          <a:p>
+            <a:r>
+              <a:rPr lang="es-AR" dirty="0" smtClean="0"/>
+              <a:t>Frontend - Solución</a:t>
+            </a:r>
+            <a:endParaRPr lang="es-AR" dirty="0"/>
+          </a:p>
+        </p:txBody>
+      </p:sp>
+      <p:sp>
+        <p:nvSpPr>
+          <p:cNvPr id="2" name="TextBox 1"/>
+          <p:cNvSpPr txBox="1"/>
+          <p:nvPr/>
+        </p:nvSpPr>
+        <p:spPr>
+          <a:xfrm>
+            <a:off x="238752" y="1234768"/>
+            <a:ext cx="11572248" cy="5078313"/>
+          </a:xfrm>
+          <a:prstGeom prst="rect">
+            <a:avLst/>
+          </a:prstGeom>
+          <a:solidFill>
+            <a:schemeClr val="bg1">
+              <a:lumMod val="85000"/>
+            </a:schemeClr>
+          </a:solidFill>
+        </p:spPr>
+        <p:txBody>
+          <a:bodyPr wrap="square">
+            <a:spAutoFit/>
+          </a:bodyPr>
+          <a:lstStyle>
+            <a:defPPr>
+              <a:defRPr lang="es-AR"/>
+            </a:defPPr>
+            <a:lvl1pPr>
+              <a:defRPr sz="1600">
+                <a:solidFill>
+                  <a:srgbClr val="002060"/>
+                </a:solidFill>
+                <a:latin typeface="Consolas" panose="020B0609020204030204" pitchFamily="49" charset="0"/>
+              </a:defRPr>
+            </a:lvl1pPr>
+          </a:lstStyle>
+          <a:p>
+            <a:r>
+              <a:rPr lang="es-AR" sz="1800" b="1" dirty="0">
+                <a:solidFill>
+                  <a:schemeClr val="tx1"/>
+                </a:solidFill>
+              </a:rPr>
+              <a:t>…</a:t>
+            </a:r>
+          </a:p>
+          <a:p>
+            <a:r>
+              <a:rPr lang="es-AR" sz="1800" b="1" dirty="0">
+                <a:solidFill>
+                  <a:schemeClr val="tx1"/>
+                </a:solidFill>
+              </a:rPr>
+              <a:t>  </a:t>
+            </a:r>
+            <a:r>
+              <a:rPr lang="es-AR" sz="1800" b="1" dirty="0" err="1">
+                <a:solidFill>
+                  <a:schemeClr val="tx1"/>
+                </a:solidFill>
+              </a:rPr>
+              <a:t>methods</a:t>
+            </a:r>
+            <a:r>
+              <a:rPr lang="es-AR" sz="1800" b="1" dirty="0">
+                <a:solidFill>
+                  <a:schemeClr val="tx1"/>
+                </a:solidFill>
+              </a:rPr>
+              <a:t>: {</a:t>
+            </a:r>
+          </a:p>
+          <a:p>
+            <a:r>
+              <a:rPr lang="es-AR" sz="1800" b="1" dirty="0">
+                <a:solidFill>
+                  <a:schemeClr val="tx1"/>
+                </a:solidFill>
+              </a:rPr>
+              <a:t>    load: </a:t>
+            </a:r>
+            <a:r>
+              <a:rPr lang="es-AR" sz="1800" b="1" dirty="0" err="1">
+                <a:solidFill>
+                  <a:schemeClr val="tx1"/>
+                </a:solidFill>
+              </a:rPr>
+              <a:t>function</a:t>
+            </a:r>
+            <a:r>
+              <a:rPr lang="es-AR" sz="1800" b="1" dirty="0">
+                <a:solidFill>
+                  <a:schemeClr val="tx1"/>
+                </a:solidFill>
+              </a:rPr>
+              <a:t> () {</a:t>
+            </a:r>
+          </a:p>
+          <a:p>
+            <a:r>
+              <a:rPr lang="es-AR" sz="1800" b="1" dirty="0">
+                <a:solidFill>
+                  <a:schemeClr val="tx1"/>
+                </a:solidFill>
+              </a:rPr>
+              <a:t>      </a:t>
+            </a:r>
+            <a:r>
+              <a:rPr lang="es-AR" sz="1800" b="1" dirty="0" err="1">
+                <a:solidFill>
+                  <a:schemeClr val="tx1"/>
+                </a:solidFill>
+              </a:rPr>
+              <a:t>Services.getMovie</a:t>
+            </a:r>
+            <a:r>
+              <a:rPr lang="es-AR" sz="1800" b="1" dirty="0">
+                <a:solidFill>
+                  <a:schemeClr val="tx1"/>
+                </a:solidFill>
+              </a:rPr>
+              <a:t>(this.$route.params.id)</a:t>
+            </a:r>
+          </a:p>
+          <a:p>
+            <a:r>
+              <a:rPr lang="es-AR" sz="1800" b="1" dirty="0">
+                <a:solidFill>
+                  <a:schemeClr val="tx1"/>
+                </a:solidFill>
+              </a:rPr>
+              <a:t>      .</a:t>
+            </a:r>
+            <a:r>
+              <a:rPr lang="es-AR" sz="1800" b="1" dirty="0" err="1">
+                <a:solidFill>
+                  <a:schemeClr val="tx1"/>
+                </a:solidFill>
+              </a:rPr>
+              <a:t>then</a:t>
+            </a:r>
+            <a:r>
+              <a:rPr lang="es-AR" sz="1800" b="1" dirty="0">
+                <a:solidFill>
+                  <a:schemeClr val="tx1"/>
+                </a:solidFill>
+              </a:rPr>
+              <a:t>(response =&gt; </a:t>
+            </a:r>
+            <a:r>
+              <a:rPr lang="es-AR" sz="1800" b="1" dirty="0" err="1">
+                <a:solidFill>
+                  <a:schemeClr val="tx1"/>
+                </a:solidFill>
+              </a:rPr>
+              <a:t>response.json</a:t>
+            </a:r>
+            <a:r>
+              <a:rPr lang="es-AR" sz="1800" b="1" dirty="0">
+                <a:solidFill>
+                  <a:schemeClr val="tx1"/>
+                </a:solidFill>
+              </a:rPr>
+              <a:t>())</a:t>
+            </a:r>
+          </a:p>
+          <a:p>
+            <a:r>
+              <a:rPr lang="es-AR" sz="1800" b="1" dirty="0">
+                <a:solidFill>
+                  <a:schemeClr val="tx1"/>
+                </a:solidFill>
+              </a:rPr>
+              <a:t>      .</a:t>
+            </a:r>
+            <a:r>
+              <a:rPr lang="es-AR" sz="1800" b="1" dirty="0" err="1">
+                <a:solidFill>
+                  <a:schemeClr val="tx1"/>
+                </a:solidFill>
+              </a:rPr>
+              <a:t>then</a:t>
+            </a:r>
+            <a:r>
+              <a:rPr lang="es-AR" sz="1800" b="1" dirty="0">
+                <a:solidFill>
+                  <a:schemeClr val="tx1"/>
+                </a:solidFill>
+              </a:rPr>
+              <a:t>((</a:t>
+            </a:r>
+            <a:r>
+              <a:rPr lang="es-AR" sz="1800" b="1" dirty="0" err="1">
+                <a:solidFill>
+                  <a:schemeClr val="tx1"/>
+                </a:solidFill>
+              </a:rPr>
+              <a:t>jsonResponse</a:t>
+            </a:r>
+            <a:r>
+              <a:rPr lang="es-AR" sz="1800" b="1" dirty="0">
+                <a:solidFill>
+                  <a:schemeClr val="tx1"/>
+                </a:solidFill>
+              </a:rPr>
+              <a:t>) =&gt; {</a:t>
+            </a:r>
+          </a:p>
+          <a:p>
+            <a:r>
+              <a:rPr lang="es-AR" sz="1800" b="1" dirty="0">
+                <a:solidFill>
+                  <a:schemeClr val="tx1"/>
+                </a:solidFill>
+              </a:rPr>
+              <a:t>        </a:t>
+            </a:r>
+            <a:r>
+              <a:rPr lang="es-AR" sz="1800" b="1" dirty="0" err="1">
+                <a:solidFill>
+                  <a:schemeClr val="tx1"/>
+                </a:solidFill>
+              </a:rPr>
+              <a:t>this.movie</a:t>
+            </a:r>
+            <a:r>
+              <a:rPr lang="es-AR" sz="1800" b="1" dirty="0">
+                <a:solidFill>
+                  <a:schemeClr val="tx1"/>
+                </a:solidFill>
+              </a:rPr>
+              <a:t> = </a:t>
+            </a:r>
+            <a:r>
+              <a:rPr lang="es-AR" sz="1800" b="1" dirty="0" err="1">
+                <a:solidFill>
+                  <a:schemeClr val="tx1"/>
+                </a:solidFill>
+              </a:rPr>
+              <a:t>jsonResponse</a:t>
+            </a:r>
+            <a:endParaRPr lang="es-AR" sz="1800" b="1" dirty="0">
+              <a:solidFill>
+                <a:schemeClr val="tx1"/>
+              </a:solidFill>
+            </a:endParaRPr>
+          </a:p>
+          <a:p>
+            <a:r>
+              <a:rPr lang="es-AR" sz="1800" b="1" dirty="0">
+                <a:solidFill>
+                  <a:schemeClr val="tx1"/>
+                </a:solidFill>
+              </a:rPr>
+              <a:t>      })</a:t>
+            </a:r>
+          </a:p>
+          <a:p>
+            <a:r>
+              <a:rPr lang="es-AR" sz="1800" b="1" dirty="0">
+                <a:solidFill>
+                  <a:schemeClr val="tx1"/>
+                </a:solidFill>
+              </a:rPr>
+              <a:t>    },</a:t>
+            </a:r>
+          </a:p>
+          <a:p>
+            <a:r>
+              <a:rPr lang="es-AR" sz="1800" b="1" dirty="0">
+                <a:solidFill>
+                  <a:schemeClr val="tx1"/>
+                </a:solidFill>
+              </a:rPr>
+              <a:t>    </a:t>
+            </a:r>
+            <a:r>
+              <a:rPr lang="es-AR" sz="1800" b="1" dirty="0" err="1">
+                <a:solidFill>
+                  <a:schemeClr val="tx1"/>
+                </a:solidFill>
+              </a:rPr>
+              <a:t>save</a:t>
+            </a:r>
+            <a:r>
+              <a:rPr lang="es-AR" sz="1800" b="1" dirty="0">
+                <a:solidFill>
+                  <a:schemeClr val="tx1"/>
+                </a:solidFill>
+              </a:rPr>
+              <a:t>: </a:t>
+            </a:r>
+            <a:r>
+              <a:rPr lang="es-AR" sz="1800" b="1" dirty="0" err="1">
+                <a:solidFill>
+                  <a:schemeClr val="tx1"/>
+                </a:solidFill>
+              </a:rPr>
+              <a:t>function</a:t>
+            </a:r>
+            <a:r>
+              <a:rPr lang="es-AR" sz="1800" b="1" dirty="0">
+                <a:solidFill>
+                  <a:schemeClr val="tx1"/>
+                </a:solidFill>
+              </a:rPr>
+              <a:t> () {</a:t>
+            </a:r>
+          </a:p>
+          <a:p>
+            <a:r>
+              <a:rPr lang="es-AR" sz="1800" b="1" dirty="0">
+                <a:solidFill>
+                  <a:schemeClr val="tx1"/>
+                </a:solidFill>
+              </a:rPr>
+              <a:t>      </a:t>
+            </a:r>
+            <a:r>
+              <a:rPr lang="es-AR" sz="1800" b="1" dirty="0" err="1">
+                <a:solidFill>
+                  <a:schemeClr val="tx1"/>
+                </a:solidFill>
+              </a:rPr>
+              <a:t>Services.updateMovie</a:t>
+            </a:r>
+            <a:r>
+              <a:rPr lang="es-AR" sz="1800" b="1" dirty="0">
+                <a:solidFill>
+                  <a:schemeClr val="tx1"/>
+                </a:solidFill>
+              </a:rPr>
+              <a:t>(</a:t>
+            </a:r>
+            <a:r>
+              <a:rPr lang="es-AR" sz="1800" b="1" dirty="0" err="1">
+                <a:solidFill>
+                  <a:schemeClr val="tx1"/>
+                </a:solidFill>
+              </a:rPr>
+              <a:t>this.movie</a:t>
+            </a:r>
+            <a:r>
+              <a:rPr lang="es-AR" sz="1800" b="1" dirty="0">
+                <a:solidFill>
+                  <a:schemeClr val="tx1"/>
+                </a:solidFill>
+              </a:rPr>
+              <a:t>)</a:t>
+            </a:r>
+          </a:p>
+          <a:p>
+            <a:r>
+              <a:rPr lang="es-AR" sz="1800" b="1" dirty="0">
+                <a:solidFill>
+                  <a:schemeClr val="tx1"/>
+                </a:solidFill>
+              </a:rPr>
+              <a:t>      .</a:t>
+            </a:r>
+            <a:r>
+              <a:rPr lang="es-AR" sz="1800" b="1" dirty="0" err="1">
+                <a:solidFill>
+                  <a:schemeClr val="tx1"/>
+                </a:solidFill>
+              </a:rPr>
+              <a:t>then</a:t>
+            </a:r>
+            <a:r>
+              <a:rPr lang="es-AR" sz="1800" b="1" dirty="0">
+                <a:solidFill>
+                  <a:schemeClr val="tx1"/>
+                </a:solidFill>
+              </a:rPr>
+              <a:t>(() =&gt; </a:t>
+            </a:r>
+            <a:r>
+              <a:rPr lang="es-AR" sz="1800" b="1" dirty="0" err="1">
+                <a:solidFill>
+                  <a:schemeClr val="tx1"/>
+                </a:solidFill>
+              </a:rPr>
+              <a:t>this</a:t>
+            </a:r>
+            <a:r>
+              <a:rPr lang="es-AR" sz="1800" b="1" dirty="0">
+                <a:solidFill>
+                  <a:schemeClr val="tx1"/>
+                </a:solidFill>
+              </a:rPr>
+              <a:t>.$</a:t>
+            </a:r>
+            <a:r>
+              <a:rPr lang="es-AR" sz="1800" b="1" dirty="0" err="1">
+                <a:solidFill>
+                  <a:schemeClr val="tx1"/>
+                </a:solidFill>
+              </a:rPr>
+              <a:t>router.push</a:t>
+            </a:r>
+            <a:r>
+              <a:rPr lang="es-AR" sz="1800" b="1" dirty="0">
+                <a:solidFill>
+                  <a:schemeClr val="tx1"/>
+                </a:solidFill>
+              </a:rPr>
+              <a:t>('/</a:t>
+            </a:r>
+            <a:r>
+              <a:rPr lang="es-AR" sz="1800" b="1" dirty="0" err="1">
+                <a:solidFill>
+                  <a:schemeClr val="tx1"/>
+                </a:solidFill>
+              </a:rPr>
+              <a:t>list</a:t>
+            </a:r>
+            <a:r>
+              <a:rPr lang="es-AR" sz="1800" b="1" dirty="0">
+                <a:solidFill>
+                  <a:schemeClr val="tx1"/>
+                </a:solidFill>
+              </a:rPr>
+              <a:t>'))</a:t>
+            </a:r>
+          </a:p>
+          <a:p>
+            <a:r>
+              <a:rPr lang="es-AR" sz="1800" b="1" dirty="0">
+                <a:solidFill>
+                  <a:schemeClr val="tx1"/>
+                </a:solidFill>
+              </a:rPr>
+              <a:t>    },</a:t>
+            </a:r>
+          </a:p>
+          <a:p>
+            <a:r>
+              <a:rPr lang="es-AR" sz="1800" b="1" dirty="0">
+                <a:solidFill>
+                  <a:schemeClr val="tx1"/>
+                </a:solidFill>
+              </a:rPr>
+              <a:t>    cancel: </a:t>
+            </a:r>
+            <a:r>
+              <a:rPr lang="es-AR" sz="1800" b="1" dirty="0" err="1">
+                <a:solidFill>
+                  <a:schemeClr val="tx1"/>
+                </a:solidFill>
+              </a:rPr>
+              <a:t>function</a:t>
+            </a:r>
+            <a:r>
+              <a:rPr lang="es-AR" sz="1800" b="1" dirty="0">
+                <a:solidFill>
+                  <a:schemeClr val="tx1"/>
+                </a:solidFill>
+              </a:rPr>
+              <a:t> () {</a:t>
+            </a:r>
+          </a:p>
+          <a:p>
+            <a:r>
+              <a:rPr lang="es-AR" sz="1800" b="1" dirty="0">
+                <a:solidFill>
+                  <a:schemeClr val="tx1"/>
+                </a:solidFill>
+              </a:rPr>
+              <a:t>      </a:t>
+            </a:r>
+            <a:r>
+              <a:rPr lang="es-AR" sz="1800" b="1" dirty="0" err="1">
+                <a:solidFill>
+                  <a:schemeClr val="tx1"/>
+                </a:solidFill>
+              </a:rPr>
+              <a:t>this</a:t>
+            </a:r>
+            <a:r>
+              <a:rPr lang="es-AR" sz="1800" b="1" dirty="0">
+                <a:solidFill>
+                  <a:schemeClr val="tx1"/>
+                </a:solidFill>
+              </a:rPr>
+              <a:t>.$</a:t>
+            </a:r>
+            <a:r>
+              <a:rPr lang="es-AR" sz="1800" b="1" dirty="0" err="1">
+                <a:solidFill>
+                  <a:schemeClr val="tx1"/>
+                </a:solidFill>
+              </a:rPr>
+              <a:t>router.push</a:t>
+            </a:r>
+            <a:r>
+              <a:rPr lang="es-AR" sz="1800" b="1" dirty="0">
+                <a:solidFill>
+                  <a:schemeClr val="tx1"/>
+                </a:solidFill>
+              </a:rPr>
+              <a:t>('/</a:t>
+            </a:r>
+            <a:r>
+              <a:rPr lang="es-AR" sz="1800" b="1" dirty="0" err="1">
+                <a:solidFill>
+                  <a:schemeClr val="tx1"/>
+                </a:solidFill>
+              </a:rPr>
+              <a:t>list</a:t>
+            </a:r>
+            <a:r>
+              <a:rPr lang="es-AR" sz="1800" b="1" dirty="0">
+                <a:solidFill>
+                  <a:schemeClr val="tx1"/>
+                </a:solidFill>
+              </a:rPr>
+              <a:t>')</a:t>
+            </a:r>
+          </a:p>
+          <a:p>
+            <a:r>
+              <a:rPr lang="es-AR" sz="1800" b="1" dirty="0">
+                <a:solidFill>
+                  <a:schemeClr val="tx1"/>
+                </a:solidFill>
+              </a:rPr>
+              <a:t>    }</a:t>
+            </a:r>
+          </a:p>
+          <a:p>
+            <a:r>
+              <a:rPr lang="es-AR" sz="1800" b="1" dirty="0">
+                <a:solidFill>
+                  <a:schemeClr val="tx1"/>
+                </a:solidFill>
+              </a:rPr>
+              <a:t>  }</a:t>
+            </a:r>
+          </a:p>
+          <a:p>
+            <a:r>
+              <a:rPr lang="es-AR" sz="1800" b="1" dirty="0" smtClean="0">
+                <a:solidFill>
+                  <a:schemeClr val="tx1"/>
+                </a:solidFill>
+              </a:rPr>
+              <a:t>}</a:t>
+            </a:r>
+            <a:endParaRPr lang="es-AR" sz="1800" b="1" dirty="0">
+              <a:solidFill>
+                <a:schemeClr val="tx1"/>
+              </a:solidFill>
+            </a:endParaRPr>
+          </a:p>
+        </p:txBody>
+      </p:sp>
+    </p:spTree>
+    <p:extLst>
+      <p:ext uri="{BB962C8B-B14F-4D97-AF65-F5344CB8AC3E}">
+        <p14:creationId xmlns:p14="http://schemas.microsoft.com/office/powerpoint/2010/main" val="1169066031"/>
+      </p:ext>
+    </p:extLst>
+  </p:cSld>
+  <p:clrMapOvr>
+    <a:masterClrMapping/>
+  </p:clrMapOvr>
+  <p:timing>
+    <p:tnLst>
+      <p:par>
+        <p:cTn id="1" dur="indefinite" restart="never" nodeType="tmRoot"/>
+      </p:par>
+    </p:tnLst>
+  </p:timing>
+</p:sld>
+</file>
+
+<file path=ppt/slides/slide24.xml><?xml version="1.0" encoding="utf-8"?>
+<p:sld xmlns:a="http://schemas.openxmlformats.org/drawingml/2006/main" xmlns:r="http://schemas.openxmlformats.org/officeDocument/2006/relationships" xmlns:p="http://schemas.openxmlformats.org/presentationml/2006/main">
+  <p:cSld>
+    <p:spTree>
+      <p:nvGrpSpPr>
+        <p:cNvPr id="1" name=""/>
+        <p:cNvGrpSpPr/>
+        <p:nvPr/>
+      </p:nvGrpSpPr>
+      <p:grpSpPr>
+        <a:xfrm>
+          <a:off x="0" y="0"/>
+          <a:ext cx="0" cy="0"/>
+          <a:chOff x="0" y="0"/>
+          <a:chExt cx="0" cy="0"/>
+        </a:xfrm>
+      </p:grpSpPr>
+      <p:sp>
+        <p:nvSpPr>
+          <p:cNvPr id="5" name="Title 4"/>
+          <p:cNvSpPr>
+            <a:spLocks noGrp="1"/>
+          </p:cNvSpPr>
+          <p:nvPr>
+            <p:ph type="title"/>
+          </p:nvPr>
+        </p:nvSpPr>
+        <p:spPr/>
+        <p:txBody>
+          <a:bodyPr/>
+          <a:lstStyle/>
+          <a:p>
+            <a:r>
+              <a:rPr lang="es-AR" dirty="0"/>
+              <a:t>Ejercicio</a:t>
+            </a:r>
+          </a:p>
+        </p:txBody>
+      </p:sp>
+      <p:sp>
+        <p:nvSpPr>
+          <p:cNvPr id="6" name="Text Placeholder 5"/>
+          <p:cNvSpPr>
+            <a:spLocks noGrp="1"/>
+          </p:cNvSpPr>
+          <p:nvPr>
+            <p:ph type="body" sz="quarter" idx="10"/>
+          </p:nvPr>
+        </p:nvSpPr>
+        <p:spPr/>
+        <p:txBody>
+          <a:bodyPr/>
+          <a:lstStyle/>
+          <a:p>
+            <a:r>
+              <a:rPr lang="es-AR" dirty="0" smtClean="0"/>
+              <a:t>Frontend - Solución</a:t>
+            </a:r>
+            <a:endParaRPr lang="es-AR" dirty="0"/>
+          </a:p>
+        </p:txBody>
+      </p:sp>
+      <p:sp>
+        <p:nvSpPr>
+          <p:cNvPr id="2" name="TextBox 1"/>
+          <p:cNvSpPr txBox="1"/>
+          <p:nvPr/>
+        </p:nvSpPr>
+        <p:spPr>
+          <a:xfrm>
+            <a:off x="238752" y="1278770"/>
+            <a:ext cx="11610348" cy="2862322"/>
+          </a:xfrm>
+          <a:prstGeom prst="rect">
+            <a:avLst/>
+          </a:prstGeom>
+          <a:solidFill>
+            <a:schemeClr val="bg1">
+              <a:lumMod val="85000"/>
+            </a:schemeClr>
+          </a:solidFill>
+        </p:spPr>
+        <p:txBody>
+          <a:bodyPr wrap="square">
+            <a:spAutoFit/>
+          </a:bodyPr>
+          <a:lstStyle>
+            <a:defPPr>
+              <a:defRPr lang="es-AR"/>
+            </a:defPPr>
+            <a:lvl1pPr>
+              <a:defRPr sz="1600">
+                <a:solidFill>
+                  <a:srgbClr val="002060"/>
+                </a:solidFill>
+                <a:latin typeface="Consolas" panose="020B0609020204030204" pitchFamily="49" charset="0"/>
+              </a:defRPr>
+            </a:lvl1pPr>
+          </a:lstStyle>
+          <a:p>
+            <a:r>
+              <a:rPr lang="es-AR" sz="1800" b="1" dirty="0" err="1">
+                <a:solidFill>
+                  <a:schemeClr val="tx1"/>
+                </a:solidFill>
+              </a:rPr>
+              <a:t>updateMovie</a:t>
+            </a:r>
+            <a:r>
+              <a:rPr lang="es-AR" sz="1800" b="1" dirty="0">
+                <a:solidFill>
+                  <a:schemeClr val="tx1"/>
+                </a:solidFill>
+              </a:rPr>
+              <a:t>: (</a:t>
+            </a:r>
+            <a:r>
+              <a:rPr lang="es-AR" sz="1800" b="1" dirty="0" err="1">
+                <a:solidFill>
+                  <a:schemeClr val="tx1"/>
+                </a:solidFill>
+              </a:rPr>
+              <a:t>movie</a:t>
+            </a:r>
+            <a:r>
+              <a:rPr lang="es-AR" sz="1800" b="1" dirty="0">
+                <a:solidFill>
+                  <a:schemeClr val="tx1"/>
+                </a:solidFill>
+              </a:rPr>
+              <a:t>) =&gt; {</a:t>
+            </a:r>
+          </a:p>
+          <a:p>
+            <a:r>
+              <a:rPr lang="es-AR" sz="1800" b="1" dirty="0">
+                <a:solidFill>
+                  <a:schemeClr val="tx1"/>
+                </a:solidFill>
+              </a:rPr>
+              <a:t>  </a:t>
+            </a:r>
+            <a:r>
+              <a:rPr lang="es-AR" sz="1800" b="1" dirty="0" err="1">
+                <a:solidFill>
+                  <a:schemeClr val="tx1"/>
+                </a:solidFill>
+              </a:rPr>
+              <a:t>return</a:t>
+            </a:r>
+            <a:r>
+              <a:rPr lang="es-AR" sz="1800" b="1" dirty="0">
+                <a:solidFill>
+                  <a:schemeClr val="tx1"/>
+                </a:solidFill>
+              </a:rPr>
+              <a:t> </a:t>
+            </a:r>
+            <a:r>
+              <a:rPr lang="es-AR" sz="1800" b="1" dirty="0" err="1">
+                <a:solidFill>
+                  <a:schemeClr val="tx1"/>
+                </a:solidFill>
+              </a:rPr>
+              <a:t>fetch</a:t>
+            </a:r>
+            <a:r>
+              <a:rPr lang="es-AR" sz="1800" b="1" dirty="0">
+                <a:solidFill>
+                  <a:schemeClr val="tx1"/>
+                </a:solidFill>
+              </a:rPr>
+              <a:t>(`${</a:t>
+            </a:r>
+            <a:r>
+              <a:rPr lang="es-AR" sz="1800" b="1" dirty="0" err="1">
+                <a:solidFill>
+                  <a:schemeClr val="tx1"/>
+                </a:solidFill>
+              </a:rPr>
+              <a:t>url</a:t>
+            </a:r>
+            <a:r>
+              <a:rPr lang="es-AR" sz="1800" b="1" dirty="0">
+                <a:solidFill>
+                  <a:schemeClr val="tx1"/>
+                </a:solidFill>
+              </a:rPr>
+              <a:t>}/${</a:t>
+            </a:r>
+            <a:r>
+              <a:rPr lang="es-AR" sz="1800" b="1" dirty="0" err="1">
+                <a:solidFill>
+                  <a:schemeClr val="tx1"/>
+                </a:solidFill>
+              </a:rPr>
+              <a:t>movie.movieId</a:t>
+            </a:r>
+            <a:r>
+              <a:rPr lang="es-AR" sz="1800" b="1" dirty="0">
+                <a:solidFill>
+                  <a:schemeClr val="tx1"/>
+                </a:solidFill>
+              </a:rPr>
+              <a:t>}`, {</a:t>
+            </a:r>
+          </a:p>
+          <a:p>
+            <a:r>
+              <a:rPr lang="es-AR" sz="1800" b="1" dirty="0">
+                <a:solidFill>
+                  <a:schemeClr val="tx1"/>
+                </a:solidFill>
+              </a:rPr>
+              <a:t>    </a:t>
+            </a:r>
+            <a:r>
+              <a:rPr lang="es-AR" sz="1800" b="1" dirty="0" err="1">
+                <a:solidFill>
+                  <a:schemeClr val="tx1"/>
+                </a:solidFill>
+              </a:rPr>
+              <a:t>headers</a:t>
+            </a:r>
+            <a:r>
+              <a:rPr lang="es-AR" sz="1800" b="1" dirty="0">
+                <a:solidFill>
+                  <a:schemeClr val="tx1"/>
+                </a:solidFill>
+              </a:rPr>
+              <a:t>: {</a:t>
+            </a:r>
+          </a:p>
+          <a:p>
+            <a:r>
+              <a:rPr lang="es-AR" sz="1800" b="1" dirty="0">
+                <a:solidFill>
+                  <a:schemeClr val="tx1"/>
+                </a:solidFill>
+              </a:rPr>
+              <a:t>      '</a:t>
+            </a:r>
+            <a:r>
+              <a:rPr lang="es-AR" sz="1800" b="1" dirty="0" err="1">
+                <a:solidFill>
+                  <a:schemeClr val="tx1"/>
+                </a:solidFill>
+              </a:rPr>
+              <a:t>Accept</a:t>
+            </a:r>
+            <a:r>
+              <a:rPr lang="es-AR" sz="1800" b="1" dirty="0">
+                <a:solidFill>
+                  <a:schemeClr val="tx1"/>
+                </a:solidFill>
+              </a:rPr>
+              <a:t>': '</a:t>
+            </a:r>
+            <a:r>
+              <a:rPr lang="es-AR" sz="1800" b="1" dirty="0" err="1">
+                <a:solidFill>
+                  <a:schemeClr val="tx1"/>
+                </a:solidFill>
+              </a:rPr>
+              <a:t>application</a:t>
+            </a:r>
+            <a:r>
+              <a:rPr lang="es-AR" sz="1800" b="1" dirty="0">
+                <a:solidFill>
+                  <a:schemeClr val="tx1"/>
+                </a:solidFill>
+              </a:rPr>
+              <a:t>/</a:t>
+            </a:r>
+            <a:r>
+              <a:rPr lang="es-AR" sz="1800" b="1" dirty="0" err="1">
+                <a:solidFill>
+                  <a:schemeClr val="tx1"/>
+                </a:solidFill>
+              </a:rPr>
+              <a:t>json</a:t>
+            </a:r>
+            <a:r>
+              <a:rPr lang="es-AR" sz="1800" b="1" dirty="0">
+                <a:solidFill>
+                  <a:schemeClr val="tx1"/>
+                </a:solidFill>
+              </a:rPr>
+              <a:t>',</a:t>
+            </a:r>
+          </a:p>
+          <a:p>
+            <a:r>
+              <a:rPr lang="es-AR" sz="1800" b="1" dirty="0">
+                <a:solidFill>
+                  <a:schemeClr val="tx1"/>
+                </a:solidFill>
+              </a:rPr>
+              <a:t>      'Content-</a:t>
+            </a:r>
+            <a:r>
+              <a:rPr lang="es-AR" sz="1800" b="1" dirty="0" err="1">
+                <a:solidFill>
+                  <a:schemeClr val="tx1"/>
+                </a:solidFill>
+              </a:rPr>
+              <a:t>Type</a:t>
+            </a:r>
+            <a:r>
+              <a:rPr lang="es-AR" sz="1800" b="1" dirty="0">
+                <a:solidFill>
+                  <a:schemeClr val="tx1"/>
+                </a:solidFill>
+              </a:rPr>
+              <a:t>': '</a:t>
+            </a:r>
+            <a:r>
+              <a:rPr lang="es-AR" sz="1800" b="1" dirty="0" err="1">
+                <a:solidFill>
+                  <a:schemeClr val="tx1"/>
+                </a:solidFill>
+              </a:rPr>
+              <a:t>application</a:t>
+            </a:r>
+            <a:r>
+              <a:rPr lang="es-AR" sz="1800" b="1" dirty="0">
+                <a:solidFill>
+                  <a:schemeClr val="tx1"/>
+                </a:solidFill>
+              </a:rPr>
+              <a:t>/</a:t>
+            </a:r>
+            <a:r>
+              <a:rPr lang="es-AR" sz="1800" b="1" dirty="0" err="1">
+                <a:solidFill>
+                  <a:schemeClr val="tx1"/>
+                </a:solidFill>
+              </a:rPr>
+              <a:t>json</a:t>
+            </a:r>
+            <a:r>
+              <a:rPr lang="es-AR" sz="1800" b="1" dirty="0">
+                <a:solidFill>
+                  <a:schemeClr val="tx1"/>
+                </a:solidFill>
+              </a:rPr>
+              <a:t>'</a:t>
+            </a:r>
+          </a:p>
+          <a:p>
+            <a:r>
+              <a:rPr lang="es-AR" sz="1800" b="1" dirty="0">
+                <a:solidFill>
+                  <a:schemeClr val="tx1"/>
+                </a:solidFill>
+              </a:rPr>
+              <a:t>    },</a:t>
+            </a:r>
+          </a:p>
+          <a:p>
+            <a:r>
+              <a:rPr lang="es-AR" sz="1800" b="1" dirty="0">
+                <a:solidFill>
+                  <a:schemeClr val="tx1"/>
+                </a:solidFill>
+              </a:rPr>
+              <a:t>    </a:t>
+            </a:r>
+            <a:r>
+              <a:rPr lang="es-AR" sz="1800" b="1" dirty="0" err="1">
+                <a:solidFill>
+                  <a:schemeClr val="tx1"/>
+                </a:solidFill>
+              </a:rPr>
+              <a:t>method</a:t>
+            </a:r>
+            <a:r>
+              <a:rPr lang="es-AR" sz="1800" b="1" dirty="0">
+                <a:solidFill>
+                  <a:schemeClr val="tx1"/>
+                </a:solidFill>
+              </a:rPr>
+              <a:t>: 'PUT',</a:t>
+            </a:r>
+          </a:p>
+          <a:p>
+            <a:r>
+              <a:rPr lang="es-AR" sz="1800" b="1" dirty="0">
+                <a:solidFill>
+                  <a:schemeClr val="tx1"/>
+                </a:solidFill>
+              </a:rPr>
+              <a:t>    </a:t>
+            </a:r>
+            <a:r>
+              <a:rPr lang="es-AR" sz="1800" b="1" dirty="0" err="1">
+                <a:solidFill>
+                  <a:schemeClr val="tx1"/>
+                </a:solidFill>
+              </a:rPr>
+              <a:t>body</a:t>
+            </a:r>
+            <a:r>
+              <a:rPr lang="es-AR" sz="1800" b="1" dirty="0">
+                <a:solidFill>
+                  <a:schemeClr val="tx1"/>
+                </a:solidFill>
+              </a:rPr>
+              <a:t>: </a:t>
+            </a:r>
+            <a:r>
+              <a:rPr lang="es-AR" sz="1800" b="1" dirty="0" err="1">
+                <a:solidFill>
+                  <a:schemeClr val="tx1"/>
+                </a:solidFill>
+              </a:rPr>
+              <a:t>JSON.stringify</a:t>
+            </a:r>
+            <a:r>
+              <a:rPr lang="es-AR" sz="1800" b="1" dirty="0">
+                <a:solidFill>
+                  <a:schemeClr val="tx1"/>
+                </a:solidFill>
+              </a:rPr>
+              <a:t>(</a:t>
+            </a:r>
+            <a:r>
+              <a:rPr lang="es-AR" sz="1800" b="1" dirty="0" err="1">
+                <a:solidFill>
+                  <a:schemeClr val="tx1"/>
+                </a:solidFill>
+              </a:rPr>
+              <a:t>movie</a:t>
+            </a:r>
+            <a:r>
+              <a:rPr lang="es-AR" sz="1800" b="1" dirty="0">
+                <a:solidFill>
+                  <a:schemeClr val="tx1"/>
+                </a:solidFill>
+              </a:rPr>
+              <a:t>)</a:t>
+            </a:r>
+          </a:p>
+          <a:p>
+            <a:r>
+              <a:rPr lang="es-AR" sz="1800" b="1" dirty="0">
+                <a:solidFill>
+                  <a:schemeClr val="tx1"/>
+                </a:solidFill>
+              </a:rPr>
+              <a:t>  })</a:t>
+            </a:r>
+          </a:p>
+          <a:p>
+            <a:r>
+              <a:rPr lang="es-AR" sz="1800" b="1" dirty="0">
+                <a:solidFill>
+                  <a:schemeClr val="tx1"/>
+                </a:solidFill>
+              </a:rPr>
+              <a:t>},</a:t>
+            </a:r>
+          </a:p>
+        </p:txBody>
+      </p:sp>
+    </p:spTree>
+    <p:extLst>
+      <p:ext uri="{BB962C8B-B14F-4D97-AF65-F5344CB8AC3E}">
+        <p14:creationId xmlns:p14="http://schemas.microsoft.com/office/powerpoint/2010/main" val="927289552"/>
+      </p:ext>
+    </p:extLst>
+  </p:cSld>
+  <p:clrMapOvr>
+    <a:masterClrMapping/>
+  </p:clrMapOvr>
+  <p:timing>
+    <p:tnLst>
+      <p:par>
+        <p:cTn id="1" dur="indefinite" restart="never" nodeType="tmRoot"/>
+      </p:par>
+    </p:tnLst>
+  </p:timing>
+</p:sld>
+</file>
+
+<file path=ppt/slides/slide25.xml><?xml version="1.0" encoding="utf-8"?>
+<p:sld xmlns:a="http://schemas.openxmlformats.org/drawingml/2006/main" xmlns:r="http://schemas.openxmlformats.org/officeDocument/2006/relationships" xmlns:p="http://schemas.openxmlformats.org/presentationml/2006/main">
+  <p:cSld>
+    <p:spTree>
+      <p:nvGrpSpPr>
+        <p:cNvPr id="1" name=""/>
+        <p:cNvGrpSpPr/>
+        <p:nvPr/>
+      </p:nvGrpSpPr>
+      <p:grpSpPr>
+        <a:xfrm>
+          <a:off x="0" y="0"/>
+          <a:ext cx="0" cy="0"/>
+          <a:chOff x="0" y="0"/>
+          <a:chExt cx="0" cy="0"/>
+        </a:xfrm>
+      </p:grpSpPr>
+      <p:sp>
+        <p:nvSpPr>
           <p:cNvPr id="9" name="Title 8"/>
           <p:cNvSpPr>
             <a:spLocks noGrp="1"/>
@@ -12858,7 +16404,7 @@
 </p:sld>
 </file>
 
-<file path=ppt/slides/slide21.xml><?xml version="1.0" encoding="utf-8"?>
+<file path=ppt/slides/slide26.xml><?xml version="1.0" encoding="utf-8"?>
 <p:sld xmlns:a="http://schemas.openxmlformats.org/drawingml/2006/main" xmlns:r="http://schemas.openxmlformats.org/officeDocument/2006/relationships" xmlns:p="http://schemas.openxmlformats.org/presentationml/2006/main">
   <p:cSld>
     <p:spTree>
@@ -14966,7 +18512,6 @@
               <a:rPr lang="en-US" dirty="0" smtClean="0"/>
               <a:t>Query data </a:t>
             </a:r>
-            <a:endParaRPr lang="en-US" dirty="0" smtClean="0"/>
           </a:p>
           <a:p>
             <a:endParaRPr lang="es-AR" dirty="0"/>

--- a/Presentacion.pptx
+++ b/Presentacion.pptx
@@ -14011,7 +14011,9 @@
             <a:r>
               <a:rPr lang="es-AR" sz="1800" b="1" dirty="0">
                 <a:solidFill>
-                  <a:schemeClr val="tx1"/>
+                  <a:schemeClr val="tx1">
+                    <a:lumMod val="50000"/>
+                  </a:schemeClr>
                 </a:solidFill>
               </a:rPr>
               <a:t>&lt;</a:t>
@@ -14019,7 +14021,9 @@
             <a:r>
               <a:rPr lang="es-AR" sz="1800" b="1" dirty="0" err="1">
                 <a:solidFill>
-                  <a:schemeClr val="tx1"/>
+                  <a:schemeClr val="tx1">
+                    <a:lumMod val="50000"/>
+                  </a:schemeClr>
                 </a:solidFill>
               </a:rPr>
               <a:t>template</a:t>
@@ -14027,7 +14031,9 @@
             <a:r>
               <a:rPr lang="es-AR" sz="1800" b="1" dirty="0">
                 <a:solidFill>
-                  <a:schemeClr val="tx1"/>
+                  <a:schemeClr val="tx1">
+                    <a:lumMod val="50000"/>
+                  </a:schemeClr>
                 </a:solidFill>
               </a:rPr>
               <a:t>&gt;</a:t>
@@ -14037,7 +14043,9 @@
             <a:r>
               <a:rPr lang="es-AR" sz="1800" b="1" dirty="0">
                 <a:solidFill>
-                  <a:schemeClr val="tx1"/>
+                  <a:schemeClr val="tx1">
+                    <a:lumMod val="50000"/>
+                  </a:schemeClr>
                 </a:solidFill>
               </a:rPr>
               <a:t>  &lt;div&gt;</a:t>
@@ -14047,7 +14055,9 @@
             <a:r>
               <a:rPr lang="es-AR" sz="1800" b="1" dirty="0">
                 <a:solidFill>
-                  <a:schemeClr val="tx1"/>
+                  <a:schemeClr val="tx1">
+                    <a:lumMod val="50000"/>
+                  </a:schemeClr>
                 </a:solidFill>
               </a:rPr>
               <a:t>    &lt;h2&gt;</a:t>
@@ -14055,7 +14065,9 @@
             <a:r>
               <a:rPr lang="es-AR" sz="1800" b="1" dirty="0" err="1">
                 <a:solidFill>
-                  <a:schemeClr val="tx1"/>
+                  <a:schemeClr val="tx1">
+                    <a:lumMod val="50000"/>
+                  </a:schemeClr>
                 </a:solidFill>
               </a:rPr>
               <a:t>Edit</a:t>
@@ -14063,7 +14075,9 @@
             <a:r>
               <a:rPr lang="es-AR" sz="1800" b="1" dirty="0">
                 <a:solidFill>
-                  <a:schemeClr val="tx1"/>
+                  <a:schemeClr val="tx1">
+                    <a:lumMod val="50000"/>
+                  </a:schemeClr>
                 </a:solidFill>
               </a:rPr>
               <a:t> </a:t>
@@ -14071,7 +14085,9 @@
             <a:r>
               <a:rPr lang="es-AR" sz="1800" b="1" dirty="0" err="1">
                 <a:solidFill>
-                  <a:schemeClr val="tx1"/>
+                  <a:schemeClr val="tx1">
+                    <a:lumMod val="50000"/>
+                  </a:schemeClr>
                 </a:solidFill>
               </a:rPr>
               <a:t>Movie</a:t>
@@ -14079,7 +14095,9 @@
             <a:r>
               <a:rPr lang="es-AR" sz="1800" b="1" dirty="0">
                 <a:solidFill>
-                  <a:schemeClr val="tx1"/>
+                  <a:schemeClr val="tx1">
+                    <a:lumMod val="50000"/>
+                  </a:schemeClr>
                 </a:solidFill>
               </a:rPr>
               <a:t>&lt;/h2&gt;</a:t>
@@ -14089,7 +14107,9 @@
             <a:r>
               <a:rPr lang="es-AR" sz="1800" b="1" dirty="0">
                 <a:solidFill>
-                  <a:schemeClr val="tx1"/>
+                  <a:schemeClr val="tx1">
+                    <a:lumMod val="50000"/>
+                  </a:schemeClr>
                 </a:solidFill>
               </a:rPr>
               <a:t>    &lt;div </a:t>
@@ -14097,7 +14117,9 @@
             <a:r>
               <a:rPr lang="es-AR" sz="1800" b="1" dirty="0" err="1">
                 <a:solidFill>
-                  <a:schemeClr val="tx1"/>
+                  <a:schemeClr val="tx1">
+                    <a:lumMod val="50000"/>
+                  </a:schemeClr>
                 </a:solidFill>
               </a:rPr>
               <a:t>class</a:t>
@@ -14105,7 +14127,9 @@
             <a:r>
               <a:rPr lang="es-AR" sz="1800" b="1" dirty="0">
                 <a:solidFill>
-                  <a:schemeClr val="tx1"/>
+                  <a:schemeClr val="tx1">
+                    <a:lumMod val="50000"/>
+                  </a:schemeClr>
                 </a:solidFill>
               </a:rPr>
               <a:t>="</a:t>
@@ -14113,7 +14137,9 @@
             <a:r>
               <a:rPr lang="es-AR" sz="1800" b="1" dirty="0" err="1">
                 <a:solidFill>
-                  <a:schemeClr val="tx1"/>
+                  <a:schemeClr val="tx1">
+                    <a:lumMod val="50000"/>
+                  </a:schemeClr>
                 </a:solidFill>
               </a:rPr>
               <a:t>form</a:t>
@@ -14121,7 +14147,9 @@
             <a:r>
               <a:rPr lang="es-AR" sz="1800" b="1" dirty="0">
                 <a:solidFill>
-                  <a:schemeClr val="tx1"/>
+                  <a:schemeClr val="tx1">
+                    <a:lumMod val="50000"/>
+                  </a:schemeClr>
                 </a:solidFill>
               </a:rPr>
               <a:t>"&gt;</a:t>
@@ -14131,7 +14159,9 @@
             <a:r>
               <a:rPr lang="es-AR" sz="1800" b="1" dirty="0">
                 <a:solidFill>
-                  <a:schemeClr val="tx1"/>
+                  <a:schemeClr val="tx1">
+                    <a:lumMod val="50000"/>
+                  </a:schemeClr>
                 </a:solidFill>
               </a:rPr>
               <a:t>      &lt;</a:t>
@@ -14139,7 +14169,9 @@
             <a:r>
               <a:rPr lang="es-AR" sz="1800" b="1" dirty="0" err="1">
                 <a:solidFill>
-                  <a:schemeClr val="tx1"/>
+                  <a:schemeClr val="tx1">
+                    <a:lumMod val="50000"/>
+                  </a:schemeClr>
                 </a:solidFill>
               </a:rPr>
               <a:t>label</a:t>
@@ -14147,7 +14179,9 @@
             <a:r>
               <a:rPr lang="es-AR" sz="1800" b="1" dirty="0">
                 <a:solidFill>
-                  <a:schemeClr val="tx1"/>
+                  <a:schemeClr val="tx1">
+                    <a:lumMod val="50000"/>
+                  </a:schemeClr>
                 </a:solidFill>
               </a:rPr>
               <a:t> </a:t>
@@ -14155,7 +14189,9 @@
             <a:r>
               <a:rPr lang="es-AR" sz="1800" b="1" dirty="0" err="1">
                 <a:solidFill>
-                  <a:schemeClr val="tx1"/>
+                  <a:schemeClr val="tx1">
+                    <a:lumMod val="50000"/>
+                  </a:schemeClr>
                 </a:solidFill>
               </a:rPr>
               <a:t>for</a:t>
@@ -14163,7 +14199,9 @@
             <a:r>
               <a:rPr lang="es-AR" sz="1800" b="1" dirty="0">
                 <a:solidFill>
-                  <a:schemeClr val="tx1"/>
+                  <a:schemeClr val="tx1">
+                    <a:lumMod val="50000"/>
+                  </a:schemeClr>
                 </a:solidFill>
               </a:rPr>
               <a:t>="</a:t>
@@ -14171,7 +14209,9 @@
             <a:r>
               <a:rPr lang="es-AR" sz="1800" b="1" dirty="0" err="1">
                 <a:solidFill>
-                  <a:schemeClr val="tx1"/>
+                  <a:schemeClr val="tx1">
+                    <a:lumMod val="50000"/>
+                  </a:schemeClr>
                 </a:solidFill>
               </a:rPr>
               <a:t>title</a:t>
@@ -14179,7 +14219,9 @@
             <a:r>
               <a:rPr lang="es-AR" sz="1800" b="1" dirty="0">
                 <a:solidFill>
-                  <a:schemeClr val="tx1"/>
+                  <a:schemeClr val="tx1">
+                    <a:lumMod val="50000"/>
+                  </a:schemeClr>
                 </a:solidFill>
               </a:rPr>
               <a:t>"&gt;</a:t>
@@ -14187,7 +14229,9 @@
             <a:r>
               <a:rPr lang="es-AR" sz="1800" b="1" dirty="0" err="1">
                 <a:solidFill>
-                  <a:schemeClr val="tx1"/>
+                  <a:schemeClr val="tx1">
+                    <a:lumMod val="50000"/>
+                  </a:schemeClr>
                 </a:solidFill>
               </a:rPr>
               <a:t>Title</a:t>
@@ -14195,7 +14239,9 @@
             <a:r>
               <a:rPr lang="es-AR" sz="1800" b="1" dirty="0">
                 <a:solidFill>
-                  <a:schemeClr val="tx1"/>
+                  <a:schemeClr val="tx1">
+                    <a:lumMod val="50000"/>
+                  </a:schemeClr>
                 </a:solidFill>
               </a:rPr>
               <a:t>&lt;/</a:t>
@@ -14203,7 +14249,9 @@
             <a:r>
               <a:rPr lang="es-AR" sz="1800" b="1" dirty="0" err="1">
                 <a:solidFill>
-                  <a:schemeClr val="tx1"/>
+                  <a:schemeClr val="tx1">
+                    <a:lumMod val="50000"/>
+                  </a:schemeClr>
                 </a:solidFill>
               </a:rPr>
               <a:t>label</a:t>
@@ -14211,7 +14259,9 @@
             <a:r>
               <a:rPr lang="es-AR" sz="1800" b="1" dirty="0">
                 <a:solidFill>
-                  <a:schemeClr val="tx1"/>
+                  <a:schemeClr val="tx1">
+                    <a:lumMod val="50000"/>
+                  </a:schemeClr>
                 </a:solidFill>
               </a:rPr>
               <a:t>&gt;</a:t>
@@ -14221,7 +14271,9 @@
             <a:r>
               <a:rPr lang="es-AR" sz="1800" b="1" dirty="0">
                 <a:solidFill>
-                  <a:schemeClr val="tx1"/>
+                  <a:schemeClr val="tx1">
+                    <a:lumMod val="50000"/>
+                  </a:schemeClr>
                 </a:solidFill>
               </a:rPr>
               <a:t>      &lt;input </a:t>
@@ -14229,7 +14281,9 @@
             <a:r>
               <a:rPr lang="es-AR" sz="1800" b="1" dirty="0" err="1">
                 <a:solidFill>
-                  <a:schemeClr val="tx1"/>
+                  <a:schemeClr val="tx1">
+                    <a:lumMod val="50000"/>
+                  </a:schemeClr>
                 </a:solidFill>
               </a:rPr>
               <a:t>type</a:t>
@@ -14237,7 +14291,9 @@
             <a:r>
               <a:rPr lang="es-AR" sz="1800" b="1" dirty="0">
                 <a:solidFill>
-                  <a:schemeClr val="tx1"/>
+                  <a:schemeClr val="tx1">
+                    <a:lumMod val="50000"/>
+                  </a:schemeClr>
                 </a:solidFill>
               </a:rPr>
               <a:t>="</a:t>
@@ -14245,7 +14301,9 @@
             <a:r>
               <a:rPr lang="es-AR" sz="1800" b="1" dirty="0" err="1">
                 <a:solidFill>
-                  <a:schemeClr val="tx1"/>
+                  <a:schemeClr val="tx1">
+                    <a:lumMod val="50000"/>
+                  </a:schemeClr>
                 </a:solidFill>
               </a:rPr>
               <a:t>text</a:t>
@@ -14253,7 +14311,9 @@
             <a:r>
               <a:rPr lang="es-AR" sz="1800" b="1" dirty="0">
                 <a:solidFill>
-                  <a:schemeClr val="tx1"/>
+                  <a:schemeClr val="tx1">
+                    <a:lumMod val="50000"/>
+                  </a:schemeClr>
                 </a:solidFill>
               </a:rPr>
               <a:t>" id="</a:t>
@@ -14261,7 +14321,9 @@
             <a:r>
               <a:rPr lang="es-AR" sz="1800" b="1" dirty="0" err="1">
                 <a:solidFill>
-                  <a:schemeClr val="tx1"/>
+                  <a:schemeClr val="tx1">
+                    <a:lumMod val="50000"/>
+                  </a:schemeClr>
                 </a:solidFill>
               </a:rPr>
               <a:t>title</a:t>
@@ -14269,7 +14331,9 @@
             <a:r>
               <a:rPr lang="es-AR" sz="1800" b="1" dirty="0">
                 <a:solidFill>
-                  <a:schemeClr val="tx1"/>
+                  <a:schemeClr val="tx1">
+                    <a:lumMod val="50000"/>
+                  </a:schemeClr>
                 </a:solidFill>
               </a:rPr>
               <a:t>" v-</a:t>
@@ -14277,7 +14341,9 @@
             <a:r>
               <a:rPr lang="es-AR" sz="1800" b="1" dirty="0" err="1">
                 <a:solidFill>
-                  <a:schemeClr val="tx1"/>
+                  <a:schemeClr val="tx1">
+                    <a:lumMod val="50000"/>
+                  </a:schemeClr>
                 </a:solidFill>
               </a:rPr>
               <a:t>model</a:t>
@@ -14285,7 +14351,9 @@
             <a:r>
               <a:rPr lang="es-AR" sz="1800" b="1" dirty="0">
                 <a:solidFill>
-                  <a:schemeClr val="tx1"/>
+                  <a:schemeClr val="tx1">
+                    <a:lumMod val="50000"/>
+                  </a:schemeClr>
                 </a:solidFill>
               </a:rPr>
               <a:t>="</a:t>
@@ -14293,7 +14361,9 @@
             <a:r>
               <a:rPr lang="es-AR" sz="1800" b="1" dirty="0" err="1">
                 <a:solidFill>
-                  <a:schemeClr val="tx1"/>
+                  <a:schemeClr val="tx1">
+                    <a:lumMod val="50000"/>
+                  </a:schemeClr>
                 </a:solidFill>
               </a:rPr>
               <a:t>movie.title</a:t>
@@ -14301,7 +14371,9 @@
             <a:r>
               <a:rPr lang="es-AR" sz="1800" b="1" dirty="0">
                 <a:solidFill>
-                  <a:schemeClr val="tx1"/>
+                  <a:schemeClr val="tx1">
+                    <a:lumMod val="50000"/>
+                  </a:schemeClr>
                 </a:solidFill>
               </a:rPr>
               <a:t>"/&gt;</a:t>
@@ -14311,7 +14383,9 @@
             <a:r>
               <a:rPr lang="es-AR" sz="1800" b="1" dirty="0">
                 <a:solidFill>
-                  <a:schemeClr val="tx1"/>
+                  <a:schemeClr val="tx1">
+                    <a:lumMod val="50000"/>
+                  </a:schemeClr>
                 </a:solidFill>
               </a:rPr>
               <a:t>    &lt;/div&gt;</a:t>
@@ -14321,7 +14395,9 @@
             <a:r>
               <a:rPr lang="es-AR" sz="1800" b="1" dirty="0">
                 <a:solidFill>
-                  <a:schemeClr val="tx1"/>
+                  <a:schemeClr val="tx1">
+                    <a:lumMod val="50000"/>
+                  </a:schemeClr>
                 </a:solidFill>
               </a:rPr>
               <a:t>…</a:t>
@@ -14331,7 +14407,9 @@
             <a:r>
               <a:rPr lang="es-AR" sz="1800" b="1" dirty="0">
                 <a:solidFill>
-                  <a:schemeClr val="tx1"/>
+                  <a:schemeClr val="tx1">
+                    <a:lumMod val="50000"/>
+                  </a:schemeClr>
                 </a:solidFill>
               </a:rPr>
               <a:t>    &lt;div </a:t>
@@ -14339,7 +14417,9 @@
             <a:r>
               <a:rPr lang="es-AR" sz="1800" b="1" dirty="0" err="1">
                 <a:solidFill>
-                  <a:schemeClr val="tx1"/>
+                  <a:schemeClr val="tx1">
+                    <a:lumMod val="50000"/>
+                  </a:schemeClr>
                 </a:solidFill>
               </a:rPr>
               <a:t>class</a:t>
@@ -14347,7 +14427,9 @@
             <a:r>
               <a:rPr lang="es-AR" sz="1800" b="1" dirty="0">
                 <a:solidFill>
-                  <a:schemeClr val="tx1"/>
+                  <a:schemeClr val="tx1">
+                    <a:lumMod val="50000"/>
+                  </a:schemeClr>
                 </a:solidFill>
               </a:rPr>
               <a:t>="</a:t>
@@ -14355,7 +14437,9 @@
             <a:r>
               <a:rPr lang="es-AR" sz="1800" b="1" dirty="0" err="1">
                 <a:solidFill>
-                  <a:schemeClr val="tx1"/>
+                  <a:schemeClr val="tx1">
+                    <a:lumMod val="50000"/>
+                  </a:schemeClr>
                 </a:solidFill>
               </a:rPr>
               <a:t>form</a:t>
@@ -14363,7 +14447,9 @@
             <a:r>
               <a:rPr lang="es-AR" sz="1800" b="1" dirty="0">
                 <a:solidFill>
-                  <a:schemeClr val="tx1"/>
+                  <a:schemeClr val="tx1">
+                    <a:lumMod val="50000"/>
+                  </a:schemeClr>
                 </a:solidFill>
               </a:rPr>
               <a:t>"&gt;</a:t>
@@ -14373,7 +14459,9 @@
             <a:r>
               <a:rPr lang="es-AR" sz="1800" b="1" dirty="0">
                 <a:solidFill>
-                  <a:schemeClr val="tx1"/>
+                  <a:schemeClr val="tx1">
+                    <a:lumMod val="50000"/>
+                  </a:schemeClr>
                 </a:solidFill>
               </a:rPr>
               <a:t>      &lt;</a:t>
@@ -14381,7 +14469,9 @@
             <a:r>
               <a:rPr lang="es-AR" sz="1800" b="1" dirty="0" err="1">
                 <a:solidFill>
-                  <a:schemeClr val="tx1"/>
+                  <a:schemeClr val="tx1">
+                    <a:lumMod val="50000"/>
+                  </a:schemeClr>
                 </a:solidFill>
               </a:rPr>
               <a:t>label</a:t>
@@ -14389,7 +14479,9 @@
             <a:r>
               <a:rPr lang="es-AR" sz="1800" b="1" dirty="0">
                 <a:solidFill>
-                  <a:schemeClr val="tx1"/>
+                  <a:schemeClr val="tx1">
+                    <a:lumMod val="50000"/>
+                  </a:schemeClr>
                 </a:solidFill>
               </a:rPr>
               <a:t> </a:t>
@@ -14397,7 +14489,9 @@
             <a:r>
               <a:rPr lang="es-AR" sz="1800" b="1" dirty="0" err="1">
                 <a:solidFill>
-                  <a:schemeClr val="tx1"/>
+                  <a:schemeClr val="tx1">
+                    <a:lumMod val="50000"/>
+                  </a:schemeClr>
                 </a:solidFill>
               </a:rPr>
               <a:t>for</a:t>
@@ -14405,7 +14499,9 @@
             <a:r>
               <a:rPr lang="es-AR" sz="1800" b="1" dirty="0">
                 <a:solidFill>
-                  <a:schemeClr val="tx1"/>
+                  <a:schemeClr val="tx1">
+                    <a:lumMod val="50000"/>
+                  </a:schemeClr>
                 </a:solidFill>
               </a:rPr>
               <a:t>="director"&gt;Director&lt;/</a:t>
@@ -14413,7 +14509,9 @@
             <a:r>
               <a:rPr lang="es-AR" sz="1800" b="1" dirty="0" err="1">
                 <a:solidFill>
-                  <a:schemeClr val="tx1"/>
+                  <a:schemeClr val="tx1">
+                    <a:lumMod val="50000"/>
+                  </a:schemeClr>
                 </a:solidFill>
               </a:rPr>
               <a:t>label</a:t>
@@ -14421,7 +14519,9 @@
             <a:r>
               <a:rPr lang="es-AR" sz="1800" b="1" dirty="0">
                 <a:solidFill>
-                  <a:schemeClr val="tx1"/>
+                  <a:schemeClr val="tx1">
+                    <a:lumMod val="50000"/>
+                  </a:schemeClr>
                 </a:solidFill>
               </a:rPr>
               <a:t>&gt;</a:t>
@@ -14431,7 +14531,9 @@
             <a:r>
               <a:rPr lang="es-AR" sz="1800" b="1" dirty="0">
                 <a:solidFill>
-                  <a:schemeClr val="tx1"/>
+                  <a:schemeClr val="tx1">
+                    <a:lumMod val="50000"/>
+                  </a:schemeClr>
                 </a:solidFill>
               </a:rPr>
               <a:t>      &lt;input </a:t>
@@ -14439,7 +14541,9 @@
             <a:r>
               <a:rPr lang="es-AR" sz="1800" b="1" dirty="0" err="1">
                 <a:solidFill>
-                  <a:schemeClr val="tx1"/>
+                  <a:schemeClr val="tx1">
+                    <a:lumMod val="50000"/>
+                  </a:schemeClr>
                 </a:solidFill>
               </a:rPr>
               <a:t>type</a:t>
@@ -14447,7 +14551,9 @@
             <a:r>
               <a:rPr lang="es-AR" sz="1800" b="1" dirty="0">
                 <a:solidFill>
-                  <a:schemeClr val="tx1"/>
+                  <a:schemeClr val="tx1">
+                    <a:lumMod val="50000"/>
+                  </a:schemeClr>
                 </a:solidFill>
               </a:rPr>
               <a:t>="</a:t>
@@ -14455,7 +14561,9 @@
             <a:r>
               <a:rPr lang="es-AR" sz="1800" b="1" dirty="0" err="1">
                 <a:solidFill>
-                  <a:schemeClr val="tx1"/>
+                  <a:schemeClr val="tx1">
+                    <a:lumMod val="50000"/>
+                  </a:schemeClr>
                 </a:solidFill>
               </a:rPr>
               <a:t>text</a:t>
@@ -14463,7 +14571,9 @@
             <a:r>
               <a:rPr lang="es-AR" sz="1800" b="1" dirty="0">
                 <a:solidFill>
-                  <a:schemeClr val="tx1"/>
+                  <a:schemeClr val="tx1">
+                    <a:lumMod val="50000"/>
+                  </a:schemeClr>
                 </a:solidFill>
               </a:rPr>
               <a:t>" id="director" v-</a:t>
@@ -14471,7 +14581,9 @@
             <a:r>
               <a:rPr lang="es-AR" sz="1800" b="1" dirty="0" err="1">
                 <a:solidFill>
-                  <a:schemeClr val="tx1"/>
+                  <a:schemeClr val="tx1">
+                    <a:lumMod val="50000"/>
+                  </a:schemeClr>
                 </a:solidFill>
               </a:rPr>
               <a:t>model</a:t>
@@ -14479,7 +14591,9 @@
             <a:r>
               <a:rPr lang="es-AR" sz="1800" b="1" dirty="0">
                 <a:solidFill>
-                  <a:schemeClr val="tx1"/>
+                  <a:schemeClr val="tx1">
+                    <a:lumMod val="50000"/>
+                  </a:schemeClr>
                 </a:solidFill>
               </a:rPr>
               <a:t>="</a:t>
@@ -14487,7 +14601,9 @@
             <a:r>
               <a:rPr lang="es-AR" sz="1800" b="1" dirty="0" err="1">
                 <a:solidFill>
-                  <a:schemeClr val="tx1"/>
+                  <a:schemeClr val="tx1">
+                    <a:lumMod val="50000"/>
+                  </a:schemeClr>
                 </a:solidFill>
               </a:rPr>
               <a:t>movie.director</a:t>
@@ -14495,7 +14611,9 @@
             <a:r>
               <a:rPr lang="es-AR" sz="1800" b="1" dirty="0">
                 <a:solidFill>
-                  <a:schemeClr val="tx1"/>
+                  <a:schemeClr val="tx1">
+                    <a:lumMod val="50000"/>
+                  </a:schemeClr>
                 </a:solidFill>
               </a:rPr>
               <a:t>"/&gt;</a:t>
@@ -14505,7 +14623,9 @@
             <a:r>
               <a:rPr lang="es-AR" sz="1800" b="1" dirty="0">
                 <a:solidFill>
-                  <a:schemeClr val="tx1"/>
+                  <a:schemeClr val="tx1">
+                    <a:lumMod val="50000"/>
+                  </a:schemeClr>
                 </a:solidFill>
               </a:rPr>
               <a:t>    &lt;/div&gt;</a:t>
@@ -14515,7 +14635,9 @@
             <a:r>
               <a:rPr lang="es-AR" sz="1800" b="1" dirty="0">
                 <a:solidFill>
-                  <a:schemeClr val="tx1"/>
+                  <a:schemeClr val="tx1">
+                    <a:lumMod val="50000"/>
+                  </a:schemeClr>
                 </a:solidFill>
               </a:rPr>
               <a:t>    &lt;</a:t>
@@ -14523,7 +14645,9 @@
             <a:r>
               <a:rPr lang="es-AR" sz="1800" b="1" dirty="0" err="1">
                 <a:solidFill>
-                  <a:schemeClr val="tx1"/>
+                  <a:schemeClr val="tx1">
+                    <a:lumMod val="50000"/>
+                  </a:schemeClr>
                 </a:solidFill>
               </a:rPr>
               <a:t>button</a:t>
@@ -14531,7 +14655,9 @@
             <a:r>
               <a:rPr lang="es-AR" sz="1800" b="1" dirty="0">
                 <a:solidFill>
-                  <a:schemeClr val="tx1"/>
+                  <a:schemeClr val="tx1">
+                    <a:lumMod val="50000"/>
+                  </a:schemeClr>
                 </a:solidFill>
               </a:rPr>
               <a:t> </a:t>
@@ -14539,7 +14665,9 @@
             <a:r>
               <a:rPr lang="es-AR" sz="1800" b="1" dirty="0" err="1">
                 <a:solidFill>
-                  <a:schemeClr val="tx1"/>
+                  <a:schemeClr val="tx1">
+                    <a:lumMod val="50000"/>
+                  </a:schemeClr>
                 </a:solidFill>
               </a:rPr>
               <a:t>type</a:t>
@@ -14547,7 +14675,9 @@
             <a:r>
               <a:rPr lang="es-AR" sz="1800" b="1" dirty="0">
                 <a:solidFill>
-                  <a:schemeClr val="tx1"/>
+                  <a:schemeClr val="tx1">
+                    <a:lumMod val="50000"/>
+                  </a:schemeClr>
                 </a:solidFill>
               </a:rPr>
               <a:t>="</a:t>
@@ -14555,7 +14685,9 @@
             <a:r>
               <a:rPr lang="es-AR" sz="1800" b="1" dirty="0" err="1">
                 <a:solidFill>
-                  <a:schemeClr val="tx1"/>
+                  <a:schemeClr val="tx1">
+                    <a:lumMod val="50000"/>
+                  </a:schemeClr>
                 </a:solidFill>
               </a:rPr>
               <a:t>button</a:t>
@@ -14563,7 +14695,9 @@
             <a:r>
               <a:rPr lang="es-AR" sz="1800" b="1" dirty="0">
                 <a:solidFill>
-                  <a:schemeClr val="tx1"/>
+                  <a:schemeClr val="tx1">
+                    <a:lumMod val="50000"/>
+                  </a:schemeClr>
                 </a:solidFill>
               </a:rPr>
               <a:t>" </a:t>
@@ -14571,7 +14705,9 @@
             <a:r>
               <a:rPr lang="es-AR" sz="1800" b="1" dirty="0" err="1">
                 <a:solidFill>
-                  <a:schemeClr val="tx1"/>
+                  <a:schemeClr val="tx1">
+                    <a:lumMod val="50000"/>
+                  </a:schemeClr>
                 </a:solidFill>
               </a:rPr>
               <a:t>v-on:click</a:t>
@@ -14579,7 +14715,9 @@
             <a:r>
               <a:rPr lang="es-AR" sz="1800" b="1" dirty="0">
                 <a:solidFill>
-                  <a:schemeClr val="tx1"/>
+                  <a:schemeClr val="tx1">
+                    <a:lumMod val="50000"/>
+                  </a:schemeClr>
                 </a:solidFill>
               </a:rPr>
               <a:t>="cancel()"&gt;Cancel&lt;/</a:t>
@@ -14587,7 +14725,9 @@
             <a:r>
               <a:rPr lang="es-AR" sz="1800" b="1" dirty="0" err="1">
                 <a:solidFill>
-                  <a:schemeClr val="tx1"/>
+                  <a:schemeClr val="tx1">
+                    <a:lumMod val="50000"/>
+                  </a:schemeClr>
                 </a:solidFill>
               </a:rPr>
               <a:t>button</a:t>
@@ -14595,7 +14735,9 @@
             <a:r>
               <a:rPr lang="es-AR" sz="1800" b="1" dirty="0">
                 <a:solidFill>
-                  <a:schemeClr val="tx1"/>
+                  <a:schemeClr val="tx1">
+                    <a:lumMod val="50000"/>
+                  </a:schemeClr>
                 </a:solidFill>
               </a:rPr>
               <a:t>&gt;</a:t>
@@ -14605,7 +14747,9 @@
             <a:r>
               <a:rPr lang="es-AR" sz="1800" b="1" dirty="0">
                 <a:solidFill>
-                  <a:schemeClr val="tx1"/>
+                  <a:schemeClr val="tx1">
+                    <a:lumMod val="50000"/>
+                  </a:schemeClr>
                 </a:solidFill>
               </a:rPr>
               <a:t>    &lt;</a:t>
@@ -14613,7 +14757,9 @@
             <a:r>
               <a:rPr lang="es-AR" sz="1800" b="1" dirty="0" err="1">
                 <a:solidFill>
-                  <a:schemeClr val="tx1"/>
+                  <a:schemeClr val="tx1">
+                    <a:lumMod val="50000"/>
+                  </a:schemeClr>
                 </a:solidFill>
               </a:rPr>
               <a:t>button</a:t>
@@ -14621,7 +14767,9 @@
             <a:r>
               <a:rPr lang="es-AR" sz="1800" b="1" dirty="0">
                 <a:solidFill>
-                  <a:schemeClr val="tx1"/>
+                  <a:schemeClr val="tx1">
+                    <a:lumMod val="50000"/>
+                  </a:schemeClr>
                 </a:solidFill>
               </a:rPr>
               <a:t> </a:t>
@@ -14629,7 +14777,9 @@
             <a:r>
               <a:rPr lang="es-AR" sz="1800" b="1" dirty="0" err="1">
                 <a:solidFill>
-                  <a:schemeClr val="tx1"/>
+                  <a:schemeClr val="tx1">
+                    <a:lumMod val="50000"/>
+                  </a:schemeClr>
                 </a:solidFill>
               </a:rPr>
               <a:t>type</a:t>
@@ -14637,7 +14787,9 @@
             <a:r>
               <a:rPr lang="es-AR" sz="1800" b="1" dirty="0">
                 <a:solidFill>
-                  <a:schemeClr val="tx1"/>
+                  <a:schemeClr val="tx1">
+                    <a:lumMod val="50000"/>
+                  </a:schemeClr>
                 </a:solidFill>
               </a:rPr>
               <a:t>="</a:t>
@@ -14645,7 +14797,9 @@
             <a:r>
               <a:rPr lang="es-AR" sz="1800" b="1" dirty="0" err="1">
                 <a:solidFill>
-                  <a:schemeClr val="tx1"/>
+                  <a:schemeClr val="tx1">
+                    <a:lumMod val="50000"/>
+                  </a:schemeClr>
                 </a:solidFill>
               </a:rPr>
               <a:t>button</a:t>
@@ -14653,7 +14807,9 @@
             <a:r>
               <a:rPr lang="es-AR" sz="1800" b="1" dirty="0">
                 <a:solidFill>
-                  <a:schemeClr val="tx1"/>
+                  <a:schemeClr val="tx1">
+                    <a:lumMod val="50000"/>
+                  </a:schemeClr>
                 </a:solidFill>
               </a:rPr>
               <a:t>" </a:t>
@@ -14661,7 +14817,9 @@
             <a:r>
               <a:rPr lang="es-AR" sz="1800" b="1" dirty="0" err="1">
                 <a:solidFill>
-                  <a:schemeClr val="tx1"/>
+                  <a:schemeClr val="tx1">
+                    <a:lumMod val="50000"/>
+                  </a:schemeClr>
                 </a:solidFill>
               </a:rPr>
               <a:t>v-on:click</a:t>
@@ -14669,7 +14827,9 @@
             <a:r>
               <a:rPr lang="es-AR" sz="1800" b="1" dirty="0">
                 <a:solidFill>
-                  <a:schemeClr val="tx1"/>
+                  <a:schemeClr val="tx1">
+                    <a:lumMod val="50000"/>
+                  </a:schemeClr>
                 </a:solidFill>
               </a:rPr>
               <a:t>="</a:t>
@@ -14677,7 +14837,9 @@
             <a:r>
               <a:rPr lang="es-AR" sz="1800" b="1" dirty="0" err="1">
                 <a:solidFill>
-                  <a:schemeClr val="tx1"/>
+                  <a:schemeClr val="tx1">
+                    <a:lumMod val="50000"/>
+                  </a:schemeClr>
                 </a:solidFill>
               </a:rPr>
               <a:t>save</a:t>
@@ -14685,7 +14847,9 @@
             <a:r>
               <a:rPr lang="es-AR" sz="1800" b="1" dirty="0">
                 <a:solidFill>
-                  <a:schemeClr val="tx1"/>
+                  <a:schemeClr val="tx1">
+                    <a:lumMod val="50000"/>
+                  </a:schemeClr>
                 </a:solidFill>
               </a:rPr>
               <a:t>()"&gt;</a:t>
@@ -14693,7 +14857,9 @@
             <a:r>
               <a:rPr lang="es-AR" sz="1800" b="1" dirty="0" err="1">
                 <a:solidFill>
-                  <a:schemeClr val="tx1"/>
+                  <a:schemeClr val="tx1">
+                    <a:lumMod val="50000"/>
+                  </a:schemeClr>
                 </a:solidFill>
               </a:rPr>
               <a:t>Save</a:t>
@@ -14701,7 +14867,9 @@
             <a:r>
               <a:rPr lang="es-AR" sz="1800" b="1" dirty="0">
                 <a:solidFill>
-                  <a:schemeClr val="tx1"/>
+                  <a:schemeClr val="tx1">
+                    <a:lumMod val="50000"/>
+                  </a:schemeClr>
                 </a:solidFill>
               </a:rPr>
               <a:t>&lt;/</a:t>
@@ -14709,7 +14877,9 @@
             <a:r>
               <a:rPr lang="es-AR" sz="1800" b="1" dirty="0" err="1">
                 <a:solidFill>
-                  <a:schemeClr val="tx1"/>
+                  <a:schemeClr val="tx1">
+                    <a:lumMod val="50000"/>
+                  </a:schemeClr>
                 </a:solidFill>
               </a:rPr>
               <a:t>button</a:t>
@@ -14717,7 +14887,9 @@
             <a:r>
               <a:rPr lang="es-AR" sz="1800" b="1" dirty="0">
                 <a:solidFill>
-                  <a:schemeClr val="tx1"/>
+                  <a:schemeClr val="tx1">
+                    <a:lumMod val="50000"/>
+                  </a:schemeClr>
                 </a:solidFill>
               </a:rPr>
               <a:t>&gt;</a:t>
@@ -14727,7 +14899,9 @@
             <a:r>
               <a:rPr lang="es-AR" sz="1800" b="1" dirty="0">
                 <a:solidFill>
-                  <a:schemeClr val="tx1"/>
+                  <a:schemeClr val="tx1">
+                    <a:lumMod val="50000"/>
+                  </a:schemeClr>
                 </a:solidFill>
               </a:rPr>
               <a:t>  &lt;/div&gt;</a:t>
@@ -14737,7 +14911,9 @@
             <a:r>
               <a:rPr lang="es-AR" sz="1800" b="1" dirty="0">
                 <a:solidFill>
-                  <a:schemeClr val="tx1"/>
+                  <a:schemeClr val="tx1">
+                    <a:lumMod val="50000"/>
+                  </a:schemeClr>
                 </a:solidFill>
               </a:rPr>
               <a:t>&lt;/</a:t>
@@ -14745,7 +14921,9 @@
             <a:r>
               <a:rPr lang="es-AR" sz="1800" b="1" dirty="0" err="1">
                 <a:solidFill>
-                  <a:schemeClr val="tx1"/>
+                  <a:schemeClr val="tx1">
+                    <a:lumMod val="50000"/>
+                  </a:schemeClr>
                 </a:solidFill>
               </a:rPr>
               <a:t>template</a:t>
@@ -14753,7 +14931,9 @@
             <a:r>
               <a:rPr lang="es-AR" sz="1800" b="1" dirty="0">
                 <a:solidFill>
-                  <a:schemeClr val="tx1"/>
+                  <a:schemeClr val="tx1">
+                    <a:lumMod val="50000"/>
+                  </a:schemeClr>
                 </a:solidFill>
               </a:rPr>
               <a:t>&gt;</a:t>
@@ -14762,7 +14942,9 @@
           <a:p>
             <a:endParaRPr lang="es-AR" sz="1800" b="1" dirty="0">
               <a:solidFill>
-                <a:schemeClr val="tx1"/>
+                <a:schemeClr val="tx1">
+                  <a:lumMod val="50000"/>
+                </a:schemeClr>
               </a:solidFill>
             </a:endParaRPr>
           </a:p>
@@ -14891,7 +15073,9 @@
             <a:r>
               <a:rPr lang="es-AR" sz="1800" b="1" dirty="0" err="1">
                 <a:solidFill>
-                  <a:schemeClr val="tx1"/>
+                  <a:schemeClr val="tx1">
+                    <a:lumMod val="50000"/>
+                  </a:schemeClr>
                 </a:solidFill>
               </a:rPr>
               <a:t>import</a:t>
@@ -14899,7 +15083,9 @@
             <a:r>
               <a:rPr lang="es-AR" sz="1800" b="1" dirty="0">
                 <a:solidFill>
-                  <a:schemeClr val="tx1"/>
+                  <a:schemeClr val="tx1">
+                    <a:lumMod val="50000"/>
+                  </a:schemeClr>
                 </a:solidFill>
               </a:rPr>
               <a:t> </a:t>
@@ -14907,7 +15093,9 @@
             <a:r>
               <a:rPr lang="es-AR" sz="1800" b="1" dirty="0" err="1">
                 <a:solidFill>
-                  <a:schemeClr val="tx1"/>
+                  <a:schemeClr val="tx1">
+                    <a:lumMod val="50000"/>
+                  </a:schemeClr>
                 </a:solidFill>
               </a:rPr>
               <a:t>Services</a:t>
@@ -14915,7 +15103,9 @@
             <a:r>
               <a:rPr lang="es-AR" sz="1800" b="1" dirty="0">
                 <a:solidFill>
-                  <a:schemeClr val="tx1"/>
+                  <a:schemeClr val="tx1">
+                    <a:lumMod val="50000"/>
+                  </a:schemeClr>
                 </a:solidFill>
               </a:rPr>
               <a:t> </a:t>
@@ -14923,7 +15113,9 @@
             <a:r>
               <a:rPr lang="es-AR" sz="1800" b="1" dirty="0" err="1">
                 <a:solidFill>
-                  <a:schemeClr val="tx1"/>
+                  <a:schemeClr val="tx1">
+                    <a:lumMod val="50000"/>
+                  </a:schemeClr>
                 </a:solidFill>
               </a:rPr>
               <a:t>from</a:t>
@@ -14931,7 +15123,9 @@
             <a:r>
               <a:rPr lang="es-AR" sz="1800" b="1" dirty="0">
                 <a:solidFill>
-                  <a:schemeClr val="tx1"/>
+                  <a:schemeClr val="tx1">
+                    <a:lumMod val="50000"/>
+                  </a:schemeClr>
                 </a:solidFill>
               </a:rPr>
               <a:t> '@/</a:t>
@@ -14939,7 +15133,9 @@
             <a:r>
               <a:rPr lang="es-AR" sz="1800" b="1" dirty="0" err="1">
                 <a:solidFill>
-                  <a:schemeClr val="tx1"/>
+                  <a:schemeClr val="tx1">
+                    <a:lumMod val="50000"/>
+                  </a:schemeClr>
                 </a:solidFill>
               </a:rPr>
               <a:t>services</a:t>
@@ -14947,7 +15143,9 @@
             <a:r>
               <a:rPr lang="es-AR" sz="1800" b="1" dirty="0">
                 <a:solidFill>
-                  <a:schemeClr val="tx1"/>
+                  <a:schemeClr val="tx1">
+                    <a:lumMod val="50000"/>
+                  </a:schemeClr>
                 </a:solidFill>
               </a:rPr>
               <a:t>'</a:t>
@@ -14957,7 +15155,9 @@
             <a:r>
               <a:rPr lang="es-AR" sz="1800" b="1" dirty="0">
                 <a:solidFill>
-                  <a:schemeClr val="tx1"/>
+                  <a:schemeClr val="tx1">
+                    <a:lumMod val="50000"/>
+                  </a:schemeClr>
                 </a:solidFill>
               </a:rPr>
               <a:t/>
@@ -14965,14 +15165,18 @@
             <a:br>
               <a:rPr lang="es-AR" sz="1800" b="1" dirty="0">
                 <a:solidFill>
-                  <a:schemeClr val="tx1"/>
+                  <a:schemeClr val="tx1">
+                    <a:lumMod val="50000"/>
+                  </a:schemeClr>
                 </a:solidFill>
               </a:rPr>
             </a:br>
             <a:r>
               <a:rPr lang="es-AR" sz="1800" b="1" dirty="0" err="1">
                 <a:solidFill>
-                  <a:schemeClr val="tx1"/>
+                  <a:schemeClr val="tx1">
+                    <a:lumMod val="50000"/>
+                  </a:schemeClr>
                 </a:solidFill>
               </a:rPr>
               <a:t>export</a:t>
@@ -14980,7 +15184,9 @@
             <a:r>
               <a:rPr lang="es-AR" sz="1800" b="1" dirty="0">
                 <a:solidFill>
-                  <a:schemeClr val="tx1"/>
+                  <a:schemeClr val="tx1">
+                    <a:lumMod val="50000"/>
+                  </a:schemeClr>
                 </a:solidFill>
               </a:rPr>
               <a:t> default {</a:t>
@@ -14990,7 +15196,9 @@
             <a:r>
               <a:rPr lang="es-AR" sz="1800" b="1" dirty="0">
                 <a:solidFill>
-                  <a:schemeClr val="tx1"/>
+                  <a:schemeClr val="tx1">
+                    <a:lumMod val="50000"/>
+                  </a:schemeClr>
                 </a:solidFill>
               </a:rPr>
               <a:t>  </a:t>
@@ -14998,7 +15206,9 @@
             <a:r>
               <a:rPr lang="es-AR" sz="1800" b="1" dirty="0" err="1">
                 <a:solidFill>
-                  <a:schemeClr val="tx1"/>
+                  <a:schemeClr val="tx1">
+                    <a:lumMod val="50000"/>
+                  </a:schemeClr>
                 </a:solidFill>
               </a:rPr>
               <a:t>name</a:t>
@@ -15006,7 +15216,9 @@
             <a:r>
               <a:rPr lang="es-AR" sz="1800" b="1" dirty="0">
                 <a:solidFill>
-                  <a:schemeClr val="tx1"/>
+                  <a:schemeClr val="tx1">
+                    <a:lumMod val="50000"/>
+                  </a:schemeClr>
                 </a:solidFill>
               </a:rPr>
               <a:t>: '</a:t>
@@ -15014,7 +15226,9 @@
             <a:r>
               <a:rPr lang="es-AR" sz="1800" b="1" dirty="0" err="1">
                 <a:solidFill>
-                  <a:schemeClr val="tx1"/>
+                  <a:schemeClr val="tx1">
+                    <a:lumMod val="50000"/>
+                  </a:schemeClr>
                 </a:solidFill>
               </a:rPr>
               <a:t>Edit</a:t>
@@ -15022,7 +15236,9 @@
             <a:r>
               <a:rPr lang="es-AR" sz="1800" b="1" dirty="0">
                 <a:solidFill>
-                  <a:schemeClr val="tx1"/>
+                  <a:schemeClr val="tx1">
+                    <a:lumMod val="50000"/>
+                  </a:schemeClr>
                 </a:solidFill>
               </a:rPr>
               <a:t>',</a:t>
@@ -15032,7 +15248,9 @@
             <a:r>
               <a:rPr lang="es-AR" sz="1800" b="1" dirty="0">
                 <a:solidFill>
-                  <a:schemeClr val="tx1"/>
+                  <a:schemeClr val="tx1">
+                    <a:lumMod val="50000"/>
+                  </a:schemeClr>
                 </a:solidFill>
               </a:rPr>
               <a:t>  data: () =&gt; {</a:t>
@@ -15042,7 +15260,9 @@
             <a:r>
               <a:rPr lang="es-AR" sz="1800" b="1" dirty="0">
                 <a:solidFill>
-                  <a:schemeClr val="tx1"/>
+                  <a:schemeClr val="tx1">
+                    <a:lumMod val="50000"/>
+                  </a:schemeClr>
                 </a:solidFill>
               </a:rPr>
               <a:t>    </a:t>
@@ -15050,7 +15270,9 @@
             <a:r>
               <a:rPr lang="es-AR" sz="1800" b="1" dirty="0" err="1">
                 <a:solidFill>
-                  <a:schemeClr val="tx1"/>
+                  <a:schemeClr val="tx1">
+                    <a:lumMod val="50000"/>
+                  </a:schemeClr>
                 </a:solidFill>
               </a:rPr>
               <a:t>return</a:t>
@@ -15058,7 +15280,9 @@
             <a:r>
               <a:rPr lang="es-AR" sz="1800" b="1" dirty="0">
                 <a:solidFill>
-                  <a:schemeClr val="tx1"/>
+                  <a:schemeClr val="tx1">
+                    <a:lumMod val="50000"/>
+                  </a:schemeClr>
                 </a:solidFill>
               </a:rPr>
               <a:t> {</a:t>
@@ -15068,7 +15292,9 @@
             <a:r>
               <a:rPr lang="es-AR" sz="1800" b="1" dirty="0">
                 <a:solidFill>
-                  <a:schemeClr val="tx1"/>
+                  <a:schemeClr val="tx1">
+                    <a:lumMod val="50000"/>
+                  </a:schemeClr>
                 </a:solidFill>
               </a:rPr>
               <a:t>      </a:t>
@@ -15076,7 +15302,9 @@
             <a:r>
               <a:rPr lang="es-AR" sz="1800" b="1" dirty="0" err="1">
                 <a:solidFill>
-                  <a:schemeClr val="tx1"/>
+                  <a:schemeClr val="tx1">
+                    <a:lumMod val="50000"/>
+                  </a:schemeClr>
                 </a:solidFill>
               </a:rPr>
               <a:t>movie</a:t>
@@ -15084,7 +15312,9 @@
             <a:r>
               <a:rPr lang="es-AR" sz="1800" b="1" dirty="0">
                 <a:solidFill>
-                  <a:schemeClr val="tx1"/>
+                  <a:schemeClr val="tx1">
+                    <a:lumMod val="50000"/>
+                  </a:schemeClr>
                 </a:solidFill>
               </a:rPr>
               <a:t>: {}</a:t>
@@ -15094,7 +15324,9 @@
             <a:r>
               <a:rPr lang="es-AR" sz="1800" b="1" dirty="0">
                 <a:solidFill>
-                  <a:schemeClr val="tx1"/>
+                  <a:schemeClr val="tx1">
+                    <a:lumMod val="50000"/>
+                  </a:schemeClr>
                 </a:solidFill>
               </a:rPr>
               <a:t>    }</a:t>
@@ -15104,7 +15336,9 @@
             <a:r>
               <a:rPr lang="es-AR" sz="1800" b="1" dirty="0">
                 <a:solidFill>
-                  <a:schemeClr val="tx1"/>
+                  <a:schemeClr val="tx1">
+                    <a:lumMod val="50000"/>
+                  </a:schemeClr>
                 </a:solidFill>
               </a:rPr>
               <a:t>  },</a:t>
@@ -15114,7 +15348,9 @@
             <a:r>
               <a:rPr lang="es-AR" sz="1800" b="1" dirty="0">
                 <a:solidFill>
-                  <a:schemeClr val="tx1"/>
+                  <a:schemeClr val="tx1">
+                    <a:lumMod val="50000"/>
+                  </a:schemeClr>
                 </a:solidFill>
               </a:rPr>
               <a:t>  </a:t>
@@ -15122,7 +15358,9 @@
             <a:r>
               <a:rPr lang="es-AR" sz="1800" b="1" dirty="0" err="1">
                 <a:solidFill>
-                  <a:schemeClr val="tx1"/>
+                  <a:schemeClr val="tx1">
+                    <a:lumMod val="50000"/>
+                  </a:schemeClr>
                 </a:solidFill>
               </a:rPr>
               <a:t>created</a:t>
@@ -15130,7 +15368,9 @@
             <a:r>
               <a:rPr lang="es-AR" sz="1800" b="1" dirty="0">
                 <a:solidFill>
-                  <a:schemeClr val="tx1"/>
+                  <a:schemeClr val="tx1">
+                    <a:lumMod val="50000"/>
+                  </a:schemeClr>
                 </a:solidFill>
               </a:rPr>
               <a:t>: </a:t>
@@ -15138,7 +15378,9 @@
             <a:r>
               <a:rPr lang="es-AR" sz="1800" b="1" dirty="0" err="1">
                 <a:solidFill>
-                  <a:schemeClr val="tx1"/>
+                  <a:schemeClr val="tx1">
+                    <a:lumMod val="50000"/>
+                  </a:schemeClr>
                 </a:solidFill>
               </a:rPr>
               <a:t>function</a:t>
@@ -15146,7 +15388,9 @@
             <a:r>
               <a:rPr lang="es-AR" sz="1800" b="1" dirty="0">
                 <a:solidFill>
-                  <a:schemeClr val="tx1"/>
+                  <a:schemeClr val="tx1">
+                    <a:lumMod val="50000"/>
+                  </a:schemeClr>
                 </a:solidFill>
               </a:rPr>
               <a:t> () {</a:t>
@@ -15156,7 +15400,9 @@
             <a:r>
               <a:rPr lang="es-AR" sz="1800" b="1" dirty="0">
                 <a:solidFill>
-                  <a:schemeClr val="tx1"/>
+                  <a:schemeClr val="tx1">
+                    <a:lumMod val="50000"/>
+                  </a:schemeClr>
                 </a:solidFill>
               </a:rPr>
               <a:t>    </a:t>
@@ -15164,7 +15410,9 @@
             <a:r>
               <a:rPr lang="es-AR" sz="1800" b="1" dirty="0" err="1">
                 <a:solidFill>
-                  <a:schemeClr val="tx1"/>
+                  <a:schemeClr val="tx1">
+                    <a:lumMod val="50000"/>
+                  </a:schemeClr>
                 </a:solidFill>
               </a:rPr>
               <a:t>this.load</a:t>
@@ -15172,7 +15420,9 @@
             <a:r>
               <a:rPr lang="es-AR" sz="1800" b="1" dirty="0">
                 <a:solidFill>
-                  <a:schemeClr val="tx1"/>
+                  <a:schemeClr val="tx1">
+                    <a:lumMod val="50000"/>
+                  </a:schemeClr>
                 </a:solidFill>
               </a:rPr>
               <a:t>()</a:t>
@@ -15182,7 +15432,9 @@
             <a:r>
               <a:rPr lang="es-AR" sz="1800" b="1" dirty="0">
                 <a:solidFill>
-                  <a:schemeClr val="tx1"/>
+                  <a:schemeClr val="tx1">
+                    <a:lumMod val="50000"/>
+                  </a:schemeClr>
                 </a:solidFill>
               </a:rPr>
               <a:t>  },</a:t>
@@ -15192,7 +15444,9 @@
             <a:r>
               <a:rPr lang="es-AR" sz="1800" b="1" dirty="0">
                 <a:solidFill>
-                  <a:schemeClr val="tx1"/>
+                  <a:schemeClr val="tx1">
+                    <a:lumMod val="50000"/>
+                  </a:schemeClr>
                 </a:solidFill>
               </a:rPr>
               <a:t>…</a:t>
@@ -15323,7 +15577,9 @@
             <a:r>
               <a:rPr lang="es-AR" sz="1800" b="1" dirty="0">
                 <a:solidFill>
-                  <a:schemeClr val="tx1"/>
+                  <a:schemeClr val="tx1">
+                    <a:lumMod val="50000"/>
+                  </a:schemeClr>
                 </a:solidFill>
               </a:rPr>
               <a:t>…</a:t>
@@ -15333,7 +15589,9 @@
             <a:r>
               <a:rPr lang="es-AR" sz="1800" b="1" dirty="0">
                 <a:solidFill>
-                  <a:schemeClr val="tx1"/>
+                  <a:schemeClr val="tx1">
+                    <a:lumMod val="50000"/>
+                  </a:schemeClr>
                 </a:solidFill>
               </a:rPr>
               <a:t>  </a:t>
@@ -15341,7 +15599,9 @@
             <a:r>
               <a:rPr lang="es-AR" sz="1800" b="1" dirty="0" err="1">
                 <a:solidFill>
-                  <a:schemeClr val="tx1"/>
+                  <a:schemeClr val="tx1">
+                    <a:lumMod val="50000"/>
+                  </a:schemeClr>
                 </a:solidFill>
               </a:rPr>
               <a:t>methods</a:t>
@@ -15349,7 +15609,9 @@
             <a:r>
               <a:rPr lang="es-AR" sz="1800" b="1" dirty="0">
                 <a:solidFill>
-                  <a:schemeClr val="tx1"/>
+                  <a:schemeClr val="tx1">
+                    <a:lumMod val="50000"/>
+                  </a:schemeClr>
                 </a:solidFill>
               </a:rPr>
               <a:t>: {</a:t>
@@ -15359,7 +15621,9 @@
             <a:r>
               <a:rPr lang="es-AR" sz="1800" b="1" dirty="0">
                 <a:solidFill>
-                  <a:schemeClr val="tx1"/>
+                  <a:schemeClr val="tx1">
+                    <a:lumMod val="50000"/>
+                  </a:schemeClr>
                 </a:solidFill>
               </a:rPr>
               <a:t>    load: </a:t>
@@ -15367,7 +15631,9 @@
             <a:r>
               <a:rPr lang="es-AR" sz="1800" b="1" dirty="0" err="1">
                 <a:solidFill>
-                  <a:schemeClr val="tx1"/>
+                  <a:schemeClr val="tx1">
+                    <a:lumMod val="50000"/>
+                  </a:schemeClr>
                 </a:solidFill>
               </a:rPr>
               <a:t>function</a:t>
@@ -15375,7 +15641,9 @@
             <a:r>
               <a:rPr lang="es-AR" sz="1800" b="1" dirty="0">
                 <a:solidFill>
-                  <a:schemeClr val="tx1"/>
+                  <a:schemeClr val="tx1">
+                    <a:lumMod val="50000"/>
+                  </a:schemeClr>
                 </a:solidFill>
               </a:rPr>
               <a:t> () {</a:t>
@@ -15385,7 +15653,9 @@
             <a:r>
               <a:rPr lang="es-AR" sz="1800" b="1" dirty="0">
                 <a:solidFill>
-                  <a:schemeClr val="tx1"/>
+                  <a:schemeClr val="tx1">
+                    <a:lumMod val="50000"/>
+                  </a:schemeClr>
                 </a:solidFill>
               </a:rPr>
               <a:t>      </a:t>
@@ -15393,7 +15663,9 @@
             <a:r>
               <a:rPr lang="es-AR" sz="1800" b="1" dirty="0" err="1">
                 <a:solidFill>
-                  <a:schemeClr val="tx1"/>
+                  <a:schemeClr val="tx1">
+                    <a:lumMod val="50000"/>
+                  </a:schemeClr>
                 </a:solidFill>
               </a:rPr>
               <a:t>Services.getMovie</a:t>
@@ -15401,7 +15673,9 @@
             <a:r>
               <a:rPr lang="es-AR" sz="1800" b="1" dirty="0">
                 <a:solidFill>
-                  <a:schemeClr val="tx1"/>
+                  <a:schemeClr val="tx1">
+                    <a:lumMod val="50000"/>
+                  </a:schemeClr>
                 </a:solidFill>
               </a:rPr>
               <a:t>(this.$route.params.id)</a:t>
@@ -15411,7 +15685,9 @@
             <a:r>
               <a:rPr lang="es-AR" sz="1800" b="1" dirty="0">
                 <a:solidFill>
-                  <a:schemeClr val="tx1"/>
+                  <a:schemeClr val="tx1">
+                    <a:lumMod val="50000"/>
+                  </a:schemeClr>
                 </a:solidFill>
               </a:rPr>
               <a:t>      .</a:t>
@@ -15419,7 +15695,9 @@
             <a:r>
               <a:rPr lang="es-AR" sz="1800" b="1" dirty="0" err="1">
                 <a:solidFill>
-                  <a:schemeClr val="tx1"/>
+                  <a:schemeClr val="tx1">
+                    <a:lumMod val="50000"/>
+                  </a:schemeClr>
                 </a:solidFill>
               </a:rPr>
               <a:t>then</a:t>
@@ -15427,7 +15705,9 @@
             <a:r>
               <a:rPr lang="es-AR" sz="1800" b="1" dirty="0">
                 <a:solidFill>
-                  <a:schemeClr val="tx1"/>
+                  <a:schemeClr val="tx1">
+                    <a:lumMod val="50000"/>
+                  </a:schemeClr>
                 </a:solidFill>
               </a:rPr>
               <a:t>(response =&gt; </a:t>
@@ -15435,7 +15715,9 @@
             <a:r>
               <a:rPr lang="es-AR" sz="1800" b="1" dirty="0" err="1">
                 <a:solidFill>
-                  <a:schemeClr val="tx1"/>
+                  <a:schemeClr val="tx1">
+                    <a:lumMod val="50000"/>
+                  </a:schemeClr>
                 </a:solidFill>
               </a:rPr>
               <a:t>response.json</a:t>
@@ -15443,7 +15725,9 @@
             <a:r>
               <a:rPr lang="es-AR" sz="1800" b="1" dirty="0">
                 <a:solidFill>
-                  <a:schemeClr val="tx1"/>
+                  <a:schemeClr val="tx1">
+                    <a:lumMod val="50000"/>
+                  </a:schemeClr>
                 </a:solidFill>
               </a:rPr>
               <a:t>())</a:t>
@@ -15453,7 +15737,9 @@
             <a:r>
               <a:rPr lang="es-AR" sz="1800" b="1" dirty="0">
                 <a:solidFill>
-                  <a:schemeClr val="tx1"/>
+                  <a:schemeClr val="tx1">
+                    <a:lumMod val="50000"/>
+                  </a:schemeClr>
                 </a:solidFill>
               </a:rPr>
               <a:t>      .</a:t>
@@ -15461,7 +15747,9 @@
             <a:r>
               <a:rPr lang="es-AR" sz="1800" b="1" dirty="0" err="1">
                 <a:solidFill>
-                  <a:schemeClr val="tx1"/>
+                  <a:schemeClr val="tx1">
+                    <a:lumMod val="50000"/>
+                  </a:schemeClr>
                 </a:solidFill>
               </a:rPr>
               <a:t>then</a:t>
@@ -15469,7 +15757,9 @@
             <a:r>
               <a:rPr lang="es-AR" sz="1800" b="1" dirty="0">
                 <a:solidFill>
-                  <a:schemeClr val="tx1"/>
+                  <a:schemeClr val="tx1">
+                    <a:lumMod val="50000"/>
+                  </a:schemeClr>
                 </a:solidFill>
               </a:rPr>
               <a:t>((</a:t>
@@ -15477,7 +15767,9 @@
             <a:r>
               <a:rPr lang="es-AR" sz="1800" b="1" dirty="0" err="1">
                 <a:solidFill>
-                  <a:schemeClr val="tx1"/>
+                  <a:schemeClr val="tx1">
+                    <a:lumMod val="50000"/>
+                  </a:schemeClr>
                 </a:solidFill>
               </a:rPr>
               <a:t>jsonResponse</a:t>
@@ -15485,7 +15777,9 @@
             <a:r>
               <a:rPr lang="es-AR" sz="1800" b="1" dirty="0">
                 <a:solidFill>
-                  <a:schemeClr val="tx1"/>
+                  <a:schemeClr val="tx1">
+                    <a:lumMod val="50000"/>
+                  </a:schemeClr>
                 </a:solidFill>
               </a:rPr>
               <a:t>) =&gt; {</a:t>
@@ -15495,7 +15789,9 @@
             <a:r>
               <a:rPr lang="es-AR" sz="1800" b="1" dirty="0">
                 <a:solidFill>
-                  <a:schemeClr val="tx1"/>
+                  <a:schemeClr val="tx1">
+                    <a:lumMod val="50000"/>
+                  </a:schemeClr>
                 </a:solidFill>
               </a:rPr>
               <a:t>        </a:t>
@@ -15503,7 +15799,9 @@
             <a:r>
               <a:rPr lang="es-AR" sz="1800" b="1" dirty="0" err="1">
                 <a:solidFill>
-                  <a:schemeClr val="tx1"/>
+                  <a:schemeClr val="tx1">
+                    <a:lumMod val="50000"/>
+                  </a:schemeClr>
                 </a:solidFill>
               </a:rPr>
               <a:t>this.movie</a:t>
@@ -15511,7 +15809,9 @@
             <a:r>
               <a:rPr lang="es-AR" sz="1800" b="1" dirty="0">
                 <a:solidFill>
-                  <a:schemeClr val="tx1"/>
+                  <a:schemeClr val="tx1">
+                    <a:lumMod val="50000"/>
+                  </a:schemeClr>
                 </a:solidFill>
               </a:rPr>
               <a:t> = </a:t>
@@ -15519,14 +15819,18 @@
             <a:r>
               <a:rPr lang="es-AR" sz="1800" b="1" dirty="0" err="1">
                 <a:solidFill>
-                  <a:schemeClr val="tx1"/>
+                  <a:schemeClr val="tx1">
+                    <a:lumMod val="50000"/>
+                  </a:schemeClr>
                 </a:solidFill>
               </a:rPr>
               <a:t>jsonResponse</a:t>
             </a:r>
             <a:endParaRPr lang="es-AR" sz="1800" b="1" dirty="0">
               <a:solidFill>
-                <a:schemeClr val="tx1"/>
+                <a:schemeClr val="tx1">
+                  <a:lumMod val="50000"/>
+                </a:schemeClr>
               </a:solidFill>
             </a:endParaRPr>
           </a:p>
@@ -15534,7 +15838,9 @@
             <a:r>
               <a:rPr lang="es-AR" sz="1800" b="1" dirty="0">
                 <a:solidFill>
-                  <a:schemeClr val="tx1"/>
+                  <a:schemeClr val="tx1">
+                    <a:lumMod val="50000"/>
+                  </a:schemeClr>
                 </a:solidFill>
               </a:rPr>
               <a:t>      })</a:t>
@@ -15544,7 +15850,9 @@
             <a:r>
               <a:rPr lang="es-AR" sz="1800" b="1" dirty="0">
                 <a:solidFill>
-                  <a:schemeClr val="tx1"/>
+                  <a:schemeClr val="tx1">
+                    <a:lumMod val="50000"/>
+                  </a:schemeClr>
                 </a:solidFill>
               </a:rPr>
               <a:t>    },</a:t>
@@ -15554,7 +15862,9 @@
             <a:r>
               <a:rPr lang="es-AR" sz="1800" b="1" dirty="0">
                 <a:solidFill>
-                  <a:schemeClr val="tx1"/>
+                  <a:schemeClr val="tx1">
+                    <a:lumMod val="50000"/>
+                  </a:schemeClr>
                 </a:solidFill>
               </a:rPr>
               <a:t>    </a:t>
@@ -15562,7 +15872,9 @@
             <a:r>
               <a:rPr lang="es-AR" sz="1800" b="1" dirty="0" err="1">
                 <a:solidFill>
-                  <a:schemeClr val="tx1"/>
+                  <a:schemeClr val="tx1">
+                    <a:lumMod val="50000"/>
+                  </a:schemeClr>
                 </a:solidFill>
               </a:rPr>
               <a:t>save</a:t>
@@ -15570,7 +15882,9 @@
             <a:r>
               <a:rPr lang="es-AR" sz="1800" b="1" dirty="0">
                 <a:solidFill>
-                  <a:schemeClr val="tx1"/>
+                  <a:schemeClr val="tx1">
+                    <a:lumMod val="50000"/>
+                  </a:schemeClr>
                 </a:solidFill>
               </a:rPr>
               <a:t>: </a:t>
@@ -15578,7 +15892,9 @@
             <a:r>
               <a:rPr lang="es-AR" sz="1800" b="1" dirty="0" err="1">
                 <a:solidFill>
-                  <a:schemeClr val="tx1"/>
+                  <a:schemeClr val="tx1">
+                    <a:lumMod val="50000"/>
+                  </a:schemeClr>
                 </a:solidFill>
               </a:rPr>
               <a:t>function</a:t>
@@ -15586,7 +15902,9 @@
             <a:r>
               <a:rPr lang="es-AR" sz="1800" b="1" dirty="0">
                 <a:solidFill>
-                  <a:schemeClr val="tx1"/>
+                  <a:schemeClr val="tx1">
+                    <a:lumMod val="50000"/>
+                  </a:schemeClr>
                 </a:solidFill>
               </a:rPr>
               <a:t> () {</a:t>
@@ -15596,7 +15914,9 @@
             <a:r>
               <a:rPr lang="es-AR" sz="1800" b="1" dirty="0">
                 <a:solidFill>
-                  <a:schemeClr val="tx1"/>
+                  <a:schemeClr val="tx1">
+                    <a:lumMod val="50000"/>
+                  </a:schemeClr>
                 </a:solidFill>
               </a:rPr>
               <a:t>      </a:t>
@@ -15604,7 +15924,9 @@
             <a:r>
               <a:rPr lang="es-AR" sz="1800" b="1" dirty="0" err="1">
                 <a:solidFill>
-                  <a:schemeClr val="tx1"/>
+                  <a:schemeClr val="tx1">
+                    <a:lumMod val="50000"/>
+                  </a:schemeClr>
                 </a:solidFill>
               </a:rPr>
               <a:t>Services.updateMovie</a:t>
@@ -15612,7 +15934,9 @@
             <a:r>
               <a:rPr lang="es-AR" sz="1800" b="1" dirty="0">
                 <a:solidFill>
-                  <a:schemeClr val="tx1"/>
+                  <a:schemeClr val="tx1">
+                    <a:lumMod val="50000"/>
+                  </a:schemeClr>
                 </a:solidFill>
               </a:rPr>
               <a:t>(</a:t>
@@ -15620,7 +15944,9 @@
             <a:r>
               <a:rPr lang="es-AR" sz="1800" b="1" dirty="0" err="1">
                 <a:solidFill>
-                  <a:schemeClr val="tx1"/>
+                  <a:schemeClr val="tx1">
+                    <a:lumMod val="50000"/>
+                  </a:schemeClr>
                 </a:solidFill>
               </a:rPr>
               <a:t>this.movie</a:t>
@@ -15628,7 +15954,9 @@
             <a:r>
               <a:rPr lang="es-AR" sz="1800" b="1" dirty="0">
                 <a:solidFill>
-                  <a:schemeClr val="tx1"/>
+                  <a:schemeClr val="tx1">
+                    <a:lumMod val="50000"/>
+                  </a:schemeClr>
                 </a:solidFill>
               </a:rPr>
               <a:t>)</a:t>
@@ -15638,7 +15966,9 @@
             <a:r>
               <a:rPr lang="es-AR" sz="1800" b="1" dirty="0">
                 <a:solidFill>
-                  <a:schemeClr val="tx1"/>
+                  <a:schemeClr val="tx1">
+                    <a:lumMod val="50000"/>
+                  </a:schemeClr>
                 </a:solidFill>
               </a:rPr>
               <a:t>      .</a:t>
@@ -15646,7 +15976,9 @@
             <a:r>
               <a:rPr lang="es-AR" sz="1800" b="1" dirty="0" err="1">
                 <a:solidFill>
-                  <a:schemeClr val="tx1"/>
+                  <a:schemeClr val="tx1">
+                    <a:lumMod val="50000"/>
+                  </a:schemeClr>
                 </a:solidFill>
               </a:rPr>
               <a:t>then</a:t>
@@ -15654,7 +15986,9 @@
             <a:r>
               <a:rPr lang="es-AR" sz="1800" b="1" dirty="0">
                 <a:solidFill>
-                  <a:schemeClr val="tx1"/>
+                  <a:schemeClr val="tx1">
+                    <a:lumMod val="50000"/>
+                  </a:schemeClr>
                 </a:solidFill>
               </a:rPr>
               <a:t>(() =&gt; </a:t>
@@ -15662,7 +15996,9 @@
             <a:r>
               <a:rPr lang="es-AR" sz="1800" b="1" dirty="0" err="1">
                 <a:solidFill>
-                  <a:schemeClr val="tx1"/>
+                  <a:schemeClr val="tx1">
+                    <a:lumMod val="50000"/>
+                  </a:schemeClr>
                 </a:solidFill>
               </a:rPr>
               <a:t>this</a:t>
@@ -15670,7 +16006,9 @@
             <a:r>
               <a:rPr lang="es-AR" sz="1800" b="1" dirty="0">
                 <a:solidFill>
-                  <a:schemeClr val="tx1"/>
+                  <a:schemeClr val="tx1">
+                    <a:lumMod val="50000"/>
+                  </a:schemeClr>
                 </a:solidFill>
               </a:rPr>
               <a:t>.$</a:t>
@@ -15678,7 +16016,9 @@
             <a:r>
               <a:rPr lang="es-AR" sz="1800" b="1" dirty="0" err="1">
                 <a:solidFill>
-                  <a:schemeClr val="tx1"/>
+                  <a:schemeClr val="tx1">
+                    <a:lumMod val="50000"/>
+                  </a:schemeClr>
                 </a:solidFill>
               </a:rPr>
               <a:t>router.push</a:t>
@@ -15686,7 +16026,9 @@
             <a:r>
               <a:rPr lang="es-AR" sz="1800" b="1" dirty="0">
                 <a:solidFill>
-                  <a:schemeClr val="tx1"/>
+                  <a:schemeClr val="tx1">
+                    <a:lumMod val="50000"/>
+                  </a:schemeClr>
                 </a:solidFill>
               </a:rPr>
               <a:t>('/</a:t>
@@ -15694,7 +16036,9 @@
             <a:r>
               <a:rPr lang="es-AR" sz="1800" b="1" dirty="0" err="1">
                 <a:solidFill>
-                  <a:schemeClr val="tx1"/>
+                  <a:schemeClr val="tx1">
+                    <a:lumMod val="50000"/>
+                  </a:schemeClr>
                 </a:solidFill>
               </a:rPr>
               <a:t>list</a:t>
@@ -15702,7 +16046,9 @@
             <a:r>
               <a:rPr lang="es-AR" sz="1800" b="1" dirty="0">
                 <a:solidFill>
-                  <a:schemeClr val="tx1"/>
+                  <a:schemeClr val="tx1">
+                    <a:lumMod val="50000"/>
+                  </a:schemeClr>
                 </a:solidFill>
               </a:rPr>
               <a:t>'))</a:t>
@@ -15712,7 +16058,9 @@
             <a:r>
               <a:rPr lang="es-AR" sz="1800" b="1" dirty="0">
                 <a:solidFill>
-                  <a:schemeClr val="tx1"/>
+                  <a:schemeClr val="tx1">
+                    <a:lumMod val="50000"/>
+                  </a:schemeClr>
                 </a:solidFill>
               </a:rPr>
               <a:t>    },</a:t>
@@ -15722,7 +16070,9 @@
             <a:r>
               <a:rPr lang="es-AR" sz="1800" b="1" dirty="0">
                 <a:solidFill>
-                  <a:schemeClr val="tx1"/>
+                  <a:schemeClr val="tx1">
+                    <a:lumMod val="50000"/>
+                  </a:schemeClr>
                 </a:solidFill>
               </a:rPr>
               <a:t>    cancel: </a:t>
@@ -15730,7 +16080,9 @@
             <a:r>
               <a:rPr lang="es-AR" sz="1800" b="1" dirty="0" err="1">
                 <a:solidFill>
-                  <a:schemeClr val="tx1"/>
+                  <a:schemeClr val="tx1">
+                    <a:lumMod val="50000"/>
+                  </a:schemeClr>
                 </a:solidFill>
               </a:rPr>
               <a:t>function</a:t>
@@ -15738,7 +16090,9 @@
             <a:r>
               <a:rPr lang="es-AR" sz="1800" b="1" dirty="0">
                 <a:solidFill>
-                  <a:schemeClr val="tx1"/>
+                  <a:schemeClr val="tx1">
+                    <a:lumMod val="50000"/>
+                  </a:schemeClr>
                 </a:solidFill>
               </a:rPr>
               <a:t> () {</a:t>
@@ -15748,7 +16102,9 @@
             <a:r>
               <a:rPr lang="es-AR" sz="1800" b="1" dirty="0">
                 <a:solidFill>
-                  <a:schemeClr val="tx1"/>
+                  <a:schemeClr val="tx1">
+                    <a:lumMod val="50000"/>
+                  </a:schemeClr>
                 </a:solidFill>
               </a:rPr>
               <a:t>      </a:t>
@@ -15756,7 +16112,9 @@
             <a:r>
               <a:rPr lang="es-AR" sz="1800" b="1" dirty="0" err="1">
                 <a:solidFill>
-                  <a:schemeClr val="tx1"/>
+                  <a:schemeClr val="tx1">
+                    <a:lumMod val="50000"/>
+                  </a:schemeClr>
                 </a:solidFill>
               </a:rPr>
               <a:t>this</a:t>
@@ -15764,7 +16122,9 @@
             <a:r>
               <a:rPr lang="es-AR" sz="1800" b="1" dirty="0">
                 <a:solidFill>
-                  <a:schemeClr val="tx1"/>
+                  <a:schemeClr val="tx1">
+                    <a:lumMod val="50000"/>
+                  </a:schemeClr>
                 </a:solidFill>
               </a:rPr>
               <a:t>.$</a:t>
@@ -15772,7 +16132,9 @@
             <a:r>
               <a:rPr lang="es-AR" sz="1800" b="1" dirty="0" err="1">
                 <a:solidFill>
-                  <a:schemeClr val="tx1"/>
+                  <a:schemeClr val="tx1">
+                    <a:lumMod val="50000"/>
+                  </a:schemeClr>
                 </a:solidFill>
               </a:rPr>
               <a:t>router.push</a:t>
@@ -15780,7 +16142,9 @@
             <a:r>
               <a:rPr lang="es-AR" sz="1800" b="1" dirty="0">
                 <a:solidFill>
-                  <a:schemeClr val="tx1"/>
+                  <a:schemeClr val="tx1">
+                    <a:lumMod val="50000"/>
+                  </a:schemeClr>
                 </a:solidFill>
               </a:rPr>
               <a:t>('/</a:t>
@@ -15788,7 +16152,9 @@
             <a:r>
               <a:rPr lang="es-AR" sz="1800" b="1" dirty="0" err="1">
                 <a:solidFill>
-                  <a:schemeClr val="tx1"/>
+                  <a:schemeClr val="tx1">
+                    <a:lumMod val="50000"/>
+                  </a:schemeClr>
                 </a:solidFill>
               </a:rPr>
               <a:t>list</a:t>
@@ -15796,7 +16162,9 @@
             <a:r>
               <a:rPr lang="es-AR" sz="1800" b="1" dirty="0">
                 <a:solidFill>
-                  <a:schemeClr val="tx1"/>
+                  <a:schemeClr val="tx1">
+                    <a:lumMod val="50000"/>
+                  </a:schemeClr>
                 </a:solidFill>
               </a:rPr>
               <a:t>')</a:t>
@@ -15806,7 +16174,9 @@
             <a:r>
               <a:rPr lang="es-AR" sz="1800" b="1" dirty="0">
                 <a:solidFill>
-                  <a:schemeClr val="tx1"/>
+                  <a:schemeClr val="tx1">
+                    <a:lumMod val="50000"/>
+                  </a:schemeClr>
                 </a:solidFill>
               </a:rPr>
               <a:t>    }</a:t>
@@ -15816,7 +16186,9 @@
             <a:r>
               <a:rPr lang="es-AR" sz="1800" b="1" dirty="0">
                 <a:solidFill>
-                  <a:schemeClr val="tx1"/>
+                  <a:schemeClr val="tx1">
+                    <a:lumMod val="50000"/>
+                  </a:schemeClr>
                 </a:solidFill>
               </a:rPr>
               <a:t>  }</a:t>
@@ -15826,14 +16198,18 @@
             <a:r>
               <a:rPr lang="es-AR" sz="1800" b="1" dirty="0" smtClean="0">
                 <a:solidFill>
-                  <a:schemeClr val="tx1"/>
+                  <a:schemeClr val="tx1">
+                    <a:lumMod val="50000"/>
+                  </a:schemeClr>
                 </a:solidFill>
               </a:rPr>
               <a:t>}</a:t>
             </a:r>
             <a:endParaRPr lang="es-AR" sz="1800" b="1" dirty="0">
               <a:solidFill>
-                <a:schemeClr val="tx1"/>
+                <a:schemeClr val="tx1">
+                  <a:lumMod val="50000"/>
+                </a:schemeClr>
               </a:solidFill>
             </a:endParaRPr>
           </a:p>
@@ -15962,7 +16338,9 @@
             <a:r>
               <a:rPr lang="es-AR" sz="1800" b="1" dirty="0" err="1">
                 <a:solidFill>
-                  <a:schemeClr val="tx1"/>
+                  <a:schemeClr val="tx1">
+                    <a:lumMod val="50000"/>
+                  </a:schemeClr>
                 </a:solidFill>
               </a:rPr>
               <a:t>updateMovie</a:t>
@@ -15970,7 +16348,9 @@
             <a:r>
               <a:rPr lang="es-AR" sz="1800" b="1" dirty="0">
                 <a:solidFill>
-                  <a:schemeClr val="tx1"/>
+                  <a:schemeClr val="tx1">
+                    <a:lumMod val="50000"/>
+                  </a:schemeClr>
                 </a:solidFill>
               </a:rPr>
               <a:t>: (</a:t>
@@ -15978,7 +16358,9 @@
             <a:r>
               <a:rPr lang="es-AR" sz="1800" b="1" dirty="0" err="1">
                 <a:solidFill>
-                  <a:schemeClr val="tx1"/>
+                  <a:schemeClr val="tx1">
+                    <a:lumMod val="50000"/>
+                  </a:schemeClr>
                 </a:solidFill>
               </a:rPr>
               <a:t>movie</a:t>
@@ -15986,7 +16368,9 @@
             <a:r>
               <a:rPr lang="es-AR" sz="1800" b="1" dirty="0">
                 <a:solidFill>
-                  <a:schemeClr val="tx1"/>
+                  <a:schemeClr val="tx1">
+                    <a:lumMod val="50000"/>
+                  </a:schemeClr>
                 </a:solidFill>
               </a:rPr>
               <a:t>) =&gt; {</a:t>
@@ -15996,7 +16380,9 @@
             <a:r>
               <a:rPr lang="es-AR" sz="1800" b="1" dirty="0">
                 <a:solidFill>
-                  <a:schemeClr val="tx1"/>
+                  <a:schemeClr val="tx1">
+                    <a:lumMod val="50000"/>
+                  </a:schemeClr>
                 </a:solidFill>
               </a:rPr>
               <a:t>  </a:t>
@@ -16004,7 +16390,9 @@
             <a:r>
               <a:rPr lang="es-AR" sz="1800" b="1" dirty="0" err="1">
                 <a:solidFill>
-                  <a:schemeClr val="tx1"/>
+                  <a:schemeClr val="tx1">
+                    <a:lumMod val="50000"/>
+                  </a:schemeClr>
                 </a:solidFill>
               </a:rPr>
               <a:t>return</a:t>
@@ -16012,7 +16400,9 @@
             <a:r>
               <a:rPr lang="es-AR" sz="1800" b="1" dirty="0">
                 <a:solidFill>
-                  <a:schemeClr val="tx1"/>
+                  <a:schemeClr val="tx1">
+                    <a:lumMod val="50000"/>
+                  </a:schemeClr>
                 </a:solidFill>
               </a:rPr>
               <a:t> </a:t>
@@ -16020,7 +16410,9 @@
             <a:r>
               <a:rPr lang="es-AR" sz="1800" b="1" dirty="0" err="1">
                 <a:solidFill>
-                  <a:schemeClr val="tx1"/>
+                  <a:schemeClr val="tx1">
+                    <a:lumMod val="50000"/>
+                  </a:schemeClr>
                 </a:solidFill>
               </a:rPr>
               <a:t>fetch</a:t>
@@ -16028,7 +16420,9 @@
             <a:r>
               <a:rPr lang="es-AR" sz="1800" b="1" dirty="0">
                 <a:solidFill>
-                  <a:schemeClr val="tx1"/>
+                  <a:schemeClr val="tx1">
+                    <a:lumMod val="50000"/>
+                  </a:schemeClr>
                 </a:solidFill>
               </a:rPr>
               <a:t>(`${</a:t>
@@ -16036,7 +16430,9 @@
             <a:r>
               <a:rPr lang="es-AR" sz="1800" b="1" dirty="0" err="1">
                 <a:solidFill>
-                  <a:schemeClr val="tx1"/>
+                  <a:schemeClr val="tx1">
+                    <a:lumMod val="50000"/>
+                  </a:schemeClr>
                 </a:solidFill>
               </a:rPr>
               <a:t>url</a:t>
@@ -16044,7 +16440,9 @@
             <a:r>
               <a:rPr lang="es-AR" sz="1800" b="1" dirty="0">
                 <a:solidFill>
-                  <a:schemeClr val="tx1"/>
+                  <a:schemeClr val="tx1">
+                    <a:lumMod val="50000"/>
+                  </a:schemeClr>
                 </a:solidFill>
               </a:rPr>
               <a:t>}/${</a:t>
@@ -16052,7 +16450,9 @@
             <a:r>
               <a:rPr lang="es-AR" sz="1800" b="1" dirty="0" err="1">
                 <a:solidFill>
-                  <a:schemeClr val="tx1"/>
+                  <a:schemeClr val="tx1">
+                    <a:lumMod val="50000"/>
+                  </a:schemeClr>
                 </a:solidFill>
               </a:rPr>
               <a:t>movie.movieId</a:t>
@@ -16060,7 +16460,9 @@
             <a:r>
               <a:rPr lang="es-AR" sz="1800" b="1" dirty="0">
                 <a:solidFill>
-                  <a:schemeClr val="tx1"/>
+                  <a:schemeClr val="tx1">
+                    <a:lumMod val="50000"/>
+                  </a:schemeClr>
                 </a:solidFill>
               </a:rPr>
               <a:t>}`, {</a:t>
@@ -16070,7 +16472,9 @@
             <a:r>
               <a:rPr lang="es-AR" sz="1800" b="1" dirty="0">
                 <a:solidFill>
-                  <a:schemeClr val="tx1"/>
+                  <a:schemeClr val="tx1">
+                    <a:lumMod val="50000"/>
+                  </a:schemeClr>
                 </a:solidFill>
               </a:rPr>
               <a:t>    </a:t>
@@ -16078,7 +16482,9 @@
             <a:r>
               <a:rPr lang="es-AR" sz="1800" b="1" dirty="0" err="1">
                 <a:solidFill>
-                  <a:schemeClr val="tx1"/>
+                  <a:schemeClr val="tx1">
+                    <a:lumMod val="50000"/>
+                  </a:schemeClr>
                 </a:solidFill>
               </a:rPr>
               <a:t>headers</a:t>
@@ -16086,7 +16492,9 @@
             <a:r>
               <a:rPr lang="es-AR" sz="1800" b="1" dirty="0">
                 <a:solidFill>
-                  <a:schemeClr val="tx1"/>
+                  <a:schemeClr val="tx1">
+                    <a:lumMod val="50000"/>
+                  </a:schemeClr>
                 </a:solidFill>
               </a:rPr>
               <a:t>: {</a:t>
@@ -16096,7 +16504,9 @@
             <a:r>
               <a:rPr lang="es-AR" sz="1800" b="1" dirty="0">
                 <a:solidFill>
-                  <a:schemeClr val="tx1"/>
+                  <a:schemeClr val="tx1">
+                    <a:lumMod val="50000"/>
+                  </a:schemeClr>
                 </a:solidFill>
               </a:rPr>
               <a:t>      '</a:t>
@@ -16104,7 +16514,9 @@
             <a:r>
               <a:rPr lang="es-AR" sz="1800" b="1" dirty="0" err="1">
                 <a:solidFill>
-                  <a:schemeClr val="tx1"/>
+                  <a:schemeClr val="tx1">
+                    <a:lumMod val="50000"/>
+                  </a:schemeClr>
                 </a:solidFill>
               </a:rPr>
               <a:t>Accept</a:t>
@@ -16112,7 +16524,9 @@
             <a:r>
               <a:rPr lang="es-AR" sz="1800" b="1" dirty="0">
                 <a:solidFill>
-                  <a:schemeClr val="tx1"/>
+                  <a:schemeClr val="tx1">
+                    <a:lumMod val="50000"/>
+                  </a:schemeClr>
                 </a:solidFill>
               </a:rPr>
               <a:t>': '</a:t>
@@ -16120,7 +16534,9 @@
             <a:r>
               <a:rPr lang="es-AR" sz="1800" b="1" dirty="0" err="1">
                 <a:solidFill>
-                  <a:schemeClr val="tx1"/>
+                  <a:schemeClr val="tx1">
+                    <a:lumMod val="50000"/>
+                  </a:schemeClr>
                 </a:solidFill>
               </a:rPr>
               <a:t>application</a:t>
@@ -16128,7 +16544,9 @@
             <a:r>
               <a:rPr lang="es-AR" sz="1800" b="1" dirty="0">
                 <a:solidFill>
-                  <a:schemeClr val="tx1"/>
+                  <a:schemeClr val="tx1">
+                    <a:lumMod val="50000"/>
+                  </a:schemeClr>
                 </a:solidFill>
               </a:rPr>
               <a:t>/</a:t>
@@ -16136,7 +16554,9 @@
             <a:r>
               <a:rPr lang="es-AR" sz="1800" b="1" dirty="0" err="1">
                 <a:solidFill>
-                  <a:schemeClr val="tx1"/>
+                  <a:schemeClr val="tx1">
+                    <a:lumMod val="50000"/>
+                  </a:schemeClr>
                 </a:solidFill>
               </a:rPr>
               <a:t>json</a:t>
@@ -16144,7 +16564,9 @@
             <a:r>
               <a:rPr lang="es-AR" sz="1800" b="1" dirty="0">
                 <a:solidFill>
-                  <a:schemeClr val="tx1"/>
+                  <a:schemeClr val="tx1">
+                    <a:lumMod val="50000"/>
+                  </a:schemeClr>
                 </a:solidFill>
               </a:rPr>
               <a:t>',</a:t>
@@ -16154,7 +16576,9 @@
             <a:r>
               <a:rPr lang="es-AR" sz="1800" b="1" dirty="0">
                 <a:solidFill>
-                  <a:schemeClr val="tx1"/>
+                  <a:schemeClr val="tx1">
+                    <a:lumMod val="50000"/>
+                  </a:schemeClr>
                 </a:solidFill>
               </a:rPr>
               <a:t>      'Content-</a:t>
@@ -16162,7 +16586,9 @@
             <a:r>
               <a:rPr lang="es-AR" sz="1800" b="1" dirty="0" err="1">
                 <a:solidFill>
-                  <a:schemeClr val="tx1"/>
+                  <a:schemeClr val="tx1">
+                    <a:lumMod val="50000"/>
+                  </a:schemeClr>
                 </a:solidFill>
               </a:rPr>
               <a:t>Type</a:t>
@@ -16170,7 +16596,9 @@
             <a:r>
               <a:rPr lang="es-AR" sz="1800" b="1" dirty="0">
                 <a:solidFill>
-                  <a:schemeClr val="tx1"/>
+                  <a:schemeClr val="tx1">
+                    <a:lumMod val="50000"/>
+                  </a:schemeClr>
                 </a:solidFill>
               </a:rPr>
               <a:t>': '</a:t>
@@ -16178,7 +16606,9 @@
             <a:r>
               <a:rPr lang="es-AR" sz="1800" b="1" dirty="0" err="1">
                 <a:solidFill>
-                  <a:schemeClr val="tx1"/>
+                  <a:schemeClr val="tx1">
+                    <a:lumMod val="50000"/>
+                  </a:schemeClr>
                 </a:solidFill>
               </a:rPr>
               <a:t>application</a:t>
@@ -16186,7 +16616,9 @@
             <a:r>
               <a:rPr lang="es-AR" sz="1800" b="1" dirty="0">
                 <a:solidFill>
-                  <a:schemeClr val="tx1"/>
+                  <a:schemeClr val="tx1">
+                    <a:lumMod val="50000"/>
+                  </a:schemeClr>
                 </a:solidFill>
               </a:rPr>
               <a:t>/</a:t>
@@ -16194,7 +16626,9 @@
             <a:r>
               <a:rPr lang="es-AR" sz="1800" b="1" dirty="0" err="1">
                 <a:solidFill>
-                  <a:schemeClr val="tx1"/>
+                  <a:schemeClr val="tx1">
+                    <a:lumMod val="50000"/>
+                  </a:schemeClr>
                 </a:solidFill>
               </a:rPr>
               <a:t>json</a:t>
@@ -16202,7 +16636,9 @@
             <a:r>
               <a:rPr lang="es-AR" sz="1800" b="1" dirty="0">
                 <a:solidFill>
-                  <a:schemeClr val="tx1"/>
+                  <a:schemeClr val="tx1">
+                    <a:lumMod val="50000"/>
+                  </a:schemeClr>
                 </a:solidFill>
               </a:rPr>
               <a:t>'</a:t>
@@ -16212,7 +16648,9 @@
             <a:r>
               <a:rPr lang="es-AR" sz="1800" b="1" dirty="0">
                 <a:solidFill>
-                  <a:schemeClr val="tx1"/>
+                  <a:schemeClr val="tx1">
+                    <a:lumMod val="50000"/>
+                  </a:schemeClr>
                 </a:solidFill>
               </a:rPr>
               <a:t>    },</a:t>
@@ -16222,7 +16660,9 @@
             <a:r>
               <a:rPr lang="es-AR" sz="1800" b="1" dirty="0">
                 <a:solidFill>
-                  <a:schemeClr val="tx1"/>
+                  <a:schemeClr val="tx1">
+                    <a:lumMod val="50000"/>
+                  </a:schemeClr>
                 </a:solidFill>
               </a:rPr>
               <a:t>    </a:t>
@@ -16230,7 +16670,9 @@
             <a:r>
               <a:rPr lang="es-AR" sz="1800" b="1" dirty="0" err="1">
                 <a:solidFill>
-                  <a:schemeClr val="tx1"/>
+                  <a:schemeClr val="tx1">
+                    <a:lumMod val="50000"/>
+                  </a:schemeClr>
                 </a:solidFill>
               </a:rPr>
               <a:t>method</a:t>
@@ -16238,7 +16680,9 @@
             <a:r>
               <a:rPr lang="es-AR" sz="1800" b="1" dirty="0">
                 <a:solidFill>
-                  <a:schemeClr val="tx1"/>
+                  <a:schemeClr val="tx1">
+                    <a:lumMod val="50000"/>
+                  </a:schemeClr>
                 </a:solidFill>
               </a:rPr>
               <a:t>: 'PUT',</a:t>
@@ -16248,7 +16692,9 @@
             <a:r>
               <a:rPr lang="es-AR" sz="1800" b="1" dirty="0">
                 <a:solidFill>
-                  <a:schemeClr val="tx1"/>
+                  <a:schemeClr val="tx1">
+                    <a:lumMod val="50000"/>
+                  </a:schemeClr>
                 </a:solidFill>
               </a:rPr>
               <a:t>    </a:t>
@@ -16256,7 +16702,9 @@
             <a:r>
               <a:rPr lang="es-AR" sz="1800" b="1" dirty="0" err="1">
                 <a:solidFill>
-                  <a:schemeClr val="tx1"/>
+                  <a:schemeClr val="tx1">
+                    <a:lumMod val="50000"/>
+                  </a:schemeClr>
                 </a:solidFill>
               </a:rPr>
               <a:t>body</a:t>
@@ -16264,7 +16712,9 @@
             <a:r>
               <a:rPr lang="es-AR" sz="1800" b="1" dirty="0">
                 <a:solidFill>
-                  <a:schemeClr val="tx1"/>
+                  <a:schemeClr val="tx1">
+                    <a:lumMod val="50000"/>
+                  </a:schemeClr>
                 </a:solidFill>
               </a:rPr>
               <a:t>: </a:t>
@@ -16272,7 +16722,9 @@
             <a:r>
               <a:rPr lang="es-AR" sz="1800" b="1" dirty="0" err="1">
                 <a:solidFill>
-                  <a:schemeClr val="tx1"/>
+                  <a:schemeClr val="tx1">
+                    <a:lumMod val="50000"/>
+                  </a:schemeClr>
                 </a:solidFill>
               </a:rPr>
               <a:t>JSON.stringify</a:t>
@@ -16280,7 +16732,9 @@
             <a:r>
               <a:rPr lang="es-AR" sz="1800" b="1" dirty="0">
                 <a:solidFill>
-                  <a:schemeClr val="tx1"/>
+                  <a:schemeClr val="tx1">
+                    <a:lumMod val="50000"/>
+                  </a:schemeClr>
                 </a:solidFill>
               </a:rPr>
               <a:t>(</a:t>
@@ -16288,7 +16742,9 @@
             <a:r>
               <a:rPr lang="es-AR" sz="1800" b="1" dirty="0" err="1">
                 <a:solidFill>
-                  <a:schemeClr val="tx1"/>
+                  <a:schemeClr val="tx1">
+                    <a:lumMod val="50000"/>
+                  </a:schemeClr>
                 </a:solidFill>
               </a:rPr>
               <a:t>movie</a:t>
@@ -16296,7 +16752,9 @@
             <a:r>
               <a:rPr lang="es-AR" sz="1800" b="1" dirty="0">
                 <a:solidFill>
-                  <a:schemeClr val="tx1"/>
+                  <a:schemeClr val="tx1">
+                    <a:lumMod val="50000"/>
+                  </a:schemeClr>
                 </a:solidFill>
               </a:rPr>
               <a:t>)</a:t>
@@ -16306,7 +16764,9 @@
             <a:r>
               <a:rPr lang="es-AR" sz="1800" b="1" dirty="0">
                 <a:solidFill>
-                  <a:schemeClr val="tx1"/>
+                  <a:schemeClr val="tx1">
+                    <a:lumMod val="50000"/>
+                  </a:schemeClr>
                 </a:solidFill>
               </a:rPr>
               <a:t>  })</a:t>
@@ -16316,7 +16776,9 @@
             <a:r>
               <a:rPr lang="es-AR" sz="1800" b="1" dirty="0">
                 <a:solidFill>
-                  <a:schemeClr val="tx1"/>
+                  <a:schemeClr val="tx1">
+                    <a:lumMod val="50000"/>
+                  </a:schemeClr>
                 </a:solidFill>
               </a:rPr>
               <a:t>},</a:t>
